--- a/code_smells.pptx
+++ b/code_smells.pptx
@@ -5,7 +5,7 @@
     <p:sldMasterId id="2147483648" r:id="rId1"/>
   </p:sldMasterIdLst>
   <p:notesMasterIdLst>
-    <p:notesMasterId r:id="rId18"/>
+    <p:notesMasterId r:id="rId19"/>
   </p:notesMasterIdLst>
   <p:sldIdLst>
     <p:sldId id="256" r:id="rId2"/>
@@ -22,8 +22,9 @@
     <p:sldId id="268" r:id="rId13"/>
     <p:sldId id="269" r:id="rId14"/>
     <p:sldId id="270" r:id="rId15"/>
-    <p:sldId id="271" r:id="rId16"/>
-    <p:sldId id="272" r:id="rId17"/>
+    <p:sldId id="272" r:id="rId16"/>
+    <p:sldId id="274" r:id="rId17"/>
+    <p:sldId id="273" r:id="rId18"/>
   </p:sldIdLst>
   <p:sldSz cx="9144000" cy="6858000" type="screen4x3"/>
   <p:notesSz cx="6858000" cy="9144000"/>
@@ -206,7 +207,7 @@
           </a:lstStyle>
           <a:p>
             <a:fld id="{32969613-7539-C546-9A90-C909B777852E}" type="datetimeFigureOut">
-              <a:t>03/03/15</a:t>
+              <a:t>31/01/16</a:t>
             </a:fld>
             <a:endParaRPr lang="nb-NO"/>
           </a:p>
@@ -517,9 +518,14 @@
           <a:lstStyle/>
           <a:p>
             <a:r>
-              <a:rPr lang="nb-NO"/>
-              <a:t>Bugs bugs bugs</a:t>
-            </a:r>
+              <a:rPr lang="en-US" dirty="0" smtClean="0"/>
+              <a:t>Difference between sour</a:t>
+            </a:r>
+            <a:r>
+              <a:rPr lang="en-US" baseline="0" dirty="0" smtClean="0"/>
+              <a:t> socks and fancy, ripe cheese. </a:t>
+            </a:r>
+            <a:endParaRPr lang="en-US" dirty="0"/>
           </a:p>
         </p:txBody>
       </p:sp>
@@ -539,16 +545,105 @@
           <a:lstStyle/>
           <a:p>
             <a:fld id="{AE4CF883-FB90-0243-BF0E-0419152184F5}" type="slidenum">
-              <a:t>5</a:t>
+              <a:rPr lang="uk-UA" smtClean="0"/>
+              <a:t>2</a:t>
             </a:fld>
-            <a:endParaRPr lang="nb-NO"/>
+            <a:endParaRPr lang="uk-UA"/>
           </a:p>
         </p:txBody>
       </p:sp>
     </p:spTree>
     <p:extLst>
       <p:ext uri="{BB962C8B-B14F-4D97-AF65-F5344CB8AC3E}">
-        <p14:creationId xmlns:p14="http://schemas.microsoft.com/office/powerpoint/2010/main" val="1603429908"/>
+        <p14:creationId xmlns:p14="http://schemas.microsoft.com/office/powerpoint/2010/main" val="3664614773"/>
+      </p:ext>
+    </p:extLst>
+  </p:cSld>
+  <p:clrMapOvr>
+    <a:masterClrMapping/>
+  </p:clrMapOvr>
+</p:notes>
+</file>
+
+<file path=ppt/notesSlides/notesSlide10.xml><?xml version="1.0" encoding="utf-8"?>
+<p:notes xmlns:a="http://schemas.openxmlformats.org/drawingml/2006/main" xmlns:r="http://schemas.openxmlformats.org/officeDocument/2006/relationships" xmlns:p="http://schemas.openxmlformats.org/presentationml/2006/main">
+  <p:cSld>
+    <p:spTree>
+      <p:nvGrpSpPr>
+        <p:cNvPr id="1" name=""/>
+        <p:cNvGrpSpPr/>
+        <p:nvPr/>
+      </p:nvGrpSpPr>
+      <p:grpSpPr>
+        <a:xfrm>
+          <a:off x="0" y="0"/>
+          <a:ext cx="0" cy="0"/>
+          <a:chOff x="0" y="0"/>
+          <a:chExt cx="0" cy="0"/>
+        </a:xfrm>
+      </p:grpSpPr>
+      <p:sp>
+        <p:nvSpPr>
+          <p:cNvPr id="2" name="Slide Image Placeholder 1"/>
+          <p:cNvSpPr>
+            <a:spLocks noGrp="1" noRot="1" noChangeAspect="1"/>
+          </p:cNvSpPr>
+          <p:nvPr>
+            <p:ph type="sldImg"/>
+          </p:nvPr>
+        </p:nvSpPr>
+        <p:spPr/>
+      </p:sp>
+      <p:sp>
+        <p:nvSpPr>
+          <p:cNvPr id="3" name="Notes Placeholder 2"/>
+          <p:cNvSpPr>
+            <a:spLocks noGrp="1"/>
+          </p:cNvSpPr>
+          <p:nvPr>
+            <p:ph type="body" idx="1"/>
+          </p:nvPr>
+        </p:nvSpPr>
+        <p:spPr/>
+        <p:txBody>
+          <a:bodyPr/>
+          <a:lstStyle/>
+          <a:p>
+            <a:r>
+              <a:rPr lang="en-US" dirty="0" smtClean="0"/>
+              <a:t>Lies, damn lies, statistics and then.. there are comments. Just don’t do it. </a:t>
+            </a:r>
+            <a:endParaRPr lang="en-US" dirty="0"/>
+          </a:p>
+        </p:txBody>
+      </p:sp>
+      <p:sp>
+        <p:nvSpPr>
+          <p:cNvPr id="4" name="Slide Number Placeholder 3"/>
+          <p:cNvSpPr>
+            <a:spLocks noGrp="1"/>
+          </p:cNvSpPr>
+          <p:nvPr>
+            <p:ph type="sldNum" sz="quarter" idx="10"/>
+          </p:nvPr>
+        </p:nvSpPr>
+        <p:spPr/>
+        <p:txBody>
+          <a:bodyPr/>
+          <a:lstStyle/>
+          <a:p>
+            <a:fld id="{AE4CF883-FB90-0243-BF0E-0419152184F5}" type="slidenum">
+              <a:rPr lang="uk-UA" smtClean="0"/>
+              <a:t>15</a:t>
+            </a:fld>
+            <a:endParaRPr lang="uk-UA"/>
+          </a:p>
+        </p:txBody>
+      </p:sp>
+    </p:spTree>
+    <p:extLst>
+      <p:ext uri="{BB962C8B-B14F-4D97-AF65-F5344CB8AC3E}">
+        <p14:creationId xmlns:p14="http://schemas.microsoft.com/office/powerpoint/2010/main" val="2030302884"/>
       </p:ext>
     </p:extLst>
   </p:cSld>
@@ -603,14 +698,35 @@
           <a:lstStyle/>
           <a:p>
             <a:r>
-              <a:rPr lang="nb-NO"/>
-              <a:t>The longer it</a:t>
-            </a:r>
-            <a:r>
-              <a:rPr lang="nb-NO" baseline="0"/>
-              <a:t> is, the harder it is to understand and debug.</a:t>
-            </a:r>
-            <a:endParaRPr lang="nb-NO"/>
+              <a:rPr lang="en-US" dirty="0" smtClean="0"/>
+              <a:t>Principles</a:t>
+            </a:r>
+            <a:r>
+              <a:rPr lang="en-US" baseline="0" dirty="0" smtClean="0"/>
+              <a:t> for separating code!</a:t>
+            </a:r>
+          </a:p>
+          <a:p>
+            <a:r>
+              <a:rPr lang="en-US" dirty="0" smtClean="0"/>
+              <a:t>Single responsibility principle – each</a:t>
+            </a:r>
+            <a:r>
+              <a:rPr lang="en-US" baseline="0" dirty="0" smtClean="0"/>
+              <a:t> class has ONE responsibility (fewer and more concise classes)</a:t>
+            </a:r>
+            <a:endParaRPr lang="en-US" dirty="0" smtClean="0"/>
+          </a:p>
+          <a:p>
+            <a:r>
+              <a:rPr lang="en-US" dirty="0" smtClean="0"/>
+              <a:t>Open Closed Principle</a:t>
+            </a:r>
+            <a:r>
+              <a:rPr lang="en-US" baseline="0" dirty="0" smtClean="0"/>
+              <a:t> – open to expansion, closed for modification</a:t>
+            </a:r>
+            <a:endParaRPr lang="en-US" dirty="0"/>
           </a:p>
         </p:txBody>
       </p:sp>
@@ -630,16 +746,17 @@
           <a:lstStyle/>
           <a:p>
             <a:fld id="{AE4CF883-FB90-0243-BF0E-0419152184F5}" type="slidenum">
-              <a:t>6</a:t>
+              <a:rPr lang="uk-UA" smtClean="0"/>
+              <a:t>4</a:t>
             </a:fld>
-            <a:endParaRPr lang="nb-NO"/>
+            <a:endParaRPr lang="uk-UA"/>
           </a:p>
         </p:txBody>
       </p:sp>
     </p:spTree>
     <p:extLst>
       <p:ext uri="{BB962C8B-B14F-4D97-AF65-F5344CB8AC3E}">
-        <p14:creationId xmlns:p14="http://schemas.microsoft.com/office/powerpoint/2010/main" val="938925244"/>
+        <p14:creationId xmlns:p14="http://schemas.microsoft.com/office/powerpoint/2010/main" val="1967361204"/>
       </p:ext>
     </p:extLst>
   </p:cSld>
@@ -694,14 +811,26 @@
           <a:lstStyle/>
           <a:p>
             <a:r>
-              <a:rPr lang="nb-NO"/>
-              <a:t>Often something</a:t>
-            </a:r>
-            <a:r>
-              <a:rPr lang="nb-NO" baseline="0"/>
-              <a:t> that happens several times before you really smell it. </a:t>
-            </a:r>
-            <a:endParaRPr lang="nb-NO"/>
+              <a:rPr lang="nb-NO" dirty="0"/>
+              <a:t>Bugs </a:t>
+            </a:r>
+            <a:r>
+              <a:rPr lang="nb-NO" dirty="0" err="1"/>
+              <a:t>bugs</a:t>
+            </a:r>
+            <a:r>
+              <a:rPr lang="nb-NO" dirty="0"/>
+              <a:t> </a:t>
+            </a:r>
+            <a:r>
+              <a:rPr lang="nb-NO" dirty="0" err="1" smtClean="0"/>
+              <a:t>bugs</a:t>
+            </a:r>
+            <a:r>
+              <a:rPr lang="nb-NO" baseline="0" dirty="0" smtClean="0"/>
+              <a:t> in multiple locations</a:t>
+            </a:r>
+            <a:endParaRPr lang="nb-NO" dirty="0"/>
           </a:p>
         </p:txBody>
       </p:sp>
@@ -721,7 +850,7 @@
           <a:lstStyle/>
           <a:p>
             <a:fld id="{AE4CF883-FB90-0243-BF0E-0419152184F5}" type="slidenum">
-              <a:t>10</a:t>
+              <a:t>5</a:t>
             </a:fld>
             <a:endParaRPr lang="nb-NO"/>
           </a:p>
@@ -730,7 +859,7 @@
     </p:spTree>
     <p:extLst>
       <p:ext uri="{BB962C8B-B14F-4D97-AF65-F5344CB8AC3E}">
-        <p14:creationId xmlns:p14="http://schemas.microsoft.com/office/powerpoint/2010/main" val="407138636"/>
+        <p14:creationId xmlns:p14="http://schemas.microsoft.com/office/powerpoint/2010/main" val="1603429908"/>
       </p:ext>
     </p:extLst>
   </p:cSld>
@@ -786,11 +915,11 @@
           <a:p>
             <a:r>
               <a:rPr lang="nb-NO"/>
-              <a:t>Does this look anemic to you? In the real world, most of these little super-simple classes</a:t>
+              <a:t>The longer it</a:t>
             </a:r>
             <a:r>
               <a:rPr lang="nb-NO" baseline="0"/>
-              <a:t> end up having little super simple methods, like toString.</a:t>
+              <a:t> is, the harder it is to understand and debug.</a:t>
             </a:r>
             <a:endParaRPr lang="nb-NO"/>
           </a:p>
@@ -812,7 +941,7 @@
           <a:lstStyle/>
           <a:p>
             <a:fld id="{AE4CF883-FB90-0243-BF0E-0419152184F5}" type="slidenum">
-              <a:t>12</a:t>
+              <a:t>6</a:t>
             </a:fld>
             <a:endParaRPr lang="nb-NO"/>
           </a:p>
@@ -821,7 +950,7 @@
     </p:spTree>
     <p:extLst>
       <p:ext uri="{BB962C8B-B14F-4D97-AF65-F5344CB8AC3E}">
-        <p14:creationId xmlns:p14="http://schemas.microsoft.com/office/powerpoint/2010/main" val="813111982"/>
+        <p14:creationId xmlns:p14="http://schemas.microsoft.com/office/powerpoint/2010/main" val="938925244"/>
       </p:ext>
     </p:extLst>
   </p:cSld>
@@ -876,8 +1005,294 @@
           <a:lstStyle/>
           <a:p>
             <a:r>
+              <a:rPr lang="en-US" dirty="0" smtClean="0"/>
+              <a:t>Note: this is sometimes intended</a:t>
+            </a:r>
+            <a:r>
+              <a:rPr lang="en-US" baseline="0" dirty="0" smtClean="0"/>
+              <a:t> </a:t>
+            </a:r>
+            <a:r>
+              <a:rPr lang="en-US" baseline="0" dirty="0" err="1" smtClean="0"/>
+              <a:t>behaviour</a:t>
+            </a:r>
+            <a:r>
+              <a:rPr lang="en-US" baseline="0" dirty="0" smtClean="0"/>
+              <a:t> (DTO), often found around interfaces between services and different layers</a:t>
+            </a:r>
+            <a:endParaRPr lang="en-US" dirty="0"/>
+          </a:p>
+        </p:txBody>
+      </p:sp>
+      <p:sp>
+        <p:nvSpPr>
+          <p:cNvPr id="4" name="Slide Number Placeholder 3"/>
+          <p:cNvSpPr>
+            <a:spLocks noGrp="1"/>
+          </p:cNvSpPr>
+          <p:nvPr>
+            <p:ph type="sldNum" sz="quarter" idx="10"/>
+          </p:nvPr>
+        </p:nvSpPr>
+        <p:spPr/>
+        <p:txBody>
+          <a:bodyPr/>
+          <a:lstStyle/>
+          <a:p>
+            <a:fld id="{AE4CF883-FB90-0243-BF0E-0419152184F5}" type="slidenum">
+              <a:rPr lang="uk-UA" smtClean="0"/>
+              <a:t>9</a:t>
+            </a:fld>
+            <a:endParaRPr lang="uk-UA"/>
+          </a:p>
+        </p:txBody>
+      </p:sp>
+    </p:spTree>
+    <p:extLst>
+      <p:ext uri="{BB962C8B-B14F-4D97-AF65-F5344CB8AC3E}">
+        <p14:creationId xmlns:p14="http://schemas.microsoft.com/office/powerpoint/2010/main" val="1043949537"/>
+      </p:ext>
+    </p:extLst>
+  </p:cSld>
+  <p:clrMapOvr>
+    <a:masterClrMapping/>
+  </p:clrMapOvr>
+</p:notes>
+</file>
+
+<file path=ppt/notesSlides/notesSlide6.xml><?xml version="1.0" encoding="utf-8"?>
+<p:notes xmlns:a="http://schemas.openxmlformats.org/drawingml/2006/main" xmlns:r="http://schemas.openxmlformats.org/officeDocument/2006/relationships" xmlns:p="http://schemas.openxmlformats.org/presentationml/2006/main">
+  <p:cSld>
+    <p:spTree>
+      <p:nvGrpSpPr>
+        <p:cNvPr id="1" name=""/>
+        <p:cNvGrpSpPr/>
+        <p:nvPr/>
+      </p:nvGrpSpPr>
+      <p:grpSpPr>
+        <a:xfrm>
+          <a:off x="0" y="0"/>
+          <a:ext cx="0" cy="0"/>
+          <a:chOff x="0" y="0"/>
+          <a:chExt cx="0" cy="0"/>
+        </a:xfrm>
+      </p:grpSpPr>
+      <p:sp>
+        <p:nvSpPr>
+          <p:cNvPr id="2" name="Slide Image Placeholder 1"/>
+          <p:cNvSpPr>
+            <a:spLocks noGrp="1" noRot="1" noChangeAspect="1"/>
+          </p:cNvSpPr>
+          <p:nvPr>
+            <p:ph type="sldImg"/>
+          </p:nvPr>
+        </p:nvSpPr>
+        <p:spPr/>
+      </p:sp>
+      <p:sp>
+        <p:nvSpPr>
+          <p:cNvPr id="3" name="Notes Placeholder 2"/>
+          <p:cNvSpPr>
+            <a:spLocks noGrp="1"/>
+          </p:cNvSpPr>
+          <p:nvPr>
+            <p:ph type="body" idx="1"/>
+          </p:nvPr>
+        </p:nvSpPr>
+        <p:spPr/>
+        <p:txBody>
+          <a:bodyPr/>
+          <a:lstStyle/>
+          <a:p>
+            <a:r>
               <a:rPr lang="nb-NO"/>
-              <a:t>Sometimes a cheese!</a:t>
+              <a:t>Often something</a:t>
+            </a:r>
+            <a:r>
+              <a:rPr lang="nb-NO" baseline="0"/>
+              <a:t> that happens several times before you really smell it. </a:t>
+            </a:r>
+            <a:endParaRPr lang="nb-NO"/>
+          </a:p>
+        </p:txBody>
+      </p:sp>
+      <p:sp>
+        <p:nvSpPr>
+          <p:cNvPr id="4" name="Slide Number Placeholder 3"/>
+          <p:cNvSpPr>
+            <a:spLocks noGrp="1"/>
+          </p:cNvSpPr>
+          <p:nvPr>
+            <p:ph type="sldNum" sz="quarter" idx="10"/>
+          </p:nvPr>
+        </p:nvSpPr>
+        <p:spPr/>
+        <p:txBody>
+          <a:bodyPr/>
+          <a:lstStyle/>
+          <a:p>
+            <a:fld id="{AE4CF883-FB90-0243-BF0E-0419152184F5}" type="slidenum">
+              <a:t>10</a:t>
+            </a:fld>
+            <a:endParaRPr lang="nb-NO"/>
+          </a:p>
+        </p:txBody>
+      </p:sp>
+    </p:spTree>
+    <p:extLst>
+      <p:ext uri="{BB962C8B-B14F-4D97-AF65-F5344CB8AC3E}">
+        <p14:creationId xmlns:p14="http://schemas.microsoft.com/office/powerpoint/2010/main" val="407138636"/>
+      </p:ext>
+    </p:extLst>
+  </p:cSld>
+  <p:clrMapOvr>
+    <a:masterClrMapping/>
+  </p:clrMapOvr>
+</p:notes>
+</file>
+
+<file path=ppt/notesSlides/notesSlide7.xml><?xml version="1.0" encoding="utf-8"?>
+<p:notes xmlns:a="http://schemas.openxmlformats.org/drawingml/2006/main" xmlns:r="http://schemas.openxmlformats.org/officeDocument/2006/relationships" xmlns:p="http://schemas.openxmlformats.org/presentationml/2006/main">
+  <p:cSld>
+    <p:spTree>
+      <p:nvGrpSpPr>
+        <p:cNvPr id="1" name=""/>
+        <p:cNvGrpSpPr/>
+        <p:nvPr/>
+      </p:nvGrpSpPr>
+      <p:grpSpPr>
+        <a:xfrm>
+          <a:off x="0" y="0"/>
+          <a:ext cx="0" cy="0"/>
+          <a:chOff x="0" y="0"/>
+          <a:chExt cx="0" cy="0"/>
+        </a:xfrm>
+      </p:grpSpPr>
+      <p:sp>
+        <p:nvSpPr>
+          <p:cNvPr id="2" name="Slide Image Placeholder 1"/>
+          <p:cNvSpPr>
+            <a:spLocks noGrp="1" noRot="1" noChangeAspect="1"/>
+          </p:cNvSpPr>
+          <p:nvPr>
+            <p:ph type="sldImg"/>
+          </p:nvPr>
+        </p:nvSpPr>
+        <p:spPr/>
+      </p:sp>
+      <p:sp>
+        <p:nvSpPr>
+          <p:cNvPr id="3" name="Notes Placeholder 2"/>
+          <p:cNvSpPr>
+            <a:spLocks noGrp="1"/>
+          </p:cNvSpPr>
+          <p:nvPr>
+            <p:ph type="body" idx="1"/>
+          </p:nvPr>
+        </p:nvSpPr>
+        <p:spPr/>
+        <p:txBody>
+          <a:bodyPr/>
+          <a:lstStyle/>
+          <a:p>
+            <a:r>
+              <a:rPr lang="nb-NO"/>
+              <a:t>Does this look anemic to you? In the real world, most of these little super-simple classes</a:t>
+            </a:r>
+            <a:r>
+              <a:rPr lang="nb-NO" baseline="0"/>
+              <a:t> end up having little super simple methods, like toString.</a:t>
+            </a:r>
+            <a:endParaRPr lang="nb-NO"/>
+          </a:p>
+        </p:txBody>
+      </p:sp>
+      <p:sp>
+        <p:nvSpPr>
+          <p:cNvPr id="4" name="Slide Number Placeholder 3"/>
+          <p:cNvSpPr>
+            <a:spLocks noGrp="1"/>
+          </p:cNvSpPr>
+          <p:nvPr>
+            <p:ph type="sldNum" sz="quarter" idx="10"/>
+          </p:nvPr>
+        </p:nvSpPr>
+        <p:spPr/>
+        <p:txBody>
+          <a:bodyPr/>
+          <a:lstStyle/>
+          <a:p>
+            <a:fld id="{AE4CF883-FB90-0243-BF0E-0419152184F5}" type="slidenum">
+              <a:t>12</a:t>
+            </a:fld>
+            <a:endParaRPr lang="nb-NO"/>
+          </a:p>
+        </p:txBody>
+      </p:sp>
+    </p:spTree>
+    <p:extLst>
+      <p:ext uri="{BB962C8B-B14F-4D97-AF65-F5344CB8AC3E}">
+        <p14:creationId xmlns:p14="http://schemas.microsoft.com/office/powerpoint/2010/main" val="813111982"/>
+      </p:ext>
+    </p:extLst>
+  </p:cSld>
+  <p:clrMapOvr>
+    <a:masterClrMapping/>
+  </p:clrMapOvr>
+</p:notes>
+</file>
+
+<file path=ppt/notesSlides/notesSlide8.xml><?xml version="1.0" encoding="utf-8"?>
+<p:notes xmlns:a="http://schemas.openxmlformats.org/drawingml/2006/main" xmlns:r="http://schemas.openxmlformats.org/officeDocument/2006/relationships" xmlns:p="http://schemas.openxmlformats.org/presentationml/2006/main">
+  <p:cSld>
+    <p:spTree>
+      <p:nvGrpSpPr>
+        <p:cNvPr id="1" name=""/>
+        <p:cNvGrpSpPr/>
+        <p:nvPr/>
+      </p:nvGrpSpPr>
+      <p:grpSpPr>
+        <a:xfrm>
+          <a:off x="0" y="0"/>
+          <a:ext cx="0" cy="0"/>
+          <a:chOff x="0" y="0"/>
+          <a:chExt cx="0" cy="0"/>
+        </a:xfrm>
+      </p:grpSpPr>
+      <p:sp>
+        <p:nvSpPr>
+          <p:cNvPr id="2" name="Slide Image Placeholder 1"/>
+          <p:cNvSpPr>
+            <a:spLocks noGrp="1" noRot="1" noChangeAspect="1"/>
+          </p:cNvSpPr>
+          <p:nvPr>
+            <p:ph type="sldImg"/>
+          </p:nvPr>
+        </p:nvSpPr>
+        <p:spPr/>
+      </p:sp>
+      <p:sp>
+        <p:nvSpPr>
+          <p:cNvPr id="3" name="Notes Placeholder 2"/>
+          <p:cNvSpPr>
+            <a:spLocks noGrp="1"/>
+          </p:cNvSpPr>
+          <p:nvPr>
+            <p:ph type="body" idx="1"/>
+          </p:nvPr>
+        </p:nvSpPr>
+        <p:spPr/>
+        <p:txBody>
+          <a:bodyPr/>
+          <a:lstStyle/>
+          <a:p>
+            <a:r>
+              <a:rPr lang="nb-NO" dirty="0" err="1"/>
+              <a:t>Sometimes</a:t>
+            </a:r>
+            <a:r>
+              <a:rPr lang="nb-NO" dirty="0"/>
+              <a:t> a cheese!</a:t>
             </a:r>
           </a:p>
         </p:txBody>
@@ -908,6 +1323,104 @@
     <p:extLst>
       <p:ext uri="{BB962C8B-B14F-4D97-AF65-F5344CB8AC3E}">
         <p14:creationId xmlns:p14="http://schemas.microsoft.com/office/powerpoint/2010/main" val="2252525932"/>
+      </p:ext>
+    </p:extLst>
+  </p:cSld>
+  <p:clrMapOvr>
+    <a:masterClrMapping/>
+  </p:clrMapOvr>
+</p:notes>
+</file>
+
+<file path=ppt/notesSlides/notesSlide9.xml><?xml version="1.0" encoding="utf-8"?>
+<p:notes xmlns:a="http://schemas.openxmlformats.org/drawingml/2006/main" xmlns:r="http://schemas.openxmlformats.org/officeDocument/2006/relationships" xmlns:p="http://schemas.openxmlformats.org/presentationml/2006/main">
+  <p:cSld>
+    <p:spTree>
+      <p:nvGrpSpPr>
+        <p:cNvPr id="1" name=""/>
+        <p:cNvGrpSpPr/>
+        <p:nvPr/>
+      </p:nvGrpSpPr>
+      <p:grpSpPr>
+        <a:xfrm>
+          <a:off x="0" y="0"/>
+          <a:ext cx="0" cy="0"/>
+          <a:chOff x="0" y="0"/>
+          <a:chExt cx="0" cy="0"/>
+        </a:xfrm>
+      </p:grpSpPr>
+      <p:sp>
+        <p:nvSpPr>
+          <p:cNvPr id="2" name="Slide Image Placeholder 1"/>
+          <p:cNvSpPr>
+            <a:spLocks noGrp="1" noRot="1" noChangeAspect="1"/>
+          </p:cNvSpPr>
+          <p:nvPr>
+            <p:ph type="sldImg"/>
+          </p:nvPr>
+        </p:nvSpPr>
+        <p:spPr/>
+      </p:sp>
+      <p:sp>
+        <p:nvSpPr>
+          <p:cNvPr id="3" name="Notes Placeholder 2"/>
+          <p:cNvSpPr>
+            <a:spLocks noGrp="1"/>
+          </p:cNvSpPr>
+          <p:nvPr>
+            <p:ph type="body" idx="1"/>
+          </p:nvPr>
+        </p:nvSpPr>
+        <p:spPr/>
+        <p:txBody>
+          <a:bodyPr/>
+          <a:lstStyle/>
+          <a:p>
+            <a:r>
+              <a:rPr lang="en-US" dirty="0" smtClean="0"/>
+              <a:t>Be pragmatic. </a:t>
+            </a:r>
+          </a:p>
+          <a:p>
+            <a:r>
+              <a:rPr lang="en-US" dirty="0" smtClean="0"/>
+              <a:t>Do Test Driven Development</a:t>
+            </a:r>
+            <a:r>
+              <a:rPr lang="en-US" baseline="0" dirty="0" smtClean="0"/>
+              <a:t> in the strictest sense, no code writing unless a test forces it. </a:t>
+            </a:r>
+            <a:endParaRPr lang="en-US" dirty="0"/>
+          </a:p>
+        </p:txBody>
+      </p:sp>
+      <p:sp>
+        <p:nvSpPr>
+          <p:cNvPr id="4" name="Slide Number Placeholder 3"/>
+          <p:cNvSpPr>
+            <a:spLocks noGrp="1"/>
+          </p:cNvSpPr>
+          <p:nvPr>
+            <p:ph type="sldNum" sz="quarter" idx="10"/>
+          </p:nvPr>
+        </p:nvSpPr>
+        <p:spPr/>
+        <p:txBody>
+          <a:bodyPr/>
+          <a:lstStyle/>
+          <a:p>
+            <a:fld id="{AE4CF883-FB90-0243-BF0E-0419152184F5}" type="slidenum">
+              <a:rPr lang="uk-UA" smtClean="0"/>
+              <a:t>14</a:t>
+            </a:fld>
+            <a:endParaRPr lang="uk-UA"/>
+          </a:p>
+        </p:txBody>
+      </p:sp>
+    </p:spTree>
+    <p:extLst>
+      <p:ext uri="{BB962C8B-B14F-4D97-AF65-F5344CB8AC3E}">
+        <p14:creationId xmlns:p14="http://schemas.microsoft.com/office/powerpoint/2010/main" val="110129244"/>
       </p:ext>
     </p:extLst>
   </p:cSld>
@@ -1095,7 +1608,7 @@
           <a:lstStyle/>
           <a:p>
             <a:fld id="{459386B4-E6A0-A747-A2C0-9A8F36185194}" type="datetimeFigureOut">
-              <a:t>03/03/15</a:t>
+              <a:t>31/01/16</a:t>
             </a:fld>
             <a:endParaRPr lang="nb-NO"/>
           </a:p>
@@ -1261,7 +1774,7 @@
           <a:lstStyle/>
           <a:p>
             <a:fld id="{459386B4-E6A0-A747-A2C0-9A8F36185194}" type="datetimeFigureOut">
-              <a:t>03/03/15</a:t>
+              <a:t>31/01/16</a:t>
             </a:fld>
             <a:endParaRPr lang="nb-NO"/>
           </a:p>
@@ -1437,7 +1950,7 @@
           <a:lstStyle/>
           <a:p>
             <a:fld id="{459386B4-E6A0-A747-A2C0-9A8F36185194}" type="datetimeFigureOut">
-              <a:t>03/03/15</a:t>
+              <a:t>31/01/16</a:t>
             </a:fld>
             <a:endParaRPr lang="nb-NO"/>
           </a:p>
@@ -1603,7 +2116,7 @@
           <a:lstStyle/>
           <a:p>
             <a:fld id="{459386B4-E6A0-A747-A2C0-9A8F36185194}" type="datetimeFigureOut">
-              <a:t>03/03/15</a:t>
+              <a:t>31/01/16</a:t>
             </a:fld>
             <a:endParaRPr lang="nb-NO"/>
           </a:p>
@@ -1846,7 +2359,7 @@
           <a:lstStyle/>
           <a:p>
             <a:fld id="{459386B4-E6A0-A747-A2C0-9A8F36185194}" type="datetimeFigureOut">
-              <a:t>03/03/15</a:t>
+              <a:t>31/01/16</a:t>
             </a:fld>
             <a:endParaRPr lang="nb-NO"/>
           </a:p>
@@ -2129,7 +2642,7 @@
           <a:lstStyle/>
           <a:p>
             <a:fld id="{459386B4-E6A0-A747-A2C0-9A8F36185194}" type="datetimeFigureOut">
-              <a:t>03/03/15</a:t>
+              <a:t>31/01/16</a:t>
             </a:fld>
             <a:endParaRPr lang="nb-NO"/>
           </a:p>
@@ -2546,7 +3059,7 @@
           <a:lstStyle/>
           <a:p>
             <a:fld id="{459386B4-E6A0-A747-A2C0-9A8F36185194}" type="datetimeFigureOut">
-              <a:t>03/03/15</a:t>
+              <a:t>31/01/16</a:t>
             </a:fld>
             <a:endParaRPr lang="nb-NO"/>
           </a:p>
@@ -2661,7 +3174,7 @@
           <a:lstStyle/>
           <a:p>
             <a:fld id="{459386B4-E6A0-A747-A2C0-9A8F36185194}" type="datetimeFigureOut">
-              <a:t>03/03/15</a:t>
+              <a:t>31/01/16</a:t>
             </a:fld>
             <a:endParaRPr lang="nb-NO"/>
           </a:p>
@@ -2754,7 +3267,7 @@
           <a:lstStyle/>
           <a:p>
             <a:fld id="{459386B4-E6A0-A747-A2C0-9A8F36185194}" type="datetimeFigureOut">
-              <a:t>03/03/15</a:t>
+              <a:t>31/01/16</a:t>
             </a:fld>
             <a:endParaRPr lang="nb-NO"/>
           </a:p>
@@ -3027,7 +3540,7 @@
           <a:lstStyle/>
           <a:p>
             <a:fld id="{459386B4-E6A0-A747-A2C0-9A8F36185194}" type="datetimeFigureOut">
-              <a:t>03/03/15</a:t>
+              <a:t>31/01/16</a:t>
             </a:fld>
             <a:endParaRPr lang="nb-NO"/>
           </a:p>
@@ -3277,7 +3790,7 @@
           <a:lstStyle/>
           <a:p>
             <a:fld id="{459386B4-E6A0-A747-A2C0-9A8F36185194}" type="datetimeFigureOut">
-              <a:t>03/03/15</a:t>
+              <a:t>31/01/16</a:t>
             </a:fld>
             <a:endParaRPr lang="nb-NO"/>
           </a:p>
@@ -3486,7 +3999,7 @@
           </a:lstStyle>
           <a:p>
             <a:fld id="{459386B4-E6A0-A747-A2C0-9A8F36185194}" type="datetimeFigureOut">
-              <a:t>03/03/15</a:t>
+              <a:t>31/01/16</a:t>
             </a:fld>
             <a:endParaRPr lang="nb-NO"/>
           </a:p>
@@ -3952,7 +4465,6 @@
               <a:rPr lang="nb-NO"/>
               <a:t>Shotgun surgery</a:t>
             </a:r>
-            <a:endParaRPr lang="nb-NO"/>
           </a:p>
         </p:txBody>
       </p:sp>
@@ -3976,23 +4488,447 @@
               <a:buChar char="-"/>
             </a:pPr>
             <a:r>
-              <a:rPr lang="nb-NO"/>
-              <a:t>Changing one small thing idea-wise ends up changing lots of similar changes all over the code.</a:t>
+              <a:rPr lang="nb-NO" dirty="0" err="1">
+                <a:solidFill>
+                  <a:srgbClr val="FF0000"/>
+                </a:solidFill>
+              </a:rPr>
+              <a:t>Changing</a:t>
+            </a:r>
+            <a:r>
+              <a:rPr lang="nb-NO" dirty="0">
+                <a:solidFill>
+                  <a:srgbClr val="FF0000"/>
+                </a:solidFill>
+              </a:rPr>
+              <a:t> </a:t>
+            </a:r>
+            <a:r>
+              <a:rPr lang="nb-NO" dirty="0" err="1">
+                <a:solidFill>
+                  <a:srgbClr val="FF0000"/>
+                </a:solidFill>
+              </a:rPr>
+              <a:t>one</a:t>
+            </a:r>
+            <a:r>
+              <a:rPr lang="nb-NO" dirty="0">
+                <a:solidFill>
+                  <a:srgbClr val="FF0000"/>
+                </a:solidFill>
+              </a:rPr>
+              <a:t> </a:t>
+            </a:r>
+            <a:r>
+              <a:rPr lang="nb-NO" dirty="0" err="1">
+                <a:solidFill>
+                  <a:srgbClr val="FF0000"/>
+                </a:solidFill>
+              </a:rPr>
+              <a:t>small</a:t>
+            </a:r>
+            <a:r>
+              <a:rPr lang="nb-NO" dirty="0">
+                <a:solidFill>
+                  <a:srgbClr val="FF0000"/>
+                </a:solidFill>
+              </a:rPr>
+              <a:t> </a:t>
+            </a:r>
+            <a:r>
+              <a:rPr lang="nb-NO" dirty="0" err="1">
+                <a:solidFill>
+                  <a:srgbClr val="FF0000"/>
+                </a:solidFill>
+              </a:rPr>
+              <a:t>thing</a:t>
+            </a:r>
+            <a:r>
+              <a:rPr lang="nb-NO" dirty="0">
+                <a:solidFill>
+                  <a:srgbClr val="FF0000"/>
+                </a:solidFill>
+              </a:rPr>
+              <a:t> </a:t>
+            </a:r>
+            <a:r>
+              <a:rPr lang="nb-NO" dirty="0" err="1">
+                <a:solidFill>
+                  <a:srgbClr val="FF0000"/>
+                </a:solidFill>
+              </a:rPr>
+              <a:t>idea-wise</a:t>
+            </a:r>
+            <a:r>
+              <a:rPr lang="nb-NO" dirty="0">
+                <a:solidFill>
+                  <a:srgbClr val="FF0000"/>
+                </a:solidFill>
+              </a:rPr>
+              <a:t> </a:t>
+            </a:r>
+            <a:r>
+              <a:rPr lang="nb-NO" dirty="0" err="1">
+                <a:solidFill>
+                  <a:srgbClr val="FF0000"/>
+                </a:solidFill>
+              </a:rPr>
+              <a:t>ends</a:t>
+            </a:r>
+            <a:r>
+              <a:rPr lang="nb-NO" dirty="0">
+                <a:solidFill>
+                  <a:srgbClr val="FF0000"/>
+                </a:solidFill>
+              </a:rPr>
+              <a:t> up </a:t>
+            </a:r>
+            <a:r>
+              <a:rPr lang="nb-NO" dirty="0" err="1">
+                <a:solidFill>
+                  <a:srgbClr val="FF0000"/>
+                </a:solidFill>
+              </a:rPr>
+              <a:t>changing</a:t>
+            </a:r>
+            <a:r>
+              <a:rPr lang="nb-NO" dirty="0">
+                <a:solidFill>
+                  <a:srgbClr val="FF0000"/>
+                </a:solidFill>
+              </a:rPr>
+              <a:t> </a:t>
+            </a:r>
+            <a:r>
+              <a:rPr lang="nb-NO" dirty="0" err="1">
+                <a:solidFill>
+                  <a:srgbClr val="FF0000"/>
+                </a:solidFill>
+              </a:rPr>
+              <a:t>lots</a:t>
+            </a:r>
+            <a:r>
+              <a:rPr lang="nb-NO" dirty="0">
+                <a:solidFill>
+                  <a:srgbClr val="FF0000"/>
+                </a:solidFill>
+              </a:rPr>
+              <a:t> </a:t>
+            </a:r>
+            <a:r>
+              <a:rPr lang="nb-NO" dirty="0" err="1">
+                <a:solidFill>
+                  <a:srgbClr val="FF0000"/>
+                </a:solidFill>
+              </a:rPr>
+              <a:t>of</a:t>
+            </a:r>
+            <a:r>
+              <a:rPr lang="nb-NO" dirty="0">
+                <a:solidFill>
+                  <a:srgbClr val="FF0000"/>
+                </a:solidFill>
+              </a:rPr>
+              <a:t> </a:t>
+            </a:r>
+            <a:r>
+              <a:rPr lang="nb-NO" dirty="0" err="1">
+                <a:solidFill>
+                  <a:srgbClr val="FF0000"/>
+                </a:solidFill>
+              </a:rPr>
+              <a:t>similar</a:t>
+            </a:r>
+            <a:r>
+              <a:rPr lang="nb-NO" dirty="0">
+                <a:solidFill>
+                  <a:srgbClr val="FF0000"/>
+                </a:solidFill>
+              </a:rPr>
+              <a:t> </a:t>
+            </a:r>
+            <a:r>
+              <a:rPr lang="nb-NO" dirty="0" err="1">
+                <a:solidFill>
+                  <a:srgbClr val="FF0000"/>
+                </a:solidFill>
+              </a:rPr>
+              <a:t>changes</a:t>
+            </a:r>
+            <a:r>
+              <a:rPr lang="nb-NO" dirty="0">
+                <a:solidFill>
+                  <a:srgbClr val="FF0000"/>
+                </a:solidFill>
+              </a:rPr>
+              <a:t> all over </a:t>
+            </a:r>
+            <a:r>
+              <a:rPr lang="nb-NO" dirty="0" err="1">
+                <a:solidFill>
+                  <a:srgbClr val="FF0000"/>
+                </a:solidFill>
+              </a:rPr>
+              <a:t>the</a:t>
+            </a:r>
+            <a:r>
+              <a:rPr lang="nb-NO" dirty="0">
+                <a:solidFill>
+                  <a:srgbClr val="FF0000"/>
+                </a:solidFill>
+              </a:rPr>
+              <a:t> </a:t>
+            </a:r>
+            <a:r>
+              <a:rPr lang="nb-NO" dirty="0" err="1">
+                <a:solidFill>
+                  <a:srgbClr val="FF0000"/>
+                </a:solidFill>
+              </a:rPr>
+              <a:t>code</a:t>
+            </a:r>
+            <a:r>
+              <a:rPr lang="nb-NO" dirty="0">
+                <a:solidFill>
+                  <a:srgbClr val="FF0000"/>
+                </a:solidFill>
+              </a:rPr>
+              <a:t>.</a:t>
             </a:r>
           </a:p>
           <a:p>
             <a:pPr marL="0" indent="0">
               <a:buNone/>
             </a:pPr>
-            <a:endParaRPr lang="nb-NO"/>
+            <a:endParaRPr lang="nb-NO" dirty="0"/>
           </a:p>
           <a:p>
             <a:pPr marL="0" indent="0">
               <a:buNone/>
             </a:pPr>
             <a:r>
-              <a:rPr lang="nb-NO"/>
-              <a:t>Chances are, you are missing an object. Introduce one, so that changes to the idea can be expressed in a single place. </a:t>
+              <a:rPr lang="nb-NO" dirty="0" err="1">
+                <a:solidFill>
+                  <a:srgbClr val="008000"/>
+                </a:solidFill>
+              </a:rPr>
+              <a:t>Chances</a:t>
+            </a:r>
+            <a:r>
+              <a:rPr lang="nb-NO" dirty="0">
+                <a:solidFill>
+                  <a:srgbClr val="008000"/>
+                </a:solidFill>
+              </a:rPr>
+              <a:t> </a:t>
+            </a:r>
+            <a:r>
+              <a:rPr lang="nb-NO" dirty="0" err="1">
+                <a:solidFill>
+                  <a:srgbClr val="008000"/>
+                </a:solidFill>
+              </a:rPr>
+              <a:t>are</a:t>
+            </a:r>
+            <a:r>
+              <a:rPr lang="nb-NO" dirty="0">
+                <a:solidFill>
+                  <a:srgbClr val="008000"/>
+                </a:solidFill>
+              </a:rPr>
+              <a:t>, </a:t>
+            </a:r>
+            <a:r>
+              <a:rPr lang="nb-NO" dirty="0" err="1">
+                <a:solidFill>
+                  <a:srgbClr val="008000"/>
+                </a:solidFill>
+              </a:rPr>
+              <a:t>you</a:t>
+            </a:r>
+            <a:r>
+              <a:rPr lang="nb-NO" dirty="0">
+                <a:solidFill>
+                  <a:srgbClr val="008000"/>
+                </a:solidFill>
+              </a:rPr>
+              <a:t> </a:t>
+            </a:r>
+            <a:r>
+              <a:rPr lang="nb-NO" dirty="0" err="1">
+                <a:solidFill>
+                  <a:srgbClr val="008000"/>
+                </a:solidFill>
+              </a:rPr>
+              <a:t>are</a:t>
+            </a:r>
+            <a:r>
+              <a:rPr lang="nb-NO" dirty="0">
+                <a:solidFill>
+                  <a:srgbClr val="008000"/>
+                </a:solidFill>
+              </a:rPr>
+              <a:t> </a:t>
+            </a:r>
+            <a:r>
+              <a:rPr lang="nb-NO" dirty="0" err="1">
+                <a:solidFill>
+                  <a:srgbClr val="008000"/>
+                </a:solidFill>
+              </a:rPr>
+              <a:t>missing</a:t>
+            </a:r>
+            <a:r>
+              <a:rPr lang="nb-NO" dirty="0">
+                <a:solidFill>
+                  <a:srgbClr val="008000"/>
+                </a:solidFill>
+              </a:rPr>
+              <a:t> an </a:t>
+            </a:r>
+            <a:r>
+              <a:rPr lang="nb-NO" dirty="0" err="1">
+                <a:solidFill>
+                  <a:srgbClr val="008000"/>
+                </a:solidFill>
+              </a:rPr>
+              <a:t>object</a:t>
+            </a:r>
+            <a:r>
+              <a:rPr lang="nb-NO" dirty="0">
+                <a:solidFill>
+                  <a:srgbClr val="008000"/>
+                </a:solidFill>
+              </a:rPr>
+              <a:t>. Introduce </a:t>
+            </a:r>
+            <a:r>
+              <a:rPr lang="nb-NO" dirty="0" err="1">
+                <a:solidFill>
+                  <a:srgbClr val="008000"/>
+                </a:solidFill>
+              </a:rPr>
+              <a:t>one</a:t>
+            </a:r>
+            <a:r>
+              <a:rPr lang="nb-NO" dirty="0">
+                <a:solidFill>
+                  <a:srgbClr val="008000"/>
+                </a:solidFill>
+              </a:rPr>
+              <a:t>, so </a:t>
+            </a:r>
+            <a:r>
+              <a:rPr lang="nb-NO" dirty="0" err="1">
+                <a:solidFill>
+                  <a:srgbClr val="008000"/>
+                </a:solidFill>
+              </a:rPr>
+              <a:t>that</a:t>
+            </a:r>
+            <a:r>
+              <a:rPr lang="nb-NO" dirty="0">
+                <a:solidFill>
+                  <a:srgbClr val="008000"/>
+                </a:solidFill>
+              </a:rPr>
+              <a:t> </a:t>
+            </a:r>
+            <a:r>
+              <a:rPr lang="nb-NO" dirty="0" err="1">
+                <a:solidFill>
+                  <a:srgbClr val="008000"/>
+                </a:solidFill>
+              </a:rPr>
+              <a:t>changes</a:t>
+            </a:r>
+            <a:r>
+              <a:rPr lang="nb-NO" dirty="0">
+                <a:solidFill>
+                  <a:srgbClr val="008000"/>
+                </a:solidFill>
+              </a:rPr>
+              <a:t> to </a:t>
+            </a:r>
+            <a:r>
+              <a:rPr lang="nb-NO" dirty="0" err="1">
+                <a:solidFill>
+                  <a:srgbClr val="008000"/>
+                </a:solidFill>
+              </a:rPr>
+              <a:t>the</a:t>
+            </a:r>
+            <a:r>
+              <a:rPr lang="nb-NO" dirty="0">
+                <a:solidFill>
+                  <a:srgbClr val="008000"/>
+                </a:solidFill>
+              </a:rPr>
+              <a:t> </a:t>
+            </a:r>
+            <a:r>
+              <a:rPr lang="nb-NO" dirty="0" err="1">
+                <a:solidFill>
+                  <a:srgbClr val="008000"/>
+                </a:solidFill>
+              </a:rPr>
+              <a:t>idea</a:t>
+            </a:r>
+            <a:r>
+              <a:rPr lang="nb-NO" dirty="0">
+                <a:solidFill>
+                  <a:srgbClr val="008000"/>
+                </a:solidFill>
+              </a:rPr>
+              <a:t> </a:t>
+            </a:r>
+            <a:r>
+              <a:rPr lang="nb-NO" dirty="0" err="1">
+                <a:solidFill>
+                  <a:srgbClr val="008000"/>
+                </a:solidFill>
+              </a:rPr>
+              <a:t>can</a:t>
+            </a:r>
+            <a:r>
+              <a:rPr lang="nb-NO" dirty="0">
+                <a:solidFill>
+                  <a:srgbClr val="008000"/>
+                </a:solidFill>
+              </a:rPr>
+              <a:t> be </a:t>
+            </a:r>
+            <a:r>
+              <a:rPr lang="nb-NO" dirty="0" err="1">
+                <a:solidFill>
+                  <a:srgbClr val="008000"/>
+                </a:solidFill>
+              </a:rPr>
+              <a:t>expressed</a:t>
+            </a:r>
+            <a:r>
+              <a:rPr lang="nb-NO" dirty="0">
+                <a:solidFill>
+                  <a:srgbClr val="008000"/>
+                </a:solidFill>
+              </a:rPr>
+              <a:t> in a single </a:t>
+            </a:r>
+            <a:r>
+              <a:rPr lang="nb-NO" dirty="0" err="1">
+                <a:solidFill>
+                  <a:srgbClr val="008000"/>
+                </a:solidFill>
+              </a:rPr>
+              <a:t>place</a:t>
+            </a:r>
+            <a:r>
+              <a:rPr lang="nb-NO" dirty="0">
+                <a:solidFill>
+                  <a:srgbClr val="008000"/>
+                </a:solidFill>
+              </a:rPr>
+              <a:t>. </a:t>
             </a:r>
           </a:p>
         </p:txBody>
@@ -4045,14 +4981,46 @@
           <a:lstStyle/>
           <a:p>
             <a:r>
-              <a:rPr lang="nb-NO"/>
-              <a:t>Feature envy, </a:t>
-            </a:r>
-            <a:r>
-              <a:rPr lang="nb-NO"/>
-              <a:t>Inappropriate intimacy</a:t>
-            </a:r>
-            <a:endParaRPr lang="nb-NO"/>
+              <a:rPr lang="nb-NO" dirty="0" err="1"/>
+              <a:t>Feature</a:t>
+            </a:r>
+            <a:r>
+              <a:rPr lang="nb-NO" dirty="0"/>
+              <a:t> </a:t>
+            </a:r>
+            <a:r>
+              <a:rPr lang="nb-NO" dirty="0" err="1" smtClean="0"/>
+              <a:t>envy</a:t>
+            </a:r>
+            <a:r>
+              <a:rPr lang="nb-NO" dirty="0"/>
+              <a:t> </a:t>
+            </a:r>
+            <a:r>
+              <a:rPr lang="nb-NO" dirty="0" smtClean="0"/>
+              <a:t>(</a:t>
+            </a:r>
+            <a:r>
+              <a:rPr lang="nb-NO" dirty="0" err="1"/>
+              <a:t>i</a:t>
+            </a:r>
+            <a:r>
+              <a:rPr lang="nb-NO" dirty="0" err="1" smtClean="0"/>
+              <a:t>nappropriate</a:t>
+            </a:r>
+            <a:r>
+              <a:rPr lang="nb-NO" dirty="0" smtClean="0"/>
+              <a:t> </a:t>
+            </a:r>
+            <a:r>
+              <a:rPr lang="nb-NO" dirty="0" err="1" smtClean="0"/>
+              <a:t>intimacy</a:t>
+            </a:r>
+            <a:r>
+              <a:rPr lang="nb-NO" dirty="0" smtClean="0"/>
+              <a:t>)</a:t>
+            </a:r>
+            <a:endParaRPr lang="nb-NO" dirty="0"/>
           </a:p>
         </p:txBody>
       </p:sp>
@@ -4078,8 +5046,188 @@
               <a:buChar char="-"/>
             </a:pPr>
             <a:r>
-              <a:rPr lang="nb-NO"/>
-              <a:t>A method is doing operations entirely on an object or values outside the current class.</a:t>
+              <a:rPr lang="nb-NO" dirty="0">
+                <a:solidFill>
+                  <a:srgbClr val="FF0000"/>
+                </a:solidFill>
+              </a:rPr>
+              <a:t>A </a:t>
+            </a:r>
+            <a:r>
+              <a:rPr lang="nb-NO" dirty="0" err="1">
+                <a:solidFill>
+                  <a:srgbClr val="FF0000"/>
+                </a:solidFill>
+              </a:rPr>
+              <a:t>method</a:t>
+            </a:r>
+            <a:r>
+              <a:rPr lang="nb-NO" dirty="0">
+                <a:solidFill>
+                  <a:srgbClr val="FF0000"/>
+                </a:solidFill>
+              </a:rPr>
+              <a:t> is </a:t>
+            </a:r>
+            <a:r>
+              <a:rPr lang="nb-NO" dirty="0" err="1">
+                <a:solidFill>
+                  <a:srgbClr val="FF0000"/>
+                </a:solidFill>
+              </a:rPr>
+              <a:t>doing</a:t>
+            </a:r>
+            <a:r>
+              <a:rPr lang="nb-NO" dirty="0">
+                <a:solidFill>
+                  <a:srgbClr val="FF0000"/>
+                </a:solidFill>
+              </a:rPr>
+              <a:t> </a:t>
+            </a:r>
+            <a:r>
+              <a:rPr lang="nb-NO" dirty="0" err="1">
+                <a:solidFill>
+                  <a:srgbClr val="FF0000"/>
+                </a:solidFill>
+              </a:rPr>
+              <a:t>operations</a:t>
+            </a:r>
+            <a:r>
+              <a:rPr lang="nb-NO" dirty="0">
+                <a:solidFill>
+                  <a:srgbClr val="FF0000"/>
+                </a:solidFill>
+              </a:rPr>
+              <a:t> </a:t>
+            </a:r>
+            <a:r>
+              <a:rPr lang="nb-NO" dirty="0" err="1">
+                <a:solidFill>
+                  <a:srgbClr val="FF0000"/>
+                </a:solidFill>
+              </a:rPr>
+              <a:t>entirely</a:t>
+            </a:r>
+            <a:r>
+              <a:rPr lang="nb-NO" dirty="0">
+                <a:solidFill>
+                  <a:srgbClr val="FF0000"/>
+                </a:solidFill>
+              </a:rPr>
+              <a:t> </a:t>
+            </a:r>
+            <a:r>
+              <a:rPr lang="nb-NO" dirty="0" err="1">
+                <a:solidFill>
+                  <a:srgbClr val="FF0000"/>
+                </a:solidFill>
+              </a:rPr>
+              <a:t>on</a:t>
+            </a:r>
+            <a:r>
+              <a:rPr lang="nb-NO" dirty="0">
+                <a:solidFill>
+                  <a:srgbClr val="FF0000"/>
+                </a:solidFill>
+              </a:rPr>
+              <a:t> an </a:t>
+            </a:r>
+            <a:r>
+              <a:rPr lang="nb-NO" dirty="0" err="1">
+                <a:solidFill>
+                  <a:srgbClr val="FF0000"/>
+                </a:solidFill>
+              </a:rPr>
+              <a:t>object</a:t>
+            </a:r>
+            <a:r>
+              <a:rPr lang="nb-NO" dirty="0">
+                <a:solidFill>
+                  <a:srgbClr val="FF0000"/>
+                </a:solidFill>
+              </a:rPr>
+              <a:t> or </a:t>
+            </a:r>
+            <a:r>
+              <a:rPr lang="nb-NO" dirty="0" err="1">
+                <a:solidFill>
+                  <a:srgbClr val="FF0000"/>
+                </a:solidFill>
+              </a:rPr>
+              <a:t>values</a:t>
+            </a:r>
+            <a:r>
+              <a:rPr lang="nb-NO" dirty="0">
+                <a:solidFill>
+                  <a:srgbClr val="FF0000"/>
+                </a:solidFill>
+              </a:rPr>
+              <a:t> </a:t>
+            </a:r>
+            <a:r>
+              <a:rPr lang="nb-NO" dirty="0" err="1">
+                <a:solidFill>
+                  <a:srgbClr val="FF0000"/>
+                </a:solidFill>
+              </a:rPr>
+              <a:t>outside</a:t>
+            </a:r>
+            <a:r>
+              <a:rPr lang="nb-NO" dirty="0">
+                <a:solidFill>
+                  <a:srgbClr val="FF0000"/>
+                </a:solidFill>
+              </a:rPr>
+              <a:t> </a:t>
+            </a:r>
+            <a:r>
+              <a:rPr lang="nb-NO" dirty="0" err="1">
+                <a:solidFill>
+                  <a:srgbClr val="FF0000"/>
+                </a:solidFill>
+              </a:rPr>
+              <a:t>the</a:t>
+            </a:r>
+            <a:r>
+              <a:rPr lang="nb-NO" dirty="0">
+                <a:solidFill>
+                  <a:srgbClr val="FF0000"/>
+                </a:solidFill>
+              </a:rPr>
+              <a:t> </a:t>
+            </a:r>
+            <a:r>
+              <a:rPr lang="nb-NO" dirty="0" err="1">
+                <a:solidFill>
+                  <a:srgbClr val="FF0000"/>
+                </a:solidFill>
+              </a:rPr>
+              <a:t>current</a:t>
+            </a:r>
+            <a:r>
+              <a:rPr lang="nb-NO" dirty="0">
+                <a:solidFill>
+                  <a:srgbClr val="FF0000"/>
+                </a:solidFill>
+              </a:rPr>
+              <a:t> </a:t>
+            </a:r>
+            <a:r>
+              <a:rPr lang="nb-NO" dirty="0" err="1">
+                <a:solidFill>
+                  <a:srgbClr val="FF0000"/>
+                </a:solidFill>
+              </a:rPr>
+              <a:t>class</a:t>
+            </a:r>
+            <a:r>
+              <a:rPr lang="nb-NO" dirty="0">
+                <a:solidFill>
+                  <a:srgbClr val="FF0000"/>
+                </a:solidFill>
+              </a:rPr>
+              <a:t>.</a:t>
             </a:r>
           </a:p>
           <a:p>
@@ -4088,23 +5236,455 @@
               <a:buChar char="-"/>
             </a:pPr>
             <a:r>
-              <a:rPr lang="nb-NO"/>
-              <a:t>Classes are reaching into each other for values.</a:t>
+              <a:rPr lang="nb-NO" dirty="0" err="1">
+                <a:solidFill>
+                  <a:srgbClr val="FF0000"/>
+                </a:solidFill>
+              </a:rPr>
+              <a:t>Classes</a:t>
+            </a:r>
+            <a:r>
+              <a:rPr lang="nb-NO" dirty="0">
+                <a:solidFill>
+                  <a:srgbClr val="FF0000"/>
+                </a:solidFill>
+              </a:rPr>
+              <a:t> </a:t>
+            </a:r>
+            <a:r>
+              <a:rPr lang="nb-NO" dirty="0" err="1">
+                <a:solidFill>
+                  <a:srgbClr val="FF0000"/>
+                </a:solidFill>
+              </a:rPr>
+              <a:t>are</a:t>
+            </a:r>
+            <a:r>
+              <a:rPr lang="nb-NO" dirty="0">
+                <a:solidFill>
+                  <a:srgbClr val="FF0000"/>
+                </a:solidFill>
+              </a:rPr>
+              <a:t> </a:t>
+            </a:r>
+            <a:r>
+              <a:rPr lang="nb-NO" dirty="0" err="1">
+                <a:solidFill>
+                  <a:srgbClr val="FF0000"/>
+                </a:solidFill>
+              </a:rPr>
+              <a:t>reaching</a:t>
+            </a:r>
+            <a:r>
+              <a:rPr lang="nb-NO" dirty="0">
+                <a:solidFill>
+                  <a:srgbClr val="FF0000"/>
+                </a:solidFill>
+              </a:rPr>
+              <a:t> </a:t>
+            </a:r>
+            <a:r>
+              <a:rPr lang="nb-NO" dirty="0" err="1">
+                <a:solidFill>
+                  <a:srgbClr val="FF0000"/>
+                </a:solidFill>
+              </a:rPr>
+              <a:t>into</a:t>
+            </a:r>
+            <a:r>
+              <a:rPr lang="nb-NO" dirty="0">
+                <a:solidFill>
+                  <a:srgbClr val="FF0000"/>
+                </a:solidFill>
+              </a:rPr>
+              <a:t> </a:t>
+            </a:r>
+            <a:r>
+              <a:rPr lang="nb-NO" dirty="0" err="1">
+                <a:solidFill>
+                  <a:srgbClr val="FF0000"/>
+                </a:solidFill>
+              </a:rPr>
+              <a:t>each</a:t>
+            </a:r>
+            <a:r>
+              <a:rPr lang="nb-NO" dirty="0">
+                <a:solidFill>
+                  <a:srgbClr val="FF0000"/>
+                </a:solidFill>
+              </a:rPr>
+              <a:t> </a:t>
+            </a:r>
+            <a:r>
+              <a:rPr lang="nb-NO" dirty="0" err="1">
+                <a:solidFill>
+                  <a:srgbClr val="FF0000"/>
+                </a:solidFill>
+              </a:rPr>
+              <a:t>other</a:t>
+            </a:r>
+            <a:r>
+              <a:rPr lang="nb-NO" dirty="0">
+                <a:solidFill>
+                  <a:srgbClr val="FF0000"/>
+                </a:solidFill>
+              </a:rPr>
+              <a:t> for </a:t>
+            </a:r>
+            <a:r>
+              <a:rPr lang="nb-NO" dirty="0" err="1">
+                <a:solidFill>
+                  <a:srgbClr val="FF0000"/>
+                </a:solidFill>
+              </a:rPr>
+              <a:t>values</a:t>
+            </a:r>
+            <a:r>
+              <a:rPr lang="nb-NO" dirty="0">
+                <a:solidFill>
+                  <a:srgbClr val="FF0000"/>
+                </a:solidFill>
+              </a:rPr>
+              <a:t>.</a:t>
             </a:r>
           </a:p>
           <a:p>
             <a:pPr marL="0" indent="0">
               <a:buNone/>
             </a:pPr>
-            <a:endParaRPr lang="nb-NO"/>
+            <a:endParaRPr lang="nb-NO" dirty="0"/>
           </a:p>
           <a:p>
             <a:pPr marL="0" indent="0">
               <a:buNone/>
             </a:pPr>
             <a:r>
-              <a:rPr lang="nb-NO"/>
-              <a:t>The functionality is in the wrong place, move it to the object with the values it wants to be with. You may need to move it to a new class, or merge classes.</a:t>
+              <a:rPr lang="nb-NO" dirty="0">
+                <a:solidFill>
+                  <a:srgbClr val="008000"/>
+                </a:solidFill>
+              </a:rPr>
+              <a:t>The </a:t>
+            </a:r>
+            <a:r>
+              <a:rPr lang="nb-NO" dirty="0" err="1">
+                <a:solidFill>
+                  <a:srgbClr val="008000"/>
+                </a:solidFill>
+              </a:rPr>
+              <a:t>functionality</a:t>
+            </a:r>
+            <a:r>
+              <a:rPr lang="nb-NO" dirty="0">
+                <a:solidFill>
+                  <a:srgbClr val="008000"/>
+                </a:solidFill>
+              </a:rPr>
+              <a:t> is in </a:t>
+            </a:r>
+            <a:r>
+              <a:rPr lang="nb-NO" dirty="0" err="1">
+                <a:solidFill>
+                  <a:srgbClr val="008000"/>
+                </a:solidFill>
+              </a:rPr>
+              <a:t>the</a:t>
+            </a:r>
+            <a:r>
+              <a:rPr lang="nb-NO" dirty="0">
+                <a:solidFill>
+                  <a:srgbClr val="008000"/>
+                </a:solidFill>
+              </a:rPr>
+              <a:t> </a:t>
+            </a:r>
+            <a:r>
+              <a:rPr lang="nb-NO" dirty="0" err="1">
+                <a:solidFill>
+                  <a:srgbClr val="008000"/>
+                </a:solidFill>
+              </a:rPr>
+              <a:t>wrong</a:t>
+            </a:r>
+            <a:r>
+              <a:rPr lang="nb-NO" dirty="0">
+                <a:solidFill>
+                  <a:srgbClr val="008000"/>
+                </a:solidFill>
+              </a:rPr>
+              <a:t> </a:t>
+            </a:r>
+            <a:r>
+              <a:rPr lang="nb-NO" dirty="0" err="1">
+                <a:solidFill>
+                  <a:srgbClr val="008000"/>
+                </a:solidFill>
+              </a:rPr>
+              <a:t>place</a:t>
+            </a:r>
+            <a:r>
+              <a:rPr lang="nb-NO" dirty="0">
+                <a:solidFill>
+                  <a:srgbClr val="008000"/>
+                </a:solidFill>
+              </a:rPr>
+              <a:t>, </a:t>
+            </a:r>
+            <a:r>
+              <a:rPr lang="nb-NO" dirty="0" err="1">
+                <a:solidFill>
+                  <a:srgbClr val="008000"/>
+                </a:solidFill>
+              </a:rPr>
+              <a:t>move</a:t>
+            </a:r>
+            <a:r>
+              <a:rPr lang="nb-NO" dirty="0">
+                <a:solidFill>
+                  <a:srgbClr val="008000"/>
+                </a:solidFill>
+              </a:rPr>
+              <a:t> it to </a:t>
+            </a:r>
+            <a:r>
+              <a:rPr lang="nb-NO" dirty="0" err="1">
+                <a:solidFill>
+                  <a:srgbClr val="008000"/>
+                </a:solidFill>
+              </a:rPr>
+              <a:t>the</a:t>
+            </a:r>
+            <a:r>
+              <a:rPr lang="nb-NO" dirty="0">
+                <a:solidFill>
+                  <a:srgbClr val="008000"/>
+                </a:solidFill>
+              </a:rPr>
+              <a:t> </a:t>
+            </a:r>
+            <a:r>
+              <a:rPr lang="nb-NO" dirty="0" err="1">
+                <a:solidFill>
+                  <a:srgbClr val="008000"/>
+                </a:solidFill>
+              </a:rPr>
+              <a:t>object</a:t>
+            </a:r>
+            <a:r>
+              <a:rPr lang="nb-NO" dirty="0">
+                <a:solidFill>
+                  <a:srgbClr val="008000"/>
+                </a:solidFill>
+              </a:rPr>
+              <a:t> </a:t>
+            </a:r>
+            <a:r>
+              <a:rPr lang="nb-NO" dirty="0" err="1">
+                <a:solidFill>
+                  <a:srgbClr val="008000"/>
+                </a:solidFill>
+              </a:rPr>
+              <a:t>with</a:t>
+            </a:r>
+            <a:r>
+              <a:rPr lang="nb-NO" dirty="0">
+                <a:solidFill>
+                  <a:srgbClr val="008000"/>
+                </a:solidFill>
+              </a:rPr>
+              <a:t> </a:t>
+            </a:r>
+            <a:r>
+              <a:rPr lang="nb-NO" dirty="0" err="1">
+                <a:solidFill>
+                  <a:srgbClr val="008000"/>
+                </a:solidFill>
+              </a:rPr>
+              <a:t>the</a:t>
+            </a:r>
+            <a:r>
+              <a:rPr lang="nb-NO" dirty="0">
+                <a:solidFill>
+                  <a:srgbClr val="008000"/>
+                </a:solidFill>
+              </a:rPr>
+              <a:t> </a:t>
+            </a:r>
+            <a:r>
+              <a:rPr lang="nb-NO" dirty="0" err="1">
+                <a:solidFill>
+                  <a:srgbClr val="008000"/>
+                </a:solidFill>
+              </a:rPr>
+              <a:t>values</a:t>
+            </a:r>
+            <a:r>
+              <a:rPr lang="nb-NO" dirty="0">
+                <a:solidFill>
+                  <a:srgbClr val="008000"/>
+                </a:solidFill>
+              </a:rPr>
+              <a:t> it </a:t>
+            </a:r>
+            <a:r>
+              <a:rPr lang="nb-NO" dirty="0" err="1">
+                <a:solidFill>
+                  <a:srgbClr val="008000"/>
+                </a:solidFill>
+              </a:rPr>
+              <a:t>wants</a:t>
+            </a:r>
+            <a:r>
+              <a:rPr lang="nb-NO" dirty="0">
+                <a:solidFill>
+                  <a:srgbClr val="008000"/>
+                </a:solidFill>
+              </a:rPr>
+              <a:t> to be </a:t>
+            </a:r>
+            <a:r>
+              <a:rPr lang="nb-NO" dirty="0" err="1">
+                <a:solidFill>
+                  <a:srgbClr val="008000"/>
+                </a:solidFill>
+              </a:rPr>
+              <a:t>with</a:t>
+            </a:r>
+            <a:r>
+              <a:rPr lang="nb-NO" dirty="0">
+                <a:solidFill>
+                  <a:srgbClr val="008000"/>
+                </a:solidFill>
+              </a:rPr>
+              <a:t>. </a:t>
+            </a:r>
+            <a:r>
+              <a:rPr lang="nb-NO" dirty="0" err="1">
+                <a:solidFill>
+                  <a:srgbClr val="008000"/>
+                </a:solidFill>
+              </a:rPr>
+              <a:t>You</a:t>
+            </a:r>
+            <a:r>
+              <a:rPr lang="nb-NO" dirty="0">
+                <a:solidFill>
+                  <a:srgbClr val="008000"/>
+                </a:solidFill>
+              </a:rPr>
+              <a:t> </a:t>
+            </a:r>
+            <a:r>
+              <a:rPr lang="nb-NO" dirty="0" err="1">
+                <a:solidFill>
+                  <a:srgbClr val="008000"/>
+                </a:solidFill>
+              </a:rPr>
+              <a:t>may</a:t>
+            </a:r>
+            <a:r>
+              <a:rPr lang="nb-NO" dirty="0">
+                <a:solidFill>
+                  <a:srgbClr val="008000"/>
+                </a:solidFill>
+              </a:rPr>
+              <a:t> </a:t>
+            </a:r>
+            <a:r>
+              <a:rPr lang="nb-NO" dirty="0" err="1">
+                <a:solidFill>
+                  <a:srgbClr val="008000"/>
+                </a:solidFill>
+              </a:rPr>
+              <a:t>need</a:t>
+            </a:r>
+            <a:r>
+              <a:rPr lang="nb-NO" dirty="0">
+                <a:solidFill>
+                  <a:srgbClr val="008000"/>
+                </a:solidFill>
+              </a:rPr>
+              <a:t> to </a:t>
+            </a:r>
+            <a:r>
+              <a:rPr lang="nb-NO" dirty="0" err="1">
+                <a:solidFill>
+                  <a:srgbClr val="008000"/>
+                </a:solidFill>
+              </a:rPr>
+              <a:t>move</a:t>
+            </a:r>
+            <a:r>
+              <a:rPr lang="nb-NO" dirty="0">
+                <a:solidFill>
+                  <a:srgbClr val="008000"/>
+                </a:solidFill>
+              </a:rPr>
+              <a:t> it to a </a:t>
+            </a:r>
+            <a:r>
+              <a:rPr lang="nb-NO" dirty="0" err="1">
+                <a:solidFill>
+                  <a:srgbClr val="008000"/>
+                </a:solidFill>
+              </a:rPr>
+              <a:t>new</a:t>
+            </a:r>
+            <a:r>
+              <a:rPr lang="nb-NO" dirty="0">
+                <a:solidFill>
+                  <a:srgbClr val="008000"/>
+                </a:solidFill>
+              </a:rPr>
+              <a:t> </a:t>
+            </a:r>
+            <a:r>
+              <a:rPr lang="nb-NO" dirty="0" err="1">
+                <a:solidFill>
+                  <a:srgbClr val="008000"/>
+                </a:solidFill>
+              </a:rPr>
+              <a:t>class</a:t>
+            </a:r>
+            <a:r>
+              <a:rPr lang="nb-NO" dirty="0">
+                <a:solidFill>
+                  <a:srgbClr val="008000"/>
+                </a:solidFill>
+              </a:rPr>
+              <a:t>, or </a:t>
+            </a:r>
+            <a:r>
+              <a:rPr lang="nb-NO" dirty="0" err="1">
+                <a:solidFill>
+                  <a:srgbClr val="008000"/>
+                </a:solidFill>
+              </a:rPr>
+              <a:t>merge</a:t>
+            </a:r>
+            <a:r>
+              <a:rPr lang="nb-NO" dirty="0">
+                <a:solidFill>
+                  <a:srgbClr val="008000"/>
+                </a:solidFill>
+              </a:rPr>
+              <a:t> </a:t>
+            </a:r>
+            <a:r>
+              <a:rPr lang="nb-NO" dirty="0" err="1">
+                <a:solidFill>
+                  <a:srgbClr val="008000"/>
+                </a:solidFill>
+              </a:rPr>
+              <a:t>classes</a:t>
+            </a:r>
+            <a:r>
+              <a:rPr lang="nb-NO" dirty="0">
+                <a:solidFill>
+                  <a:srgbClr val="008000"/>
+                </a:solidFill>
+              </a:rPr>
+              <a:t>.</a:t>
             </a:r>
           </a:p>
         </p:txBody>
@@ -4160,7 +5740,6 @@
               <a:rPr lang="nb-NO"/>
               <a:t>Primitive obsession</a:t>
             </a:r>
-            <a:endParaRPr lang="nb-NO"/>
           </a:p>
         </p:txBody>
       </p:sp>
@@ -4186,44 +5765,372 @@
               <a:buChar char="-"/>
             </a:pPr>
             <a:r>
-              <a:rPr lang="nb-NO"/>
-              <a:t>A programmer who thinks it’s too much overhead to use an object for just a few simple values</a:t>
-            </a:r>
+              <a:rPr lang="nb-NO" dirty="0">
+                <a:solidFill>
+                  <a:srgbClr val="FF0000"/>
+                </a:solidFill>
+              </a:rPr>
+              <a:t>A programmer </a:t>
+            </a:r>
+            <a:r>
+              <a:rPr lang="nb-NO" dirty="0" err="1">
+                <a:solidFill>
+                  <a:srgbClr val="FF0000"/>
+                </a:solidFill>
+              </a:rPr>
+              <a:t>who</a:t>
+            </a:r>
+            <a:r>
+              <a:rPr lang="nb-NO" dirty="0">
+                <a:solidFill>
+                  <a:srgbClr val="FF0000"/>
+                </a:solidFill>
+              </a:rPr>
+              <a:t> </a:t>
+            </a:r>
+            <a:r>
+              <a:rPr lang="nb-NO" dirty="0" err="1">
+                <a:solidFill>
+                  <a:srgbClr val="FF0000"/>
+                </a:solidFill>
+              </a:rPr>
+              <a:t>thinks</a:t>
+            </a:r>
+            <a:r>
+              <a:rPr lang="nb-NO" dirty="0">
+                <a:solidFill>
+                  <a:srgbClr val="FF0000"/>
+                </a:solidFill>
+              </a:rPr>
+              <a:t> </a:t>
+            </a:r>
+            <a:r>
+              <a:rPr lang="nb-NO" dirty="0" err="1">
+                <a:solidFill>
+                  <a:srgbClr val="FF0000"/>
+                </a:solidFill>
+              </a:rPr>
+              <a:t>it’s</a:t>
+            </a:r>
+            <a:r>
+              <a:rPr lang="nb-NO" dirty="0">
+                <a:solidFill>
+                  <a:srgbClr val="FF0000"/>
+                </a:solidFill>
+              </a:rPr>
+              <a:t> </a:t>
+            </a:r>
+            <a:r>
+              <a:rPr lang="nb-NO" dirty="0" err="1">
+                <a:solidFill>
+                  <a:srgbClr val="FF0000"/>
+                </a:solidFill>
+              </a:rPr>
+              <a:t>too</a:t>
+            </a:r>
+            <a:r>
+              <a:rPr lang="nb-NO" dirty="0">
+                <a:solidFill>
+                  <a:srgbClr val="FF0000"/>
+                </a:solidFill>
+              </a:rPr>
+              <a:t> </a:t>
+            </a:r>
+            <a:r>
+              <a:rPr lang="nb-NO" dirty="0" err="1">
+                <a:solidFill>
+                  <a:srgbClr val="FF0000"/>
+                </a:solidFill>
+              </a:rPr>
+              <a:t>much</a:t>
+            </a:r>
+            <a:r>
+              <a:rPr lang="nb-NO" dirty="0">
+                <a:solidFill>
+                  <a:srgbClr val="FF0000"/>
+                </a:solidFill>
+              </a:rPr>
+              <a:t> overhead to </a:t>
+            </a:r>
+            <a:r>
+              <a:rPr lang="nb-NO" dirty="0" err="1">
+                <a:solidFill>
+                  <a:srgbClr val="FF0000"/>
+                </a:solidFill>
+              </a:rPr>
+              <a:t>use</a:t>
+            </a:r>
+            <a:r>
+              <a:rPr lang="nb-NO" dirty="0">
+                <a:solidFill>
+                  <a:srgbClr val="FF0000"/>
+                </a:solidFill>
+              </a:rPr>
+              <a:t> an </a:t>
+            </a:r>
+            <a:r>
+              <a:rPr lang="nb-NO" dirty="0" err="1">
+                <a:solidFill>
+                  <a:srgbClr val="FF0000"/>
+                </a:solidFill>
+              </a:rPr>
+              <a:t>object</a:t>
+            </a:r>
+            <a:r>
+              <a:rPr lang="nb-NO" dirty="0">
+                <a:solidFill>
+                  <a:srgbClr val="FF0000"/>
+                </a:solidFill>
+              </a:rPr>
+              <a:t> for just a </a:t>
+            </a:r>
+            <a:r>
+              <a:rPr lang="nb-NO" dirty="0" err="1">
+                <a:solidFill>
+                  <a:srgbClr val="FF0000"/>
+                </a:solidFill>
+              </a:rPr>
+              <a:t>few</a:t>
+            </a:r>
+            <a:r>
+              <a:rPr lang="nb-NO" dirty="0">
+                <a:solidFill>
+                  <a:srgbClr val="FF0000"/>
+                </a:solidFill>
+              </a:rPr>
+              <a:t> simple </a:t>
+            </a:r>
+            <a:r>
+              <a:rPr lang="nb-NO" dirty="0" err="1" smtClean="0">
+                <a:solidFill>
+                  <a:srgbClr val="FF0000"/>
+                </a:solidFill>
+              </a:rPr>
+              <a:t>values</a:t>
+            </a:r>
+            <a:endParaRPr lang="nb-NO" dirty="0">
+              <a:solidFill>
+                <a:srgbClr val="FF0000"/>
+              </a:solidFill>
+            </a:endParaRPr>
           </a:p>
           <a:p>
             <a:pPr marL="0" indent="0">
               <a:buNone/>
             </a:pPr>
             <a:r>
-              <a:rPr lang="nb-NO" sz="2400">
+              <a:rPr lang="nb-NO" sz="1900" dirty="0" err="1">
+                <a:solidFill>
+                  <a:srgbClr val="FF0000"/>
+                </a:solidFill>
                 <a:latin typeface="Courier"/>
                 <a:cs typeface="Courier"/>
               </a:rPr>
-              <a:t>public class Money{</a:t>
-            </a:r>
+              <a:t>public</a:t>
+            </a:r>
+            <a:r>
+              <a:rPr lang="nb-NO" sz="1900" dirty="0">
+                <a:solidFill>
+                  <a:srgbClr val="FF0000"/>
+                </a:solidFill>
+                <a:latin typeface="Courier"/>
+                <a:cs typeface="Courier"/>
+              </a:rPr>
+              <a:t> </a:t>
+            </a:r>
+            <a:r>
+              <a:rPr lang="nb-NO" sz="1900" dirty="0" err="1">
+                <a:solidFill>
+                  <a:srgbClr val="FF0000"/>
+                </a:solidFill>
+                <a:latin typeface="Courier"/>
+                <a:cs typeface="Courier"/>
+              </a:rPr>
+              <a:t>class</a:t>
+            </a:r>
+            <a:r>
+              <a:rPr lang="nb-NO" sz="1900" dirty="0">
+                <a:solidFill>
+                  <a:srgbClr val="FF0000"/>
+                </a:solidFill>
+                <a:latin typeface="Courier"/>
+                <a:cs typeface="Courier"/>
+              </a:rPr>
+              <a:t> </a:t>
+            </a:r>
+            <a:r>
+              <a:rPr lang="nb-NO" sz="1900" dirty="0" smtClean="0">
+                <a:solidFill>
+                  <a:srgbClr val="FF0000"/>
+                </a:solidFill>
+                <a:latin typeface="Courier"/>
+                <a:cs typeface="Courier"/>
+              </a:rPr>
+              <a:t>Form {</a:t>
+            </a:r>
+            <a:endParaRPr lang="nb-NO" sz="1900" dirty="0">
+              <a:solidFill>
+                <a:srgbClr val="FF0000"/>
+              </a:solidFill>
+              <a:latin typeface="Courier"/>
+              <a:cs typeface="Courier"/>
+            </a:endParaRPr>
           </a:p>
           <a:p>
             <a:pPr marL="0" indent="0">
               <a:buNone/>
             </a:pPr>
             <a:r>
-              <a:rPr lang="nb-NO" sz="2400">
+              <a:rPr lang="nb-NO" sz="1900" dirty="0">
+                <a:solidFill>
+                  <a:srgbClr val="FF0000"/>
+                </a:solidFill>
                 <a:latin typeface="Courier"/>
                 <a:cs typeface="Courier"/>
               </a:rPr>
-              <a:t>	string currency get; set;</a:t>
-            </a:r>
+              <a:t>        </a:t>
+            </a:r>
+            <a:r>
+              <a:rPr lang="nb-NO" sz="1900" dirty="0" err="1">
+                <a:solidFill>
+                  <a:srgbClr val="FF0000"/>
+                </a:solidFill>
+                <a:latin typeface="Courier"/>
+                <a:cs typeface="Courier"/>
+              </a:rPr>
+              <a:t>public</a:t>
+            </a:r>
+            <a:r>
+              <a:rPr lang="nb-NO" sz="1900" dirty="0">
+                <a:solidFill>
+                  <a:srgbClr val="FF0000"/>
+                </a:solidFill>
+                <a:latin typeface="Courier"/>
+                <a:cs typeface="Courier"/>
+              </a:rPr>
+              <a:t> </a:t>
+            </a:r>
+            <a:r>
+              <a:rPr lang="nb-NO" sz="1900" dirty="0" err="1" smtClean="0">
+                <a:solidFill>
+                  <a:srgbClr val="FF0000"/>
+                </a:solidFill>
+                <a:latin typeface="Courier"/>
+                <a:cs typeface="Courier"/>
+              </a:rPr>
+              <a:t>String</a:t>
+            </a:r>
+            <a:r>
+              <a:rPr lang="nb-NO" sz="1900" dirty="0" smtClean="0">
+                <a:solidFill>
+                  <a:srgbClr val="FF0000"/>
+                </a:solidFill>
+                <a:latin typeface="Courier"/>
+                <a:cs typeface="Courier"/>
+              </a:rPr>
+              <a:t> </a:t>
+            </a:r>
+            <a:r>
+              <a:rPr lang="nb-NO" sz="1900" dirty="0" err="1" smtClean="0">
+                <a:solidFill>
+                  <a:srgbClr val="FF0000"/>
+                </a:solidFill>
+                <a:latin typeface="Courier"/>
+                <a:cs typeface="Courier"/>
+              </a:rPr>
+              <a:t>title</a:t>
+            </a:r>
+            <a:r>
+              <a:rPr lang="nb-NO" sz="1900" dirty="0" smtClean="0">
+                <a:solidFill>
+                  <a:srgbClr val="FF0000"/>
+                </a:solidFill>
+                <a:latin typeface="Courier"/>
+                <a:cs typeface="Courier"/>
+              </a:rPr>
+              <a:t>;</a:t>
+            </a:r>
+            <a:endParaRPr lang="nb-NO" sz="1900" dirty="0">
+              <a:solidFill>
+                <a:srgbClr val="FF0000"/>
+              </a:solidFill>
+              <a:latin typeface="Courier"/>
+              <a:cs typeface="Courier"/>
+            </a:endParaRPr>
           </a:p>
           <a:p>
             <a:pPr marL="0" indent="0">
               <a:buNone/>
             </a:pPr>
             <a:r>
-              <a:rPr lang="nb-NO" sz="2400">
+              <a:rPr lang="nb-NO" sz="1900" dirty="0">
+                <a:solidFill>
+                  <a:srgbClr val="FF0000"/>
+                </a:solidFill>
                 <a:latin typeface="Courier"/>
                 <a:cs typeface="Courier"/>
               </a:rPr>
-              <a:t>	float amount get;set</a:t>
+              <a:t>        </a:t>
+            </a:r>
+            <a:r>
+              <a:rPr lang="nb-NO" sz="1900" dirty="0" err="1">
+                <a:solidFill>
+                  <a:srgbClr val="FF0000"/>
+                </a:solidFill>
+                <a:latin typeface="Courier"/>
+                <a:cs typeface="Courier"/>
+              </a:rPr>
+              <a:t>public</a:t>
+            </a:r>
+            <a:r>
+              <a:rPr lang="nb-NO" sz="1900" dirty="0">
+                <a:solidFill>
+                  <a:srgbClr val="FF0000"/>
+                </a:solidFill>
+                <a:latin typeface="Courier"/>
+                <a:cs typeface="Courier"/>
+              </a:rPr>
+              <a:t> </a:t>
+            </a:r>
+            <a:r>
+              <a:rPr lang="nb-NO" sz="1900" dirty="0" err="1" smtClean="0">
+                <a:solidFill>
+                  <a:srgbClr val="FF0000"/>
+                </a:solidFill>
+                <a:latin typeface="Courier"/>
+                <a:cs typeface="Courier"/>
+              </a:rPr>
+              <a:t>String</a:t>
+            </a:r>
+            <a:r>
+              <a:rPr lang="nb-NO" sz="1900" dirty="0" smtClean="0">
+                <a:solidFill>
+                  <a:srgbClr val="FF0000"/>
+                </a:solidFill>
+                <a:latin typeface="Courier"/>
+                <a:cs typeface="Courier"/>
+              </a:rPr>
+              <a:t> </a:t>
+            </a:r>
+            <a:r>
+              <a:rPr lang="nb-NO" sz="1900" dirty="0" err="1" smtClean="0">
+                <a:solidFill>
+                  <a:srgbClr val="FF0000"/>
+                </a:solidFill>
+                <a:latin typeface="Courier"/>
+                <a:cs typeface="Courier"/>
+              </a:rPr>
+              <a:t>description</a:t>
+            </a:r>
+            <a:r>
+              <a:rPr lang="nb-NO" sz="1900" dirty="0">
+                <a:solidFill>
+                  <a:srgbClr val="FF0000"/>
+                </a:solidFill>
+                <a:latin typeface="Courier"/>
+                <a:cs typeface="Courier"/>
+              </a:rPr>
+              <a:t>;</a:t>
             </a:r>
           </a:p>
           <a:p>
@@ -4231,26 +6138,312 @@
               <a:buNone/>
             </a:pPr>
             <a:r>
-              <a:rPr lang="nb-NO" sz="2400">
+              <a:rPr lang="nb-NO" sz="1900" dirty="0">
+                <a:solidFill>
+                  <a:srgbClr val="FF0000"/>
+                </a:solidFill>
                 <a:latin typeface="Courier"/>
                 <a:cs typeface="Courier"/>
               </a:rPr>
-              <a:t>}</a:t>
-            </a:r>
+              <a:t>        </a:t>
+            </a:r>
+            <a:r>
+              <a:rPr lang="nb-NO" sz="1900" dirty="0" err="1">
+                <a:solidFill>
+                  <a:srgbClr val="FF0000"/>
+                </a:solidFill>
+                <a:latin typeface="Courier"/>
+                <a:cs typeface="Courier"/>
+              </a:rPr>
+              <a:t>public</a:t>
+            </a:r>
+            <a:r>
+              <a:rPr lang="nb-NO" sz="1900" dirty="0">
+                <a:solidFill>
+                  <a:srgbClr val="FF0000"/>
+                </a:solidFill>
+                <a:latin typeface="Courier"/>
+                <a:cs typeface="Courier"/>
+              </a:rPr>
+              <a:t> byte[] </a:t>
+            </a:r>
+            <a:r>
+              <a:rPr lang="nb-NO" sz="1900" dirty="0" err="1" smtClean="0">
+                <a:solidFill>
+                  <a:srgbClr val="FF0000"/>
+                </a:solidFill>
+                <a:latin typeface="Courier"/>
+                <a:cs typeface="Courier"/>
+              </a:rPr>
+              <a:t>attachmentBytes</a:t>
+            </a:r>
+            <a:r>
+              <a:rPr lang="nb-NO" sz="1900" dirty="0" smtClean="0">
+                <a:solidFill>
+                  <a:srgbClr val="FF0000"/>
+                </a:solidFill>
+                <a:latin typeface="Courier"/>
+                <a:cs typeface="Courier"/>
+              </a:rPr>
+              <a:t>;</a:t>
+            </a:r>
+            <a:endParaRPr lang="nb-NO" sz="1900" dirty="0">
+              <a:solidFill>
+                <a:srgbClr val="FF0000"/>
+              </a:solidFill>
+              <a:latin typeface="Courier"/>
+              <a:cs typeface="Courier"/>
+            </a:endParaRPr>
           </a:p>
           <a:p>
             <a:pPr marL="0" indent="0">
               <a:buNone/>
             </a:pPr>
-            <a:endParaRPr lang="nb-NO"/>
+            <a:r>
+              <a:rPr lang="nb-NO" sz="1900" dirty="0">
+                <a:solidFill>
+                  <a:srgbClr val="FF0000"/>
+                </a:solidFill>
+                <a:latin typeface="Courier"/>
+                <a:cs typeface="Courier"/>
+              </a:rPr>
+              <a:t>        </a:t>
+            </a:r>
+            <a:r>
+              <a:rPr lang="nb-NO" sz="1900" dirty="0" err="1">
+                <a:solidFill>
+                  <a:srgbClr val="FF0000"/>
+                </a:solidFill>
+                <a:latin typeface="Courier"/>
+                <a:cs typeface="Courier"/>
+              </a:rPr>
+              <a:t>public</a:t>
+            </a:r>
+            <a:r>
+              <a:rPr lang="nb-NO" sz="1900" dirty="0">
+                <a:solidFill>
+                  <a:srgbClr val="FF0000"/>
+                </a:solidFill>
+                <a:latin typeface="Courier"/>
+                <a:cs typeface="Courier"/>
+              </a:rPr>
+              <a:t> </a:t>
+            </a:r>
+            <a:r>
+              <a:rPr lang="nb-NO" sz="1900" dirty="0" err="1" smtClean="0">
+                <a:solidFill>
+                  <a:srgbClr val="FF0000"/>
+                </a:solidFill>
+                <a:latin typeface="Courier"/>
+                <a:cs typeface="Courier"/>
+              </a:rPr>
+              <a:t>String</a:t>
+            </a:r>
+            <a:r>
+              <a:rPr lang="nb-NO" sz="1900" dirty="0" smtClean="0">
+                <a:solidFill>
+                  <a:srgbClr val="FF0000"/>
+                </a:solidFill>
+                <a:latin typeface="Courier"/>
+                <a:cs typeface="Courier"/>
+              </a:rPr>
+              <a:t> </a:t>
+            </a:r>
+            <a:r>
+              <a:rPr lang="nb-NO" sz="1900" dirty="0" err="1" smtClean="0">
+                <a:solidFill>
+                  <a:srgbClr val="FF0000"/>
+                </a:solidFill>
+                <a:latin typeface="Courier"/>
+                <a:cs typeface="Courier"/>
+              </a:rPr>
+              <a:t>attachmentFileName</a:t>
+            </a:r>
+            <a:r>
+              <a:rPr lang="nb-NO" sz="1900" dirty="0">
+                <a:solidFill>
+                  <a:srgbClr val="FF0000"/>
+                </a:solidFill>
+                <a:latin typeface="Courier"/>
+                <a:cs typeface="Courier"/>
+              </a:rPr>
+              <a:t>;</a:t>
+            </a:r>
           </a:p>
           <a:p>
             <a:pPr marL="0" indent="0">
               <a:buNone/>
             </a:pPr>
             <a:r>
-              <a:rPr lang="nb-NO"/>
-              <a:t>Actually, this is what OO and compilers are for. Just do it. </a:t>
+              <a:rPr lang="nb-NO" sz="1900" dirty="0">
+                <a:solidFill>
+                  <a:srgbClr val="FF0000"/>
+                </a:solidFill>
+                <a:latin typeface="Courier"/>
+                <a:cs typeface="Courier"/>
+              </a:rPr>
+              <a:t>        </a:t>
+            </a:r>
+            <a:r>
+              <a:rPr lang="nb-NO" sz="1900" dirty="0" err="1">
+                <a:solidFill>
+                  <a:srgbClr val="FF0000"/>
+                </a:solidFill>
+                <a:latin typeface="Courier"/>
+                <a:cs typeface="Courier"/>
+              </a:rPr>
+              <a:t>public</a:t>
+            </a:r>
+            <a:r>
+              <a:rPr lang="nb-NO" sz="1900" dirty="0">
+                <a:solidFill>
+                  <a:srgbClr val="FF0000"/>
+                </a:solidFill>
+                <a:latin typeface="Courier"/>
+                <a:cs typeface="Courier"/>
+              </a:rPr>
+              <a:t> </a:t>
+            </a:r>
+            <a:r>
+              <a:rPr lang="nb-NO" sz="1900" dirty="0" err="1" smtClean="0">
+                <a:solidFill>
+                  <a:srgbClr val="FF0000"/>
+                </a:solidFill>
+                <a:latin typeface="Courier"/>
+                <a:cs typeface="Courier"/>
+              </a:rPr>
+              <a:t>String</a:t>
+            </a:r>
+            <a:r>
+              <a:rPr lang="nb-NO" sz="1900" dirty="0" smtClean="0">
+                <a:solidFill>
+                  <a:srgbClr val="FF0000"/>
+                </a:solidFill>
+                <a:latin typeface="Courier"/>
+                <a:cs typeface="Courier"/>
+              </a:rPr>
+              <a:t> </a:t>
+            </a:r>
+            <a:r>
+              <a:rPr lang="nb-NO" sz="1900" dirty="0" err="1" smtClean="0">
+                <a:solidFill>
+                  <a:srgbClr val="FF0000"/>
+                </a:solidFill>
+                <a:latin typeface="Courier"/>
+                <a:cs typeface="Courier"/>
+              </a:rPr>
+              <a:t>attachmentFileExtension</a:t>
+            </a:r>
+            <a:r>
+              <a:rPr lang="nb-NO" sz="1900" dirty="0">
+                <a:solidFill>
+                  <a:srgbClr val="FF0000"/>
+                </a:solidFill>
+                <a:latin typeface="Courier"/>
+                <a:cs typeface="Courier"/>
+              </a:rPr>
+              <a:t>;</a:t>
+            </a:r>
+          </a:p>
+          <a:p>
+            <a:pPr marL="0" indent="0">
+              <a:buNone/>
+            </a:pPr>
+            <a:r>
+              <a:rPr lang="nb-NO" sz="1900" dirty="0">
+                <a:solidFill>
+                  <a:srgbClr val="FF0000"/>
+                </a:solidFill>
+                <a:latin typeface="Courier"/>
+                <a:cs typeface="Courier"/>
+              </a:rPr>
+              <a:t>    }</a:t>
+            </a:r>
+            <a:endParaRPr lang="nb-NO" sz="1900" dirty="0"/>
+          </a:p>
+          <a:p>
+            <a:pPr marL="0" indent="0">
+              <a:buNone/>
+            </a:pPr>
+            <a:r>
+              <a:rPr lang="nb-NO" dirty="0" err="1">
+                <a:solidFill>
+                  <a:srgbClr val="008000"/>
+                </a:solidFill>
+              </a:rPr>
+              <a:t>Actually</a:t>
+            </a:r>
+            <a:r>
+              <a:rPr lang="nb-NO" dirty="0">
+                <a:solidFill>
+                  <a:srgbClr val="008000"/>
+                </a:solidFill>
+              </a:rPr>
+              <a:t>, </a:t>
+            </a:r>
+            <a:r>
+              <a:rPr lang="nb-NO" dirty="0" err="1">
+                <a:solidFill>
+                  <a:srgbClr val="008000"/>
+                </a:solidFill>
+              </a:rPr>
+              <a:t>this</a:t>
+            </a:r>
+            <a:r>
+              <a:rPr lang="nb-NO" dirty="0">
+                <a:solidFill>
+                  <a:srgbClr val="008000"/>
+                </a:solidFill>
+              </a:rPr>
+              <a:t> is </a:t>
+            </a:r>
+            <a:r>
+              <a:rPr lang="nb-NO" dirty="0" err="1">
+                <a:solidFill>
+                  <a:srgbClr val="008000"/>
+                </a:solidFill>
+              </a:rPr>
+              <a:t>what</a:t>
+            </a:r>
+            <a:r>
+              <a:rPr lang="nb-NO" dirty="0">
+                <a:solidFill>
+                  <a:srgbClr val="008000"/>
+                </a:solidFill>
+              </a:rPr>
+              <a:t> OO and </a:t>
+            </a:r>
+            <a:r>
+              <a:rPr lang="nb-NO" dirty="0" err="1">
+                <a:solidFill>
+                  <a:srgbClr val="008000"/>
+                </a:solidFill>
+              </a:rPr>
+              <a:t>compilers</a:t>
+            </a:r>
+            <a:r>
+              <a:rPr lang="nb-NO" dirty="0">
+                <a:solidFill>
+                  <a:srgbClr val="008000"/>
+                </a:solidFill>
+              </a:rPr>
+              <a:t> </a:t>
+            </a:r>
+            <a:r>
+              <a:rPr lang="nb-NO" dirty="0" err="1">
+                <a:solidFill>
+                  <a:srgbClr val="008000"/>
+                </a:solidFill>
+              </a:rPr>
+              <a:t>are</a:t>
+            </a:r>
+            <a:r>
+              <a:rPr lang="nb-NO" dirty="0">
+                <a:solidFill>
+                  <a:srgbClr val="008000"/>
+                </a:solidFill>
+              </a:rPr>
+              <a:t> for. Just do it. </a:t>
             </a:r>
           </a:p>
         </p:txBody>
@@ -4306,7 +6499,6 @@
               <a:rPr lang="nb-NO"/>
               <a:t>Switch statements / Multiple if/else</a:t>
             </a:r>
-            <a:endParaRPr lang="nb-NO"/>
           </a:p>
         </p:txBody>
       </p:sp>
@@ -4332,23 +6524,415 @@
               <a:buChar char="-"/>
             </a:pPr>
             <a:r>
-              <a:rPr lang="nb-NO"/>
-              <a:t>Switching on an object property to do different things often means that property has meaning, not just a simple value. </a:t>
+              <a:rPr lang="nb-NO" dirty="0" err="1">
+                <a:solidFill>
+                  <a:srgbClr val="FF0000"/>
+                </a:solidFill>
+              </a:rPr>
+              <a:t>Switching</a:t>
+            </a:r>
+            <a:r>
+              <a:rPr lang="nb-NO" dirty="0">
+                <a:solidFill>
+                  <a:srgbClr val="FF0000"/>
+                </a:solidFill>
+              </a:rPr>
+              <a:t> </a:t>
+            </a:r>
+            <a:r>
+              <a:rPr lang="nb-NO" dirty="0" err="1">
+                <a:solidFill>
+                  <a:srgbClr val="FF0000"/>
+                </a:solidFill>
+              </a:rPr>
+              <a:t>on</a:t>
+            </a:r>
+            <a:r>
+              <a:rPr lang="nb-NO" dirty="0">
+                <a:solidFill>
+                  <a:srgbClr val="FF0000"/>
+                </a:solidFill>
+              </a:rPr>
+              <a:t> an </a:t>
+            </a:r>
+            <a:r>
+              <a:rPr lang="nb-NO" dirty="0" err="1">
+                <a:solidFill>
+                  <a:srgbClr val="FF0000"/>
+                </a:solidFill>
+              </a:rPr>
+              <a:t>object</a:t>
+            </a:r>
+            <a:r>
+              <a:rPr lang="nb-NO" dirty="0">
+                <a:solidFill>
+                  <a:srgbClr val="FF0000"/>
+                </a:solidFill>
+              </a:rPr>
+              <a:t> </a:t>
+            </a:r>
+            <a:r>
+              <a:rPr lang="nb-NO" dirty="0" err="1">
+                <a:solidFill>
+                  <a:srgbClr val="FF0000"/>
+                </a:solidFill>
+              </a:rPr>
+              <a:t>property</a:t>
+            </a:r>
+            <a:r>
+              <a:rPr lang="nb-NO" dirty="0">
+                <a:solidFill>
+                  <a:srgbClr val="FF0000"/>
+                </a:solidFill>
+              </a:rPr>
+              <a:t> to do different </a:t>
+            </a:r>
+            <a:r>
+              <a:rPr lang="nb-NO" dirty="0" err="1">
+                <a:solidFill>
+                  <a:srgbClr val="FF0000"/>
+                </a:solidFill>
+              </a:rPr>
+              <a:t>things</a:t>
+            </a:r>
+            <a:r>
+              <a:rPr lang="nb-NO" dirty="0">
+                <a:solidFill>
+                  <a:srgbClr val="FF0000"/>
+                </a:solidFill>
+              </a:rPr>
+              <a:t> </a:t>
+            </a:r>
+            <a:r>
+              <a:rPr lang="nb-NO" dirty="0" err="1">
+                <a:solidFill>
+                  <a:srgbClr val="FF0000"/>
+                </a:solidFill>
+              </a:rPr>
+              <a:t>often</a:t>
+            </a:r>
+            <a:r>
+              <a:rPr lang="nb-NO" dirty="0">
+                <a:solidFill>
+                  <a:srgbClr val="FF0000"/>
+                </a:solidFill>
+              </a:rPr>
+              <a:t> </a:t>
+            </a:r>
+            <a:r>
+              <a:rPr lang="nb-NO" dirty="0" err="1">
+                <a:solidFill>
+                  <a:srgbClr val="FF0000"/>
+                </a:solidFill>
+              </a:rPr>
+              <a:t>means</a:t>
+            </a:r>
+            <a:r>
+              <a:rPr lang="nb-NO" dirty="0">
+                <a:solidFill>
+                  <a:srgbClr val="FF0000"/>
+                </a:solidFill>
+              </a:rPr>
+              <a:t> </a:t>
+            </a:r>
+            <a:r>
+              <a:rPr lang="nb-NO" dirty="0" err="1">
+                <a:solidFill>
+                  <a:srgbClr val="FF0000"/>
+                </a:solidFill>
+              </a:rPr>
+              <a:t>that</a:t>
+            </a:r>
+            <a:r>
+              <a:rPr lang="nb-NO" dirty="0">
+                <a:solidFill>
+                  <a:srgbClr val="FF0000"/>
+                </a:solidFill>
+              </a:rPr>
+              <a:t> </a:t>
+            </a:r>
+            <a:r>
+              <a:rPr lang="nb-NO" dirty="0" err="1">
+                <a:solidFill>
+                  <a:srgbClr val="FF0000"/>
+                </a:solidFill>
+              </a:rPr>
+              <a:t>property</a:t>
+            </a:r>
+            <a:r>
+              <a:rPr lang="nb-NO" dirty="0">
+                <a:solidFill>
+                  <a:srgbClr val="FF0000"/>
+                </a:solidFill>
+              </a:rPr>
+              <a:t> has </a:t>
+            </a:r>
+            <a:r>
+              <a:rPr lang="nb-NO" dirty="0" err="1">
+                <a:solidFill>
+                  <a:srgbClr val="FF0000"/>
+                </a:solidFill>
+              </a:rPr>
+              <a:t>meaning</a:t>
+            </a:r>
+            <a:r>
+              <a:rPr lang="nb-NO" dirty="0">
+                <a:solidFill>
+                  <a:srgbClr val="FF0000"/>
+                </a:solidFill>
+              </a:rPr>
+              <a:t>, not just a simple </a:t>
+            </a:r>
+            <a:r>
+              <a:rPr lang="nb-NO" dirty="0" err="1">
+                <a:solidFill>
+                  <a:srgbClr val="FF0000"/>
+                </a:solidFill>
+              </a:rPr>
+              <a:t>value</a:t>
+            </a:r>
+            <a:r>
+              <a:rPr lang="nb-NO" dirty="0">
+                <a:solidFill>
+                  <a:srgbClr val="FF0000"/>
+                </a:solidFill>
+              </a:rPr>
+              <a:t>. </a:t>
             </a:r>
           </a:p>
           <a:p>
             <a:pPr marL="0" indent="0">
               <a:buNone/>
             </a:pPr>
-            <a:endParaRPr lang="nb-NO"/>
+            <a:endParaRPr lang="nb-NO" dirty="0"/>
           </a:p>
           <a:p>
             <a:pPr marL="0" indent="0">
               <a:buNone/>
             </a:pPr>
             <a:r>
-              <a:rPr lang="nb-NO"/>
-              <a:t>Consider replacing switch statement with polymorphism – make each value of the switching property determine a new subclass.</a:t>
+              <a:rPr lang="nb-NO" dirty="0" err="1">
+                <a:solidFill>
+                  <a:srgbClr val="008000"/>
+                </a:solidFill>
+              </a:rPr>
+              <a:t>Consider</a:t>
+            </a:r>
+            <a:r>
+              <a:rPr lang="nb-NO" dirty="0">
+                <a:solidFill>
+                  <a:srgbClr val="008000"/>
+                </a:solidFill>
+              </a:rPr>
+              <a:t> </a:t>
+            </a:r>
+            <a:r>
+              <a:rPr lang="nb-NO" dirty="0" err="1">
+                <a:solidFill>
+                  <a:srgbClr val="008000"/>
+                </a:solidFill>
+              </a:rPr>
+              <a:t>replacing</a:t>
+            </a:r>
+            <a:r>
+              <a:rPr lang="nb-NO" dirty="0">
+                <a:solidFill>
+                  <a:srgbClr val="008000"/>
+                </a:solidFill>
+              </a:rPr>
+              <a:t> </a:t>
+            </a:r>
+            <a:r>
+              <a:rPr lang="nb-NO" dirty="0" err="1">
+                <a:solidFill>
+                  <a:srgbClr val="008000"/>
+                </a:solidFill>
+              </a:rPr>
+              <a:t>switch</a:t>
+            </a:r>
+            <a:r>
+              <a:rPr lang="nb-NO" dirty="0">
+                <a:solidFill>
+                  <a:srgbClr val="008000"/>
+                </a:solidFill>
+              </a:rPr>
+              <a:t> statement </a:t>
+            </a:r>
+            <a:r>
+              <a:rPr lang="nb-NO" dirty="0" err="1">
+                <a:solidFill>
+                  <a:srgbClr val="008000"/>
+                </a:solidFill>
+              </a:rPr>
+              <a:t>with</a:t>
+            </a:r>
+            <a:r>
+              <a:rPr lang="nb-NO" dirty="0">
+                <a:solidFill>
+                  <a:srgbClr val="008000"/>
+                </a:solidFill>
+              </a:rPr>
+              <a:t> </a:t>
+            </a:r>
+            <a:r>
+              <a:rPr lang="nb-NO" dirty="0" err="1">
+                <a:solidFill>
+                  <a:srgbClr val="008000"/>
+                </a:solidFill>
+              </a:rPr>
+              <a:t>polymorphism</a:t>
+            </a:r>
+            <a:r>
+              <a:rPr lang="nb-NO" dirty="0">
+                <a:solidFill>
+                  <a:srgbClr val="008000"/>
+                </a:solidFill>
+              </a:rPr>
+              <a:t> – make </a:t>
+            </a:r>
+            <a:r>
+              <a:rPr lang="nb-NO" dirty="0" err="1">
+                <a:solidFill>
+                  <a:srgbClr val="008000"/>
+                </a:solidFill>
+              </a:rPr>
+              <a:t>each</a:t>
+            </a:r>
+            <a:r>
+              <a:rPr lang="nb-NO" dirty="0">
+                <a:solidFill>
+                  <a:srgbClr val="008000"/>
+                </a:solidFill>
+              </a:rPr>
+              <a:t> </a:t>
+            </a:r>
+            <a:r>
+              <a:rPr lang="nb-NO" dirty="0" err="1">
+                <a:solidFill>
+                  <a:srgbClr val="008000"/>
+                </a:solidFill>
+              </a:rPr>
+              <a:t>value</a:t>
+            </a:r>
+            <a:r>
+              <a:rPr lang="nb-NO" dirty="0">
+                <a:solidFill>
+                  <a:srgbClr val="008000"/>
+                </a:solidFill>
+              </a:rPr>
+              <a:t> </a:t>
+            </a:r>
+            <a:r>
+              <a:rPr lang="nb-NO" dirty="0" err="1">
+                <a:solidFill>
+                  <a:srgbClr val="008000"/>
+                </a:solidFill>
+              </a:rPr>
+              <a:t>of</a:t>
+            </a:r>
+            <a:r>
+              <a:rPr lang="nb-NO" dirty="0">
+                <a:solidFill>
+                  <a:srgbClr val="008000"/>
+                </a:solidFill>
+              </a:rPr>
+              <a:t> </a:t>
+            </a:r>
+            <a:r>
+              <a:rPr lang="nb-NO" dirty="0" err="1">
+                <a:solidFill>
+                  <a:srgbClr val="008000"/>
+                </a:solidFill>
+              </a:rPr>
+              <a:t>the</a:t>
+            </a:r>
+            <a:r>
+              <a:rPr lang="nb-NO" dirty="0">
+                <a:solidFill>
+                  <a:srgbClr val="008000"/>
+                </a:solidFill>
+              </a:rPr>
+              <a:t> </a:t>
+            </a:r>
+            <a:r>
+              <a:rPr lang="nb-NO" dirty="0" err="1">
+                <a:solidFill>
+                  <a:srgbClr val="008000"/>
+                </a:solidFill>
+              </a:rPr>
+              <a:t>switching</a:t>
+            </a:r>
+            <a:r>
+              <a:rPr lang="nb-NO" dirty="0">
+                <a:solidFill>
+                  <a:srgbClr val="008000"/>
+                </a:solidFill>
+              </a:rPr>
+              <a:t> </a:t>
+            </a:r>
+            <a:r>
+              <a:rPr lang="nb-NO" dirty="0" err="1">
+                <a:solidFill>
+                  <a:srgbClr val="008000"/>
+                </a:solidFill>
+              </a:rPr>
+              <a:t>property</a:t>
+            </a:r>
+            <a:r>
+              <a:rPr lang="nb-NO" dirty="0">
+                <a:solidFill>
+                  <a:srgbClr val="008000"/>
+                </a:solidFill>
+              </a:rPr>
+              <a:t> </a:t>
+            </a:r>
+            <a:r>
+              <a:rPr lang="nb-NO" dirty="0" err="1">
+                <a:solidFill>
+                  <a:srgbClr val="008000"/>
+                </a:solidFill>
+              </a:rPr>
+              <a:t>determine</a:t>
+            </a:r>
+            <a:r>
+              <a:rPr lang="nb-NO" dirty="0">
+                <a:solidFill>
+                  <a:srgbClr val="008000"/>
+                </a:solidFill>
+              </a:rPr>
+              <a:t> a </a:t>
+            </a:r>
+            <a:r>
+              <a:rPr lang="nb-NO" dirty="0" err="1">
+                <a:solidFill>
+                  <a:srgbClr val="008000"/>
+                </a:solidFill>
+              </a:rPr>
+              <a:t>new</a:t>
+            </a:r>
+            <a:r>
+              <a:rPr lang="nb-NO" dirty="0">
+                <a:solidFill>
+                  <a:srgbClr val="008000"/>
+                </a:solidFill>
+              </a:rPr>
+              <a:t> </a:t>
+            </a:r>
+            <a:r>
+              <a:rPr lang="nb-NO" dirty="0" err="1">
+                <a:solidFill>
+                  <a:srgbClr val="008000"/>
+                </a:solidFill>
+              </a:rPr>
+              <a:t>subclass</a:t>
+            </a:r>
+            <a:r>
+              <a:rPr lang="nb-NO" dirty="0">
+                <a:solidFill>
+                  <a:srgbClr val="008000"/>
+                </a:solidFill>
+              </a:rPr>
+              <a:t>.</a:t>
             </a:r>
           </a:p>
         </p:txBody>
@@ -4404,7 +6988,6 @@
               <a:rPr lang="nb-NO"/>
               <a:t>Speculative generality</a:t>
             </a:r>
-            <a:endParaRPr lang="nb-NO"/>
           </a:p>
         </p:txBody>
       </p:sp>
@@ -4428,23 +7011,359 @@
               <a:buChar char="-"/>
             </a:pPr>
             <a:r>
-              <a:rPr lang="nb-NO"/>
-              <a:t>The creation of a solution that will solve that whole class of problems, and all their varieties.</a:t>
+              <a:rPr lang="nb-NO" dirty="0">
+                <a:solidFill>
+                  <a:srgbClr val="FF0000"/>
+                </a:solidFill>
+              </a:rPr>
+              <a:t>The </a:t>
+            </a:r>
+            <a:r>
+              <a:rPr lang="nb-NO" dirty="0" err="1">
+                <a:solidFill>
+                  <a:srgbClr val="FF0000"/>
+                </a:solidFill>
+              </a:rPr>
+              <a:t>creation</a:t>
+            </a:r>
+            <a:r>
+              <a:rPr lang="nb-NO" dirty="0">
+                <a:solidFill>
+                  <a:srgbClr val="FF0000"/>
+                </a:solidFill>
+              </a:rPr>
+              <a:t> </a:t>
+            </a:r>
+            <a:r>
+              <a:rPr lang="nb-NO" dirty="0" err="1">
+                <a:solidFill>
+                  <a:srgbClr val="FF0000"/>
+                </a:solidFill>
+              </a:rPr>
+              <a:t>of</a:t>
+            </a:r>
+            <a:r>
+              <a:rPr lang="nb-NO" dirty="0">
+                <a:solidFill>
+                  <a:srgbClr val="FF0000"/>
+                </a:solidFill>
+              </a:rPr>
+              <a:t> a </a:t>
+            </a:r>
+            <a:r>
+              <a:rPr lang="nb-NO" dirty="0" err="1">
+                <a:solidFill>
+                  <a:srgbClr val="FF0000"/>
+                </a:solidFill>
+              </a:rPr>
+              <a:t>solution</a:t>
+            </a:r>
+            <a:r>
+              <a:rPr lang="nb-NO" dirty="0">
+                <a:solidFill>
+                  <a:srgbClr val="FF0000"/>
+                </a:solidFill>
+              </a:rPr>
+              <a:t> </a:t>
+            </a:r>
+            <a:r>
+              <a:rPr lang="nb-NO" dirty="0" err="1">
+                <a:solidFill>
+                  <a:srgbClr val="FF0000"/>
+                </a:solidFill>
+              </a:rPr>
+              <a:t>that</a:t>
+            </a:r>
+            <a:r>
+              <a:rPr lang="nb-NO" dirty="0">
+                <a:solidFill>
+                  <a:srgbClr val="FF0000"/>
+                </a:solidFill>
+              </a:rPr>
+              <a:t> </a:t>
+            </a:r>
+            <a:r>
+              <a:rPr lang="nb-NO" dirty="0" err="1">
+                <a:solidFill>
+                  <a:srgbClr val="FF0000"/>
+                </a:solidFill>
+              </a:rPr>
+              <a:t>will</a:t>
+            </a:r>
+            <a:r>
+              <a:rPr lang="nb-NO" dirty="0">
+                <a:solidFill>
+                  <a:srgbClr val="FF0000"/>
+                </a:solidFill>
+              </a:rPr>
+              <a:t> </a:t>
+            </a:r>
+            <a:r>
+              <a:rPr lang="nb-NO" dirty="0" err="1">
+                <a:solidFill>
+                  <a:srgbClr val="FF0000"/>
+                </a:solidFill>
+              </a:rPr>
+              <a:t>solve</a:t>
+            </a:r>
+            <a:r>
+              <a:rPr lang="nb-NO" dirty="0">
+                <a:solidFill>
+                  <a:srgbClr val="FF0000"/>
+                </a:solidFill>
+              </a:rPr>
+              <a:t> </a:t>
+            </a:r>
+            <a:r>
+              <a:rPr lang="nb-NO" dirty="0" err="1">
+                <a:solidFill>
+                  <a:srgbClr val="FF0000"/>
+                </a:solidFill>
+              </a:rPr>
+              <a:t>that</a:t>
+            </a:r>
+            <a:r>
+              <a:rPr lang="nb-NO" dirty="0">
+                <a:solidFill>
+                  <a:srgbClr val="FF0000"/>
+                </a:solidFill>
+              </a:rPr>
+              <a:t> </a:t>
+            </a:r>
+            <a:r>
+              <a:rPr lang="nb-NO" dirty="0" err="1">
+                <a:solidFill>
+                  <a:srgbClr val="FF0000"/>
+                </a:solidFill>
+              </a:rPr>
+              <a:t>whole</a:t>
+            </a:r>
+            <a:r>
+              <a:rPr lang="nb-NO" dirty="0">
+                <a:solidFill>
+                  <a:srgbClr val="FF0000"/>
+                </a:solidFill>
+              </a:rPr>
+              <a:t> </a:t>
+            </a:r>
+            <a:r>
+              <a:rPr lang="nb-NO" dirty="0" err="1">
+                <a:solidFill>
+                  <a:srgbClr val="FF0000"/>
+                </a:solidFill>
+              </a:rPr>
+              <a:t>class</a:t>
+            </a:r>
+            <a:r>
+              <a:rPr lang="nb-NO" dirty="0">
+                <a:solidFill>
+                  <a:srgbClr val="FF0000"/>
+                </a:solidFill>
+              </a:rPr>
+              <a:t> </a:t>
+            </a:r>
+            <a:r>
+              <a:rPr lang="nb-NO" dirty="0" err="1">
+                <a:solidFill>
+                  <a:srgbClr val="FF0000"/>
+                </a:solidFill>
+              </a:rPr>
+              <a:t>of</a:t>
+            </a:r>
+            <a:r>
+              <a:rPr lang="nb-NO" dirty="0">
+                <a:solidFill>
+                  <a:srgbClr val="FF0000"/>
+                </a:solidFill>
+              </a:rPr>
+              <a:t> problems, and all </a:t>
+            </a:r>
+            <a:r>
+              <a:rPr lang="nb-NO" dirty="0" err="1">
+                <a:solidFill>
+                  <a:srgbClr val="FF0000"/>
+                </a:solidFill>
+              </a:rPr>
+              <a:t>their</a:t>
+            </a:r>
+            <a:r>
+              <a:rPr lang="nb-NO" dirty="0">
+                <a:solidFill>
+                  <a:srgbClr val="FF0000"/>
+                </a:solidFill>
+              </a:rPr>
+              <a:t> </a:t>
+            </a:r>
+            <a:r>
+              <a:rPr lang="nb-NO" dirty="0" err="1">
+                <a:solidFill>
+                  <a:srgbClr val="FF0000"/>
+                </a:solidFill>
+              </a:rPr>
+              <a:t>varieties</a:t>
+            </a:r>
+            <a:r>
+              <a:rPr lang="nb-NO" dirty="0">
+                <a:solidFill>
+                  <a:srgbClr val="FF0000"/>
+                </a:solidFill>
+              </a:rPr>
+              <a:t>.</a:t>
             </a:r>
           </a:p>
           <a:p>
             <a:pPr marL="0" indent="0">
               <a:buNone/>
             </a:pPr>
-            <a:endParaRPr lang="nb-NO"/>
+            <a:endParaRPr lang="nb-NO" dirty="0"/>
           </a:p>
           <a:p>
             <a:pPr marL="0" indent="0">
               <a:buNone/>
             </a:pPr>
             <a:r>
-              <a:rPr lang="nb-NO"/>
-              <a:t>You Aint Gonna Need It. Take it out. Simple code is always better.</a:t>
+              <a:rPr lang="nb-NO" dirty="0" err="1">
+                <a:solidFill>
+                  <a:srgbClr val="008000"/>
+                </a:solidFill>
+              </a:rPr>
+              <a:t>You</a:t>
+            </a:r>
+            <a:r>
+              <a:rPr lang="nb-NO" dirty="0">
+                <a:solidFill>
+                  <a:srgbClr val="008000"/>
+                </a:solidFill>
+              </a:rPr>
+              <a:t> </a:t>
+            </a:r>
+            <a:r>
+              <a:rPr lang="nb-NO" dirty="0" err="1">
+                <a:solidFill>
+                  <a:srgbClr val="008000"/>
+                </a:solidFill>
+              </a:rPr>
+              <a:t>Aint</a:t>
+            </a:r>
+            <a:r>
+              <a:rPr lang="nb-NO" dirty="0">
+                <a:solidFill>
+                  <a:srgbClr val="008000"/>
+                </a:solidFill>
+              </a:rPr>
+              <a:t> </a:t>
+            </a:r>
+            <a:r>
+              <a:rPr lang="nb-NO" dirty="0" err="1">
+                <a:solidFill>
+                  <a:srgbClr val="008000"/>
+                </a:solidFill>
+              </a:rPr>
+              <a:t>Gonna</a:t>
+            </a:r>
+            <a:r>
+              <a:rPr lang="nb-NO" dirty="0">
+                <a:solidFill>
+                  <a:srgbClr val="008000"/>
+                </a:solidFill>
+              </a:rPr>
+              <a:t> </a:t>
+            </a:r>
+            <a:r>
+              <a:rPr lang="nb-NO" dirty="0" err="1">
+                <a:solidFill>
+                  <a:srgbClr val="008000"/>
+                </a:solidFill>
+              </a:rPr>
+              <a:t>Need</a:t>
+            </a:r>
+            <a:r>
+              <a:rPr lang="nb-NO" dirty="0">
+                <a:solidFill>
+                  <a:srgbClr val="008000"/>
+                </a:solidFill>
+              </a:rPr>
+              <a:t> It. </a:t>
+            </a:r>
+            <a:r>
+              <a:rPr lang="nb-NO" dirty="0" err="1">
+                <a:solidFill>
+                  <a:srgbClr val="008000"/>
+                </a:solidFill>
+              </a:rPr>
+              <a:t>Take</a:t>
+            </a:r>
+            <a:r>
+              <a:rPr lang="nb-NO" dirty="0">
+                <a:solidFill>
+                  <a:srgbClr val="008000"/>
+                </a:solidFill>
+              </a:rPr>
+              <a:t> it </a:t>
+            </a:r>
+            <a:r>
+              <a:rPr lang="nb-NO" dirty="0" err="1">
+                <a:solidFill>
+                  <a:srgbClr val="008000"/>
+                </a:solidFill>
+              </a:rPr>
+              <a:t>out</a:t>
+            </a:r>
+            <a:r>
+              <a:rPr lang="nb-NO" dirty="0">
+                <a:solidFill>
+                  <a:srgbClr val="008000"/>
+                </a:solidFill>
+              </a:rPr>
+              <a:t>. Simple </a:t>
+            </a:r>
+            <a:r>
+              <a:rPr lang="nb-NO" dirty="0" err="1">
+                <a:solidFill>
+                  <a:srgbClr val="008000"/>
+                </a:solidFill>
+              </a:rPr>
+              <a:t>code</a:t>
+            </a:r>
+            <a:r>
+              <a:rPr lang="nb-NO" dirty="0">
+                <a:solidFill>
+                  <a:srgbClr val="008000"/>
+                </a:solidFill>
+              </a:rPr>
+              <a:t> is </a:t>
+            </a:r>
+            <a:r>
+              <a:rPr lang="nb-NO" dirty="0" err="1">
+                <a:solidFill>
+                  <a:srgbClr val="008000"/>
+                </a:solidFill>
+              </a:rPr>
+              <a:t>always</a:t>
+            </a:r>
+            <a:r>
+              <a:rPr lang="nb-NO" dirty="0">
+                <a:solidFill>
+                  <a:srgbClr val="008000"/>
+                </a:solidFill>
+              </a:rPr>
+              <a:t> </a:t>
+            </a:r>
+            <a:r>
+              <a:rPr lang="nb-NO" dirty="0" err="1">
+                <a:solidFill>
+                  <a:srgbClr val="008000"/>
+                </a:solidFill>
+              </a:rPr>
+              <a:t>better</a:t>
+            </a:r>
+            <a:r>
+              <a:rPr lang="nb-NO" dirty="0">
+                <a:solidFill>
+                  <a:srgbClr val="008000"/>
+                </a:solidFill>
+              </a:rPr>
+              <a:t>.</a:t>
             </a:r>
           </a:p>
         </p:txBody>
@@ -4463,7 +7382,7 @@
 </file>
 
 <file path=ppt/slides/slide15.xml><?xml version="1.0" encoding="utf-8"?>
-<p:sld xmlns:a="http://schemas.openxmlformats.org/drawingml/2006/main" xmlns:r="http://schemas.openxmlformats.org/officeDocument/2006/relationships" xmlns:p="http://schemas.openxmlformats.org/presentationml/2006/main" show="0">
+<p:sld xmlns:a="http://schemas.openxmlformats.org/drawingml/2006/main" xmlns:r="http://schemas.openxmlformats.org/officeDocument/2006/relationships" xmlns:p="http://schemas.openxmlformats.org/presentationml/2006/main">
   <p:cSld>
     <p:spTree>
       <p:nvGrpSpPr>
@@ -4498,9 +7417,8 @@
           <a:p>
             <a:r>
               <a:rPr lang="nb-NO"/>
-              <a:t>Temporary field</a:t>
-            </a:r>
-            <a:endParaRPr lang="nb-NO"/>
+              <a:t>Comments</a:t>
+            </a:r>
           </a:p>
         </p:txBody>
       </p:sp>
@@ -4522,28 +7440,316 @@
             <a:pPr marL="0" indent="0">
               <a:buNone/>
             </a:pPr>
-            <a:endParaRPr lang="nb-NO"/>
+            <a:r>
+              <a:rPr lang="nb-NO" dirty="0">
+                <a:solidFill>
+                  <a:srgbClr val="FF0000"/>
+                </a:solidFill>
+              </a:rPr>
+              <a:t>//</a:t>
+            </a:r>
+            <a:r>
+              <a:rPr lang="nb-NO" dirty="0" err="1">
+                <a:solidFill>
+                  <a:srgbClr val="FF0000"/>
+                </a:solidFill>
+              </a:rPr>
+              <a:t>add</a:t>
+            </a:r>
+            <a:r>
+              <a:rPr lang="nb-NO" dirty="0">
+                <a:solidFill>
+                  <a:srgbClr val="FF0000"/>
+                </a:solidFill>
+              </a:rPr>
+              <a:t> </a:t>
+            </a:r>
+            <a:r>
+              <a:rPr lang="nb-NO" dirty="0" err="1">
+                <a:solidFill>
+                  <a:srgbClr val="FF0000"/>
+                </a:solidFill>
+              </a:rPr>
+              <a:t>two</a:t>
+            </a:r>
+            <a:r>
+              <a:rPr lang="nb-NO" dirty="0">
+                <a:solidFill>
+                  <a:srgbClr val="FF0000"/>
+                </a:solidFill>
+              </a:rPr>
+              <a:t> </a:t>
+            </a:r>
+            <a:r>
+              <a:rPr lang="nb-NO" dirty="0" err="1">
+                <a:solidFill>
+                  <a:srgbClr val="FF0000"/>
+                </a:solidFill>
+              </a:rPr>
+              <a:t>numbers</a:t>
+            </a:r>
+            <a:endParaRPr lang="nb-NO" dirty="0">
+              <a:solidFill>
+                <a:srgbClr val="FF0000"/>
+              </a:solidFill>
+            </a:endParaRPr>
+          </a:p>
+          <a:p>
+            <a:pPr marL="0" indent="0">
+              <a:buNone/>
+            </a:pPr>
+            <a:r>
+              <a:rPr lang="nb-NO" dirty="0">
+                <a:solidFill>
+                  <a:srgbClr val="FF0000"/>
+                </a:solidFill>
+              </a:rPr>
+              <a:t>var sum = a * b</a:t>
+            </a:r>
+          </a:p>
+          <a:p>
+            <a:pPr marL="0" indent="0">
+              <a:buNone/>
+            </a:pPr>
+            <a:endParaRPr lang="nb-NO" dirty="0">
+              <a:solidFill>
+                <a:srgbClr val="008000"/>
+              </a:solidFill>
+            </a:endParaRPr>
+          </a:p>
+          <a:p>
+            <a:pPr marL="0" indent="0">
+              <a:buNone/>
+            </a:pPr>
+            <a:r>
+              <a:rPr lang="nb-NO" dirty="0" err="1">
+                <a:solidFill>
+                  <a:srgbClr val="008000"/>
+                </a:solidFill>
+              </a:rPr>
+              <a:t>Comments</a:t>
+            </a:r>
+            <a:r>
+              <a:rPr lang="nb-NO" dirty="0">
+                <a:solidFill>
+                  <a:srgbClr val="008000"/>
+                </a:solidFill>
+              </a:rPr>
+              <a:t> </a:t>
+            </a:r>
+            <a:r>
+              <a:rPr lang="nb-NO" dirty="0" err="1">
+                <a:solidFill>
+                  <a:srgbClr val="008000"/>
+                </a:solidFill>
+              </a:rPr>
+              <a:t>lie</a:t>
+            </a:r>
+            <a:r>
+              <a:rPr lang="nb-NO" dirty="0">
+                <a:solidFill>
+                  <a:srgbClr val="008000"/>
+                </a:solidFill>
+              </a:rPr>
+              <a:t>. Make </a:t>
+            </a:r>
+            <a:r>
+              <a:rPr lang="nb-NO" dirty="0" err="1">
+                <a:solidFill>
+                  <a:srgbClr val="008000"/>
+                </a:solidFill>
+              </a:rPr>
+              <a:t>your</a:t>
+            </a:r>
+            <a:r>
+              <a:rPr lang="nb-NO" dirty="0">
+                <a:solidFill>
+                  <a:srgbClr val="008000"/>
+                </a:solidFill>
+              </a:rPr>
+              <a:t> </a:t>
+            </a:r>
+            <a:r>
+              <a:rPr lang="nb-NO" dirty="0" err="1">
+                <a:solidFill>
+                  <a:srgbClr val="008000"/>
+                </a:solidFill>
+              </a:rPr>
+              <a:t>code</a:t>
+            </a:r>
+            <a:r>
+              <a:rPr lang="nb-NO" dirty="0">
+                <a:solidFill>
+                  <a:srgbClr val="008000"/>
+                </a:solidFill>
+              </a:rPr>
+              <a:t> </a:t>
+            </a:r>
+            <a:r>
+              <a:rPr lang="nb-NO" dirty="0" err="1">
+                <a:solidFill>
+                  <a:srgbClr val="008000"/>
+                </a:solidFill>
+              </a:rPr>
+              <a:t>expressive</a:t>
+            </a:r>
+            <a:r>
+              <a:rPr lang="nb-NO" dirty="0">
+                <a:solidFill>
+                  <a:srgbClr val="008000"/>
+                </a:solidFill>
+              </a:rPr>
+              <a:t> </a:t>
+            </a:r>
+            <a:r>
+              <a:rPr lang="nb-NO" dirty="0" err="1" smtClean="0">
+                <a:solidFill>
+                  <a:srgbClr val="008000"/>
+                </a:solidFill>
+              </a:rPr>
+              <a:t>enough</a:t>
+            </a:r>
+            <a:r>
+              <a:rPr lang="nb-NO" dirty="0" smtClean="0">
+                <a:solidFill>
+                  <a:srgbClr val="008000"/>
+                </a:solidFill>
+              </a:rPr>
+              <a:t> </a:t>
+            </a:r>
+            <a:r>
+              <a:rPr lang="nb-NO" dirty="0">
+                <a:solidFill>
+                  <a:srgbClr val="008000"/>
+                </a:solidFill>
+              </a:rPr>
+              <a:t>to tell </a:t>
+            </a:r>
+            <a:r>
+              <a:rPr lang="nb-NO" dirty="0" err="1">
+                <a:solidFill>
+                  <a:srgbClr val="008000"/>
+                </a:solidFill>
+              </a:rPr>
+              <a:t>the</a:t>
+            </a:r>
+            <a:r>
+              <a:rPr lang="nb-NO" dirty="0">
+                <a:solidFill>
+                  <a:srgbClr val="008000"/>
+                </a:solidFill>
+              </a:rPr>
+              <a:t> </a:t>
+            </a:r>
+            <a:r>
+              <a:rPr lang="nb-NO" dirty="0" err="1">
+                <a:solidFill>
+                  <a:srgbClr val="008000"/>
+                </a:solidFill>
+              </a:rPr>
+              <a:t>truth</a:t>
+            </a:r>
+            <a:r>
+              <a:rPr lang="nb-NO" dirty="0">
+                <a:solidFill>
+                  <a:srgbClr val="008000"/>
+                </a:solidFill>
+              </a:rPr>
+              <a:t> </a:t>
+            </a:r>
+            <a:r>
+              <a:rPr lang="nb-NO" dirty="0" err="1">
+                <a:solidFill>
+                  <a:srgbClr val="008000"/>
+                </a:solidFill>
+              </a:rPr>
+              <a:t>instead</a:t>
+            </a:r>
+            <a:r>
+              <a:rPr lang="nb-NO" dirty="0">
+                <a:solidFill>
+                  <a:srgbClr val="008000"/>
+                </a:solidFill>
+              </a:rPr>
+              <a:t>, by </a:t>
+            </a:r>
+            <a:r>
+              <a:rPr lang="nb-NO" dirty="0" err="1">
+                <a:solidFill>
+                  <a:srgbClr val="008000"/>
+                </a:solidFill>
+              </a:rPr>
+              <a:t>paying</a:t>
+            </a:r>
+            <a:r>
+              <a:rPr lang="nb-NO" dirty="0">
+                <a:solidFill>
+                  <a:srgbClr val="008000"/>
+                </a:solidFill>
+              </a:rPr>
+              <a:t> </a:t>
+            </a:r>
+            <a:r>
+              <a:rPr lang="nb-NO" dirty="0" err="1">
+                <a:solidFill>
+                  <a:srgbClr val="008000"/>
+                </a:solidFill>
+              </a:rPr>
+              <a:t>attention</a:t>
+            </a:r>
+            <a:r>
+              <a:rPr lang="nb-NO" dirty="0">
+                <a:solidFill>
+                  <a:srgbClr val="008000"/>
+                </a:solidFill>
+              </a:rPr>
+              <a:t> to </a:t>
+            </a:r>
+            <a:r>
+              <a:rPr lang="nb-NO" dirty="0" err="1">
+                <a:solidFill>
+                  <a:srgbClr val="008000"/>
+                </a:solidFill>
+              </a:rPr>
+              <a:t>good</a:t>
+            </a:r>
+            <a:r>
+              <a:rPr lang="nb-NO" dirty="0">
+                <a:solidFill>
+                  <a:srgbClr val="008000"/>
+                </a:solidFill>
+              </a:rPr>
+              <a:t> </a:t>
+            </a:r>
+            <a:r>
+              <a:rPr lang="nb-NO" dirty="0" err="1">
+                <a:solidFill>
+                  <a:srgbClr val="008000"/>
+                </a:solidFill>
+              </a:rPr>
+              <a:t>naming</a:t>
+            </a:r>
+            <a:r>
+              <a:rPr lang="nb-NO" dirty="0">
+                <a:solidFill>
+                  <a:srgbClr val="008000"/>
+                </a:solidFill>
+              </a:rPr>
+              <a:t>.</a:t>
+            </a:r>
           </a:p>
         </p:txBody>
       </p:sp>
     </p:spTree>
     <p:extLst>
       <p:ext uri="{BB962C8B-B14F-4D97-AF65-F5344CB8AC3E}">
-        <p14:creationId xmlns:p14="http://schemas.microsoft.com/office/powerpoint/2010/main" val="790678440"/>
+        <p14:creationId xmlns:p14="http://schemas.microsoft.com/office/powerpoint/2010/main" val="2091654884"/>
       </p:ext>
     </p:extLst>
   </p:cSld>
   <p:clrMapOvr>
     <a:masterClrMapping/>
   </p:clrMapOvr>
-  <mc:AlternateContent xmlns:mc="http://schemas.openxmlformats.org/markup-compatibility/2006">
-    <mc:Choice xmlns:p14="http://schemas.microsoft.com/office/powerpoint/2010/main" Requires="p14">
-      <p:transition spd="slow" p14:dur="2000"/>
-    </mc:Choice>
-    <mc:Fallback>
-      <p:transition xmlns:p14="http://schemas.microsoft.com/office/powerpoint/2010/main" spd="slow"/>
-    </mc:Fallback>
-  </mc:AlternateContent>
 </p:sld>
 </file>
 
@@ -4576,64 +7782,58 @@
         </p:nvSpPr>
         <p:spPr/>
         <p:txBody>
+          <a:bodyPr/>
+          <a:lstStyle/>
+          <a:p>
+            <a:r>
+              <a:rPr lang="en-US" dirty="0" smtClean="0"/>
+              <a:t>Assignment</a:t>
+            </a:r>
+            <a:endParaRPr lang="en-US" dirty="0"/>
+          </a:p>
+        </p:txBody>
+      </p:sp>
+      <p:sp>
+        <p:nvSpPr>
+          <p:cNvPr id="3" name="Content Placeholder 2"/>
+          <p:cNvSpPr>
+            <a:spLocks noGrp="1"/>
+          </p:cNvSpPr>
+          <p:nvPr>
+            <p:ph idx="1"/>
+          </p:nvPr>
+        </p:nvSpPr>
+        <p:spPr/>
+        <p:txBody>
           <a:bodyPr>
             <a:normAutofit/>
           </a:bodyPr>
           <a:lstStyle/>
           <a:p>
             <a:r>
-              <a:rPr lang="nb-NO"/>
-              <a:t>Comments</a:t>
-            </a:r>
-            <a:endParaRPr lang="nb-NO"/>
-          </a:p>
-        </p:txBody>
-      </p:sp>
-      <p:sp>
-        <p:nvSpPr>
-          <p:cNvPr id="3" name="Content Placeholder 2"/>
-          <p:cNvSpPr>
-            <a:spLocks noGrp="1"/>
-          </p:cNvSpPr>
-          <p:nvPr>
-            <p:ph idx="1"/>
-          </p:nvPr>
-        </p:nvSpPr>
-        <p:spPr/>
-        <p:txBody>
-          <a:bodyPr/>
-          <a:lstStyle/>
-          <a:p>
-            <a:pPr marL="0" indent="0">
-              <a:buNone/>
-            </a:pPr>
-            <a:r>
-              <a:rPr lang="nb-NO"/>
-              <a:t>//add two numbers</a:t>
-            </a:r>
-          </a:p>
-          <a:p>
-            <a:pPr marL="0" indent="0">
-              <a:buNone/>
-            </a:pPr>
-            <a:r>
-              <a:rPr lang="nb-NO"/>
-              <a:t>var sum = a * b</a:t>
-            </a:r>
-          </a:p>
-          <a:p>
-            <a:pPr marL="0" indent="0">
-              <a:buNone/>
-            </a:pPr>
-            <a:endParaRPr lang="nb-NO"/>
-          </a:p>
-          <a:p>
-            <a:pPr marL="0" indent="0">
-              <a:buNone/>
-            </a:pPr>
-            <a:r>
-              <a:rPr lang="nb-NO"/>
-              <a:t>Comments lie. Make your code expressive eneough to tell the truth instead, by paying attention to good naming.</a:t>
+              <a:rPr lang="en-US" sz="2800" dirty="0">
+                <a:hlinkClick r:id="rId2"/>
+              </a:rPr>
+              <a:t>https://github.com/nerdschoolbergen/code-</a:t>
+            </a:r>
+            <a:r>
+              <a:rPr lang="en-US" sz="2800" dirty="0" smtClean="0">
+                <a:hlinkClick r:id="rId2"/>
+              </a:rPr>
+              <a:t>smells</a:t>
+            </a:r>
+            <a:endParaRPr lang="en-US" sz="2800" dirty="0" smtClean="0"/>
+          </a:p>
+          <a:p>
+            <a:r>
+              <a:rPr lang="en-US" sz="2800" dirty="0" smtClean="0"/>
+              <a:t>Fix the stink in the provided code</a:t>
+            </a:r>
+          </a:p>
+          <a:p>
+            <a:r>
+              <a:rPr lang="en-US" sz="2800" dirty="0" smtClean="0"/>
+              <a:t>Make code with some specific smells</a:t>
             </a:r>
           </a:p>
         </p:txBody>
@@ -4641,7 +7841,115 @@
     </p:spTree>
     <p:extLst>
       <p:ext uri="{BB962C8B-B14F-4D97-AF65-F5344CB8AC3E}">
-        <p14:creationId xmlns:p14="http://schemas.microsoft.com/office/powerpoint/2010/main" val="2091654884"/>
+        <p14:creationId xmlns:p14="http://schemas.microsoft.com/office/powerpoint/2010/main" val="2968582732"/>
+      </p:ext>
+    </p:extLst>
+  </p:cSld>
+  <p:clrMapOvr>
+    <a:masterClrMapping/>
+  </p:clrMapOvr>
+</p:sld>
+</file>
+
+<file path=ppt/slides/slide17.xml><?xml version="1.0" encoding="utf-8"?>
+<p:sld xmlns:a="http://schemas.openxmlformats.org/drawingml/2006/main" xmlns:r="http://schemas.openxmlformats.org/officeDocument/2006/relationships" xmlns:p="http://schemas.openxmlformats.org/presentationml/2006/main">
+  <p:cSld>
+    <p:spTree>
+      <p:nvGrpSpPr>
+        <p:cNvPr id="1" name=""/>
+        <p:cNvGrpSpPr/>
+        <p:nvPr/>
+      </p:nvGrpSpPr>
+      <p:grpSpPr>
+        <a:xfrm>
+          <a:off x="0" y="0"/>
+          <a:ext cx="0" cy="0"/>
+          <a:chOff x="0" y="0"/>
+          <a:chExt cx="0" cy="0"/>
+        </a:xfrm>
+      </p:grpSpPr>
+      <p:sp>
+        <p:nvSpPr>
+          <p:cNvPr id="2" name="Title 1"/>
+          <p:cNvSpPr>
+            <a:spLocks noGrp="1"/>
+          </p:cNvSpPr>
+          <p:nvPr>
+            <p:ph type="title"/>
+          </p:nvPr>
+        </p:nvSpPr>
+        <p:spPr/>
+        <p:txBody>
+          <a:bodyPr/>
+          <a:lstStyle/>
+          <a:p>
+            <a:r>
+              <a:rPr lang="en-US" dirty="0" smtClean="0"/>
+              <a:t>Next workshop!</a:t>
+            </a:r>
+            <a:endParaRPr lang="en-US" dirty="0"/>
+          </a:p>
+        </p:txBody>
+      </p:sp>
+      <p:sp>
+        <p:nvSpPr>
+          <p:cNvPr id="3" name="Content Placeholder 2"/>
+          <p:cNvSpPr>
+            <a:spLocks noGrp="1"/>
+          </p:cNvSpPr>
+          <p:nvPr>
+            <p:ph idx="1"/>
+          </p:nvPr>
+        </p:nvSpPr>
+        <p:spPr/>
+        <p:txBody>
+          <a:bodyPr/>
+          <a:lstStyle/>
+          <a:p>
+            <a:r>
+              <a:rPr lang="en-US" dirty="0" smtClean="0"/>
+              <a:t>Clean code and refactoring</a:t>
+            </a:r>
+          </a:p>
+          <a:p>
+            <a:r>
+              <a:rPr lang="en-US" dirty="0" smtClean="0"/>
+              <a:t>16. </a:t>
+            </a:r>
+            <a:r>
+              <a:rPr lang="en-US" dirty="0" err="1" smtClean="0"/>
+              <a:t>february</a:t>
+            </a:r>
+            <a:endParaRPr lang="en-US" dirty="0" smtClean="0"/>
+          </a:p>
+          <a:p>
+            <a:r>
+              <a:rPr lang="en-US" dirty="0"/>
+              <a:t>http://</a:t>
+            </a:r>
+            <a:r>
+              <a:rPr lang="en-US" dirty="0" err="1"/>
+              <a:t>www.meetup.com</a:t>
+            </a:r>
+            <a:r>
+              <a:rPr lang="en-US" dirty="0"/>
+              <a:t>/Bergen-</a:t>
+            </a:r>
+            <a:r>
+              <a:rPr lang="en-US" dirty="0" err="1"/>
+              <a:t>Nerdschool</a:t>
+            </a:r>
+            <a:r>
+              <a:rPr lang="en-US" dirty="0"/>
+              <a:t>/events/228237872/</a:t>
+            </a:r>
+          </a:p>
+        </p:txBody>
+      </p:sp>
+    </p:spTree>
+    <p:extLst>
+      <p:ext uri="{BB962C8B-B14F-4D97-AF65-F5344CB8AC3E}">
+        <p14:creationId xmlns:p14="http://schemas.microsoft.com/office/powerpoint/2010/main" val="908020037"/>
       </p:ext>
     </p:extLst>
   </p:cSld>
@@ -4677,7 +7985,7 @@
           <p:nvPr/>
         </p:nvPicPr>
         <p:blipFill>
-          <a:blip r:embed="rId2"/>
+          <a:blip r:embed="rId3"/>
           <a:stretch>
             <a:fillRect/>
           </a:stretch>
@@ -4701,7 +8009,7 @@
           <p:nvPr/>
         </p:nvPicPr>
         <p:blipFill>
-          <a:blip r:embed="rId3"/>
+          <a:blip r:embed="rId4"/>
           <a:stretch>
             <a:fillRect/>
           </a:stretch>
@@ -4989,9 +8297,34 @@
               <a:buChar char="-"/>
             </a:pPr>
             <a:r>
-              <a:rPr lang="nb-NO"/>
-              <a:t>Copy/paste</a:t>
-            </a:r>
+              <a:rPr lang="nb-NO" dirty="0" err="1">
+                <a:solidFill>
+                  <a:srgbClr val="FF0000"/>
+                </a:solidFill>
+              </a:rPr>
+              <a:t>Copy</a:t>
+            </a:r>
+            <a:r>
+              <a:rPr lang="nb-NO" dirty="0">
+                <a:solidFill>
+                  <a:srgbClr val="FF0000"/>
+                </a:solidFill>
+              </a:rPr>
+              <a:t>/</a:t>
+            </a:r>
+            <a:r>
+              <a:rPr lang="nb-NO" dirty="0" err="1">
+                <a:solidFill>
+                  <a:srgbClr val="FF0000"/>
+                </a:solidFill>
+              </a:rPr>
+              <a:t>paste</a:t>
+            </a:r>
+            <a:endParaRPr lang="nb-NO" dirty="0">
+              <a:solidFill>
+                <a:srgbClr val="FF0000"/>
+              </a:solidFill>
+            </a:endParaRPr>
           </a:p>
           <a:p>
             <a:pPr>
@@ -4999,9 +8332,106 @@
               <a:buChar char="-"/>
             </a:pPr>
             <a:r>
-              <a:rPr lang="nb-NO"/>
-              <a:t>Different parts of the code needing to do the same thing</a:t>
-            </a:r>
+              <a:rPr lang="nb-NO" dirty="0">
+                <a:solidFill>
+                  <a:srgbClr val="FF0000"/>
+                </a:solidFill>
+              </a:rPr>
+              <a:t>Different parts </a:t>
+            </a:r>
+            <a:r>
+              <a:rPr lang="nb-NO" dirty="0" err="1">
+                <a:solidFill>
+                  <a:srgbClr val="FF0000"/>
+                </a:solidFill>
+              </a:rPr>
+              <a:t>of</a:t>
+            </a:r>
+            <a:r>
+              <a:rPr lang="nb-NO" dirty="0">
+                <a:solidFill>
+                  <a:srgbClr val="FF0000"/>
+                </a:solidFill>
+              </a:rPr>
+              <a:t> </a:t>
+            </a:r>
+            <a:r>
+              <a:rPr lang="nb-NO" dirty="0" err="1">
+                <a:solidFill>
+                  <a:srgbClr val="FF0000"/>
+                </a:solidFill>
+              </a:rPr>
+              <a:t>the</a:t>
+            </a:r>
+            <a:r>
+              <a:rPr lang="nb-NO" dirty="0">
+                <a:solidFill>
+                  <a:srgbClr val="FF0000"/>
+                </a:solidFill>
+              </a:rPr>
+              <a:t> </a:t>
+            </a:r>
+            <a:r>
+              <a:rPr lang="nb-NO" dirty="0" err="1">
+                <a:solidFill>
+                  <a:srgbClr val="FF0000"/>
+                </a:solidFill>
+              </a:rPr>
+              <a:t>code</a:t>
+            </a:r>
+            <a:r>
+              <a:rPr lang="nb-NO" dirty="0">
+                <a:solidFill>
+                  <a:srgbClr val="FF0000"/>
+                </a:solidFill>
+              </a:rPr>
+              <a:t> </a:t>
+            </a:r>
+            <a:r>
+              <a:rPr lang="nb-NO" dirty="0" err="1">
+                <a:solidFill>
+                  <a:srgbClr val="FF0000"/>
+                </a:solidFill>
+              </a:rPr>
+              <a:t>needing</a:t>
+            </a:r>
+            <a:r>
+              <a:rPr lang="nb-NO" dirty="0">
+                <a:solidFill>
+                  <a:srgbClr val="FF0000"/>
+                </a:solidFill>
+              </a:rPr>
+              <a:t> to do </a:t>
+            </a:r>
+            <a:r>
+              <a:rPr lang="nb-NO" dirty="0" err="1">
+                <a:solidFill>
+                  <a:srgbClr val="FF0000"/>
+                </a:solidFill>
+              </a:rPr>
+              <a:t>the</a:t>
+            </a:r>
+            <a:r>
+              <a:rPr lang="nb-NO" dirty="0">
+                <a:solidFill>
+                  <a:srgbClr val="FF0000"/>
+                </a:solidFill>
+              </a:rPr>
+              <a:t> same </a:t>
+            </a:r>
+            <a:r>
+              <a:rPr lang="nb-NO" dirty="0" err="1">
+                <a:solidFill>
+                  <a:srgbClr val="FF0000"/>
+                </a:solidFill>
+              </a:rPr>
+              <a:t>thing</a:t>
+            </a:r>
+            <a:endParaRPr lang="nb-NO" dirty="0">
+              <a:solidFill>
+                <a:srgbClr val="FF0000"/>
+              </a:solidFill>
+            </a:endParaRPr>
           </a:p>
           <a:p>
             <a:pPr>
@@ -5009,32 +8439,170 @@
               <a:buChar char="-"/>
             </a:pPr>
             <a:r>
-              <a:rPr lang="nb-NO"/>
-              <a:t>Different algorithms, same result</a:t>
-            </a:r>
+              <a:rPr lang="nb-NO" dirty="0">
+                <a:solidFill>
+                  <a:srgbClr val="FF0000"/>
+                </a:solidFill>
+              </a:rPr>
+              <a:t>Different </a:t>
+            </a:r>
+            <a:r>
+              <a:rPr lang="nb-NO" dirty="0" err="1">
+                <a:solidFill>
+                  <a:srgbClr val="FF0000"/>
+                </a:solidFill>
+              </a:rPr>
+              <a:t>algorithms</a:t>
+            </a:r>
+            <a:r>
+              <a:rPr lang="nb-NO" dirty="0">
+                <a:solidFill>
+                  <a:srgbClr val="FF0000"/>
+                </a:solidFill>
+              </a:rPr>
+              <a:t>, same </a:t>
+            </a:r>
+            <a:r>
+              <a:rPr lang="nb-NO" dirty="0" err="1">
+                <a:solidFill>
+                  <a:srgbClr val="FF0000"/>
+                </a:solidFill>
+              </a:rPr>
+              <a:t>result</a:t>
+            </a:r>
+            <a:endParaRPr lang="nb-NO" dirty="0">
+              <a:solidFill>
+                <a:srgbClr val="FF0000"/>
+              </a:solidFill>
+            </a:endParaRPr>
           </a:p>
           <a:p>
             <a:pPr>
               <a:buFontTx/>
               <a:buChar char="-"/>
             </a:pPr>
-            <a:endParaRPr lang="nb-NO"/>
+            <a:endParaRPr lang="nb-NO" dirty="0"/>
           </a:p>
           <a:p>
             <a:pPr marL="0" indent="0">
               <a:buNone/>
             </a:pPr>
             <a:r>
-              <a:rPr lang="nb-NO"/>
-              <a:t>Collect into a single place, and ahdere to the Single Responsibility Principle</a:t>
-            </a:r>
+              <a:rPr lang="nb-NO" dirty="0" err="1">
+                <a:solidFill>
+                  <a:srgbClr val="008000"/>
+                </a:solidFill>
+              </a:rPr>
+              <a:t>Collect</a:t>
+            </a:r>
+            <a:r>
+              <a:rPr lang="nb-NO" dirty="0">
+                <a:solidFill>
+                  <a:srgbClr val="008000"/>
+                </a:solidFill>
+              </a:rPr>
+              <a:t> </a:t>
+            </a:r>
+            <a:r>
+              <a:rPr lang="nb-NO" dirty="0" err="1">
+                <a:solidFill>
+                  <a:srgbClr val="008000"/>
+                </a:solidFill>
+              </a:rPr>
+              <a:t>into</a:t>
+            </a:r>
+            <a:r>
+              <a:rPr lang="nb-NO" dirty="0">
+                <a:solidFill>
+                  <a:srgbClr val="008000"/>
+                </a:solidFill>
+              </a:rPr>
+              <a:t> a single </a:t>
+            </a:r>
+            <a:r>
+              <a:rPr lang="nb-NO" dirty="0" err="1">
+                <a:solidFill>
+                  <a:srgbClr val="008000"/>
+                </a:solidFill>
+              </a:rPr>
+              <a:t>place</a:t>
+            </a:r>
+            <a:r>
+              <a:rPr lang="nb-NO" dirty="0">
+                <a:solidFill>
+                  <a:srgbClr val="008000"/>
+                </a:solidFill>
+              </a:rPr>
+              <a:t>, and </a:t>
+            </a:r>
+            <a:r>
+              <a:rPr lang="nb-NO" dirty="0" err="1">
+                <a:solidFill>
+                  <a:srgbClr val="008000"/>
+                </a:solidFill>
+              </a:rPr>
+              <a:t>ahdere</a:t>
+            </a:r>
+            <a:r>
+              <a:rPr lang="nb-NO" dirty="0">
+                <a:solidFill>
+                  <a:srgbClr val="008000"/>
+                </a:solidFill>
+              </a:rPr>
+              <a:t> to </a:t>
+            </a:r>
+            <a:r>
+              <a:rPr lang="nb-NO" dirty="0" err="1">
+                <a:solidFill>
+                  <a:srgbClr val="008000"/>
+                </a:solidFill>
+              </a:rPr>
+              <a:t>the</a:t>
+            </a:r>
+            <a:r>
+              <a:rPr lang="nb-NO" dirty="0">
+                <a:solidFill>
+                  <a:srgbClr val="008000"/>
+                </a:solidFill>
+              </a:rPr>
+              <a:t> Single </a:t>
+            </a:r>
+            <a:r>
+              <a:rPr lang="nb-NO" dirty="0" err="1">
+                <a:solidFill>
+                  <a:srgbClr val="008000"/>
+                </a:solidFill>
+              </a:rPr>
+              <a:t>Responsibility</a:t>
+            </a:r>
+            <a:r>
+              <a:rPr lang="nb-NO" dirty="0">
+                <a:solidFill>
+                  <a:srgbClr val="008000"/>
+                </a:solidFill>
+              </a:rPr>
+              <a:t> </a:t>
+            </a:r>
+            <a:r>
+              <a:rPr lang="nb-NO" dirty="0" err="1">
+                <a:solidFill>
+                  <a:srgbClr val="008000"/>
+                </a:solidFill>
+              </a:rPr>
+              <a:t>Principle</a:t>
+            </a:r>
+            <a:endParaRPr lang="nb-NO" dirty="0">
+              <a:solidFill>
+                <a:srgbClr val="008000"/>
+              </a:solidFill>
+            </a:endParaRPr>
           </a:p>
           <a:p>
             <a:pPr>
               <a:buFontTx/>
               <a:buChar char="-"/>
             </a:pPr>
-            <a:endParaRPr lang="nb-NO"/>
+            <a:endParaRPr lang="nb-NO" dirty="0"/>
           </a:p>
         </p:txBody>
       </p:sp>
@@ -5086,10 +8654,30 @@
           <a:lstStyle/>
           <a:p>
             <a:r>
-              <a:rPr lang="nb-NO"/>
-              <a:t>Long method, Large class</a:t>
-            </a:r>
-            <a:endParaRPr lang="nb-NO"/>
+              <a:rPr lang="nb-NO" dirty="0"/>
+              <a:t>Long </a:t>
+            </a:r>
+            <a:r>
+              <a:rPr lang="nb-NO" dirty="0" err="1" smtClean="0"/>
+              <a:t>method</a:t>
+            </a:r>
+            <a:r>
+              <a:rPr lang="nb-NO" dirty="0"/>
+              <a:t>/</a:t>
+            </a:r>
+            <a:r>
+              <a:rPr lang="nb-NO" dirty="0" smtClean="0"/>
+              <a:t> </a:t>
+            </a:r>
+            <a:r>
+              <a:rPr lang="nb-NO" dirty="0"/>
+              <a:t>Large </a:t>
+            </a:r>
+            <a:r>
+              <a:rPr lang="nb-NO" dirty="0" err="1"/>
+              <a:t>class</a:t>
+            </a:r>
+            <a:endParaRPr lang="nb-NO" dirty="0"/>
           </a:p>
         </p:txBody>
       </p:sp>
@@ -5113,8 +8701,36 @@
               <a:buChar char="-"/>
             </a:pPr>
             <a:r>
-              <a:rPr lang="nb-NO"/>
-              <a:t>Growing functionality over time</a:t>
+              <a:rPr lang="nb-NO" dirty="0" err="1">
+                <a:solidFill>
+                  <a:srgbClr val="FF0000"/>
+                </a:solidFill>
+              </a:rPr>
+              <a:t>Growing</a:t>
+            </a:r>
+            <a:r>
+              <a:rPr lang="nb-NO" dirty="0">
+                <a:solidFill>
+                  <a:srgbClr val="FF0000"/>
+                </a:solidFill>
+              </a:rPr>
+              <a:t> </a:t>
+            </a:r>
+            <a:r>
+              <a:rPr lang="nb-NO" dirty="0" err="1">
+                <a:solidFill>
+                  <a:srgbClr val="FF0000"/>
+                </a:solidFill>
+              </a:rPr>
+              <a:t>functionality</a:t>
+            </a:r>
+            <a:r>
+              <a:rPr lang="nb-NO" dirty="0">
+                <a:solidFill>
+                  <a:srgbClr val="FF0000"/>
+                </a:solidFill>
+              </a:rPr>
+              <a:t> over time</a:t>
             </a:r>
           </a:p>
           <a:p>
@@ -5123,24 +8739,378 @@
               <a:buChar char="-"/>
             </a:pPr>
             <a:r>
-              <a:rPr lang="nb-NO"/>
-              <a:t>Line count is one measure, # of execution paths is a better measure</a:t>
-            </a:r>
+              <a:rPr lang="nb-NO" dirty="0">
+                <a:solidFill>
+                  <a:srgbClr val="FF0000"/>
+                </a:solidFill>
+              </a:rPr>
+              <a:t>Line </a:t>
+            </a:r>
+            <a:r>
+              <a:rPr lang="nb-NO" dirty="0" err="1">
+                <a:solidFill>
+                  <a:srgbClr val="FF0000"/>
+                </a:solidFill>
+              </a:rPr>
+              <a:t>count</a:t>
+            </a:r>
+            <a:r>
+              <a:rPr lang="nb-NO" dirty="0">
+                <a:solidFill>
+                  <a:srgbClr val="FF0000"/>
+                </a:solidFill>
+              </a:rPr>
+              <a:t> is </a:t>
+            </a:r>
+            <a:r>
+              <a:rPr lang="nb-NO" dirty="0" err="1">
+                <a:solidFill>
+                  <a:srgbClr val="FF0000"/>
+                </a:solidFill>
+              </a:rPr>
+              <a:t>one</a:t>
+            </a:r>
+            <a:r>
+              <a:rPr lang="nb-NO" dirty="0">
+                <a:solidFill>
+                  <a:srgbClr val="FF0000"/>
+                </a:solidFill>
+              </a:rPr>
+              <a:t> </a:t>
+            </a:r>
+            <a:r>
+              <a:rPr lang="nb-NO" dirty="0" err="1">
+                <a:solidFill>
+                  <a:srgbClr val="FF0000"/>
+                </a:solidFill>
+              </a:rPr>
+              <a:t>measure</a:t>
+            </a:r>
+            <a:r>
+              <a:rPr lang="nb-NO" dirty="0">
+                <a:solidFill>
+                  <a:srgbClr val="FF0000"/>
+                </a:solidFill>
+              </a:rPr>
+              <a:t>, # </a:t>
+            </a:r>
+            <a:r>
+              <a:rPr lang="nb-NO" dirty="0" err="1">
+                <a:solidFill>
+                  <a:srgbClr val="FF0000"/>
+                </a:solidFill>
+              </a:rPr>
+              <a:t>of</a:t>
+            </a:r>
+            <a:r>
+              <a:rPr lang="nb-NO" dirty="0">
+                <a:solidFill>
+                  <a:srgbClr val="FF0000"/>
+                </a:solidFill>
+              </a:rPr>
+              <a:t> </a:t>
+            </a:r>
+            <a:r>
+              <a:rPr lang="nb-NO" dirty="0" err="1">
+                <a:solidFill>
+                  <a:srgbClr val="FF0000"/>
+                </a:solidFill>
+              </a:rPr>
+              <a:t>execution</a:t>
+            </a:r>
+            <a:r>
+              <a:rPr lang="nb-NO" dirty="0">
+                <a:solidFill>
+                  <a:srgbClr val="FF0000"/>
+                </a:solidFill>
+              </a:rPr>
+              <a:t> </a:t>
+            </a:r>
+            <a:r>
+              <a:rPr lang="nb-NO" dirty="0" err="1">
+                <a:solidFill>
+                  <a:srgbClr val="FF0000"/>
+                </a:solidFill>
+              </a:rPr>
+              <a:t>paths</a:t>
+            </a:r>
+            <a:r>
+              <a:rPr lang="nb-NO" dirty="0">
+                <a:solidFill>
+                  <a:srgbClr val="FF0000"/>
+                </a:solidFill>
+              </a:rPr>
+              <a:t> is a </a:t>
+            </a:r>
+            <a:r>
+              <a:rPr lang="nb-NO" dirty="0" err="1">
+                <a:solidFill>
+                  <a:srgbClr val="FF0000"/>
+                </a:solidFill>
+              </a:rPr>
+              <a:t>better</a:t>
+            </a:r>
+            <a:r>
+              <a:rPr lang="nb-NO" dirty="0">
+                <a:solidFill>
+                  <a:srgbClr val="FF0000"/>
+                </a:solidFill>
+              </a:rPr>
+              <a:t> </a:t>
+            </a:r>
+            <a:r>
+              <a:rPr lang="nb-NO" dirty="0" err="1">
+                <a:solidFill>
+                  <a:srgbClr val="FF0000"/>
+                </a:solidFill>
+              </a:rPr>
+              <a:t>measure</a:t>
+            </a:r>
+            <a:endParaRPr lang="nb-NO" dirty="0">
+              <a:solidFill>
+                <a:srgbClr val="FF0000"/>
+              </a:solidFill>
+            </a:endParaRPr>
           </a:p>
           <a:p>
             <a:pPr marL="0" indent="0">
               <a:buNone/>
             </a:pPr>
-            <a:endParaRPr lang="nb-NO"/>
+            <a:endParaRPr lang="nb-NO" dirty="0"/>
           </a:p>
           <a:p>
             <a:pPr marL="0" indent="0">
               <a:buNone/>
             </a:pPr>
             <a:r>
-              <a:rPr lang="nb-NO"/>
-              <a:t>Split into smaller methods. Make sure each does only one thing. Split into several classes, make sure each class has a Single Responsibility</a:t>
-            </a:r>
+              <a:rPr lang="nb-NO" dirty="0">
+                <a:solidFill>
+                  <a:srgbClr val="008000"/>
+                </a:solidFill>
+              </a:rPr>
+              <a:t>Split </a:t>
+            </a:r>
+            <a:r>
+              <a:rPr lang="nb-NO" dirty="0" err="1">
+                <a:solidFill>
+                  <a:srgbClr val="008000"/>
+                </a:solidFill>
+              </a:rPr>
+              <a:t>into</a:t>
+            </a:r>
+            <a:r>
+              <a:rPr lang="nb-NO" dirty="0">
+                <a:solidFill>
+                  <a:srgbClr val="008000"/>
+                </a:solidFill>
+              </a:rPr>
+              <a:t> </a:t>
+            </a:r>
+            <a:r>
+              <a:rPr lang="nb-NO" dirty="0" err="1">
+                <a:solidFill>
+                  <a:srgbClr val="008000"/>
+                </a:solidFill>
+              </a:rPr>
+              <a:t>smaller</a:t>
+            </a:r>
+            <a:r>
+              <a:rPr lang="nb-NO" dirty="0">
+                <a:solidFill>
+                  <a:srgbClr val="008000"/>
+                </a:solidFill>
+              </a:rPr>
+              <a:t> </a:t>
+            </a:r>
+            <a:r>
+              <a:rPr lang="nb-NO" dirty="0" err="1">
+                <a:solidFill>
+                  <a:srgbClr val="008000"/>
+                </a:solidFill>
+              </a:rPr>
+              <a:t>methods</a:t>
+            </a:r>
+            <a:r>
+              <a:rPr lang="nb-NO" dirty="0">
+                <a:solidFill>
+                  <a:srgbClr val="008000"/>
+                </a:solidFill>
+              </a:rPr>
+              <a:t>. Make sure </a:t>
+            </a:r>
+            <a:r>
+              <a:rPr lang="nb-NO" dirty="0" err="1">
+                <a:solidFill>
+                  <a:srgbClr val="008000"/>
+                </a:solidFill>
+              </a:rPr>
+              <a:t>each</a:t>
+            </a:r>
+            <a:r>
+              <a:rPr lang="nb-NO" dirty="0">
+                <a:solidFill>
+                  <a:srgbClr val="008000"/>
+                </a:solidFill>
+              </a:rPr>
+              <a:t> </a:t>
+            </a:r>
+            <a:r>
+              <a:rPr lang="nb-NO" dirty="0" err="1">
+                <a:solidFill>
+                  <a:srgbClr val="008000"/>
+                </a:solidFill>
+              </a:rPr>
+              <a:t>does</a:t>
+            </a:r>
+            <a:r>
+              <a:rPr lang="nb-NO" dirty="0">
+                <a:solidFill>
+                  <a:srgbClr val="008000"/>
+                </a:solidFill>
+              </a:rPr>
+              <a:t> </a:t>
+            </a:r>
+            <a:r>
+              <a:rPr lang="nb-NO" dirty="0" err="1">
+                <a:solidFill>
+                  <a:srgbClr val="008000"/>
+                </a:solidFill>
+              </a:rPr>
+              <a:t>only</a:t>
+            </a:r>
+            <a:r>
+              <a:rPr lang="nb-NO" dirty="0">
+                <a:solidFill>
+                  <a:srgbClr val="008000"/>
+                </a:solidFill>
+              </a:rPr>
+              <a:t> </a:t>
+            </a:r>
+            <a:r>
+              <a:rPr lang="nb-NO" dirty="0" err="1">
+                <a:solidFill>
+                  <a:srgbClr val="008000"/>
+                </a:solidFill>
+              </a:rPr>
+              <a:t>one</a:t>
+            </a:r>
+            <a:r>
+              <a:rPr lang="nb-NO" dirty="0">
+                <a:solidFill>
+                  <a:srgbClr val="008000"/>
+                </a:solidFill>
+              </a:rPr>
+              <a:t> </a:t>
+            </a:r>
+            <a:r>
+              <a:rPr lang="nb-NO" dirty="0" err="1">
+                <a:solidFill>
+                  <a:srgbClr val="008000"/>
+                </a:solidFill>
+              </a:rPr>
+              <a:t>thing</a:t>
+            </a:r>
+            <a:r>
+              <a:rPr lang="nb-NO" dirty="0">
+                <a:solidFill>
+                  <a:srgbClr val="008000"/>
+                </a:solidFill>
+              </a:rPr>
+              <a:t>. Split </a:t>
+            </a:r>
+            <a:r>
+              <a:rPr lang="nb-NO" dirty="0" err="1">
+                <a:solidFill>
+                  <a:srgbClr val="008000"/>
+                </a:solidFill>
+              </a:rPr>
+              <a:t>into</a:t>
+            </a:r>
+            <a:r>
+              <a:rPr lang="nb-NO" dirty="0">
+                <a:solidFill>
+                  <a:srgbClr val="008000"/>
+                </a:solidFill>
+              </a:rPr>
+              <a:t> </a:t>
+            </a:r>
+            <a:r>
+              <a:rPr lang="nb-NO" dirty="0" err="1">
+                <a:solidFill>
+                  <a:srgbClr val="008000"/>
+                </a:solidFill>
+              </a:rPr>
+              <a:t>several</a:t>
+            </a:r>
+            <a:r>
+              <a:rPr lang="nb-NO" dirty="0">
+                <a:solidFill>
+                  <a:srgbClr val="008000"/>
+                </a:solidFill>
+              </a:rPr>
+              <a:t> </a:t>
+            </a:r>
+            <a:r>
+              <a:rPr lang="nb-NO" dirty="0" err="1">
+                <a:solidFill>
+                  <a:srgbClr val="008000"/>
+                </a:solidFill>
+              </a:rPr>
+              <a:t>classes</a:t>
+            </a:r>
+            <a:r>
+              <a:rPr lang="nb-NO" dirty="0">
+                <a:solidFill>
+                  <a:srgbClr val="008000"/>
+                </a:solidFill>
+              </a:rPr>
+              <a:t>, make sure </a:t>
+            </a:r>
+            <a:r>
+              <a:rPr lang="nb-NO" dirty="0" err="1">
+                <a:solidFill>
+                  <a:srgbClr val="008000"/>
+                </a:solidFill>
+              </a:rPr>
+              <a:t>each</a:t>
+            </a:r>
+            <a:r>
+              <a:rPr lang="nb-NO" dirty="0">
+                <a:solidFill>
+                  <a:srgbClr val="008000"/>
+                </a:solidFill>
+              </a:rPr>
+              <a:t> </a:t>
+            </a:r>
+            <a:r>
+              <a:rPr lang="nb-NO" dirty="0" err="1">
+                <a:solidFill>
+                  <a:srgbClr val="008000"/>
+                </a:solidFill>
+              </a:rPr>
+              <a:t>class</a:t>
+            </a:r>
+            <a:r>
+              <a:rPr lang="nb-NO" dirty="0">
+                <a:solidFill>
+                  <a:srgbClr val="008000"/>
+                </a:solidFill>
+              </a:rPr>
+              <a:t> has a Single </a:t>
+            </a:r>
+            <a:r>
+              <a:rPr lang="nb-NO" dirty="0" err="1">
+                <a:solidFill>
+                  <a:srgbClr val="008000"/>
+                </a:solidFill>
+              </a:rPr>
+              <a:t>Responsibility</a:t>
+            </a:r>
+            <a:endParaRPr lang="nb-NO" dirty="0">
+              <a:solidFill>
+                <a:srgbClr val="008000"/>
+              </a:solidFill>
+            </a:endParaRPr>
           </a:p>
         </p:txBody>
       </p:sp>
@@ -5195,7 +9165,6 @@
               <a:rPr lang="nb-NO"/>
               <a:t>Long parameter list</a:t>
             </a:r>
-            <a:endParaRPr lang="nb-NO"/>
           </a:p>
         </p:txBody>
       </p:sp>
@@ -5218,26 +9187,163 @@
               <a:buNone/>
             </a:pPr>
             <a:r>
-              <a:rPr lang="nb-NO" sz="2400">
+              <a:rPr lang="nb-NO" sz="2400" dirty="0" err="1">
+                <a:solidFill>
+                  <a:srgbClr val="FF0000"/>
+                </a:solidFill>
                 <a:latin typeface="Courier"/>
                 <a:cs typeface="Courier"/>
               </a:rPr>
-              <a:t>function doStuff(param1, param2, param3, param4, param5, param6, param7, …)</a:t>
+              <a:t>function</a:t>
+            </a:r>
+            <a:r>
+              <a:rPr lang="nb-NO" sz="2400" dirty="0">
+                <a:solidFill>
+                  <a:srgbClr val="FF0000"/>
+                </a:solidFill>
+                <a:latin typeface="Courier"/>
+                <a:cs typeface="Courier"/>
+              </a:rPr>
+              <a:t> </a:t>
+            </a:r>
+            <a:r>
+              <a:rPr lang="nb-NO" sz="2400" dirty="0" err="1">
+                <a:solidFill>
+                  <a:srgbClr val="FF0000"/>
+                </a:solidFill>
+                <a:latin typeface="Courier"/>
+                <a:cs typeface="Courier"/>
+              </a:rPr>
+              <a:t>doStuff</a:t>
+            </a:r>
+            <a:r>
+              <a:rPr lang="nb-NO" sz="2400" dirty="0">
+                <a:solidFill>
+                  <a:srgbClr val="FF0000"/>
+                </a:solidFill>
+                <a:latin typeface="Courier"/>
+                <a:cs typeface="Courier"/>
+              </a:rPr>
+              <a:t>(param1, param2, param3, param4, param5, param6, param7, …)</a:t>
             </a:r>
           </a:p>
           <a:p>
             <a:pPr marL="0" indent="0">
               <a:buNone/>
             </a:pPr>
-            <a:endParaRPr lang="nb-NO"/>
+            <a:endParaRPr lang="nb-NO" dirty="0">
+              <a:solidFill>
+                <a:srgbClr val="FF0000"/>
+              </a:solidFill>
+            </a:endParaRPr>
           </a:p>
           <a:p>
             <a:pPr marL="0" indent="0">
               <a:buNone/>
             </a:pPr>
             <a:r>
-              <a:rPr lang="nb-NO"/>
-              <a:t>- Chances are, you’re doing Too Much Stuff. </a:t>
+              <a:rPr lang="nb-NO" dirty="0">
+                <a:solidFill>
+                  <a:srgbClr val="FF0000"/>
+                </a:solidFill>
+              </a:rPr>
+              <a:t>- </a:t>
+            </a:r>
+            <a:r>
+              <a:rPr lang="nb-NO" dirty="0" err="1">
+                <a:solidFill>
+                  <a:srgbClr val="FF0000"/>
+                </a:solidFill>
+              </a:rPr>
+              <a:t>Chances</a:t>
+            </a:r>
+            <a:r>
+              <a:rPr lang="nb-NO" dirty="0">
+                <a:solidFill>
+                  <a:srgbClr val="FF0000"/>
+                </a:solidFill>
+              </a:rPr>
+              <a:t> </a:t>
+            </a:r>
+            <a:r>
+              <a:rPr lang="nb-NO" dirty="0" err="1">
+                <a:solidFill>
+                  <a:srgbClr val="FF0000"/>
+                </a:solidFill>
+              </a:rPr>
+              <a:t>are</a:t>
+            </a:r>
+            <a:r>
+              <a:rPr lang="nb-NO" dirty="0">
+                <a:solidFill>
+                  <a:srgbClr val="FF0000"/>
+                </a:solidFill>
+              </a:rPr>
+              <a:t>, </a:t>
+            </a:r>
+            <a:r>
+              <a:rPr lang="nb-NO" dirty="0" err="1">
+                <a:solidFill>
+                  <a:srgbClr val="FF0000"/>
+                </a:solidFill>
+              </a:rPr>
+              <a:t>you’re</a:t>
+            </a:r>
+            <a:r>
+              <a:rPr lang="nb-NO" dirty="0">
+                <a:solidFill>
+                  <a:srgbClr val="FF0000"/>
+                </a:solidFill>
+              </a:rPr>
+              <a:t> </a:t>
+            </a:r>
+            <a:r>
+              <a:rPr lang="nb-NO" dirty="0" err="1">
+                <a:solidFill>
+                  <a:srgbClr val="FF0000"/>
+                </a:solidFill>
+              </a:rPr>
+              <a:t>doing</a:t>
+            </a:r>
+            <a:r>
+              <a:rPr lang="nb-NO" dirty="0">
+                <a:solidFill>
+                  <a:srgbClr val="FF0000"/>
+                </a:solidFill>
+              </a:rPr>
+              <a:t> Too </a:t>
+            </a:r>
+            <a:r>
+              <a:rPr lang="nb-NO" dirty="0" err="1">
+                <a:solidFill>
+                  <a:srgbClr val="FF0000"/>
+                </a:solidFill>
+              </a:rPr>
+              <a:t>Much</a:t>
+            </a:r>
+            <a:r>
+              <a:rPr lang="nb-NO" dirty="0">
+                <a:solidFill>
+                  <a:srgbClr val="FF0000"/>
+                </a:solidFill>
+              </a:rPr>
+              <a:t> </a:t>
+            </a:r>
+            <a:r>
+              <a:rPr lang="nb-NO" dirty="0" err="1">
+                <a:solidFill>
+                  <a:srgbClr val="FF0000"/>
+                </a:solidFill>
+              </a:rPr>
+              <a:t>Stuff</a:t>
+            </a:r>
+            <a:r>
+              <a:rPr lang="nb-NO" dirty="0">
+                <a:solidFill>
+                  <a:srgbClr val="FF0000"/>
+                </a:solidFill>
+              </a:rPr>
+              <a:t>. </a:t>
             </a:r>
           </a:p>
           <a:p>
@@ -5245,15 +9351,99 @@
               <a:buFontTx/>
               <a:buChar char="-"/>
             </a:pPr>
-            <a:endParaRPr lang="nb-NO"/>
+            <a:endParaRPr lang="nb-NO" dirty="0"/>
           </a:p>
           <a:p>
             <a:pPr marL="0" indent="0">
               <a:buNone/>
             </a:pPr>
             <a:r>
-              <a:rPr lang="nb-NO"/>
-              <a:t>Pass in objects with properties. Shorten method. </a:t>
+              <a:rPr lang="nb-NO" dirty="0">
+                <a:solidFill>
+                  <a:srgbClr val="008000"/>
+                </a:solidFill>
+              </a:rPr>
+              <a:t>Pass in </a:t>
+            </a:r>
+            <a:r>
+              <a:rPr lang="nb-NO" dirty="0" err="1">
+                <a:solidFill>
+                  <a:srgbClr val="008000"/>
+                </a:solidFill>
+              </a:rPr>
+              <a:t>objects</a:t>
+            </a:r>
+            <a:r>
+              <a:rPr lang="nb-NO" dirty="0">
+                <a:solidFill>
+                  <a:srgbClr val="008000"/>
+                </a:solidFill>
+              </a:rPr>
+              <a:t> </a:t>
+            </a:r>
+            <a:r>
+              <a:rPr lang="nb-NO" dirty="0" err="1">
+                <a:solidFill>
+                  <a:srgbClr val="008000"/>
+                </a:solidFill>
+              </a:rPr>
+              <a:t>with</a:t>
+            </a:r>
+            <a:r>
+              <a:rPr lang="nb-NO" dirty="0">
+                <a:solidFill>
+                  <a:srgbClr val="008000"/>
+                </a:solidFill>
+              </a:rPr>
+              <a:t> </a:t>
+            </a:r>
+            <a:r>
+              <a:rPr lang="nb-NO" dirty="0" err="1">
+                <a:solidFill>
+                  <a:srgbClr val="008000"/>
+                </a:solidFill>
+              </a:rPr>
+              <a:t>properties</a:t>
+            </a:r>
+            <a:r>
+              <a:rPr lang="nb-NO" dirty="0">
+                <a:solidFill>
+                  <a:srgbClr val="008000"/>
+                </a:solidFill>
+              </a:rPr>
+              <a:t>. </a:t>
+            </a:r>
+            <a:r>
+              <a:rPr lang="nb-NO" dirty="0" err="1">
+                <a:solidFill>
+                  <a:srgbClr val="008000"/>
+                </a:solidFill>
+              </a:rPr>
+              <a:t>Shorten</a:t>
+            </a:r>
+            <a:r>
+              <a:rPr lang="nb-NO" dirty="0">
+                <a:solidFill>
+                  <a:srgbClr val="008000"/>
+                </a:solidFill>
+              </a:rPr>
+              <a:t> </a:t>
+            </a:r>
+            <a:r>
+              <a:rPr lang="nb-NO" dirty="0" err="1">
+                <a:solidFill>
+                  <a:srgbClr val="008000"/>
+                </a:solidFill>
+              </a:rPr>
+              <a:t>method</a:t>
+            </a:r>
+            <a:r>
+              <a:rPr lang="nb-NO" dirty="0">
+                <a:solidFill>
+                  <a:srgbClr val="008000"/>
+                </a:solidFill>
+              </a:rPr>
+              <a:t>. </a:t>
             </a:r>
           </a:p>
           <a:p>
@@ -5261,8 +9451,52 @@
               <a:buNone/>
             </a:pPr>
             <a:r>
-              <a:rPr lang="nb-NO"/>
-              <a:t>Consider inlining method.</a:t>
+              <a:rPr lang="nb-NO" dirty="0" err="1">
+                <a:solidFill>
+                  <a:srgbClr val="008000"/>
+                </a:solidFill>
+              </a:rPr>
+              <a:t>Consider</a:t>
+            </a:r>
+            <a:r>
+              <a:rPr lang="nb-NO" dirty="0">
+                <a:solidFill>
+                  <a:srgbClr val="008000"/>
+                </a:solidFill>
+              </a:rPr>
+              <a:t> </a:t>
+            </a:r>
+            <a:r>
+              <a:rPr lang="nb-NO" dirty="0" err="1">
+                <a:solidFill>
+                  <a:srgbClr val="008000"/>
+                </a:solidFill>
+              </a:rPr>
+              <a:t>inlining</a:t>
+            </a:r>
+            <a:r>
+              <a:rPr lang="nb-NO" dirty="0">
+                <a:solidFill>
+                  <a:srgbClr val="008000"/>
+                </a:solidFill>
+              </a:rPr>
+              <a:t> </a:t>
+            </a:r>
+            <a:r>
+              <a:rPr lang="nb-NO" dirty="0" err="1">
+                <a:solidFill>
+                  <a:srgbClr val="008000"/>
+                </a:solidFill>
+              </a:rPr>
+              <a:t>method</a:t>
+            </a:r>
+            <a:r>
+              <a:rPr lang="nb-NO" dirty="0">
+                <a:solidFill>
+                  <a:srgbClr val="008000"/>
+                </a:solidFill>
+              </a:rPr>
+              <a:t>.</a:t>
             </a:r>
           </a:p>
         </p:txBody>
@@ -5318,7 +9552,6 @@
               <a:rPr lang="nb-NO"/>
               <a:t>Data clumps</a:t>
             </a:r>
-            <a:endParaRPr lang="nb-NO"/>
           </a:p>
         </p:txBody>
       </p:sp>
@@ -5342,9 +9575,58 @@
               <a:buChar char="-"/>
             </a:pPr>
             <a:r>
-              <a:rPr lang="nb-NO"/>
-              <a:t>A specific type of duplication</a:t>
-            </a:r>
+              <a:rPr lang="nb-NO" dirty="0">
+                <a:solidFill>
+                  <a:srgbClr val="FF0000"/>
+                </a:solidFill>
+              </a:rPr>
+              <a:t>A </a:t>
+            </a:r>
+            <a:r>
+              <a:rPr lang="nb-NO" dirty="0" err="1">
+                <a:solidFill>
+                  <a:srgbClr val="FF0000"/>
+                </a:solidFill>
+              </a:rPr>
+              <a:t>specific</a:t>
+            </a:r>
+            <a:r>
+              <a:rPr lang="nb-NO" dirty="0">
+                <a:solidFill>
+                  <a:srgbClr val="FF0000"/>
+                </a:solidFill>
+              </a:rPr>
+              <a:t> type </a:t>
+            </a:r>
+            <a:r>
+              <a:rPr lang="nb-NO" dirty="0" err="1">
+                <a:solidFill>
+                  <a:srgbClr val="FF0000"/>
+                </a:solidFill>
+              </a:rPr>
+              <a:t>of</a:t>
+            </a:r>
+            <a:r>
+              <a:rPr lang="nb-NO" dirty="0">
+                <a:solidFill>
+                  <a:srgbClr val="FF0000"/>
+                </a:solidFill>
+              </a:rPr>
+              <a:t> </a:t>
+            </a:r>
+            <a:r>
+              <a:rPr lang="nb-NO" dirty="0" err="1">
+                <a:solidFill>
+                  <a:srgbClr val="FF0000"/>
+                </a:solidFill>
+              </a:rPr>
+              <a:t>duplication</a:t>
+            </a:r>
+            <a:endParaRPr lang="nb-NO" dirty="0">
+              <a:solidFill>
+                <a:srgbClr val="FF0000"/>
+              </a:solidFill>
+            </a:endParaRPr>
           </a:p>
           <a:p>
             <a:pPr>
@@ -5352,30 +9634,329 @@
               <a:buChar char="-"/>
             </a:pPr>
             <a:r>
-              <a:rPr lang="nb-NO"/>
-              <a:t>The same or similar group of fields can be spotted in different classes. </a:t>
+              <a:rPr lang="nb-NO" dirty="0">
+                <a:solidFill>
+                  <a:srgbClr val="FF0000"/>
+                </a:solidFill>
+              </a:rPr>
+              <a:t>The same or </a:t>
+            </a:r>
+            <a:r>
+              <a:rPr lang="nb-NO" dirty="0" err="1">
+                <a:solidFill>
+                  <a:srgbClr val="FF0000"/>
+                </a:solidFill>
+              </a:rPr>
+              <a:t>similar</a:t>
+            </a:r>
+            <a:r>
+              <a:rPr lang="nb-NO" dirty="0">
+                <a:solidFill>
+                  <a:srgbClr val="FF0000"/>
+                </a:solidFill>
+              </a:rPr>
+              <a:t> </a:t>
+            </a:r>
+            <a:r>
+              <a:rPr lang="nb-NO" dirty="0" err="1">
+                <a:solidFill>
+                  <a:srgbClr val="FF0000"/>
+                </a:solidFill>
+              </a:rPr>
+              <a:t>group</a:t>
+            </a:r>
+            <a:r>
+              <a:rPr lang="nb-NO" dirty="0">
+                <a:solidFill>
+                  <a:srgbClr val="FF0000"/>
+                </a:solidFill>
+              </a:rPr>
+              <a:t> </a:t>
+            </a:r>
+            <a:r>
+              <a:rPr lang="nb-NO" dirty="0" err="1">
+                <a:solidFill>
+                  <a:srgbClr val="FF0000"/>
+                </a:solidFill>
+              </a:rPr>
+              <a:t>of</a:t>
+            </a:r>
+            <a:r>
+              <a:rPr lang="nb-NO" dirty="0">
+                <a:solidFill>
+                  <a:srgbClr val="FF0000"/>
+                </a:solidFill>
+              </a:rPr>
+              <a:t> </a:t>
+            </a:r>
+            <a:r>
+              <a:rPr lang="nb-NO" dirty="0" err="1">
+                <a:solidFill>
+                  <a:srgbClr val="FF0000"/>
+                </a:solidFill>
+              </a:rPr>
+              <a:t>fields</a:t>
+            </a:r>
+            <a:r>
+              <a:rPr lang="nb-NO" dirty="0">
+                <a:solidFill>
+                  <a:srgbClr val="FF0000"/>
+                </a:solidFill>
+              </a:rPr>
+              <a:t> </a:t>
+            </a:r>
+            <a:r>
+              <a:rPr lang="nb-NO" dirty="0" err="1">
+                <a:solidFill>
+                  <a:srgbClr val="FF0000"/>
+                </a:solidFill>
+              </a:rPr>
+              <a:t>can</a:t>
+            </a:r>
+            <a:r>
+              <a:rPr lang="nb-NO" dirty="0">
+                <a:solidFill>
+                  <a:srgbClr val="FF0000"/>
+                </a:solidFill>
+              </a:rPr>
+              <a:t> be </a:t>
+            </a:r>
+            <a:r>
+              <a:rPr lang="nb-NO" dirty="0" err="1">
+                <a:solidFill>
+                  <a:srgbClr val="FF0000"/>
+                </a:solidFill>
+              </a:rPr>
+              <a:t>spotted</a:t>
+            </a:r>
+            <a:r>
+              <a:rPr lang="nb-NO" dirty="0">
+                <a:solidFill>
+                  <a:srgbClr val="FF0000"/>
+                </a:solidFill>
+              </a:rPr>
+              <a:t> in different </a:t>
+            </a:r>
+            <a:r>
+              <a:rPr lang="nb-NO" dirty="0" err="1">
+                <a:solidFill>
+                  <a:srgbClr val="FF0000"/>
+                </a:solidFill>
+              </a:rPr>
+              <a:t>classes</a:t>
+            </a:r>
+            <a:r>
+              <a:rPr lang="nb-NO" dirty="0">
+                <a:solidFill>
+                  <a:srgbClr val="FF0000"/>
+                </a:solidFill>
+              </a:rPr>
+              <a:t>. </a:t>
             </a:r>
           </a:p>
           <a:p>
             <a:pPr marL="0" indent="0">
               <a:buNone/>
             </a:pPr>
-            <a:endParaRPr lang="nb-NO"/>
+            <a:endParaRPr lang="nb-NO" dirty="0">
+              <a:solidFill>
+                <a:srgbClr val="008000"/>
+              </a:solidFill>
+            </a:endParaRPr>
           </a:p>
           <a:p>
             <a:pPr marL="0" indent="0">
               <a:buNone/>
             </a:pPr>
             <a:r>
-              <a:rPr lang="nb-NO"/>
-              <a:t>Turn the clump into an object and reuse the object instead of the clumps.</a:t>
-            </a:r>
+              <a:rPr lang="nb-NO" dirty="0" err="1" smtClean="0">
+                <a:solidFill>
+                  <a:srgbClr val="008000"/>
+                </a:solidFill>
+              </a:rPr>
+              <a:t>Extract</a:t>
+            </a:r>
+            <a:r>
+              <a:rPr lang="nb-NO" dirty="0" smtClean="0">
+                <a:solidFill>
+                  <a:srgbClr val="008000"/>
+                </a:solidFill>
+              </a:rPr>
+              <a:t> </a:t>
+            </a:r>
+            <a:r>
+              <a:rPr lang="nb-NO" dirty="0" err="1" smtClean="0">
+                <a:solidFill>
+                  <a:srgbClr val="008000"/>
+                </a:solidFill>
+              </a:rPr>
+              <a:t>the</a:t>
+            </a:r>
+            <a:r>
+              <a:rPr lang="nb-NO" dirty="0" smtClean="0">
+                <a:solidFill>
+                  <a:srgbClr val="008000"/>
+                </a:solidFill>
+              </a:rPr>
+              <a:t> </a:t>
+            </a:r>
+            <a:r>
+              <a:rPr lang="nb-NO" dirty="0" err="1">
+                <a:solidFill>
+                  <a:srgbClr val="008000"/>
+                </a:solidFill>
+              </a:rPr>
+              <a:t>clump</a:t>
+            </a:r>
+            <a:r>
+              <a:rPr lang="nb-NO" dirty="0">
+                <a:solidFill>
+                  <a:srgbClr val="008000"/>
+                </a:solidFill>
+              </a:rPr>
+              <a:t> </a:t>
+            </a:r>
+            <a:r>
+              <a:rPr lang="nb-NO" dirty="0" err="1">
+                <a:solidFill>
+                  <a:srgbClr val="008000"/>
+                </a:solidFill>
+              </a:rPr>
+              <a:t>into</a:t>
+            </a:r>
+            <a:r>
+              <a:rPr lang="nb-NO" dirty="0">
+                <a:solidFill>
+                  <a:srgbClr val="008000"/>
+                </a:solidFill>
+              </a:rPr>
+              <a:t> </a:t>
+            </a:r>
+            <a:r>
+              <a:rPr lang="nb-NO" dirty="0" smtClean="0">
+                <a:solidFill>
+                  <a:srgbClr val="008000"/>
+                </a:solidFill>
+              </a:rPr>
+              <a:t>a </a:t>
+            </a:r>
+            <a:r>
+              <a:rPr lang="nb-NO" dirty="0" err="1" smtClean="0">
+                <a:solidFill>
+                  <a:srgbClr val="008000"/>
+                </a:solidFill>
+              </a:rPr>
+              <a:t>class</a:t>
+            </a:r>
+            <a:r>
+              <a:rPr lang="nb-NO" dirty="0" smtClean="0">
+                <a:solidFill>
+                  <a:srgbClr val="008000"/>
+                </a:solidFill>
+              </a:rPr>
+              <a:t> </a:t>
+            </a:r>
+            <a:r>
+              <a:rPr lang="nb-NO" dirty="0" err="1" smtClean="0">
+                <a:solidFill>
+                  <a:srgbClr val="008000"/>
+                </a:solidFill>
+              </a:rPr>
+              <a:t>with</a:t>
+            </a:r>
+            <a:r>
+              <a:rPr lang="nb-NO" dirty="0" smtClean="0">
+                <a:solidFill>
+                  <a:srgbClr val="008000"/>
+                </a:solidFill>
+              </a:rPr>
+              <a:t> </a:t>
+            </a:r>
+            <a:r>
+              <a:rPr lang="nb-NO" dirty="0" err="1" smtClean="0">
+                <a:solidFill>
+                  <a:srgbClr val="008000"/>
+                </a:solidFill>
+              </a:rPr>
+              <a:t>the</a:t>
+            </a:r>
+            <a:r>
+              <a:rPr lang="nb-NO" dirty="0" smtClean="0">
+                <a:solidFill>
+                  <a:srgbClr val="008000"/>
+                </a:solidFill>
+              </a:rPr>
+              <a:t> </a:t>
+            </a:r>
+            <a:r>
+              <a:rPr lang="nb-NO" dirty="0" err="1" smtClean="0">
+                <a:solidFill>
+                  <a:srgbClr val="008000"/>
+                </a:solidFill>
+              </a:rPr>
+              <a:t>methods</a:t>
+            </a:r>
+            <a:r>
+              <a:rPr lang="nb-NO" dirty="0" smtClean="0">
+                <a:solidFill>
+                  <a:srgbClr val="008000"/>
+                </a:solidFill>
+              </a:rPr>
+              <a:t> from </a:t>
+            </a:r>
+            <a:r>
+              <a:rPr lang="nb-NO" dirty="0" err="1" smtClean="0">
+                <a:solidFill>
+                  <a:srgbClr val="008000"/>
+                </a:solidFill>
+              </a:rPr>
+              <a:t>the</a:t>
+            </a:r>
+            <a:r>
+              <a:rPr lang="nb-NO" dirty="0" smtClean="0">
+                <a:solidFill>
+                  <a:srgbClr val="008000"/>
+                </a:solidFill>
+              </a:rPr>
+              <a:t> different </a:t>
+            </a:r>
+            <a:r>
+              <a:rPr lang="nb-NO" dirty="0" err="1" smtClean="0">
+                <a:solidFill>
+                  <a:srgbClr val="008000"/>
+                </a:solidFill>
+              </a:rPr>
+              <a:t>classes</a:t>
+            </a:r>
+            <a:r>
+              <a:rPr lang="nb-NO" dirty="0" smtClean="0">
+                <a:solidFill>
+                  <a:srgbClr val="008000"/>
+                </a:solidFill>
+              </a:rPr>
+              <a:t>. </a:t>
+            </a:r>
+            <a:endParaRPr lang="nb-NO" dirty="0" smtClean="0">
+              <a:solidFill>
+                <a:srgbClr val="008000"/>
+              </a:solidFill>
+            </a:endParaRPr>
           </a:p>
           <a:p>
             <a:pPr marL="0" indent="0">
               <a:buNone/>
             </a:pPr>
-            <a:endParaRPr lang="nb-NO"/>
+            <a:endParaRPr lang="nb-NO" dirty="0">
+              <a:solidFill>
+                <a:srgbClr val="008000"/>
+              </a:solidFill>
+            </a:endParaRPr>
+          </a:p>
+          <a:p>
+            <a:pPr marL="0" indent="0">
+              <a:buNone/>
+            </a:pPr>
+            <a:endParaRPr lang="nb-NO" dirty="0"/>
           </a:p>
         </p:txBody>
       </p:sp>
@@ -5427,10 +10008,46 @@
           <a:lstStyle/>
           <a:p>
             <a:r>
-              <a:rPr lang="nb-NO"/>
-              <a:t>Data class / Anemic object</a:t>
-            </a:r>
-            <a:endParaRPr lang="nb-NO"/>
+              <a:rPr lang="nb-NO" dirty="0"/>
+              <a:t>Data </a:t>
+            </a:r>
+            <a:r>
+              <a:rPr lang="nb-NO" dirty="0" err="1"/>
+              <a:t>class</a:t>
+            </a:r>
+            <a:r>
+              <a:rPr lang="nb-NO" dirty="0"/>
+              <a:t> </a:t>
+            </a:r>
+            <a:r>
+              <a:rPr lang="nb-NO" dirty="0"/>
+              <a:t> </a:t>
+            </a:r>
+            <a:r>
+              <a:rPr lang="nb-NO" dirty="0" smtClean="0"/>
+              <a:t>(</a:t>
+            </a:r>
+            <a:r>
+              <a:rPr lang="nb-NO" dirty="0" err="1"/>
+              <a:t>a</a:t>
+            </a:r>
+            <a:r>
+              <a:rPr lang="nb-NO" dirty="0" err="1" smtClean="0"/>
+              <a:t>nemic</a:t>
+            </a:r>
+            <a:r>
+              <a:rPr lang="nb-NO" dirty="0" smtClean="0"/>
+              <a:t> </a:t>
+            </a:r>
+            <a:r>
+              <a:rPr lang="nb-NO" dirty="0" err="1" smtClean="0"/>
+              <a:t>object</a:t>
+            </a:r>
+            <a:r>
+              <a:rPr lang="nb-NO" dirty="0" smtClean="0"/>
+              <a:t>)</a:t>
+            </a:r>
+            <a:endParaRPr lang="nb-NO" dirty="0"/>
           </a:p>
         </p:txBody>
       </p:sp>
@@ -5454,23 +10071,375 @@
               <a:buChar char="-"/>
             </a:pPr>
             <a:r>
-              <a:rPr lang="nb-NO"/>
-              <a:t>All fields and no functionality makes the object a dull quiet thing.</a:t>
+              <a:rPr lang="nb-NO" dirty="0">
+                <a:solidFill>
+                  <a:srgbClr val="FF0000"/>
+                </a:solidFill>
+              </a:rPr>
+              <a:t>All </a:t>
+            </a:r>
+            <a:r>
+              <a:rPr lang="nb-NO" dirty="0" err="1">
+                <a:solidFill>
+                  <a:srgbClr val="FF0000"/>
+                </a:solidFill>
+              </a:rPr>
+              <a:t>fields</a:t>
+            </a:r>
+            <a:r>
+              <a:rPr lang="nb-NO" dirty="0">
+                <a:solidFill>
+                  <a:srgbClr val="FF0000"/>
+                </a:solidFill>
+              </a:rPr>
+              <a:t> and </a:t>
+            </a:r>
+            <a:r>
+              <a:rPr lang="nb-NO" dirty="0" err="1">
+                <a:solidFill>
+                  <a:srgbClr val="FF0000"/>
+                </a:solidFill>
+              </a:rPr>
+              <a:t>no</a:t>
+            </a:r>
+            <a:r>
+              <a:rPr lang="nb-NO" dirty="0">
+                <a:solidFill>
+                  <a:srgbClr val="FF0000"/>
+                </a:solidFill>
+              </a:rPr>
+              <a:t> </a:t>
+            </a:r>
+            <a:r>
+              <a:rPr lang="nb-NO" dirty="0" err="1">
+                <a:solidFill>
+                  <a:srgbClr val="FF0000"/>
+                </a:solidFill>
+              </a:rPr>
+              <a:t>functionality</a:t>
+            </a:r>
+            <a:r>
+              <a:rPr lang="nb-NO" dirty="0">
+                <a:solidFill>
+                  <a:srgbClr val="FF0000"/>
+                </a:solidFill>
+              </a:rPr>
+              <a:t> makes </a:t>
+            </a:r>
+            <a:r>
+              <a:rPr lang="nb-NO" dirty="0" err="1">
+                <a:solidFill>
+                  <a:srgbClr val="FF0000"/>
+                </a:solidFill>
+              </a:rPr>
+              <a:t>the</a:t>
+            </a:r>
+            <a:r>
+              <a:rPr lang="nb-NO" dirty="0">
+                <a:solidFill>
+                  <a:srgbClr val="FF0000"/>
+                </a:solidFill>
+              </a:rPr>
+              <a:t> </a:t>
+            </a:r>
+            <a:r>
+              <a:rPr lang="nb-NO" dirty="0" err="1">
+                <a:solidFill>
+                  <a:srgbClr val="FF0000"/>
+                </a:solidFill>
+              </a:rPr>
+              <a:t>object</a:t>
+            </a:r>
+            <a:r>
+              <a:rPr lang="nb-NO" dirty="0">
+                <a:solidFill>
+                  <a:srgbClr val="FF0000"/>
+                </a:solidFill>
+              </a:rPr>
+              <a:t> a dull </a:t>
+            </a:r>
+            <a:r>
+              <a:rPr lang="nb-NO" dirty="0" err="1">
+                <a:solidFill>
+                  <a:srgbClr val="FF0000"/>
+                </a:solidFill>
+              </a:rPr>
+              <a:t>quiet</a:t>
+            </a:r>
+            <a:r>
+              <a:rPr lang="nb-NO" dirty="0">
+                <a:solidFill>
+                  <a:srgbClr val="FF0000"/>
+                </a:solidFill>
+              </a:rPr>
+              <a:t> </a:t>
+            </a:r>
+            <a:r>
+              <a:rPr lang="nb-NO" dirty="0" err="1">
+                <a:solidFill>
+                  <a:srgbClr val="FF0000"/>
+                </a:solidFill>
+              </a:rPr>
+              <a:t>thing</a:t>
+            </a:r>
+            <a:r>
+              <a:rPr lang="nb-NO" dirty="0">
+                <a:solidFill>
+                  <a:srgbClr val="FF0000"/>
+                </a:solidFill>
+              </a:rPr>
+              <a:t>.</a:t>
             </a:r>
           </a:p>
           <a:p>
             <a:pPr marL="0" indent="0">
               <a:buNone/>
             </a:pPr>
-            <a:endParaRPr lang="nb-NO"/>
+            <a:endParaRPr lang="nb-NO" dirty="0"/>
           </a:p>
           <a:p>
             <a:pPr marL="0" indent="0">
               <a:buNone/>
             </a:pPr>
             <a:r>
-              <a:rPr lang="nb-NO"/>
-              <a:t>Look around the code for functionality that naturally belongs with the fields and move it into the class. </a:t>
+              <a:rPr lang="nb-NO" dirty="0" err="1">
+                <a:solidFill>
+                  <a:srgbClr val="008000"/>
+                </a:solidFill>
+              </a:rPr>
+              <a:t>Look</a:t>
+            </a:r>
+            <a:r>
+              <a:rPr lang="nb-NO" dirty="0">
+                <a:solidFill>
+                  <a:srgbClr val="008000"/>
+                </a:solidFill>
+              </a:rPr>
+              <a:t> </a:t>
+            </a:r>
+            <a:r>
+              <a:rPr lang="nb-NO" dirty="0" err="1">
+                <a:solidFill>
+                  <a:srgbClr val="008000"/>
+                </a:solidFill>
+              </a:rPr>
+              <a:t>around</a:t>
+            </a:r>
+            <a:r>
+              <a:rPr lang="nb-NO" dirty="0">
+                <a:solidFill>
+                  <a:srgbClr val="008000"/>
+                </a:solidFill>
+              </a:rPr>
+              <a:t> </a:t>
+            </a:r>
+            <a:r>
+              <a:rPr lang="nb-NO" dirty="0" err="1">
+                <a:solidFill>
+                  <a:srgbClr val="008000"/>
+                </a:solidFill>
+              </a:rPr>
+              <a:t>the</a:t>
+            </a:r>
+            <a:r>
+              <a:rPr lang="nb-NO" dirty="0">
+                <a:solidFill>
+                  <a:srgbClr val="008000"/>
+                </a:solidFill>
+              </a:rPr>
+              <a:t> </a:t>
+            </a:r>
+            <a:r>
+              <a:rPr lang="nb-NO" dirty="0" err="1">
+                <a:solidFill>
+                  <a:srgbClr val="008000"/>
+                </a:solidFill>
+              </a:rPr>
+              <a:t>code</a:t>
+            </a:r>
+            <a:r>
+              <a:rPr lang="nb-NO" dirty="0">
+                <a:solidFill>
+                  <a:srgbClr val="008000"/>
+                </a:solidFill>
+              </a:rPr>
+              <a:t> for </a:t>
+            </a:r>
+            <a:r>
+              <a:rPr lang="nb-NO" dirty="0" err="1">
+                <a:solidFill>
+                  <a:srgbClr val="008000"/>
+                </a:solidFill>
+              </a:rPr>
+              <a:t>functionality</a:t>
+            </a:r>
+            <a:r>
+              <a:rPr lang="nb-NO" dirty="0">
+                <a:solidFill>
+                  <a:srgbClr val="008000"/>
+                </a:solidFill>
+              </a:rPr>
+              <a:t> </a:t>
+            </a:r>
+            <a:r>
+              <a:rPr lang="nb-NO" dirty="0" err="1">
+                <a:solidFill>
+                  <a:srgbClr val="008000"/>
+                </a:solidFill>
+              </a:rPr>
+              <a:t>that</a:t>
+            </a:r>
+            <a:r>
+              <a:rPr lang="nb-NO" dirty="0">
+                <a:solidFill>
+                  <a:srgbClr val="008000"/>
+                </a:solidFill>
+              </a:rPr>
+              <a:t> </a:t>
+            </a:r>
+            <a:r>
+              <a:rPr lang="nb-NO" dirty="0" err="1">
+                <a:solidFill>
+                  <a:srgbClr val="008000"/>
+                </a:solidFill>
+              </a:rPr>
+              <a:t>naturally</a:t>
+            </a:r>
+            <a:r>
+              <a:rPr lang="nb-NO" dirty="0">
+                <a:solidFill>
+                  <a:srgbClr val="008000"/>
+                </a:solidFill>
+              </a:rPr>
+              <a:t> </a:t>
+            </a:r>
+            <a:r>
+              <a:rPr lang="nb-NO" dirty="0" err="1">
+                <a:solidFill>
+                  <a:srgbClr val="008000"/>
+                </a:solidFill>
+              </a:rPr>
+              <a:t>belongs</a:t>
+            </a:r>
+            <a:r>
+              <a:rPr lang="nb-NO" dirty="0">
+                <a:solidFill>
+                  <a:srgbClr val="008000"/>
+                </a:solidFill>
+              </a:rPr>
+              <a:t> </a:t>
+            </a:r>
+            <a:r>
+              <a:rPr lang="nb-NO" dirty="0" err="1">
+                <a:solidFill>
+                  <a:srgbClr val="008000"/>
+                </a:solidFill>
+              </a:rPr>
+              <a:t>with</a:t>
+            </a:r>
+            <a:r>
+              <a:rPr lang="nb-NO" dirty="0">
+                <a:solidFill>
+                  <a:srgbClr val="008000"/>
+                </a:solidFill>
+              </a:rPr>
+              <a:t> </a:t>
+            </a:r>
+            <a:r>
+              <a:rPr lang="nb-NO" dirty="0" err="1">
+                <a:solidFill>
+                  <a:srgbClr val="008000"/>
+                </a:solidFill>
+              </a:rPr>
+              <a:t>the</a:t>
+            </a:r>
+            <a:r>
+              <a:rPr lang="nb-NO" dirty="0">
+                <a:solidFill>
+                  <a:srgbClr val="008000"/>
+                </a:solidFill>
+              </a:rPr>
+              <a:t> </a:t>
+            </a:r>
+            <a:r>
+              <a:rPr lang="nb-NO" dirty="0" err="1">
+                <a:solidFill>
+                  <a:srgbClr val="008000"/>
+                </a:solidFill>
+              </a:rPr>
+              <a:t>fields</a:t>
+            </a:r>
+            <a:r>
+              <a:rPr lang="nb-NO" dirty="0">
+                <a:solidFill>
+                  <a:srgbClr val="008000"/>
+                </a:solidFill>
+              </a:rPr>
+              <a:t> and </a:t>
+            </a:r>
+            <a:r>
+              <a:rPr lang="nb-NO" dirty="0" err="1">
+                <a:solidFill>
+                  <a:srgbClr val="008000"/>
+                </a:solidFill>
+              </a:rPr>
+              <a:t>move</a:t>
+            </a:r>
+            <a:r>
+              <a:rPr lang="nb-NO" dirty="0">
+                <a:solidFill>
+                  <a:srgbClr val="008000"/>
+                </a:solidFill>
+              </a:rPr>
+              <a:t> it </a:t>
+            </a:r>
+            <a:r>
+              <a:rPr lang="nb-NO" dirty="0" err="1">
+                <a:solidFill>
+                  <a:srgbClr val="008000"/>
+                </a:solidFill>
+              </a:rPr>
+              <a:t>into</a:t>
+            </a:r>
+            <a:r>
+              <a:rPr lang="nb-NO" dirty="0">
+                <a:solidFill>
+                  <a:srgbClr val="008000"/>
+                </a:solidFill>
+              </a:rPr>
+              <a:t> </a:t>
+            </a:r>
+            <a:r>
+              <a:rPr lang="nb-NO" dirty="0" err="1">
+                <a:solidFill>
+                  <a:srgbClr val="008000"/>
+                </a:solidFill>
+              </a:rPr>
+              <a:t>the</a:t>
+            </a:r>
+            <a:r>
+              <a:rPr lang="nb-NO" dirty="0">
+                <a:solidFill>
+                  <a:srgbClr val="008000"/>
+                </a:solidFill>
+              </a:rPr>
+              <a:t> </a:t>
+            </a:r>
+            <a:r>
+              <a:rPr lang="nb-NO" dirty="0" err="1">
+                <a:solidFill>
+                  <a:srgbClr val="008000"/>
+                </a:solidFill>
+              </a:rPr>
+              <a:t>class</a:t>
+            </a:r>
+            <a:r>
+              <a:rPr lang="nb-NO" dirty="0">
+                <a:solidFill>
+                  <a:srgbClr val="008000"/>
+                </a:solidFill>
+              </a:rPr>
+              <a:t>. </a:t>
             </a:r>
           </a:p>
         </p:txBody>

--- a/code_smells.pptx
+++ b/code_smells.pptx
@@ -5,7 +5,7 @@
     <p:sldMasterId id="2147483648" r:id="rId1"/>
   </p:sldMasterIdLst>
   <p:notesMasterIdLst>
-    <p:notesMasterId r:id="rId19"/>
+    <p:notesMasterId r:id="rId21"/>
   </p:notesMasterIdLst>
   <p:sldIdLst>
     <p:sldId id="256" r:id="rId2"/>
@@ -15,16 +15,18 @@
     <p:sldId id="262" r:id="rId6"/>
     <p:sldId id="261" r:id="rId7"/>
     <p:sldId id="263" r:id="rId8"/>
-    <p:sldId id="264" r:id="rId9"/>
-    <p:sldId id="265" r:id="rId10"/>
-    <p:sldId id="266" r:id="rId11"/>
-    <p:sldId id="267" r:id="rId12"/>
-    <p:sldId id="268" r:id="rId13"/>
-    <p:sldId id="269" r:id="rId14"/>
-    <p:sldId id="270" r:id="rId15"/>
-    <p:sldId id="272" r:id="rId16"/>
-    <p:sldId id="274" r:id="rId17"/>
-    <p:sldId id="273" r:id="rId18"/>
+    <p:sldId id="275" r:id="rId9"/>
+    <p:sldId id="264" r:id="rId10"/>
+    <p:sldId id="265" r:id="rId11"/>
+    <p:sldId id="266" r:id="rId12"/>
+    <p:sldId id="267" r:id="rId13"/>
+    <p:sldId id="268" r:id="rId14"/>
+    <p:sldId id="269" r:id="rId15"/>
+    <p:sldId id="270" r:id="rId16"/>
+    <p:sldId id="272" r:id="rId17"/>
+    <p:sldId id="276" r:id="rId18"/>
+    <p:sldId id="274" r:id="rId19"/>
+    <p:sldId id="273" r:id="rId20"/>
   </p:sldIdLst>
   <p:sldSz cx="9144000" cy="6858000" type="screen4x3"/>
   <p:notesSz cx="6858000" cy="9144000"/>
@@ -634,7 +636,95 @@
           <a:p>
             <a:fld id="{AE4CF883-FB90-0243-BF0E-0419152184F5}" type="slidenum">
               <a:rPr lang="uk-UA" smtClean="0"/>
-              <a:t>15</a:t>
+              <a:t>16</a:t>
+            </a:fld>
+            <a:endParaRPr lang="uk-UA"/>
+          </a:p>
+        </p:txBody>
+      </p:sp>
+    </p:spTree>
+    <p:extLst>
+      <p:ext uri="{BB962C8B-B14F-4D97-AF65-F5344CB8AC3E}">
+        <p14:creationId xmlns:p14="http://schemas.microsoft.com/office/powerpoint/2010/main" val="2030302884"/>
+      </p:ext>
+    </p:extLst>
+  </p:cSld>
+  <p:clrMapOvr>
+    <a:masterClrMapping/>
+  </p:clrMapOvr>
+</p:notes>
+</file>
+
+<file path=ppt/notesSlides/notesSlide11.xml><?xml version="1.0" encoding="utf-8"?>
+<p:notes xmlns:a="http://schemas.openxmlformats.org/drawingml/2006/main" xmlns:r="http://schemas.openxmlformats.org/officeDocument/2006/relationships" xmlns:p="http://schemas.openxmlformats.org/presentationml/2006/main">
+  <p:cSld>
+    <p:spTree>
+      <p:nvGrpSpPr>
+        <p:cNvPr id="1" name=""/>
+        <p:cNvGrpSpPr/>
+        <p:nvPr/>
+      </p:nvGrpSpPr>
+      <p:grpSpPr>
+        <a:xfrm>
+          <a:off x="0" y="0"/>
+          <a:ext cx="0" cy="0"/>
+          <a:chOff x="0" y="0"/>
+          <a:chExt cx="0" cy="0"/>
+        </a:xfrm>
+      </p:grpSpPr>
+      <p:sp>
+        <p:nvSpPr>
+          <p:cNvPr id="2" name="Slide Image Placeholder 1"/>
+          <p:cNvSpPr>
+            <a:spLocks noGrp="1" noRot="1" noChangeAspect="1"/>
+          </p:cNvSpPr>
+          <p:nvPr>
+            <p:ph type="sldImg"/>
+          </p:nvPr>
+        </p:nvSpPr>
+        <p:spPr/>
+      </p:sp>
+      <p:sp>
+        <p:nvSpPr>
+          <p:cNvPr id="3" name="Notes Placeholder 2"/>
+          <p:cNvSpPr>
+            <a:spLocks noGrp="1"/>
+          </p:cNvSpPr>
+          <p:nvPr>
+            <p:ph type="body" idx="1"/>
+          </p:nvPr>
+        </p:nvSpPr>
+        <p:spPr/>
+        <p:txBody>
+          <a:bodyPr/>
+          <a:lstStyle/>
+          <a:p>
+            <a:r>
+              <a:rPr lang="en-US" dirty="0" smtClean="0"/>
+              <a:t>Lies, damn lies, statistics and then.. there are comments. Just don’t do it. </a:t>
+            </a:r>
+            <a:endParaRPr lang="en-US" dirty="0"/>
+          </a:p>
+        </p:txBody>
+      </p:sp>
+      <p:sp>
+        <p:nvSpPr>
+          <p:cNvPr id="4" name="Slide Number Placeholder 3"/>
+          <p:cNvSpPr>
+            <a:spLocks noGrp="1"/>
+          </p:cNvSpPr>
+          <p:nvPr>
+            <p:ph type="sldNum" sz="quarter" idx="10"/>
+          </p:nvPr>
+        </p:nvSpPr>
+        <p:spPr/>
+        <p:txBody>
+          <a:bodyPr/>
+          <a:lstStyle/>
+          <a:p>
+            <a:fld id="{AE4CF883-FB90-0243-BF0E-0419152184F5}" type="slidenum">
+              <a:rPr lang="uk-UA" smtClean="0"/>
+              <a:t>17</a:t>
             </a:fld>
             <a:endParaRPr lang="uk-UA"/>
           </a:p>
@@ -1041,7 +1131,7 @@
           <a:p>
             <a:fld id="{AE4CF883-FB90-0243-BF0E-0419152184F5}" type="slidenum">
               <a:rPr lang="uk-UA" smtClean="0"/>
-              <a:t>9</a:t>
+              <a:t>10</a:t>
             </a:fld>
             <a:endParaRPr lang="uk-UA"/>
           </a:p>
@@ -1132,7 +1222,7 @@
           <a:lstStyle/>
           <a:p>
             <a:fld id="{AE4CF883-FB90-0243-BF0E-0419152184F5}" type="slidenum">
-              <a:t>10</a:t>
+              <a:t>11</a:t>
             </a:fld>
             <a:endParaRPr lang="nb-NO"/>
           </a:p>
@@ -1223,7 +1313,7 @@
           <a:lstStyle/>
           <a:p>
             <a:fld id="{AE4CF883-FB90-0243-BF0E-0419152184F5}" type="slidenum">
-              <a:t>12</a:t>
+              <a:t>13</a:t>
             </a:fld>
             <a:endParaRPr lang="nb-NO"/>
           </a:p>
@@ -1313,7 +1403,7 @@
           <a:lstStyle/>
           <a:p>
             <a:fld id="{AE4CF883-FB90-0243-BF0E-0419152184F5}" type="slidenum">
-              <a:t>13</a:t>
+              <a:t>14</a:t>
             </a:fld>
             <a:endParaRPr lang="nb-NO"/>
           </a:p>
@@ -1411,7 +1501,7 @@
           <a:p>
             <a:fld id="{AE4CF883-FB90-0243-BF0E-0419152184F5}" type="slidenum">
               <a:rPr lang="uk-UA" smtClean="0"/>
-              <a:t>14</a:t>
+              <a:t>15</a:t>
             </a:fld>
             <a:endParaRPr lang="uk-UA"/>
           </a:p>
@@ -4462,9 +4552,42 @@
           <a:lstStyle/>
           <a:p>
             <a:r>
-              <a:rPr lang="nb-NO"/>
-              <a:t>Shotgun surgery</a:t>
-            </a:r>
+              <a:rPr lang="nb-NO" dirty="0"/>
+              <a:t>Data </a:t>
+            </a:r>
+            <a:r>
+              <a:rPr lang="nb-NO" dirty="0" err="1"/>
+              <a:t>class</a:t>
+            </a:r>
+            <a:r>
+              <a:rPr lang="nb-NO" dirty="0"/>
+              <a:t>  </a:t>
+            </a:r>
+            <a:r>
+              <a:rPr lang="nb-NO" dirty="0" smtClean="0"/>
+              <a:t>(</a:t>
+            </a:r>
+            <a:r>
+              <a:rPr lang="nb-NO" dirty="0" err="1"/>
+              <a:t>a</a:t>
+            </a:r>
+            <a:r>
+              <a:rPr lang="nb-NO" dirty="0" err="1" smtClean="0"/>
+              <a:t>nemic</a:t>
+            </a:r>
+            <a:r>
+              <a:rPr lang="nb-NO" dirty="0" smtClean="0"/>
+              <a:t> </a:t>
+            </a:r>
+            <a:r>
+              <a:rPr lang="nb-NO" dirty="0" err="1" smtClean="0"/>
+              <a:t>object</a:t>
+            </a:r>
+            <a:r>
+              <a:rPr lang="nb-NO" dirty="0" smtClean="0"/>
+              <a:t>)</a:t>
+            </a:r>
+            <a:endParaRPr lang="nb-NO" dirty="0"/>
           </a:p>
         </p:txBody>
       </p:sp>
@@ -4488,44 +4611,100 @@
               <a:buChar char="-"/>
             </a:pPr>
             <a:r>
-              <a:rPr lang="nb-NO" dirty="0" err="1">
-                <a:solidFill>
-                  <a:srgbClr val="FF0000"/>
-                </a:solidFill>
-              </a:rPr>
-              <a:t>Changing</a:t>
-            </a:r>
-            <a:r>
-              <a:rPr lang="nb-NO" dirty="0">
-                <a:solidFill>
-                  <a:srgbClr val="FF0000"/>
-                </a:solidFill>
-              </a:rPr>
-              <a:t> </a:t>
-            </a:r>
-            <a:r>
-              <a:rPr lang="nb-NO" dirty="0" err="1">
-                <a:solidFill>
-                  <a:srgbClr val="FF0000"/>
-                </a:solidFill>
-              </a:rPr>
-              <a:t>one</a:t>
-            </a:r>
-            <a:r>
-              <a:rPr lang="nb-NO" dirty="0">
-                <a:solidFill>
-                  <a:srgbClr val="FF0000"/>
-                </a:solidFill>
-              </a:rPr>
-              <a:t> </a:t>
-            </a:r>
-            <a:r>
-              <a:rPr lang="nb-NO" dirty="0" err="1">
-                <a:solidFill>
-                  <a:srgbClr val="FF0000"/>
-                </a:solidFill>
-              </a:rPr>
-              <a:t>small</a:t>
+              <a:rPr lang="nb-NO" dirty="0">
+                <a:solidFill>
+                  <a:srgbClr val="FF0000"/>
+                </a:solidFill>
+              </a:rPr>
+              <a:t>All </a:t>
+            </a:r>
+            <a:r>
+              <a:rPr lang="nb-NO" dirty="0" err="1">
+                <a:solidFill>
+                  <a:srgbClr val="FF0000"/>
+                </a:solidFill>
+              </a:rPr>
+              <a:t>fields</a:t>
+            </a:r>
+            <a:r>
+              <a:rPr lang="nb-NO" dirty="0">
+                <a:solidFill>
+                  <a:srgbClr val="FF0000"/>
+                </a:solidFill>
+              </a:rPr>
+              <a:t> and </a:t>
+            </a:r>
+            <a:r>
+              <a:rPr lang="nb-NO" dirty="0" err="1">
+                <a:solidFill>
+                  <a:srgbClr val="FF0000"/>
+                </a:solidFill>
+              </a:rPr>
+              <a:t>no</a:t>
+            </a:r>
+            <a:r>
+              <a:rPr lang="nb-NO" dirty="0">
+                <a:solidFill>
+                  <a:srgbClr val="FF0000"/>
+                </a:solidFill>
+              </a:rPr>
+              <a:t> </a:t>
+            </a:r>
+            <a:r>
+              <a:rPr lang="nb-NO" dirty="0" err="1">
+                <a:solidFill>
+                  <a:srgbClr val="FF0000"/>
+                </a:solidFill>
+              </a:rPr>
+              <a:t>functionality</a:t>
+            </a:r>
+            <a:r>
+              <a:rPr lang="nb-NO" dirty="0">
+                <a:solidFill>
+                  <a:srgbClr val="FF0000"/>
+                </a:solidFill>
+              </a:rPr>
+              <a:t> makes </a:t>
+            </a:r>
+            <a:r>
+              <a:rPr lang="nb-NO" dirty="0" err="1">
+                <a:solidFill>
+                  <a:srgbClr val="FF0000"/>
+                </a:solidFill>
+              </a:rPr>
+              <a:t>the</a:t>
+            </a:r>
+            <a:r>
+              <a:rPr lang="nb-NO" dirty="0">
+                <a:solidFill>
+                  <a:srgbClr val="FF0000"/>
+                </a:solidFill>
+              </a:rPr>
+              <a:t> </a:t>
+            </a:r>
+            <a:r>
+              <a:rPr lang="nb-NO" dirty="0" err="1">
+                <a:solidFill>
+                  <a:srgbClr val="FF0000"/>
+                </a:solidFill>
+              </a:rPr>
+              <a:t>object</a:t>
+            </a:r>
+            <a:r>
+              <a:rPr lang="nb-NO" dirty="0">
+                <a:solidFill>
+                  <a:srgbClr val="FF0000"/>
+                </a:solidFill>
+              </a:rPr>
+              <a:t> a dull </a:t>
+            </a:r>
+            <a:r>
+              <a:rPr lang="nb-NO" dirty="0" err="1">
+                <a:solidFill>
+                  <a:srgbClr val="FF0000"/>
+                </a:solidFill>
+              </a:rPr>
+              <a:t>quiet</a:t>
             </a:r>
             <a:r>
               <a:rPr lang="nb-NO" dirty="0">
@@ -4542,150 +4721,6 @@
                 </a:solidFill>
               </a:rPr>
               <a:t>thing</a:t>
-            </a:r>
-            <a:r>
-              <a:rPr lang="nb-NO" dirty="0">
-                <a:solidFill>
-                  <a:srgbClr val="FF0000"/>
-                </a:solidFill>
-              </a:rPr>
-              <a:t> </a:t>
-            </a:r>
-            <a:r>
-              <a:rPr lang="nb-NO" dirty="0" err="1">
-                <a:solidFill>
-                  <a:srgbClr val="FF0000"/>
-                </a:solidFill>
-              </a:rPr>
-              <a:t>idea-wise</a:t>
-            </a:r>
-            <a:r>
-              <a:rPr lang="nb-NO" dirty="0">
-                <a:solidFill>
-                  <a:srgbClr val="FF0000"/>
-                </a:solidFill>
-              </a:rPr>
-              <a:t> </a:t>
-            </a:r>
-            <a:r>
-              <a:rPr lang="nb-NO" dirty="0" err="1">
-                <a:solidFill>
-                  <a:srgbClr val="FF0000"/>
-                </a:solidFill>
-              </a:rPr>
-              <a:t>ends</a:t>
-            </a:r>
-            <a:r>
-              <a:rPr lang="nb-NO" dirty="0">
-                <a:solidFill>
-                  <a:srgbClr val="FF0000"/>
-                </a:solidFill>
-              </a:rPr>
-              <a:t> up </a:t>
-            </a:r>
-            <a:r>
-              <a:rPr lang="nb-NO" dirty="0" err="1">
-                <a:solidFill>
-                  <a:srgbClr val="FF0000"/>
-                </a:solidFill>
-              </a:rPr>
-              <a:t>changing</a:t>
-            </a:r>
-            <a:r>
-              <a:rPr lang="nb-NO" dirty="0">
-                <a:solidFill>
-                  <a:srgbClr val="FF0000"/>
-                </a:solidFill>
-              </a:rPr>
-              <a:t> </a:t>
-            </a:r>
-            <a:r>
-              <a:rPr lang="nb-NO" dirty="0" err="1">
-                <a:solidFill>
-                  <a:srgbClr val="FF0000"/>
-                </a:solidFill>
-              </a:rPr>
-              <a:t>lots</a:t>
-            </a:r>
-            <a:r>
-              <a:rPr lang="nb-NO" dirty="0">
-                <a:solidFill>
-                  <a:srgbClr val="FF0000"/>
-                </a:solidFill>
-              </a:rPr>
-              <a:t> </a:t>
-            </a:r>
-            <a:r>
-              <a:rPr lang="nb-NO" dirty="0" err="1">
-                <a:solidFill>
-                  <a:srgbClr val="FF0000"/>
-                </a:solidFill>
-              </a:rPr>
-              <a:t>of</a:t>
-            </a:r>
-            <a:r>
-              <a:rPr lang="nb-NO" dirty="0">
-                <a:solidFill>
-                  <a:srgbClr val="FF0000"/>
-                </a:solidFill>
-              </a:rPr>
-              <a:t> </a:t>
-            </a:r>
-            <a:r>
-              <a:rPr lang="nb-NO" dirty="0" err="1">
-                <a:solidFill>
-                  <a:srgbClr val="FF0000"/>
-                </a:solidFill>
-              </a:rPr>
-              <a:t>similar</a:t>
-            </a:r>
-            <a:r>
-              <a:rPr lang="nb-NO" dirty="0">
-                <a:solidFill>
-                  <a:srgbClr val="FF0000"/>
-                </a:solidFill>
-              </a:rPr>
-              <a:t> </a:t>
-            </a:r>
-            <a:r>
-              <a:rPr lang="nb-NO" dirty="0" err="1">
-                <a:solidFill>
-                  <a:srgbClr val="FF0000"/>
-                </a:solidFill>
-              </a:rPr>
-              <a:t>changes</a:t>
-            </a:r>
-            <a:r>
-              <a:rPr lang="nb-NO" dirty="0">
-                <a:solidFill>
-                  <a:srgbClr val="FF0000"/>
-                </a:solidFill>
-              </a:rPr>
-              <a:t> all over </a:t>
-            </a:r>
-            <a:r>
-              <a:rPr lang="nb-NO" dirty="0" err="1">
-                <a:solidFill>
-                  <a:srgbClr val="FF0000"/>
-                </a:solidFill>
-              </a:rPr>
-              <a:t>the</a:t>
-            </a:r>
-            <a:r>
-              <a:rPr lang="nb-NO" dirty="0">
-                <a:solidFill>
-                  <a:srgbClr val="FF0000"/>
-                </a:solidFill>
-              </a:rPr>
-              <a:t> </a:t>
-            </a:r>
-            <a:r>
-              <a:rPr lang="nb-NO" dirty="0" err="1">
-                <a:solidFill>
-                  <a:srgbClr val="FF0000"/>
-                </a:solidFill>
-              </a:rPr>
-              <a:t>code</a:t>
             </a:r>
             <a:r>
               <a:rPr lang="nb-NO" dirty="0">
@@ -4712,111 +4747,79 @@
                   <a:srgbClr val="008000"/>
                 </a:solidFill>
               </a:rPr>
-              <a:t>Chances</a:t>
-            </a:r>
-            <a:r>
-              <a:rPr lang="nb-NO" dirty="0">
-                <a:solidFill>
-                  <a:srgbClr val="008000"/>
-                </a:solidFill>
-              </a:rPr>
-              <a:t> </a:t>
-            </a:r>
-            <a:r>
-              <a:rPr lang="nb-NO" dirty="0" err="1">
-                <a:solidFill>
-                  <a:srgbClr val="008000"/>
-                </a:solidFill>
-              </a:rPr>
-              <a:t>are</a:t>
-            </a:r>
-            <a:r>
-              <a:rPr lang="nb-NO" dirty="0">
-                <a:solidFill>
-                  <a:srgbClr val="008000"/>
-                </a:solidFill>
-              </a:rPr>
-              <a:t>, </a:t>
-            </a:r>
-            <a:r>
-              <a:rPr lang="nb-NO" dirty="0" err="1">
-                <a:solidFill>
-                  <a:srgbClr val="008000"/>
-                </a:solidFill>
-              </a:rPr>
-              <a:t>you</a:t>
-            </a:r>
-            <a:r>
-              <a:rPr lang="nb-NO" dirty="0">
-                <a:solidFill>
-                  <a:srgbClr val="008000"/>
-                </a:solidFill>
-              </a:rPr>
-              <a:t> </a:t>
-            </a:r>
-            <a:r>
-              <a:rPr lang="nb-NO" dirty="0" err="1">
-                <a:solidFill>
-                  <a:srgbClr val="008000"/>
-                </a:solidFill>
-              </a:rPr>
-              <a:t>are</a:t>
-            </a:r>
-            <a:r>
-              <a:rPr lang="nb-NO" dirty="0">
-                <a:solidFill>
-                  <a:srgbClr val="008000"/>
-                </a:solidFill>
-              </a:rPr>
-              <a:t> </a:t>
-            </a:r>
-            <a:r>
-              <a:rPr lang="nb-NO" dirty="0" err="1">
-                <a:solidFill>
-                  <a:srgbClr val="008000"/>
-                </a:solidFill>
-              </a:rPr>
-              <a:t>missing</a:t>
-            </a:r>
-            <a:r>
-              <a:rPr lang="nb-NO" dirty="0">
-                <a:solidFill>
-                  <a:srgbClr val="008000"/>
-                </a:solidFill>
-              </a:rPr>
-              <a:t> an </a:t>
-            </a:r>
-            <a:r>
-              <a:rPr lang="nb-NO" dirty="0" err="1">
-                <a:solidFill>
-                  <a:srgbClr val="008000"/>
-                </a:solidFill>
-              </a:rPr>
-              <a:t>object</a:t>
-            </a:r>
-            <a:r>
-              <a:rPr lang="nb-NO" dirty="0">
-                <a:solidFill>
-                  <a:srgbClr val="008000"/>
-                </a:solidFill>
-              </a:rPr>
-              <a:t>. Introduce </a:t>
-            </a:r>
-            <a:r>
-              <a:rPr lang="nb-NO" dirty="0" err="1">
-                <a:solidFill>
-                  <a:srgbClr val="008000"/>
-                </a:solidFill>
-              </a:rPr>
-              <a:t>one</a:t>
-            </a:r>
-            <a:r>
-              <a:rPr lang="nb-NO" dirty="0">
-                <a:solidFill>
-                  <a:srgbClr val="008000"/>
-                </a:solidFill>
-              </a:rPr>
-              <a:t>, so </a:t>
+              <a:t>Look</a:t>
+            </a:r>
+            <a:r>
+              <a:rPr lang="nb-NO" dirty="0">
+                <a:solidFill>
+                  <a:srgbClr val="008000"/>
+                </a:solidFill>
+              </a:rPr>
+              <a:t> </a:t>
+            </a:r>
+            <a:r>
+              <a:rPr lang="nb-NO" dirty="0" err="1">
+                <a:solidFill>
+                  <a:srgbClr val="008000"/>
+                </a:solidFill>
+              </a:rPr>
+              <a:t>around</a:t>
+            </a:r>
+            <a:r>
+              <a:rPr lang="nb-NO" dirty="0">
+                <a:solidFill>
+                  <a:srgbClr val="008000"/>
+                </a:solidFill>
+              </a:rPr>
+              <a:t> </a:t>
+            </a:r>
+            <a:r>
+              <a:rPr lang="nb-NO" dirty="0" err="1">
+                <a:solidFill>
+                  <a:srgbClr val="008000"/>
+                </a:solidFill>
+              </a:rPr>
+              <a:t>the</a:t>
+            </a:r>
+            <a:r>
+              <a:rPr lang="nb-NO" dirty="0">
+                <a:solidFill>
+                  <a:srgbClr val="008000"/>
+                </a:solidFill>
+              </a:rPr>
+              <a:t> </a:t>
+            </a:r>
+            <a:r>
+              <a:rPr lang="nb-NO" dirty="0" err="1">
+                <a:solidFill>
+                  <a:srgbClr val="008000"/>
+                </a:solidFill>
+              </a:rPr>
+              <a:t>code</a:t>
+            </a:r>
+            <a:r>
+              <a:rPr lang="nb-NO" dirty="0">
+                <a:solidFill>
+                  <a:srgbClr val="008000"/>
+                </a:solidFill>
+              </a:rPr>
+              <a:t> for </a:t>
+            </a:r>
+            <a:r>
+              <a:rPr lang="nb-NO" dirty="0" err="1">
+                <a:solidFill>
+                  <a:srgbClr val="008000"/>
+                </a:solidFill>
+              </a:rPr>
+              <a:t>functionality</a:t>
+            </a:r>
+            <a:r>
+              <a:rPr lang="nb-NO" dirty="0">
+                <a:solidFill>
+                  <a:srgbClr val="008000"/>
+                </a:solidFill>
+              </a:rPr>
+              <a:t> </a:t>
             </a:r>
             <a:r>
               <a:rPr lang="nb-NO" dirty="0" err="1">
@@ -4840,15 +4843,47 @@
                   <a:srgbClr val="008000"/>
                 </a:solidFill>
               </a:rPr>
-              <a:t>changes</a:t>
-            </a:r>
-            <a:r>
-              <a:rPr lang="nb-NO" dirty="0">
-                <a:solidFill>
-                  <a:srgbClr val="008000"/>
-                </a:solidFill>
-              </a:rPr>
-              <a:t> to </a:t>
+              <a:t>naturally</a:t>
+            </a:r>
+            <a:r>
+              <a:rPr lang="nb-NO" dirty="0">
+                <a:solidFill>
+                  <a:srgbClr val="008000"/>
+                </a:solidFill>
+              </a:rPr>
+              <a:t> </a:t>
+            </a:r>
+            <a:r>
+              <a:rPr lang="nb-NO" dirty="0" err="1">
+                <a:solidFill>
+                  <a:srgbClr val="008000"/>
+                </a:solidFill>
+              </a:rPr>
+              <a:t>belongs</a:t>
+            </a:r>
+            <a:r>
+              <a:rPr lang="nb-NO" dirty="0">
+                <a:solidFill>
+                  <a:srgbClr val="008000"/>
+                </a:solidFill>
+              </a:rPr>
+              <a:t> </a:t>
+            </a:r>
+            <a:r>
+              <a:rPr lang="nb-NO" dirty="0" err="1">
+                <a:solidFill>
+                  <a:srgbClr val="008000"/>
+                </a:solidFill>
+              </a:rPr>
+              <a:t>with</a:t>
+            </a:r>
+            <a:r>
+              <a:rPr lang="nb-NO" dirty="0">
+                <a:solidFill>
+                  <a:srgbClr val="008000"/>
+                </a:solidFill>
+              </a:rPr>
+              <a:t> </a:t>
             </a:r>
             <a:r>
               <a:rPr lang="nb-NO" dirty="0" err="1">
@@ -4872,55 +4907,71 @@
                   <a:srgbClr val="008000"/>
                 </a:solidFill>
               </a:rPr>
-              <a:t>idea</a:t>
-            </a:r>
-            <a:r>
-              <a:rPr lang="nb-NO" dirty="0">
-                <a:solidFill>
-                  <a:srgbClr val="008000"/>
-                </a:solidFill>
-              </a:rPr>
-              <a:t> </a:t>
-            </a:r>
-            <a:r>
-              <a:rPr lang="nb-NO" dirty="0" err="1">
-                <a:solidFill>
-                  <a:srgbClr val="008000"/>
-                </a:solidFill>
-              </a:rPr>
-              <a:t>can</a:t>
-            </a:r>
-            <a:r>
-              <a:rPr lang="nb-NO" dirty="0">
-                <a:solidFill>
-                  <a:srgbClr val="008000"/>
-                </a:solidFill>
-              </a:rPr>
-              <a:t> be </a:t>
-            </a:r>
-            <a:r>
-              <a:rPr lang="nb-NO" dirty="0" err="1">
-                <a:solidFill>
-                  <a:srgbClr val="008000"/>
-                </a:solidFill>
-              </a:rPr>
-              <a:t>expressed</a:t>
-            </a:r>
-            <a:r>
-              <a:rPr lang="nb-NO" dirty="0">
-                <a:solidFill>
-                  <a:srgbClr val="008000"/>
-                </a:solidFill>
-              </a:rPr>
-              <a:t> in a single </a:t>
-            </a:r>
-            <a:r>
-              <a:rPr lang="nb-NO" dirty="0" err="1">
-                <a:solidFill>
-                  <a:srgbClr val="008000"/>
-                </a:solidFill>
-              </a:rPr>
-              <a:t>place</a:t>
+              <a:t>fields</a:t>
+            </a:r>
+            <a:r>
+              <a:rPr lang="nb-NO" dirty="0">
+                <a:solidFill>
+                  <a:srgbClr val="008000"/>
+                </a:solidFill>
+              </a:rPr>
+              <a:t> and </a:t>
+            </a:r>
+            <a:r>
+              <a:rPr lang="nb-NO" dirty="0" err="1">
+                <a:solidFill>
+                  <a:srgbClr val="008000"/>
+                </a:solidFill>
+              </a:rPr>
+              <a:t>move</a:t>
+            </a:r>
+            <a:r>
+              <a:rPr lang="nb-NO" dirty="0">
+                <a:solidFill>
+                  <a:srgbClr val="008000"/>
+                </a:solidFill>
+              </a:rPr>
+              <a:t> it </a:t>
+            </a:r>
+            <a:r>
+              <a:rPr lang="nb-NO" dirty="0" err="1">
+                <a:solidFill>
+                  <a:srgbClr val="008000"/>
+                </a:solidFill>
+              </a:rPr>
+              <a:t>into</a:t>
+            </a:r>
+            <a:r>
+              <a:rPr lang="nb-NO" dirty="0">
+                <a:solidFill>
+                  <a:srgbClr val="008000"/>
+                </a:solidFill>
+              </a:rPr>
+              <a:t> </a:t>
+            </a:r>
+            <a:r>
+              <a:rPr lang="nb-NO" dirty="0" err="1">
+                <a:solidFill>
+                  <a:srgbClr val="008000"/>
+                </a:solidFill>
+              </a:rPr>
+              <a:t>the</a:t>
+            </a:r>
+            <a:r>
+              <a:rPr lang="nb-NO" dirty="0">
+                <a:solidFill>
+                  <a:srgbClr val="008000"/>
+                </a:solidFill>
+              </a:rPr>
+              <a:t> </a:t>
+            </a:r>
+            <a:r>
+              <a:rPr lang="nb-NO" dirty="0" err="1">
+                <a:solidFill>
+                  <a:srgbClr val="008000"/>
+                </a:solidFill>
+              </a:rPr>
+              <a:t>class</a:t>
             </a:r>
             <a:r>
               <a:rPr lang="nb-NO" dirty="0">
@@ -4936,7 +4987,7 @@
     </p:spTree>
     <p:extLst>
       <p:ext uri="{BB962C8B-B14F-4D97-AF65-F5344CB8AC3E}">
-        <p14:creationId xmlns:p14="http://schemas.microsoft.com/office/powerpoint/2010/main" val="1958478999"/>
+        <p14:creationId xmlns:p14="http://schemas.microsoft.com/office/powerpoint/2010/main" val="1395905311"/>
       </p:ext>
     </p:extLst>
   </p:cSld>
@@ -4976,51 +5027,14 @@
         <p:spPr/>
         <p:txBody>
           <a:bodyPr>
-            <a:normAutofit fontScale="90000"/>
+            <a:normAutofit/>
           </a:bodyPr>
           <a:lstStyle/>
           <a:p>
             <a:r>
-              <a:rPr lang="nb-NO" dirty="0" err="1"/>
-              <a:t>Feature</a:t>
-            </a:r>
-            <a:r>
-              <a:rPr lang="nb-NO" dirty="0"/>
-              <a:t> </a:t>
-            </a:r>
-            <a:r>
-              <a:rPr lang="nb-NO" dirty="0" err="1" smtClean="0"/>
-              <a:t>envy</a:t>
-            </a:r>
-            <a:r>
-              <a:rPr lang="nb-NO" dirty="0"/>
-              <a:t> </a:t>
-            </a:r>
-            <a:r>
-              <a:rPr lang="nb-NO" dirty="0" smtClean="0"/>
-              <a:t>(</a:t>
-            </a:r>
-            <a:r>
-              <a:rPr lang="nb-NO" dirty="0" err="1"/>
-              <a:t>i</a:t>
-            </a:r>
-            <a:r>
-              <a:rPr lang="nb-NO" dirty="0" err="1" smtClean="0"/>
-              <a:t>nappropriate</a:t>
-            </a:r>
-            <a:r>
-              <a:rPr lang="nb-NO" dirty="0" smtClean="0"/>
-              <a:t> </a:t>
-            </a:r>
-            <a:r>
-              <a:rPr lang="nb-NO" dirty="0" err="1" smtClean="0"/>
-              <a:t>intimacy</a:t>
-            </a:r>
-            <a:r>
-              <a:rPr lang="nb-NO" dirty="0" smtClean="0"/>
-              <a:t>)</a:t>
-            </a:r>
-            <a:endParaRPr lang="nb-NO" dirty="0"/>
+              <a:rPr lang="nb-NO"/>
+              <a:t>Shotgun surgery</a:t>
+            </a:r>
           </a:p>
         </p:txBody>
       </p:sp>
@@ -5036,9 +5050,7 @@
         </p:nvSpPr>
         <p:spPr/>
         <p:txBody>
-          <a:bodyPr>
-            <a:normAutofit lnSpcReduction="10000"/>
-          </a:bodyPr>
+          <a:bodyPr/>
           <a:lstStyle/>
           <a:p>
             <a:pPr>
@@ -5046,140 +5058,180 @@
               <a:buChar char="-"/>
             </a:pPr>
             <a:r>
-              <a:rPr lang="nb-NO" dirty="0">
-                <a:solidFill>
-                  <a:srgbClr val="FF0000"/>
-                </a:solidFill>
-              </a:rPr>
-              <a:t>A </a:t>
-            </a:r>
-            <a:r>
-              <a:rPr lang="nb-NO" dirty="0" err="1">
-                <a:solidFill>
-                  <a:srgbClr val="FF0000"/>
-                </a:solidFill>
-              </a:rPr>
-              <a:t>method</a:t>
-            </a:r>
-            <a:r>
-              <a:rPr lang="nb-NO" dirty="0">
-                <a:solidFill>
-                  <a:srgbClr val="FF0000"/>
-                </a:solidFill>
-              </a:rPr>
-              <a:t> is </a:t>
-            </a:r>
-            <a:r>
-              <a:rPr lang="nb-NO" dirty="0" err="1">
-                <a:solidFill>
-                  <a:srgbClr val="FF0000"/>
-                </a:solidFill>
-              </a:rPr>
-              <a:t>doing</a:t>
-            </a:r>
-            <a:r>
-              <a:rPr lang="nb-NO" dirty="0">
-                <a:solidFill>
-                  <a:srgbClr val="FF0000"/>
-                </a:solidFill>
-              </a:rPr>
-              <a:t> </a:t>
-            </a:r>
-            <a:r>
-              <a:rPr lang="nb-NO" dirty="0" err="1">
-                <a:solidFill>
-                  <a:srgbClr val="FF0000"/>
-                </a:solidFill>
-              </a:rPr>
-              <a:t>operations</a:t>
-            </a:r>
-            <a:r>
-              <a:rPr lang="nb-NO" dirty="0">
-                <a:solidFill>
-                  <a:srgbClr val="FF0000"/>
-                </a:solidFill>
-              </a:rPr>
-              <a:t> </a:t>
-            </a:r>
-            <a:r>
-              <a:rPr lang="nb-NO" dirty="0" err="1">
-                <a:solidFill>
-                  <a:srgbClr val="FF0000"/>
-                </a:solidFill>
-              </a:rPr>
-              <a:t>entirely</a:t>
-            </a:r>
-            <a:r>
-              <a:rPr lang="nb-NO" dirty="0">
-                <a:solidFill>
-                  <a:srgbClr val="FF0000"/>
-                </a:solidFill>
-              </a:rPr>
-              <a:t> </a:t>
-            </a:r>
-            <a:r>
-              <a:rPr lang="nb-NO" dirty="0" err="1">
-                <a:solidFill>
-                  <a:srgbClr val="FF0000"/>
-                </a:solidFill>
-              </a:rPr>
-              <a:t>on</a:t>
-            </a:r>
-            <a:r>
-              <a:rPr lang="nb-NO" dirty="0">
-                <a:solidFill>
-                  <a:srgbClr val="FF0000"/>
-                </a:solidFill>
-              </a:rPr>
-              <a:t> an </a:t>
-            </a:r>
-            <a:r>
-              <a:rPr lang="nb-NO" dirty="0" err="1">
-                <a:solidFill>
-                  <a:srgbClr val="FF0000"/>
-                </a:solidFill>
-              </a:rPr>
-              <a:t>object</a:t>
-            </a:r>
-            <a:r>
-              <a:rPr lang="nb-NO" dirty="0">
-                <a:solidFill>
-                  <a:srgbClr val="FF0000"/>
-                </a:solidFill>
-              </a:rPr>
-              <a:t> or </a:t>
-            </a:r>
-            <a:r>
-              <a:rPr lang="nb-NO" dirty="0" err="1">
-                <a:solidFill>
-                  <a:srgbClr val="FF0000"/>
-                </a:solidFill>
-              </a:rPr>
-              <a:t>values</a:t>
-            </a:r>
-            <a:r>
-              <a:rPr lang="nb-NO" dirty="0">
-                <a:solidFill>
-                  <a:srgbClr val="FF0000"/>
-                </a:solidFill>
-              </a:rPr>
-              <a:t> </a:t>
-            </a:r>
-            <a:r>
-              <a:rPr lang="nb-NO" dirty="0" err="1">
-                <a:solidFill>
-                  <a:srgbClr val="FF0000"/>
-                </a:solidFill>
-              </a:rPr>
-              <a:t>outside</a:t>
-            </a:r>
-            <a:r>
-              <a:rPr lang="nb-NO" dirty="0">
-                <a:solidFill>
-                  <a:srgbClr val="FF0000"/>
-                </a:solidFill>
-              </a:rPr>
-              <a:t> </a:t>
+              <a:rPr lang="nb-NO" dirty="0" err="1">
+                <a:solidFill>
+                  <a:srgbClr val="FF0000"/>
+                </a:solidFill>
+              </a:rPr>
+              <a:t>Changing</a:t>
+            </a:r>
+            <a:r>
+              <a:rPr lang="nb-NO" dirty="0">
+                <a:solidFill>
+                  <a:srgbClr val="FF0000"/>
+                </a:solidFill>
+              </a:rPr>
+              <a:t> </a:t>
+            </a:r>
+            <a:r>
+              <a:rPr lang="nb-NO" dirty="0" err="1">
+                <a:solidFill>
+                  <a:srgbClr val="FF0000"/>
+                </a:solidFill>
+              </a:rPr>
+              <a:t>one</a:t>
+            </a:r>
+            <a:r>
+              <a:rPr lang="nb-NO" dirty="0">
+                <a:solidFill>
+                  <a:srgbClr val="FF0000"/>
+                </a:solidFill>
+              </a:rPr>
+              <a:t> </a:t>
+            </a:r>
+            <a:r>
+              <a:rPr lang="nb-NO" dirty="0" err="1">
+                <a:solidFill>
+                  <a:srgbClr val="FF0000"/>
+                </a:solidFill>
+              </a:rPr>
+              <a:t>small</a:t>
+            </a:r>
+            <a:r>
+              <a:rPr lang="nb-NO" dirty="0">
+                <a:solidFill>
+                  <a:srgbClr val="FF0000"/>
+                </a:solidFill>
+              </a:rPr>
+              <a:t> </a:t>
+            </a:r>
+            <a:r>
+              <a:rPr lang="nb-NO" dirty="0" err="1">
+                <a:solidFill>
+                  <a:srgbClr val="FF0000"/>
+                </a:solidFill>
+              </a:rPr>
+              <a:t>thing</a:t>
+            </a:r>
+            <a:r>
+              <a:rPr lang="nb-NO" dirty="0">
+                <a:solidFill>
+                  <a:srgbClr val="FF0000"/>
+                </a:solidFill>
+              </a:rPr>
+              <a:t> </a:t>
+            </a:r>
+            <a:r>
+              <a:rPr lang="nb-NO" dirty="0" err="1">
+                <a:solidFill>
+                  <a:srgbClr val="FF0000"/>
+                </a:solidFill>
+              </a:rPr>
+              <a:t>idea-wise</a:t>
+            </a:r>
+            <a:r>
+              <a:rPr lang="nb-NO" dirty="0">
+                <a:solidFill>
+                  <a:srgbClr val="FF0000"/>
+                </a:solidFill>
+              </a:rPr>
+              <a:t> </a:t>
+            </a:r>
+            <a:r>
+              <a:rPr lang="nb-NO" dirty="0" err="1">
+                <a:solidFill>
+                  <a:srgbClr val="FF0000"/>
+                </a:solidFill>
+              </a:rPr>
+              <a:t>ends</a:t>
+            </a:r>
+            <a:r>
+              <a:rPr lang="nb-NO" dirty="0">
+                <a:solidFill>
+                  <a:srgbClr val="FF0000"/>
+                </a:solidFill>
+              </a:rPr>
+              <a:t> up </a:t>
+            </a:r>
+            <a:r>
+              <a:rPr lang="nb-NO" dirty="0" err="1">
+                <a:solidFill>
+                  <a:srgbClr val="FF0000"/>
+                </a:solidFill>
+              </a:rPr>
+              <a:t>changing</a:t>
+            </a:r>
+            <a:r>
+              <a:rPr lang="nb-NO" dirty="0">
+                <a:solidFill>
+                  <a:srgbClr val="FF0000"/>
+                </a:solidFill>
+              </a:rPr>
+              <a:t> </a:t>
+            </a:r>
+            <a:r>
+              <a:rPr lang="nb-NO" dirty="0" err="1">
+                <a:solidFill>
+                  <a:srgbClr val="FF0000"/>
+                </a:solidFill>
+              </a:rPr>
+              <a:t>lots</a:t>
+            </a:r>
+            <a:r>
+              <a:rPr lang="nb-NO" dirty="0">
+                <a:solidFill>
+                  <a:srgbClr val="FF0000"/>
+                </a:solidFill>
+              </a:rPr>
+              <a:t> </a:t>
+            </a:r>
+            <a:r>
+              <a:rPr lang="nb-NO" dirty="0" err="1">
+                <a:solidFill>
+                  <a:srgbClr val="FF0000"/>
+                </a:solidFill>
+              </a:rPr>
+              <a:t>of</a:t>
+            </a:r>
+            <a:r>
+              <a:rPr lang="nb-NO" dirty="0">
+                <a:solidFill>
+                  <a:srgbClr val="FF0000"/>
+                </a:solidFill>
+              </a:rPr>
+              <a:t> </a:t>
+            </a:r>
+            <a:r>
+              <a:rPr lang="nb-NO" dirty="0" err="1">
+                <a:solidFill>
+                  <a:srgbClr val="FF0000"/>
+                </a:solidFill>
+              </a:rPr>
+              <a:t>similar</a:t>
+            </a:r>
+            <a:r>
+              <a:rPr lang="nb-NO" dirty="0">
+                <a:solidFill>
+                  <a:srgbClr val="FF0000"/>
+                </a:solidFill>
+              </a:rPr>
+              <a:t> </a:t>
+            </a:r>
+            <a:r>
+              <a:rPr lang="nb-NO" dirty="0" err="1">
+                <a:solidFill>
+                  <a:srgbClr val="FF0000"/>
+                </a:solidFill>
+              </a:rPr>
+              <a:t>changes</a:t>
+            </a:r>
+            <a:r>
+              <a:rPr lang="nb-NO" dirty="0">
+                <a:solidFill>
+                  <a:srgbClr val="FF0000"/>
+                </a:solidFill>
+              </a:rPr>
+              <a:t> all over </a:t>
             </a:r>
             <a:r>
               <a:rPr lang="nb-NO" dirty="0" err="1">
@@ -5203,141 +5255,7 @@
                   <a:srgbClr val="FF0000"/>
                 </a:solidFill>
               </a:rPr>
-              <a:t>current</a:t>
-            </a:r>
-            <a:r>
-              <a:rPr lang="nb-NO" dirty="0">
-                <a:solidFill>
-                  <a:srgbClr val="FF0000"/>
-                </a:solidFill>
-              </a:rPr>
-              <a:t> </a:t>
-            </a:r>
-            <a:r>
-              <a:rPr lang="nb-NO" dirty="0" err="1">
-                <a:solidFill>
-                  <a:srgbClr val="FF0000"/>
-                </a:solidFill>
-              </a:rPr>
-              <a:t>class</a:t>
-            </a:r>
-            <a:r>
-              <a:rPr lang="nb-NO" dirty="0">
-                <a:solidFill>
-                  <a:srgbClr val="FF0000"/>
-                </a:solidFill>
-              </a:rPr>
-              <a:t>.</a:t>
-            </a:r>
-          </a:p>
-          <a:p>
-            <a:pPr>
-              <a:buFontTx/>
-              <a:buChar char="-"/>
-            </a:pPr>
-            <a:r>
-              <a:rPr lang="nb-NO" dirty="0" err="1">
-                <a:solidFill>
-                  <a:srgbClr val="FF0000"/>
-                </a:solidFill>
-              </a:rPr>
-              <a:t>Classes</a:t>
-            </a:r>
-            <a:r>
-              <a:rPr lang="nb-NO" dirty="0">
-                <a:solidFill>
-                  <a:srgbClr val="FF0000"/>
-                </a:solidFill>
-              </a:rPr>
-              <a:t> </a:t>
-            </a:r>
-            <a:r>
-              <a:rPr lang="nb-NO" dirty="0" err="1">
-                <a:solidFill>
-                  <a:srgbClr val="FF0000"/>
-                </a:solidFill>
-              </a:rPr>
-              <a:t>are</a:t>
-            </a:r>
-            <a:r>
-              <a:rPr lang="nb-NO" dirty="0">
-                <a:solidFill>
-                  <a:srgbClr val="FF0000"/>
-                </a:solidFill>
-              </a:rPr>
-              <a:t> </a:t>
-            </a:r>
-            <a:r>
-              <a:rPr lang="nb-NO" dirty="0" err="1">
-                <a:solidFill>
-                  <a:srgbClr val="FF0000"/>
-                </a:solidFill>
-              </a:rPr>
-              <a:t>reaching</a:t>
-            </a:r>
-            <a:r>
-              <a:rPr lang="nb-NO" dirty="0">
-                <a:solidFill>
-                  <a:srgbClr val="FF0000"/>
-                </a:solidFill>
-              </a:rPr>
-              <a:t> </a:t>
-            </a:r>
-            <a:r>
-              <a:rPr lang="nb-NO" dirty="0" err="1">
-                <a:solidFill>
-                  <a:srgbClr val="FF0000"/>
-                </a:solidFill>
-              </a:rPr>
-              <a:t>into</a:t>
-            </a:r>
-            <a:r>
-              <a:rPr lang="nb-NO" dirty="0">
-                <a:solidFill>
-                  <a:srgbClr val="FF0000"/>
-                </a:solidFill>
-              </a:rPr>
-              <a:t> </a:t>
-            </a:r>
-            <a:r>
-              <a:rPr lang="nb-NO" dirty="0" err="1">
-                <a:solidFill>
-                  <a:srgbClr val="FF0000"/>
-                </a:solidFill>
-              </a:rPr>
-              <a:t>each</a:t>
-            </a:r>
-            <a:r>
-              <a:rPr lang="nb-NO" dirty="0">
-                <a:solidFill>
-                  <a:srgbClr val="FF0000"/>
-                </a:solidFill>
-              </a:rPr>
-              <a:t> </a:t>
-            </a:r>
-            <a:r>
-              <a:rPr lang="nb-NO" dirty="0" err="1">
-                <a:solidFill>
-                  <a:srgbClr val="FF0000"/>
-                </a:solidFill>
-              </a:rPr>
-              <a:t>other</a:t>
-            </a:r>
-            <a:r>
-              <a:rPr lang="nb-NO" dirty="0">
-                <a:solidFill>
-                  <a:srgbClr val="FF0000"/>
-                </a:solidFill>
-              </a:rPr>
-              <a:t> for </a:t>
-            </a:r>
-            <a:r>
-              <a:rPr lang="nb-NO" dirty="0" err="1">
-                <a:solidFill>
-                  <a:srgbClr val="FF0000"/>
-                </a:solidFill>
-              </a:rPr>
-              <a:t>values</a:t>
+              <a:t>code</a:t>
             </a:r>
             <a:r>
               <a:rPr lang="nb-NO" dirty="0">
@@ -5359,28 +5277,148 @@
               <a:buNone/>
             </a:pPr>
             <a:r>
-              <a:rPr lang="nb-NO" dirty="0">
-                <a:solidFill>
-                  <a:srgbClr val="008000"/>
-                </a:solidFill>
-              </a:rPr>
-              <a:t>The </a:t>
-            </a:r>
-            <a:r>
-              <a:rPr lang="nb-NO" dirty="0" err="1">
-                <a:solidFill>
-                  <a:srgbClr val="008000"/>
-                </a:solidFill>
-              </a:rPr>
-              <a:t>functionality</a:t>
-            </a:r>
-            <a:r>
-              <a:rPr lang="nb-NO" dirty="0">
-                <a:solidFill>
-                  <a:srgbClr val="008000"/>
-                </a:solidFill>
-              </a:rPr>
-              <a:t> is in </a:t>
+              <a:rPr lang="nb-NO" dirty="0" err="1">
+                <a:solidFill>
+                  <a:srgbClr val="008000"/>
+                </a:solidFill>
+              </a:rPr>
+              <a:t>Chances</a:t>
+            </a:r>
+            <a:r>
+              <a:rPr lang="nb-NO" dirty="0">
+                <a:solidFill>
+                  <a:srgbClr val="008000"/>
+                </a:solidFill>
+              </a:rPr>
+              <a:t> </a:t>
+            </a:r>
+            <a:r>
+              <a:rPr lang="nb-NO" dirty="0" err="1">
+                <a:solidFill>
+                  <a:srgbClr val="008000"/>
+                </a:solidFill>
+              </a:rPr>
+              <a:t>are</a:t>
+            </a:r>
+            <a:r>
+              <a:rPr lang="nb-NO" dirty="0">
+                <a:solidFill>
+                  <a:srgbClr val="008000"/>
+                </a:solidFill>
+              </a:rPr>
+              <a:t>, </a:t>
+            </a:r>
+            <a:r>
+              <a:rPr lang="nb-NO" dirty="0" err="1">
+                <a:solidFill>
+                  <a:srgbClr val="008000"/>
+                </a:solidFill>
+              </a:rPr>
+              <a:t>you</a:t>
+            </a:r>
+            <a:r>
+              <a:rPr lang="nb-NO" dirty="0">
+                <a:solidFill>
+                  <a:srgbClr val="008000"/>
+                </a:solidFill>
+              </a:rPr>
+              <a:t> </a:t>
+            </a:r>
+            <a:r>
+              <a:rPr lang="nb-NO" dirty="0" err="1">
+                <a:solidFill>
+                  <a:srgbClr val="008000"/>
+                </a:solidFill>
+              </a:rPr>
+              <a:t>are</a:t>
+            </a:r>
+            <a:r>
+              <a:rPr lang="nb-NO" dirty="0">
+                <a:solidFill>
+                  <a:srgbClr val="008000"/>
+                </a:solidFill>
+              </a:rPr>
+              <a:t> </a:t>
+            </a:r>
+            <a:r>
+              <a:rPr lang="nb-NO" dirty="0" err="1">
+                <a:solidFill>
+                  <a:srgbClr val="008000"/>
+                </a:solidFill>
+              </a:rPr>
+              <a:t>missing</a:t>
+            </a:r>
+            <a:r>
+              <a:rPr lang="nb-NO" dirty="0">
+                <a:solidFill>
+                  <a:srgbClr val="008000"/>
+                </a:solidFill>
+              </a:rPr>
+              <a:t> an </a:t>
+            </a:r>
+            <a:r>
+              <a:rPr lang="nb-NO" dirty="0" err="1">
+                <a:solidFill>
+                  <a:srgbClr val="008000"/>
+                </a:solidFill>
+              </a:rPr>
+              <a:t>object</a:t>
+            </a:r>
+            <a:r>
+              <a:rPr lang="nb-NO" dirty="0">
+                <a:solidFill>
+                  <a:srgbClr val="008000"/>
+                </a:solidFill>
+              </a:rPr>
+              <a:t>. Introduce </a:t>
+            </a:r>
+            <a:r>
+              <a:rPr lang="nb-NO" dirty="0" err="1">
+                <a:solidFill>
+                  <a:srgbClr val="008000"/>
+                </a:solidFill>
+              </a:rPr>
+              <a:t>one</a:t>
+            </a:r>
+            <a:r>
+              <a:rPr lang="nb-NO" dirty="0">
+                <a:solidFill>
+                  <a:srgbClr val="008000"/>
+                </a:solidFill>
+              </a:rPr>
+              <a:t>, so </a:t>
+            </a:r>
+            <a:r>
+              <a:rPr lang="nb-NO" dirty="0" err="1">
+                <a:solidFill>
+                  <a:srgbClr val="008000"/>
+                </a:solidFill>
+              </a:rPr>
+              <a:t>that</a:t>
+            </a:r>
+            <a:r>
+              <a:rPr lang="nb-NO" dirty="0">
+                <a:solidFill>
+                  <a:srgbClr val="008000"/>
+                </a:solidFill>
+              </a:rPr>
+              <a:t> </a:t>
+            </a:r>
+            <a:r>
+              <a:rPr lang="nb-NO" dirty="0" err="1">
+                <a:solidFill>
+                  <a:srgbClr val="008000"/>
+                </a:solidFill>
+              </a:rPr>
+              <a:t>changes</a:t>
+            </a:r>
+            <a:r>
+              <a:rPr lang="nb-NO" dirty="0">
+                <a:solidFill>
+                  <a:srgbClr val="008000"/>
+                </a:solidFill>
+              </a:rPr>
+              <a:t> to </a:t>
             </a:r>
             <a:r>
               <a:rPr lang="nb-NO" dirty="0" err="1">
@@ -5404,15 +5442,47 @@
                   <a:srgbClr val="008000"/>
                 </a:solidFill>
               </a:rPr>
-              <a:t>wrong</a:t>
-            </a:r>
-            <a:r>
-              <a:rPr lang="nb-NO" dirty="0">
-                <a:solidFill>
-                  <a:srgbClr val="008000"/>
-                </a:solidFill>
-              </a:rPr>
-              <a:t> </a:t>
+              <a:t>idea</a:t>
+            </a:r>
+            <a:r>
+              <a:rPr lang="nb-NO" dirty="0">
+                <a:solidFill>
+                  <a:srgbClr val="008000"/>
+                </a:solidFill>
+              </a:rPr>
+              <a:t> </a:t>
+            </a:r>
+            <a:r>
+              <a:rPr lang="nb-NO" dirty="0" err="1">
+                <a:solidFill>
+                  <a:srgbClr val="008000"/>
+                </a:solidFill>
+              </a:rPr>
+              <a:t>can</a:t>
+            </a:r>
+            <a:r>
+              <a:rPr lang="nb-NO" dirty="0">
+                <a:solidFill>
+                  <a:srgbClr val="008000"/>
+                </a:solidFill>
+              </a:rPr>
+              <a:t> be </a:t>
+            </a:r>
+            <a:r>
+              <a:rPr lang="nb-NO" dirty="0" err="1">
+                <a:solidFill>
+                  <a:srgbClr val="008000"/>
+                </a:solidFill>
+              </a:rPr>
+              <a:t>expressed</a:t>
+            </a:r>
+            <a:r>
+              <a:rPr lang="nb-NO" dirty="0">
+                <a:solidFill>
+                  <a:srgbClr val="008000"/>
+                </a:solidFill>
+              </a:rPr>
+              <a:t> in a single </a:t>
             </a:r>
             <a:r>
               <a:rPr lang="nb-NO" dirty="0" err="1">
@@ -5428,263 +5498,7 @@
                   <a:srgbClr val="008000"/>
                 </a:solidFill>
               </a:rPr>
-              <a:t>, </a:t>
-            </a:r>
-            <a:r>
-              <a:rPr lang="nb-NO" dirty="0" err="1">
-                <a:solidFill>
-                  <a:srgbClr val="008000"/>
-                </a:solidFill>
-              </a:rPr>
-              <a:t>move</a:t>
-            </a:r>
-            <a:r>
-              <a:rPr lang="nb-NO" dirty="0">
-                <a:solidFill>
-                  <a:srgbClr val="008000"/>
-                </a:solidFill>
-              </a:rPr>
-              <a:t> it to </a:t>
-            </a:r>
-            <a:r>
-              <a:rPr lang="nb-NO" dirty="0" err="1">
-                <a:solidFill>
-                  <a:srgbClr val="008000"/>
-                </a:solidFill>
-              </a:rPr>
-              <a:t>the</a:t>
-            </a:r>
-            <a:r>
-              <a:rPr lang="nb-NO" dirty="0">
-                <a:solidFill>
-                  <a:srgbClr val="008000"/>
-                </a:solidFill>
-              </a:rPr>
-              <a:t> </a:t>
-            </a:r>
-            <a:r>
-              <a:rPr lang="nb-NO" dirty="0" err="1">
-                <a:solidFill>
-                  <a:srgbClr val="008000"/>
-                </a:solidFill>
-              </a:rPr>
-              <a:t>object</a:t>
-            </a:r>
-            <a:r>
-              <a:rPr lang="nb-NO" dirty="0">
-                <a:solidFill>
-                  <a:srgbClr val="008000"/>
-                </a:solidFill>
-              </a:rPr>
-              <a:t> </a:t>
-            </a:r>
-            <a:r>
-              <a:rPr lang="nb-NO" dirty="0" err="1">
-                <a:solidFill>
-                  <a:srgbClr val="008000"/>
-                </a:solidFill>
-              </a:rPr>
-              <a:t>with</a:t>
-            </a:r>
-            <a:r>
-              <a:rPr lang="nb-NO" dirty="0">
-                <a:solidFill>
-                  <a:srgbClr val="008000"/>
-                </a:solidFill>
-              </a:rPr>
-              <a:t> </a:t>
-            </a:r>
-            <a:r>
-              <a:rPr lang="nb-NO" dirty="0" err="1">
-                <a:solidFill>
-                  <a:srgbClr val="008000"/>
-                </a:solidFill>
-              </a:rPr>
-              <a:t>the</a:t>
-            </a:r>
-            <a:r>
-              <a:rPr lang="nb-NO" dirty="0">
-                <a:solidFill>
-                  <a:srgbClr val="008000"/>
-                </a:solidFill>
-              </a:rPr>
-              <a:t> </a:t>
-            </a:r>
-            <a:r>
-              <a:rPr lang="nb-NO" dirty="0" err="1">
-                <a:solidFill>
-                  <a:srgbClr val="008000"/>
-                </a:solidFill>
-              </a:rPr>
-              <a:t>values</a:t>
-            </a:r>
-            <a:r>
-              <a:rPr lang="nb-NO" dirty="0">
-                <a:solidFill>
-                  <a:srgbClr val="008000"/>
-                </a:solidFill>
-              </a:rPr>
-              <a:t> it </a:t>
-            </a:r>
-            <a:r>
-              <a:rPr lang="nb-NO" dirty="0" err="1">
-                <a:solidFill>
-                  <a:srgbClr val="008000"/>
-                </a:solidFill>
-              </a:rPr>
-              <a:t>wants</a:t>
-            </a:r>
-            <a:r>
-              <a:rPr lang="nb-NO" dirty="0">
-                <a:solidFill>
-                  <a:srgbClr val="008000"/>
-                </a:solidFill>
-              </a:rPr>
-              <a:t> to be </a:t>
-            </a:r>
-            <a:r>
-              <a:rPr lang="nb-NO" dirty="0" err="1">
-                <a:solidFill>
-                  <a:srgbClr val="008000"/>
-                </a:solidFill>
-              </a:rPr>
-              <a:t>with</a:t>
-            </a:r>
-            <a:r>
-              <a:rPr lang="nb-NO" dirty="0">
-                <a:solidFill>
-                  <a:srgbClr val="008000"/>
-                </a:solidFill>
-              </a:rPr>
               <a:t>. </a:t>
-            </a:r>
-            <a:r>
-              <a:rPr lang="nb-NO" dirty="0" err="1">
-                <a:solidFill>
-                  <a:srgbClr val="008000"/>
-                </a:solidFill>
-              </a:rPr>
-              <a:t>You</a:t>
-            </a:r>
-            <a:r>
-              <a:rPr lang="nb-NO" dirty="0">
-                <a:solidFill>
-                  <a:srgbClr val="008000"/>
-                </a:solidFill>
-              </a:rPr>
-              <a:t> </a:t>
-            </a:r>
-            <a:r>
-              <a:rPr lang="nb-NO" dirty="0" err="1">
-                <a:solidFill>
-                  <a:srgbClr val="008000"/>
-                </a:solidFill>
-              </a:rPr>
-              <a:t>may</a:t>
-            </a:r>
-            <a:r>
-              <a:rPr lang="nb-NO" dirty="0">
-                <a:solidFill>
-                  <a:srgbClr val="008000"/>
-                </a:solidFill>
-              </a:rPr>
-              <a:t> </a:t>
-            </a:r>
-            <a:r>
-              <a:rPr lang="nb-NO" dirty="0" err="1">
-                <a:solidFill>
-                  <a:srgbClr val="008000"/>
-                </a:solidFill>
-              </a:rPr>
-              <a:t>need</a:t>
-            </a:r>
-            <a:r>
-              <a:rPr lang="nb-NO" dirty="0">
-                <a:solidFill>
-                  <a:srgbClr val="008000"/>
-                </a:solidFill>
-              </a:rPr>
-              <a:t> to </a:t>
-            </a:r>
-            <a:r>
-              <a:rPr lang="nb-NO" dirty="0" err="1">
-                <a:solidFill>
-                  <a:srgbClr val="008000"/>
-                </a:solidFill>
-              </a:rPr>
-              <a:t>move</a:t>
-            </a:r>
-            <a:r>
-              <a:rPr lang="nb-NO" dirty="0">
-                <a:solidFill>
-                  <a:srgbClr val="008000"/>
-                </a:solidFill>
-              </a:rPr>
-              <a:t> it to a </a:t>
-            </a:r>
-            <a:r>
-              <a:rPr lang="nb-NO" dirty="0" err="1">
-                <a:solidFill>
-                  <a:srgbClr val="008000"/>
-                </a:solidFill>
-              </a:rPr>
-              <a:t>new</a:t>
-            </a:r>
-            <a:r>
-              <a:rPr lang="nb-NO" dirty="0">
-                <a:solidFill>
-                  <a:srgbClr val="008000"/>
-                </a:solidFill>
-              </a:rPr>
-              <a:t> </a:t>
-            </a:r>
-            <a:r>
-              <a:rPr lang="nb-NO" dirty="0" err="1">
-                <a:solidFill>
-                  <a:srgbClr val="008000"/>
-                </a:solidFill>
-              </a:rPr>
-              <a:t>class</a:t>
-            </a:r>
-            <a:r>
-              <a:rPr lang="nb-NO" dirty="0">
-                <a:solidFill>
-                  <a:srgbClr val="008000"/>
-                </a:solidFill>
-              </a:rPr>
-              <a:t>, or </a:t>
-            </a:r>
-            <a:r>
-              <a:rPr lang="nb-NO" dirty="0" err="1">
-                <a:solidFill>
-                  <a:srgbClr val="008000"/>
-                </a:solidFill>
-              </a:rPr>
-              <a:t>merge</a:t>
-            </a:r>
-            <a:r>
-              <a:rPr lang="nb-NO" dirty="0">
-                <a:solidFill>
-                  <a:srgbClr val="008000"/>
-                </a:solidFill>
-              </a:rPr>
-              <a:t> </a:t>
-            </a:r>
-            <a:r>
-              <a:rPr lang="nb-NO" dirty="0" err="1">
-                <a:solidFill>
-                  <a:srgbClr val="008000"/>
-                </a:solidFill>
-              </a:rPr>
-              <a:t>classes</a:t>
-            </a:r>
-            <a:r>
-              <a:rPr lang="nb-NO" dirty="0">
-                <a:solidFill>
-                  <a:srgbClr val="008000"/>
-                </a:solidFill>
-              </a:rPr>
-              <a:t>.</a:t>
             </a:r>
           </a:p>
         </p:txBody>
@@ -5692,7 +5506,7 @@
     </p:spTree>
     <p:extLst>
       <p:ext uri="{BB962C8B-B14F-4D97-AF65-F5344CB8AC3E}">
-        <p14:creationId xmlns:p14="http://schemas.microsoft.com/office/powerpoint/2010/main" val="1431346801"/>
+        <p14:creationId xmlns:p14="http://schemas.microsoft.com/office/powerpoint/2010/main" val="1958478999"/>
       </p:ext>
     </p:extLst>
   </p:cSld>
@@ -5732,14 +5546,51 @@
         <p:spPr/>
         <p:txBody>
           <a:bodyPr>
-            <a:normAutofit/>
+            <a:normAutofit fontScale="90000"/>
           </a:bodyPr>
           <a:lstStyle/>
           <a:p>
             <a:r>
-              <a:rPr lang="nb-NO"/>
-              <a:t>Primitive obsession</a:t>
-            </a:r>
+              <a:rPr lang="nb-NO" dirty="0" err="1"/>
+              <a:t>Feature</a:t>
+            </a:r>
+            <a:r>
+              <a:rPr lang="nb-NO" dirty="0"/>
+              <a:t> </a:t>
+            </a:r>
+            <a:r>
+              <a:rPr lang="nb-NO" dirty="0" err="1" smtClean="0"/>
+              <a:t>envy</a:t>
+            </a:r>
+            <a:r>
+              <a:rPr lang="nb-NO" dirty="0"/>
+              <a:t> </a:t>
+            </a:r>
+            <a:r>
+              <a:rPr lang="nb-NO" dirty="0" smtClean="0"/>
+              <a:t>(</a:t>
+            </a:r>
+            <a:r>
+              <a:rPr lang="nb-NO" dirty="0" err="1"/>
+              <a:t>i</a:t>
+            </a:r>
+            <a:r>
+              <a:rPr lang="nb-NO" dirty="0" err="1" smtClean="0"/>
+              <a:t>nappropriate</a:t>
+            </a:r>
+            <a:r>
+              <a:rPr lang="nb-NO" dirty="0" smtClean="0"/>
+              <a:t> </a:t>
+            </a:r>
+            <a:r>
+              <a:rPr lang="nb-NO" dirty="0" err="1" smtClean="0"/>
+              <a:t>intimacy</a:t>
+            </a:r>
+            <a:r>
+              <a:rPr lang="nb-NO" dirty="0" smtClean="0"/>
+              <a:t>)</a:t>
+            </a:r>
+            <a:endParaRPr lang="nb-NO" dirty="0"/>
           </a:p>
         </p:txBody>
       </p:sp>
@@ -5756,7 +5607,7 @@
         <p:spPr/>
         <p:txBody>
           <a:bodyPr>
-            <a:normAutofit fontScale="92500" lnSpcReduction="10000"/>
+            <a:normAutofit lnSpcReduction="10000"/>
           </a:bodyPr>
           <a:lstStyle/>
           <a:p>
@@ -5770,95 +5621,79 @@
                   <a:srgbClr val="FF0000"/>
                 </a:solidFill>
               </a:rPr>
-              <a:t>A programmer </a:t>
-            </a:r>
-            <a:r>
-              <a:rPr lang="nb-NO" dirty="0" err="1">
-                <a:solidFill>
-                  <a:srgbClr val="FF0000"/>
-                </a:solidFill>
-              </a:rPr>
-              <a:t>who</a:t>
-            </a:r>
-            <a:r>
-              <a:rPr lang="nb-NO" dirty="0">
-                <a:solidFill>
-                  <a:srgbClr val="FF0000"/>
-                </a:solidFill>
-              </a:rPr>
-              <a:t> </a:t>
-            </a:r>
-            <a:r>
-              <a:rPr lang="nb-NO" dirty="0" err="1">
-                <a:solidFill>
-                  <a:srgbClr val="FF0000"/>
-                </a:solidFill>
-              </a:rPr>
-              <a:t>thinks</a:t>
-            </a:r>
-            <a:r>
-              <a:rPr lang="nb-NO" dirty="0">
-                <a:solidFill>
-                  <a:srgbClr val="FF0000"/>
-                </a:solidFill>
-              </a:rPr>
-              <a:t> </a:t>
-            </a:r>
-            <a:r>
-              <a:rPr lang="nb-NO" dirty="0" err="1">
-                <a:solidFill>
-                  <a:srgbClr val="FF0000"/>
-                </a:solidFill>
-              </a:rPr>
-              <a:t>it’s</a:t>
-            </a:r>
-            <a:r>
-              <a:rPr lang="nb-NO" dirty="0">
-                <a:solidFill>
-                  <a:srgbClr val="FF0000"/>
-                </a:solidFill>
-              </a:rPr>
-              <a:t> </a:t>
-            </a:r>
-            <a:r>
-              <a:rPr lang="nb-NO" dirty="0" err="1">
-                <a:solidFill>
-                  <a:srgbClr val="FF0000"/>
-                </a:solidFill>
-              </a:rPr>
-              <a:t>too</a:t>
-            </a:r>
-            <a:r>
-              <a:rPr lang="nb-NO" dirty="0">
-                <a:solidFill>
-                  <a:srgbClr val="FF0000"/>
-                </a:solidFill>
-              </a:rPr>
-              <a:t> </a:t>
-            </a:r>
-            <a:r>
-              <a:rPr lang="nb-NO" dirty="0" err="1">
-                <a:solidFill>
-                  <a:srgbClr val="FF0000"/>
-                </a:solidFill>
-              </a:rPr>
-              <a:t>much</a:t>
-            </a:r>
-            <a:r>
-              <a:rPr lang="nb-NO" dirty="0">
-                <a:solidFill>
-                  <a:srgbClr val="FF0000"/>
-                </a:solidFill>
-              </a:rPr>
-              <a:t> overhead to </a:t>
-            </a:r>
-            <a:r>
-              <a:rPr lang="nb-NO" dirty="0" err="1">
-                <a:solidFill>
-                  <a:srgbClr val="FF0000"/>
-                </a:solidFill>
-              </a:rPr>
-              <a:t>use</a:t>
+              <a:t>A </a:t>
+            </a:r>
+            <a:r>
+              <a:rPr lang="nb-NO" dirty="0" err="1">
+                <a:solidFill>
+                  <a:srgbClr val="FF0000"/>
+                </a:solidFill>
+              </a:rPr>
+              <a:t>method</a:t>
+            </a:r>
+            <a:r>
+              <a:rPr lang="nb-NO" dirty="0">
+                <a:solidFill>
+                  <a:srgbClr val="FF0000"/>
+                </a:solidFill>
+              </a:rPr>
+              <a:t> is </a:t>
+            </a:r>
+            <a:r>
+              <a:rPr lang="nb-NO" dirty="0" err="1">
+                <a:solidFill>
+                  <a:srgbClr val="FF0000"/>
+                </a:solidFill>
+              </a:rPr>
+              <a:t>doing</a:t>
+            </a:r>
+            <a:r>
+              <a:rPr lang="nb-NO" dirty="0">
+                <a:solidFill>
+                  <a:srgbClr val="FF0000"/>
+                </a:solidFill>
+              </a:rPr>
+              <a:t> </a:t>
+            </a:r>
+            <a:r>
+              <a:rPr lang="nb-NO" dirty="0" err="1">
+                <a:solidFill>
+                  <a:srgbClr val="FF0000"/>
+                </a:solidFill>
+              </a:rPr>
+              <a:t>operations</a:t>
+            </a:r>
+            <a:r>
+              <a:rPr lang="nb-NO" dirty="0">
+                <a:solidFill>
+                  <a:srgbClr val="FF0000"/>
+                </a:solidFill>
+              </a:rPr>
+              <a:t> </a:t>
+            </a:r>
+            <a:r>
+              <a:rPr lang="nb-NO" dirty="0" err="1">
+                <a:solidFill>
+                  <a:srgbClr val="FF0000"/>
+                </a:solidFill>
+              </a:rPr>
+              <a:t>entirely</a:t>
+            </a:r>
+            <a:r>
+              <a:rPr lang="nb-NO" dirty="0">
+                <a:solidFill>
+                  <a:srgbClr val="FF0000"/>
+                </a:solidFill>
+              </a:rPr>
+              <a:t> </a:t>
+            </a:r>
+            <a:r>
+              <a:rPr lang="nb-NO" dirty="0" err="1">
+                <a:solidFill>
+                  <a:srgbClr val="FF0000"/>
+                </a:solidFill>
+              </a:rPr>
+              <a:t>on</a:t>
             </a:r>
             <a:r>
               <a:rPr lang="nb-NO" dirty="0">
@@ -5882,496 +5717,280 @@
                   <a:srgbClr val="FF0000"/>
                 </a:solidFill>
               </a:rPr>
-              <a:t> for just a </a:t>
-            </a:r>
-            <a:r>
-              <a:rPr lang="nb-NO" dirty="0" err="1">
-                <a:solidFill>
-                  <a:srgbClr val="FF0000"/>
-                </a:solidFill>
-              </a:rPr>
-              <a:t>few</a:t>
-            </a:r>
-            <a:r>
-              <a:rPr lang="nb-NO" dirty="0">
-                <a:solidFill>
-                  <a:srgbClr val="FF0000"/>
-                </a:solidFill>
-              </a:rPr>
-              <a:t> simple </a:t>
-            </a:r>
-            <a:r>
-              <a:rPr lang="nb-NO" dirty="0" err="1" smtClean="0">
+              <a:t> or </a:t>
+            </a:r>
+            <a:r>
+              <a:rPr lang="nb-NO" dirty="0" err="1">
                 <a:solidFill>
                   <a:srgbClr val="FF0000"/>
                 </a:solidFill>
               </a:rPr>
               <a:t>values</a:t>
             </a:r>
-            <a:endParaRPr lang="nb-NO" dirty="0">
-              <a:solidFill>
-                <a:srgbClr val="FF0000"/>
-              </a:solidFill>
-            </a:endParaRPr>
+            <a:r>
+              <a:rPr lang="nb-NO" dirty="0">
+                <a:solidFill>
+                  <a:srgbClr val="FF0000"/>
+                </a:solidFill>
+              </a:rPr>
+              <a:t> </a:t>
+            </a:r>
+            <a:r>
+              <a:rPr lang="nb-NO" dirty="0" err="1">
+                <a:solidFill>
+                  <a:srgbClr val="FF0000"/>
+                </a:solidFill>
+              </a:rPr>
+              <a:t>outside</a:t>
+            </a:r>
+            <a:r>
+              <a:rPr lang="nb-NO" dirty="0">
+                <a:solidFill>
+                  <a:srgbClr val="FF0000"/>
+                </a:solidFill>
+              </a:rPr>
+              <a:t> </a:t>
+            </a:r>
+            <a:r>
+              <a:rPr lang="nb-NO" dirty="0" err="1">
+                <a:solidFill>
+                  <a:srgbClr val="FF0000"/>
+                </a:solidFill>
+              </a:rPr>
+              <a:t>the</a:t>
+            </a:r>
+            <a:r>
+              <a:rPr lang="nb-NO" dirty="0">
+                <a:solidFill>
+                  <a:srgbClr val="FF0000"/>
+                </a:solidFill>
+              </a:rPr>
+              <a:t> </a:t>
+            </a:r>
+            <a:r>
+              <a:rPr lang="nb-NO" dirty="0" err="1">
+                <a:solidFill>
+                  <a:srgbClr val="FF0000"/>
+                </a:solidFill>
+              </a:rPr>
+              <a:t>current</a:t>
+            </a:r>
+            <a:r>
+              <a:rPr lang="nb-NO" dirty="0">
+                <a:solidFill>
+                  <a:srgbClr val="FF0000"/>
+                </a:solidFill>
+              </a:rPr>
+              <a:t> </a:t>
+            </a:r>
+            <a:r>
+              <a:rPr lang="nb-NO" dirty="0" err="1">
+                <a:solidFill>
+                  <a:srgbClr val="FF0000"/>
+                </a:solidFill>
+              </a:rPr>
+              <a:t>class</a:t>
+            </a:r>
+            <a:r>
+              <a:rPr lang="nb-NO" dirty="0">
+                <a:solidFill>
+                  <a:srgbClr val="FF0000"/>
+                </a:solidFill>
+              </a:rPr>
+              <a:t>.</a:t>
+            </a:r>
+          </a:p>
+          <a:p>
+            <a:pPr>
+              <a:buFontTx/>
+              <a:buChar char="-"/>
+            </a:pPr>
+            <a:r>
+              <a:rPr lang="nb-NO" dirty="0" err="1">
+                <a:solidFill>
+                  <a:srgbClr val="FF0000"/>
+                </a:solidFill>
+              </a:rPr>
+              <a:t>Classes</a:t>
+            </a:r>
+            <a:r>
+              <a:rPr lang="nb-NO" dirty="0">
+                <a:solidFill>
+                  <a:srgbClr val="FF0000"/>
+                </a:solidFill>
+              </a:rPr>
+              <a:t> </a:t>
+            </a:r>
+            <a:r>
+              <a:rPr lang="nb-NO" dirty="0" err="1">
+                <a:solidFill>
+                  <a:srgbClr val="FF0000"/>
+                </a:solidFill>
+              </a:rPr>
+              <a:t>are</a:t>
+            </a:r>
+            <a:r>
+              <a:rPr lang="nb-NO" dirty="0">
+                <a:solidFill>
+                  <a:srgbClr val="FF0000"/>
+                </a:solidFill>
+              </a:rPr>
+              <a:t> </a:t>
+            </a:r>
+            <a:r>
+              <a:rPr lang="nb-NO" dirty="0" err="1">
+                <a:solidFill>
+                  <a:srgbClr val="FF0000"/>
+                </a:solidFill>
+              </a:rPr>
+              <a:t>reaching</a:t>
+            </a:r>
+            <a:r>
+              <a:rPr lang="nb-NO" dirty="0">
+                <a:solidFill>
+                  <a:srgbClr val="FF0000"/>
+                </a:solidFill>
+              </a:rPr>
+              <a:t> </a:t>
+            </a:r>
+            <a:r>
+              <a:rPr lang="nb-NO" dirty="0" err="1">
+                <a:solidFill>
+                  <a:srgbClr val="FF0000"/>
+                </a:solidFill>
+              </a:rPr>
+              <a:t>into</a:t>
+            </a:r>
+            <a:r>
+              <a:rPr lang="nb-NO" dirty="0">
+                <a:solidFill>
+                  <a:srgbClr val="FF0000"/>
+                </a:solidFill>
+              </a:rPr>
+              <a:t> </a:t>
+            </a:r>
+            <a:r>
+              <a:rPr lang="nb-NO" dirty="0" err="1">
+                <a:solidFill>
+                  <a:srgbClr val="FF0000"/>
+                </a:solidFill>
+              </a:rPr>
+              <a:t>each</a:t>
+            </a:r>
+            <a:r>
+              <a:rPr lang="nb-NO" dirty="0">
+                <a:solidFill>
+                  <a:srgbClr val="FF0000"/>
+                </a:solidFill>
+              </a:rPr>
+              <a:t> </a:t>
+            </a:r>
+            <a:r>
+              <a:rPr lang="nb-NO" dirty="0" err="1">
+                <a:solidFill>
+                  <a:srgbClr val="FF0000"/>
+                </a:solidFill>
+              </a:rPr>
+              <a:t>other</a:t>
+            </a:r>
+            <a:r>
+              <a:rPr lang="nb-NO" dirty="0">
+                <a:solidFill>
+                  <a:srgbClr val="FF0000"/>
+                </a:solidFill>
+              </a:rPr>
+              <a:t> for </a:t>
+            </a:r>
+            <a:r>
+              <a:rPr lang="nb-NO" dirty="0" err="1">
+                <a:solidFill>
+                  <a:srgbClr val="FF0000"/>
+                </a:solidFill>
+              </a:rPr>
+              <a:t>values</a:t>
+            </a:r>
+            <a:r>
+              <a:rPr lang="nb-NO" dirty="0">
+                <a:solidFill>
+                  <a:srgbClr val="FF0000"/>
+                </a:solidFill>
+              </a:rPr>
+              <a:t>.</a:t>
+            </a:r>
           </a:p>
           <a:p>
             <a:pPr marL="0" indent="0">
               <a:buNone/>
             </a:pPr>
-            <a:r>
-              <a:rPr lang="nb-NO" sz="1900" dirty="0" err="1">
-                <a:solidFill>
-                  <a:srgbClr val="FF0000"/>
-                </a:solidFill>
-                <a:latin typeface="Courier"/>
-                <a:cs typeface="Courier"/>
-              </a:rPr>
-              <a:t>public</a:t>
-            </a:r>
-            <a:r>
-              <a:rPr lang="nb-NO" sz="1900" dirty="0">
-                <a:solidFill>
-                  <a:srgbClr val="FF0000"/>
-                </a:solidFill>
-                <a:latin typeface="Courier"/>
-                <a:cs typeface="Courier"/>
-              </a:rPr>
-              <a:t> </a:t>
-            </a:r>
-            <a:r>
-              <a:rPr lang="nb-NO" sz="1900" dirty="0" err="1">
-                <a:solidFill>
-                  <a:srgbClr val="FF0000"/>
-                </a:solidFill>
-                <a:latin typeface="Courier"/>
-                <a:cs typeface="Courier"/>
-              </a:rPr>
-              <a:t>class</a:t>
-            </a:r>
-            <a:r>
-              <a:rPr lang="nb-NO" sz="1900" dirty="0">
-                <a:solidFill>
-                  <a:srgbClr val="FF0000"/>
-                </a:solidFill>
-                <a:latin typeface="Courier"/>
-                <a:cs typeface="Courier"/>
-              </a:rPr>
-              <a:t> </a:t>
-            </a:r>
-            <a:r>
-              <a:rPr lang="nb-NO" sz="1900" dirty="0" smtClean="0">
-                <a:solidFill>
-                  <a:srgbClr val="FF0000"/>
-                </a:solidFill>
-                <a:latin typeface="Courier"/>
-                <a:cs typeface="Courier"/>
-              </a:rPr>
-              <a:t>Form {</a:t>
-            </a:r>
-            <a:endParaRPr lang="nb-NO" sz="1900" dirty="0">
-              <a:solidFill>
-                <a:srgbClr val="FF0000"/>
-              </a:solidFill>
-              <a:latin typeface="Courier"/>
-              <a:cs typeface="Courier"/>
-            </a:endParaRPr>
+            <a:endParaRPr lang="nb-NO" dirty="0"/>
           </a:p>
           <a:p>
             <a:pPr marL="0" indent="0">
               <a:buNone/>
             </a:pPr>
             <a:r>
-              <a:rPr lang="nb-NO" sz="1900" dirty="0">
-                <a:solidFill>
-                  <a:srgbClr val="FF0000"/>
-                </a:solidFill>
-                <a:latin typeface="Courier"/>
-                <a:cs typeface="Courier"/>
-              </a:rPr>
-              <a:t>        </a:t>
-            </a:r>
-            <a:r>
-              <a:rPr lang="nb-NO" sz="1900" dirty="0" err="1">
-                <a:solidFill>
-                  <a:srgbClr val="FF0000"/>
-                </a:solidFill>
-                <a:latin typeface="Courier"/>
-                <a:cs typeface="Courier"/>
-              </a:rPr>
-              <a:t>public</a:t>
-            </a:r>
-            <a:r>
-              <a:rPr lang="nb-NO" sz="1900" dirty="0">
-                <a:solidFill>
-                  <a:srgbClr val="FF0000"/>
-                </a:solidFill>
-                <a:latin typeface="Courier"/>
-                <a:cs typeface="Courier"/>
-              </a:rPr>
-              <a:t> </a:t>
-            </a:r>
-            <a:r>
-              <a:rPr lang="nb-NO" sz="1900" dirty="0" err="1" smtClean="0">
-                <a:solidFill>
-                  <a:srgbClr val="FF0000"/>
-                </a:solidFill>
-                <a:latin typeface="Courier"/>
-                <a:cs typeface="Courier"/>
-              </a:rPr>
-              <a:t>String</a:t>
-            </a:r>
-            <a:r>
-              <a:rPr lang="nb-NO" sz="1900" dirty="0" smtClean="0">
-                <a:solidFill>
-                  <a:srgbClr val="FF0000"/>
-                </a:solidFill>
-                <a:latin typeface="Courier"/>
-                <a:cs typeface="Courier"/>
-              </a:rPr>
-              <a:t> </a:t>
-            </a:r>
-            <a:r>
-              <a:rPr lang="nb-NO" sz="1900" dirty="0" err="1" smtClean="0">
-                <a:solidFill>
-                  <a:srgbClr val="FF0000"/>
-                </a:solidFill>
-                <a:latin typeface="Courier"/>
-                <a:cs typeface="Courier"/>
-              </a:rPr>
-              <a:t>title</a:t>
-            </a:r>
-            <a:r>
-              <a:rPr lang="nb-NO" sz="1900" dirty="0" smtClean="0">
-                <a:solidFill>
-                  <a:srgbClr val="FF0000"/>
-                </a:solidFill>
-                <a:latin typeface="Courier"/>
-                <a:cs typeface="Courier"/>
-              </a:rPr>
-              <a:t>;</a:t>
-            </a:r>
-            <a:endParaRPr lang="nb-NO" sz="1900" dirty="0">
-              <a:solidFill>
-                <a:srgbClr val="FF0000"/>
-              </a:solidFill>
-              <a:latin typeface="Courier"/>
-              <a:cs typeface="Courier"/>
-            </a:endParaRPr>
-          </a:p>
-          <a:p>
-            <a:pPr marL="0" indent="0">
-              <a:buNone/>
-            </a:pPr>
-            <a:r>
-              <a:rPr lang="nb-NO" sz="1900" dirty="0">
-                <a:solidFill>
-                  <a:srgbClr val="FF0000"/>
-                </a:solidFill>
-                <a:latin typeface="Courier"/>
-                <a:cs typeface="Courier"/>
-              </a:rPr>
-              <a:t>        </a:t>
-            </a:r>
-            <a:r>
-              <a:rPr lang="nb-NO" sz="1900" dirty="0" err="1">
-                <a:solidFill>
-                  <a:srgbClr val="FF0000"/>
-                </a:solidFill>
-                <a:latin typeface="Courier"/>
-                <a:cs typeface="Courier"/>
-              </a:rPr>
-              <a:t>public</a:t>
-            </a:r>
-            <a:r>
-              <a:rPr lang="nb-NO" sz="1900" dirty="0">
-                <a:solidFill>
-                  <a:srgbClr val="FF0000"/>
-                </a:solidFill>
-                <a:latin typeface="Courier"/>
-                <a:cs typeface="Courier"/>
-              </a:rPr>
-              <a:t> </a:t>
-            </a:r>
-            <a:r>
-              <a:rPr lang="nb-NO" sz="1900" dirty="0" err="1" smtClean="0">
-                <a:solidFill>
-                  <a:srgbClr val="FF0000"/>
-                </a:solidFill>
-                <a:latin typeface="Courier"/>
-                <a:cs typeface="Courier"/>
-              </a:rPr>
-              <a:t>String</a:t>
-            </a:r>
-            <a:r>
-              <a:rPr lang="nb-NO" sz="1900" dirty="0" smtClean="0">
-                <a:solidFill>
-                  <a:srgbClr val="FF0000"/>
-                </a:solidFill>
-                <a:latin typeface="Courier"/>
-                <a:cs typeface="Courier"/>
-              </a:rPr>
-              <a:t> </a:t>
-            </a:r>
-            <a:r>
-              <a:rPr lang="nb-NO" sz="1900" dirty="0" err="1" smtClean="0">
-                <a:solidFill>
-                  <a:srgbClr val="FF0000"/>
-                </a:solidFill>
-                <a:latin typeface="Courier"/>
-                <a:cs typeface="Courier"/>
-              </a:rPr>
-              <a:t>description</a:t>
-            </a:r>
-            <a:r>
-              <a:rPr lang="nb-NO" sz="1900" dirty="0">
-                <a:solidFill>
-                  <a:srgbClr val="FF0000"/>
-                </a:solidFill>
-                <a:latin typeface="Courier"/>
-                <a:cs typeface="Courier"/>
-              </a:rPr>
-              <a:t>;</a:t>
-            </a:r>
-          </a:p>
-          <a:p>
-            <a:pPr marL="0" indent="0">
-              <a:buNone/>
-            </a:pPr>
-            <a:r>
-              <a:rPr lang="nb-NO" sz="1900" dirty="0">
-                <a:solidFill>
-                  <a:srgbClr val="FF0000"/>
-                </a:solidFill>
-                <a:latin typeface="Courier"/>
-                <a:cs typeface="Courier"/>
-              </a:rPr>
-              <a:t>        </a:t>
-            </a:r>
-            <a:r>
-              <a:rPr lang="nb-NO" sz="1900" dirty="0" err="1">
-                <a:solidFill>
-                  <a:srgbClr val="FF0000"/>
-                </a:solidFill>
-                <a:latin typeface="Courier"/>
-                <a:cs typeface="Courier"/>
-              </a:rPr>
-              <a:t>public</a:t>
-            </a:r>
-            <a:r>
-              <a:rPr lang="nb-NO" sz="1900" dirty="0">
-                <a:solidFill>
-                  <a:srgbClr val="FF0000"/>
-                </a:solidFill>
-                <a:latin typeface="Courier"/>
-                <a:cs typeface="Courier"/>
-              </a:rPr>
-              <a:t> byte[] </a:t>
-            </a:r>
-            <a:r>
-              <a:rPr lang="nb-NO" sz="1900" dirty="0" err="1" smtClean="0">
-                <a:solidFill>
-                  <a:srgbClr val="FF0000"/>
-                </a:solidFill>
-                <a:latin typeface="Courier"/>
-                <a:cs typeface="Courier"/>
-              </a:rPr>
-              <a:t>attachmentBytes</a:t>
-            </a:r>
-            <a:r>
-              <a:rPr lang="nb-NO" sz="1900" dirty="0" smtClean="0">
-                <a:solidFill>
-                  <a:srgbClr val="FF0000"/>
-                </a:solidFill>
-                <a:latin typeface="Courier"/>
-                <a:cs typeface="Courier"/>
-              </a:rPr>
-              <a:t>;</a:t>
-            </a:r>
-            <a:endParaRPr lang="nb-NO" sz="1900" dirty="0">
-              <a:solidFill>
-                <a:srgbClr val="FF0000"/>
-              </a:solidFill>
-              <a:latin typeface="Courier"/>
-              <a:cs typeface="Courier"/>
-            </a:endParaRPr>
-          </a:p>
-          <a:p>
-            <a:pPr marL="0" indent="0">
-              <a:buNone/>
-            </a:pPr>
-            <a:r>
-              <a:rPr lang="nb-NO" sz="1900" dirty="0">
-                <a:solidFill>
-                  <a:srgbClr val="FF0000"/>
-                </a:solidFill>
-                <a:latin typeface="Courier"/>
-                <a:cs typeface="Courier"/>
-              </a:rPr>
-              <a:t>        </a:t>
-            </a:r>
-            <a:r>
-              <a:rPr lang="nb-NO" sz="1900" dirty="0" err="1">
-                <a:solidFill>
-                  <a:srgbClr val="FF0000"/>
-                </a:solidFill>
-                <a:latin typeface="Courier"/>
-                <a:cs typeface="Courier"/>
-              </a:rPr>
-              <a:t>public</a:t>
-            </a:r>
-            <a:r>
-              <a:rPr lang="nb-NO" sz="1900" dirty="0">
-                <a:solidFill>
-                  <a:srgbClr val="FF0000"/>
-                </a:solidFill>
-                <a:latin typeface="Courier"/>
-                <a:cs typeface="Courier"/>
-              </a:rPr>
-              <a:t> </a:t>
-            </a:r>
-            <a:r>
-              <a:rPr lang="nb-NO" sz="1900" dirty="0" err="1" smtClean="0">
-                <a:solidFill>
-                  <a:srgbClr val="FF0000"/>
-                </a:solidFill>
-                <a:latin typeface="Courier"/>
-                <a:cs typeface="Courier"/>
-              </a:rPr>
-              <a:t>String</a:t>
-            </a:r>
-            <a:r>
-              <a:rPr lang="nb-NO" sz="1900" dirty="0" smtClean="0">
-                <a:solidFill>
-                  <a:srgbClr val="FF0000"/>
-                </a:solidFill>
-                <a:latin typeface="Courier"/>
-                <a:cs typeface="Courier"/>
-              </a:rPr>
-              <a:t> </a:t>
-            </a:r>
-            <a:r>
-              <a:rPr lang="nb-NO" sz="1900" dirty="0" err="1" smtClean="0">
-                <a:solidFill>
-                  <a:srgbClr val="FF0000"/>
-                </a:solidFill>
-                <a:latin typeface="Courier"/>
-                <a:cs typeface="Courier"/>
-              </a:rPr>
-              <a:t>attachmentFileName</a:t>
-            </a:r>
-            <a:r>
-              <a:rPr lang="nb-NO" sz="1900" dirty="0">
-                <a:solidFill>
-                  <a:srgbClr val="FF0000"/>
-                </a:solidFill>
-                <a:latin typeface="Courier"/>
-                <a:cs typeface="Courier"/>
-              </a:rPr>
-              <a:t>;</a:t>
-            </a:r>
-          </a:p>
-          <a:p>
-            <a:pPr marL="0" indent="0">
-              <a:buNone/>
-            </a:pPr>
-            <a:r>
-              <a:rPr lang="nb-NO" sz="1900" dirty="0">
-                <a:solidFill>
-                  <a:srgbClr val="FF0000"/>
-                </a:solidFill>
-                <a:latin typeface="Courier"/>
-                <a:cs typeface="Courier"/>
-              </a:rPr>
-              <a:t>        </a:t>
-            </a:r>
-            <a:r>
-              <a:rPr lang="nb-NO" sz="1900" dirty="0" err="1">
-                <a:solidFill>
-                  <a:srgbClr val="FF0000"/>
-                </a:solidFill>
-                <a:latin typeface="Courier"/>
-                <a:cs typeface="Courier"/>
-              </a:rPr>
-              <a:t>public</a:t>
-            </a:r>
-            <a:r>
-              <a:rPr lang="nb-NO" sz="1900" dirty="0">
-                <a:solidFill>
-                  <a:srgbClr val="FF0000"/>
-                </a:solidFill>
-                <a:latin typeface="Courier"/>
-                <a:cs typeface="Courier"/>
-              </a:rPr>
-              <a:t> </a:t>
-            </a:r>
-            <a:r>
-              <a:rPr lang="nb-NO" sz="1900" dirty="0" err="1" smtClean="0">
-                <a:solidFill>
-                  <a:srgbClr val="FF0000"/>
-                </a:solidFill>
-                <a:latin typeface="Courier"/>
-                <a:cs typeface="Courier"/>
-              </a:rPr>
-              <a:t>String</a:t>
-            </a:r>
-            <a:r>
-              <a:rPr lang="nb-NO" sz="1900" dirty="0" smtClean="0">
-                <a:solidFill>
-                  <a:srgbClr val="FF0000"/>
-                </a:solidFill>
-                <a:latin typeface="Courier"/>
-                <a:cs typeface="Courier"/>
-              </a:rPr>
-              <a:t> </a:t>
-            </a:r>
-            <a:r>
-              <a:rPr lang="nb-NO" sz="1900" dirty="0" err="1" smtClean="0">
-                <a:solidFill>
-                  <a:srgbClr val="FF0000"/>
-                </a:solidFill>
-                <a:latin typeface="Courier"/>
-                <a:cs typeface="Courier"/>
-              </a:rPr>
-              <a:t>attachmentFileExtension</a:t>
-            </a:r>
-            <a:r>
-              <a:rPr lang="nb-NO" sz="1900" dirty="0">
-                <a:solidFill>
-                  <a:srgbClr val="FF0000"/>
-                </a:solidFill>
-                <a:latin typeface="Courier"/>
-                <a:cs typeface="Courier"/>
-              </a:rPr>
-              <a:t>;</a:t>
-            </a:r>
-          </a:p>
-          <a:p>
-            <a:pPr marL="0" indent="0">
-              <a:buNone/>
-            </a:pPr>
-            <a:r>
-              <a:rPr lang="nb-NO" sz="1900" dirty="0">
-                <a:solidFill>
-                  <a:srgbClr val="FF0000"/>
-                </a:solidFill>
-                <a:latin typeface="Courier"/>
-                <a:cs typeface="Courier"/>
-              </a:rPr>
-              <a:t>    }</a:t>
-            </a:r>
-            <a:endParaRPr lang="nb-NO" sz="1900" dirty="0"/>
-          </a:p>
-          <a:p>
-            <a:pPr marL="0" indent="0">
-              <a:buNone/>
-            </a:pPr>
-            <a:r>
-              <a:rPr lang="nb-NO" dirty="0" err="1">
-                <a:solidFill>
-                  <a:srgbClr val="008000"/>
-                </a:solidFill>
-              </a:rPr>
-              <a:t>Actually</a:t>
+              <a:rPr lang="nb-NO" dirty="0">
+                <a:solidFill>
+                  <a:srgbClr val="008000"/>
+                </a:solidFill>
+              </a:rPr>
+              <a:t>The </a:t>
+            </a:r>
+            <a:r>
+              <a:rPr lang="nb-NO" dirty="0" err="1">
+                <a:solidFill>
+                  <a:srgbClr val="008000"/>
+                </a:solidFill>
+              </a:rPr>
+              <a:t>functionality</a:t>
+            </a:r>
+            <a:r>
+              <a:rPr lang="nb-NO" dirty="0">
+                <a:solidFill>
+                  <a:srgbClr val="008000"/>
+                </a:solidFill>
+              </a:rPr>
+              <a:t> is in </a:t>
+            </a:r>
+            <a:r>
+              <a:rPr lang="nb-NO" dirty="0" err="1">
+                <a:solidFill>
+                  <a:srgbClr val="008000"/>
+                </a:solidFill>
+              </a:rPr>
+              <a:t>the</a:t>
+            </a:r>
+            <a:r>
+              <a:rPr lang="nb-NO" dirty="0">
+                <a:solidFill>
+                  <a:srgbClr val="008000"/>
+                </a:solidFill>
+              </a:rPr>
+              <a:t> </a:t>
+            </a:r>
+            <a:r>
+              <a:rPr lang="nb-NO" dirty="0" err="1">
+                <a:solidFill>
+                  <a:srgbClr val="008000"/>
+                </a:solidFill>
+              </a:rPr>
+              <a:t>wrong</a:t>
+            </a:r>
+            <a:r>
+              <a:rPr lang="nb-NO" dirty="0">
+                <a:solidFill>
+                  <a:srgbClr val="008000"/>
+                </a:solidFill>
+              </a:rPr>
+              <a:t> </a:t>
+            </a:r>
+            <a:r>
+              <a:rPr lang="nb-NO" dirty="0" err="1">
+                <a:solidFill>
+                  <a:srgbClr val="008000"/>
+                </a:solidFill>
+              </a:rPr>
+              <a:t>place</a:t>
             </a:r>
             <a:r>
               <a:rPr lang="nb-NO" dirty="0">
@@ -6387,63 +6006,255 @@
                   <a:srgbClr val="008000"/>
                 </a:solidFill>
               </a:rPr>
-              <a:t>this</a:t>
-            </a:r>
-            <a:r>
-              <a:rPr lang="nb-NO" dirty="0">
-                <a:solidFill>
-                  <a:srgbClr val="008000"/>
-                </a:solidFill>
-              </a:rPr>
-              <a:t> is </a:t>
-            </a:r>
-            <a:r>
-              <a:rPr lang="nb-NO" dirty="0" err="1">
-                <a:solidFill>
-                  <a:srgbClr val="008000"/>
-                </a:solidFill>
-              </a:rPr>
-              <a:t>what</a:t>
-            </a:r>
-            <a:r>
-              <a:rPr lang="nb-NO" dirty="0">
-                <a:solidFill>
-                  <a:srgbClr val="008000"/>
-                </a:solidFill>
-              </a:rPr>
-              <a:t> OO and </a:t>
-            </a:r>
-            <a:r>
-              <a:rPr lang="nb-NO" dirty="0" err="1">
-                <a:solidFill>
-                  <a:srgbClr val="008000"/>
-                </a:solidFill>
-              </a:rPr>
-              <a:t>compilers</a:t>
-            </a:r>
-            <a:r>
-              <a:rPr lang="nb-NO" dirty="0">
-                <a:solidFill>
-                  <a:srgbClr val="008000"/>
-                </a:solidFill>
-              </a:rPr>
-              <a:t> </a:t>
-            </a:r>
-            <a:r>
-              <a:rPr lang="nb-NO" dirty="0" err="1">
-                <a:solidFill>
-                  <a:srgbClr val="008000"/>
-                </a:solidFill>
-              </a:rPr>
-              <a:t>are</a:t>
-            </a:r>
-            <a:r>
-              <a:rPr lang="nb-NO" dirty="0">
-                <a:solidFill>
-                  <a:srgbClr val="008000"/>
-                </a:solidFill>
-              </a:rPr>
-              <a:t> for. Just do it. </a:t>
+              <a:t>move</a:t>
+            </a:r>
+            <a:r>
+              <a:rPr lang="nb-NO" dirty="0">
+                <a:solidFill>
+                  <a:srgbClr val="008000"/>
+                </a:solidFill>
+              </a:rPr>
+              <a:t> it to </a:t>
+            </a:r>
+            <a:r>
+              <a:rPr lang="nb-NO" dirty="0" err="1">
+                <a:solidFill>
+                  <a:srgbClr val="008000"/>
+                </a:solidFill>
+              </a:rPr>
+              <a:t>the</a:t>
+            </a:r>
+            <a:r>
+              <a:rPr lang="nb-NO" dirty="0">
+                <a:solidFill>
+                  <a:srgbClr val="008000"/>
+                </a:solidFill>
+              </a:rPr>
+              <a:t> </a:t>
+            </a:r>
+            <a:r>
+              <a:rPr lang="nb-NO" dirty="0" err="1">
+                <a:solidFill>
+                  <a:srgbClr val="008000"/>
+                </a:solidFill>
+              </a:rPr>
+              <a:t>object</a:t>
+            </a:r>
+            <a:r>
+              <a:rPr lang="nb-NO" dirty="0">
+                <a:solidFill>
+                  <a:srgbClr val="008000"/>
+                </a:solidFill>
+              </a:rPr>
+              <a:t> </a:t>
+            </a:r>
+            <a:r>
+              <a:rPr lang="nb-NO" dirty="0" err="1">
+                <a:solidFill>
+                  <a:srgbClr val="008000"/>
+                </a:solidFill>
+              </a:rPr>
+              <a:t>with</a:t>
+            </a:r>
+            <a:r>
+              <a:rPr lang="nb-NO" dirty="0">
+                <a:solidFill>
+                  <a:srgbClr val="008000"/>
+                </a:solidFill>
+              </a:rPr>
+              <a:t> </a:t>
+            </a:r>
+            <a:r>
+              <a:rPr lang="nb-NO" dirty="0" err="1">
+                <a:solidFill>
+                  <a:srgbClr val="008000"/>
+                </a:solidFill>
+              </a:rPr>
+              <a:t>the</a:t>
+            </a:r>
+            <a:r>
+              <a:rPr lang="nb-NO" dirty="0">
+                <a:solidFill>
+                  <a:srgbClr val="008000"/>
+                </a:solidFill>
+              </a:rPr>
+              <a:t> </a:t>
+            </a:r>
+            <a:r>
+              <a:rPr lang="nb-NO" dirty="0" err="1">
+                <a:solidFill>
+                  <a:srgbClr val="008000"/>
+                </a:solidFill>
+              </a:rPr>
+              <a:t>values</a:t>
+            </a:r>
+            <a:r>
+              <a:rPr lang="nb-NO" dirty="0">
+                <a:solidFill>
+                  <a:srgbClr val="008000"/>
+                </a:solidFill>
+              </a:rPr>
+              <a:t> it </a:t>
+            </a:r>
+            <a:r>
+              <a:rPr lang="nb-NO" dirty="0" err="1">
+                <a:solidFill>
+                  <a:srgbClr val="008000"/>
+                </a:solidFill>
+              </a:rPr>
+              <a:t>wants</a:t>
+            </a:r>
+            <a:r>
+              <a:rPr lang="nb-NO" dirty="0">
+                <a:solidFill>
+                  <a:srgbClr val="008000"/>
+                </a:solidFill>
+              </a:rPr>
+              <a:t> to be </a:t>
+            </a:r>
+            <a:r>
+              <a:rPr lang="nb-NO" dirty="0" err="1">
+                <a:solidFill>
+                  <a:srgbClr val="008000"/>
+                </a:solidFill>
+              </a:rPr>
+              <a:t>with</a:t>
+            </a:r>
+            <a:r>
+              <a:rPr lang="nb-NO" dirty="0">
+                <a:solidFill>
+                  <a:srgbClr val="008000"/>
+                </a:solidFill>
+              </a:rPr>
+              <a:t>. </a:t>
+            </a:r>
+            <a:r>
+              <a:rPr lang="nb-NO" dirty="0" err="1">
+                <a:solidFill>
+                  <a:srgbClr val="008000"/>
+                </a:solidFill>
+              </a:rPr>
+              <a:t>You</a:t>
+            </a:r>
+            <a:r>
+              <a:rPr lang="nb-NO" dirty="0">
+                <a:solidFill>
+                  <a:srgbClr val="008000"/>
+                </a:solidFill>
+              </a:rPr>
+              <a:t> </a:t>
+            </a:r>
+            <a:r>
+              <a:rPr lang="nb-NO" dirty="0" err="1">
+                <a:solidFill>
+                  <a:srgbClr val="008000"/>
+                </a:solidFill>
+              </a:rPr>
+              <a:t>may</a:t>
+            </a:r>
+            <a:r>
+              <a:rPr lang="nb-NO" dirty="0">
+                <a:solidFill>
+                  <a:srgbClr val="008000"/>
+                </a:solidFill>
+              </a:rPr>
+              <a:t> </a:t>
+            </a:r>
+            <a:r>
+              <a:rPr lang="nb-NO" dirty="0" err="1">
+                <a:solidFill>
+                  <a:srgbClr val="008000"/>
+                </a:solidFill>
+              </a:rPr>
+              <a:t>need</a:t>
+            </a:r>
+            <a:r>
+              <a:rPr lang="nb-NO" dirty="0">
+                <a:solidFill>
+                  <a:srgbClr val="008000"/>
+                </a:solidFill>
+              </a:rPr>
+              <a:t> to </a:t>
+            </a:r>
+            <a:r>
+              <a:rPr lang="nb-NO" dirty="0" err="1">
+                <a:solidFill>
+                  <a:srgbClr val="008000"/>
+                </a:solidFill>
+              </a:rPr>
+              <a:t>move</a:t>
+            </a:r>
+            <a:r>
+              <a:rPr lang="nb-NO" dirty="0">
+                <a:solidFill>
+                  <a:srgbClr val="008000"/>
+                </a:solidFill>
+              </a:rPr>
+              <a:t> it to a </a:t>
+            </a:r>
+            <a:r>
+              <a:rPr lang="nb-NO" dirty="0" err="1">
+                <a:solidFill>
+                  <a:srgbClr val="008000"/>
+                </a:solidFill>
+              </a:rPr>
+              <a:t>new</a:t>
+            </a:r>
+            <a:r>
+              <a:rPr lang="nb-NO" dirty="0">
+                <a:solidFill>
+                  <a:srgbClr val="008000"/>
+                </a:solidFill>
+              </a:rPr>
+              <a:t> </a:t>
+            </a:r>
+            <a:r>
+              <a:rPr lang="nb-NO" dirty="0" err="1">
+                <a:solidFill>
+                  <a:srgbClr val="008000"/>
+                </a:solidFill>
+              </a:rPr>
+              <a:t>class</a:t>
+            </a:r>
+            <a:r>
+              <a:rPr lang="nb-NO" dirty="0">
+                <a:solidFill>
+                  <a:srgbClr val="008000"/>
+                </a:solidFill>
+              </a:rPr>
+              <a:t>, or </a:t>
+            </a:r>
+            <a:r>
+              <a:rPr lang="nb-NO" dirty="0" err="1">
+                <a:solidFill>
+                  <a:srgbClr val="008000"/>
+                </a:solidFill>
+              </a:rPr>
+              <a:t>merge</a:t>
+            </a:r>
+            <a:r>
+              <a:rPr lang="nb-NO" dirty="0">
+                <a:solidFill>
+                  <a:srgbClr val="008000"/>
+                </a:solidFill>
+              </a:rPr>
+              <a:t> </a:t>
+            </a:r>
+            <a:r>
+              <a:rPr lang="nb-NO" dirty="0" err="1">
+                <a:solidFill>
+                  <a:srgbClr val="008000"/>
+                </a:solidFill>
+              </a:rPr>
+              <a:t>classes</a:t>
+            </a:r>
+            <a:r>
+              <a:rPr lang="nb-NO" dirty="0">
+                <a:solidFill>
+                  <a:srgbClr val="008000"/>
+                </a:solidFill>
+              </a:rPr>
+              <a:t>.</a:t>
             </a:r>
           </a:p>
         </p:txBody>
@@ -6451,7 +6262,7 @@
     </p:spTree>
     <p:extLst>
       <p:ext uri="{BB962C8B-B14F-4D97-AF65-F5344CB8AC3E}">
-        <p14:creationId xmlns:p14="http://schemas.microsoft.com/office/powerpoint/2010/main" val="67703223"/>
+        <p14:creationId xmlns:p14="http://schemas.microsoft.com/office/powerpoint/2010/main" val="1431346801"/>
       </p:ext>
     </p:extLst>
   </p:cSld>
@@ -6491,13 +6302,13 @@
         <p:spPr/>
         <p:txBody>
           <a:bodyPr>
-            <a:normAutofit fontScale="90000"/>
+            <a:normAutofit/>
           </a:bodyPr>
           <a:lstStyle/>
           <a:p>
             <a:r>
               <a:rPr lang="nb-NO"/>
-              <a:t>Switch statements / Multiple if/else</a:t>
+              <a:t>Primitive obsession</a:t>
             </a:r>
           </a:p>
         </p:txBody>
@@ -6515,7 +6326,7 @@
         <p:spPr/>
         <p:txBody>
           <a:bodyPr>
-            <a:normAutofit/>
+            <a:normAutofit fontScale="92500"/>
           </a:bodyPr>
           <a:lstStyle/>
           <a:p>
@@ -6524,28 +6335,100 @@
               <a:buChar char="-"/>
             </a:pPr>
             <a:r>
-              <a:rPr lang="nb-NO" dirty="0" err="1">
-                <a:solidFill>
-                  <a:srgbClr val="FF0000"/>
-                </a:solidFill>
-              </a:rPr>
-              <a:t>Switching</a:t>
-            </a:r>
-            <a:r>
-              <a:rPr lang="nb-NO" dirty="0">
-                <a:solidFill>
-                  <a:srgbClr val="FF0000"/>
-                </a:solidFill>
-              </a:rPr>
-              <a:t> </a:t>
-            </a:r>
-            <a:r>
-              <a:rPr lang="nb-NO" dirty="0" err="1">
-                <a:solidFill>
-                  <a:srgbClr val="FF0000"/>
-                </a:solidFill>
-              </a:rPr>
-              <a:t>on</a:t>
+              <a:rPr lang="nb-NO" dirty="0">
+                <a:solidFill>
+                  <a:srgbClr val="FF0000"/>
+                </a:solidFill>
+              </a:rPr>
+              <a:t>A programmer </a:t>
+            </a:r>
+            <a:r>
+              <a:rPr lang="nb-NO" dirty="0" err="1">
+                <a:solidFill>
+                  <a:srgbClr val="FF0000"/>
+                </a:solidFill>
+              </a:rPr>
+              <a:t>who</a:t>
+            </a:r>
+            <a:r>
+              <a:rPr lang="nb-NO" dirty="0">
+                <a:solidFill>
+                  <a:srgbClr val="FF0000"/>
+                </a:solidFill>
+              </a:rPr>
+              <a:t> </a:t>
+            </a:r>
+            <a:r>
+              <a:rPr lang="nb-NO" dirty="0" err="1">
+                <a:solidFill>
+                  <a:srgbClr val="FF0000"/>
+                </a:solidFill>
+              </a:rPr>
+              <a:t>thinks</a:t>
+            </a:r>
+            <a:r>
+              <a:rPr lang="nb-NO" dirty="0">
+                <a:solidFill>
+                  <a:srgbClr val="FF0000"/>
+                </a:solidFill>
+              </a:rPr>
+              <a:t> </a:t>
+            </a:r>
+            <a:r>
+              <a:rPr lang="nb-NO" dirty="0" err="1">
+                <a:solidFill>
+                  <a:srgbClr val="FF0000"/>
+                </a:solidFill>
+              </a:rPr>
+              <a:t>it’s</a:t>
+            </a:r>
+            <a:r>
+              <a:rPr lang="nb-NO" dirty="0">
+                <a:solidFill>
+                  <a:srgbClr val="FF0000"/>
+                </a:solidFill>
+              </a:rPr>
+              <a:t> </a:t>
+            </a:r>
+            <a:r>
+              <a:rPr lang="nb-NO" dirty="0" err="1">
+                <a:solidFill>
+                  <a:srgbClr val="FF0000"/>
+                </a:solidFill>
+              </a:rPr>
+              <a:t>too</a:t>
+            </a:r>
+            <a:r>
+              <a:rPr lang="nb-NO" dirty="0">
+                <a:solidFill>
+                  <a:srgbClr val="FF0000"/>
+                </a:solidFill>
+              </a:rPr>
+              <a:t> </a:t>
+            </a:r>
+            <a:r>
+              <a:rPr lang="nb-NO" dirty="0" err="1">
+                <a:solidFill>
+                  <a:srgbClr val="FF0000"/>
+                </a:solidFill>
+              </a:rPr>
+              <a:t>much</a:t>
+            </a:r>
+            <a:r>
+              <a:rPr lang="nb-NO" dirty="0">
+                <a:solidFill>
+                  <a:srgbClr val="FF0000"/>
+                </a:solidFill>
+              </a:rPr>
+              <a:t> overhead to </a:t>
+            </a:r>
+            <a:r>
+              <a:rPr lang="nb-NO" dirty="0" err="1">
+                <a:solidFill>
+                  <a:srgbClr val="FF0000"/>
+                </a:solidFill>
+              </a:rPr>
+              <a:t>use</a:t>
             </a:r>
             <a:r>
               <a:rPr lang="nb-NO" dirty="0">
@@ -6569,370 +6452,568 @@
                   <a:srgbClr val="FF0000"/>
                 </a:solidFill>
               </a:rPr>
-              <a:t> </a:t>
-            </a:r>
-            <a:r>
-              <a:rPr lang="nb-NO" dirty="0" err="1">
-                <a:solidFill>
-                  <a:srgbClr val="FF0000"/>
-                </a:solidFill>
-              </a:rPr>
-              <a:t>property</a:t>
-            </a:r>
-            <a:r>
-              <a:rPr lang="nb-NO" dirty="0">
-                <a:solidFill>
-                  <a:srgbClr val="FF0000"/>
-                </a:solidFill>
-              </a:rPr>
-              <a:t> to do different </a:t>
-            </a:r>
-            <a:r>
-              <a:rPr lang="nb-NO" dirty="0" err="1">
-                <a:solidFill>
-                  <a:srgbClr val="FF0000"/>
-                </a:solidFill>
-              </a:rPr>
-              <a:t>things</a:t>
-            </a:r>
-            <a:r>
-              <a:rPr lang="nb-NO" dirty="0">
-                <a:solidFill>
-                  <a:srgbClr val="FF0000"/>
-                </a:solidFill>
-              </a:rPr>
-              <a:t> </a:t>
-            </a:r>
-            <a:r>
-              <a:rPr lang="nb-NO" dirty="0" err="1">
-                <a:solidFill>
-                  <a:srgbClr val="FF0000"/>
-                </a:solidFill>
-              </a:rPr>
-              <a:t>often</a:t>
-            </a:r>
-            <a:r>
-              <a:rPr lang="nb-NO" dirty="0">
-                <a:solidFill>
-                  <a:srgbClr val="FF0000"/>
-                </a:solidFill>
-              </a:rPr>
-              <a:t> </a:t>
-            </a:r>
-            <a:r>
-              <a:rPr lang="nb-NO" dirty="0" err="1">
-                <a:solidFill>
-                  <a:srgbClr val="FF0000"/>
-                </a:solidFill>
-              </a:rPr>
-              <a:t>means</a:t>
-            </a:r>
-            <a:r>
-              <a:rPr lang="nb-NO" dirty="0">
-                <a:solidFill>
-                  <a:srgbClr val="FF0000"/>
-                </a:solidFill>
-              </a:rPr>
-              <a:t> </a:t>
-            </a:r>
-            <a:r>
-              <a:rPr lang="nb-NO" dirty="0" err="1">
-                <a:solidFill>
-                  <a:srgbClr val="FF0000"/>
-                </a:solidFill>
-              </a:rPr>
-              <a:t>that</a:t>
-            </a:r>
-            <a:r>
-              <a:rPr lang="nb-NO" dirty="0">
-                <a:solidFill>
-                  <a:srgbClr val="FF0000"/>
-                </a:solidFill>
-              </a:rPr>
-              <a:t> </a:t>
-            </a:r>
-            <a:r>
-              <a:rPr lang="nb-NO" dirty="0" err="1">
-                <a:solidFill>
-                  <a:srgbClr val="FF0000"/>
-                </a:solidFill>
-              </a:rPr>
-              <a:t>property</a:t>
-            </a:r>
-            <a:r>
-              <a:rPr lang="nb-NO" dirty="0">
-                <a:solidFill>
-                  <a:srgbClr val="FF0000"/>
-                </a:solidFill>
-              </a:rPr>
-              <a:t> has </a:t>
-            </a:r>
-            <a:r>
-              <a:rPr lang="nb-NO" dirty="0" err="1">
-                <a:solidFill>
-                  <a:srgbClr val="FF0000"/>
-                </a:solidFill>
-              </a:rPr>
-              <a:t>meaning</a:t>
-            </a:r>
-            <a:r>
-              <a:rPr lang="nb-NO" dirty="0">
-                <a:solidFill>
-                  <a:srgbClr val="FF0000"/>
-                </a:solidFill>
-              </a:rPr>
-              <a:t>, not just a simple </a:t>
-            </a:r>
-            <a:r>
-              <a:rPr lang="nb-NO" dirty="0" err="1">
-                <a:solidFill>
-                  <a:srgbClr val="FF0000"/>
-                </a:solidFill>
-              </a:rPr>
-              <a:t>value</a:t>
-            </a:r>
-            <a:r>
-              <a:rPr lang="nb-NO" dirty="0">
-                <a:solidFill>
-                  <a:srgbClr val="FF0000"/>
-                </a:solidFill>
-              </a:rPr>
-              <a:t>. </a:t>
-            </a:r>
+              <a:t> for just a </a:t>
+            </a:r>
+            <a:r>
+              <a:rPr lang="nb-NO" dirty="0" err="1">
+                <a:solidFill>
+                  <a:srgbClr val="FF0000"/>
+                </a:solidFill>
+              </a:rPr>
+              <a:t>few</a:t>
+            </a:r>
+            <a:r>
+              <a:rPr lang="nb-NO" dirty="0">
+                <a:solidFill>
+                  <a:srgbClr val="FF0000"/>
+                </a:solidFill>
+              </a:rPr>
+              <a:t> simple </a:t>
+            </a:r>
+            <a:r>
+              <a:rPr lang="nb-NO" dirty="0" err="1" smtClean="0">
+                <a:solidFill>
+                  <a:srgbClr val="FF0000"/>
+                </a:solidFill>
+              </a:rPr>
+              <a:t>values</a:t>
+            </a:r>
+            <a:endParaRPr lang="nb-NO" dirty="0">
+              <a:solidFill>
+                <a:srgbClr val="FF0000"/>
+              </a:solidFill>
+            </a:endParaRPr>
           </a:p>
           <a:p>
             <a:pPr marL="0" indent="0">
               <a:buNone/>
             </a:pPr>
-            <a:endParaRPr lang="nb-NO" dirty="0"/>
+            <a:r>
+              <a:rPr lang="nb-NO" sz="1900" dirty="0" err="1">
+                <a:solidFill>
+                  <a:srgbClr val="FF0000"/>
+                </a:solidFill>
+                <a:latin typeface="Courier"/>
+                <a:cs typeface="Courier"/>
+              </a:rPr>
+              <a:t>public</a:t>
+            </a:r>
+            <a:r>
+              <a:rPr lang="nb-NO" sz="1900" dirty="0">
+                <a:solidFill>
+                  <a:srgbClr val="FF0000"/>
+                </a:solidFill>
+                <a:latin typeface="Courier"/>
+                <a:cs typeface="Courier"/>
+              </a:rPr>
+              <a:t> </a:t>
+            </a:r>
+            <a:r>
+              <a:rPr lang="nb-NO" sz="1900" dirty="0" err="1">
+                <a:solidFill>
+                  <a:srgbClr val="FF0000"/>
+                </a:solidFill>
+                <a:latin typeface="Courier"/>
+                <a:cs typeface="Courier"/>
+              </a:rPr>
+              <a:t>class</a:t>
+            </a:r>
+            <a:r>
+              <a:rPr lang="nb-NO" sz="1900" dirty="0">
+                <a:solidFill>
+                  <a:srgbClr val="FF0000"/>
+                </a:solidFill>
+                <a:latin typeface="Courier"/>
+                <a:cs typeface="Courier"/>
+              </a:rPr>
+              <a:t> </a:t>
+            </a:r>
+            <a:r>
+              <a:rPr lang="nb-NO" sz="1900" dirty="0" smtClean="0">
+                <a:solidFill>
+                  <a:srgbClr val="FF0000"/>
+                </a:solidFill>
+                <a:latin typeface="Courier"/>
+                <a:cs typeface="Courier"/>
+              </a:rPr>
+              <a:t>Form {</a:t>
+            </a:r>
+            <a:endParaRPr lang="nb-NO" sz="1900" dirty="0">
+              <a:solidFill>
+                <a:srgbClr val="FF0000"/>
+              </a:solidFill>
+              <a:latin typeface="Courier"/>
+              <a:cs typeface="Courier"/>
+            </a:endParaRPr>
           </a:p>
           <a:p>
             <a:pPr marL="0" indent="0">
               <a:buNone/>
             </a:pPr>
             <a:r>
-              <a:rPr lang="nb-NO" dirty="0" err="1">
-                <a:solidFill>
-                  <a:srgbClr val="008000"/>
-                </a:solidFill>
-              </a:rPr>
-              <a:t>Consider</a:t>
-            </a:r>
-            <a:r>
-              <a:rPr lang="nb-NO" dirty="0">
-                <a:solidFill>
-                  <a:srgbClr val="008000"/>
-                </a:solidFill>
-              </a:rPr>
-              <a:t> </a:t>
-            </a:r>
-            <a:r>
-              <a:rPr lang="nb-NO" dirty="0" err="1">
-                <a:solidFill>
-                  <a:srgbClr val="008000"/>
-                </a:solidFill>
-              </a:rPr>
-              <a:t>replacing</a:t>
-            </a:r>
-            <a:r>
-              <a:rPr lang="nb-NO" dirty="0">
-                <a:solidFill>
-                  <a:srgbClr val="008000"/>
-                </a:solidFill>
-              </a:rPr>
-              <a:t> </a:t>
-            </a:r>
-            <a:r>
-              <a:rPr lang="nb-NO" dirty="0" err="1">
-                <a:solidFill>
-                  <a:srgbClr val="008000"/>
-                </a:solidFill>
-              </a:rPr>
-              <a:t>switch</a:t>
-            </a:r>
-            <a:r>
-              <a:rPr lang="nb-NO" dirty="0">
-                <a:solidFill>
-                  <a:srgbClr val="008000"/>
-                </a:solidFill>
-              </a:rPr>
-              <a:t> statement </a:t>
-            </a:r>
-            <a:r>
-              <a:rPr lang="nb-NO" dirty="0" err="1">
-                <a:solidFill>
-                  <a:srgbClr val="008000"/>
-                </a:solidFill>
-              </a:rPr>
-              <a:t>with</a:t>
-            </a:r>
-            <a:r>
-              <a:rPr lang="nb-NO" dirty="0">
-                <a:solidFill>
-                  <a:srgbClr val="008000"/>
-                </a:solidFill>
-              </a:rPr>
-              <a:t> </a:t>
-            </a:r>
-            <a:r>
-              <a:rPr lang="nb-NO" dirty="0" err="1">
-                <a:solidFill>
-                  <a:srgbClr val="008000"/>
-                </a:solidFill>
-              </a:rPr>
-              <a:t>polymorphism</a:t>
-            </a:r>
-            <a:r>
-              <a:rPr lang="nb-NO" dirty="0">
-                <a:solidFill>
-                  <a:srgbClr val="008000"/>
-                </a:solidFill>
-              </a:rPr>
-              <a:t> – make </a:t>
-            </a:r>
-            <a:r>
-              <a:rPr lang="nb-NO" dirty="0" err="1">
-                <a:solidFill>
-                  <a:srgbClr val="008000"/>
-                </a:solidFill>
-              </a:rPr>
-              <a:t>each</a:t>
-            </a:r>
-            <a:r>
-              <a:rPr lang="nb-NO" dirty="0">
-                <a:solidFill>
-                  <a:srgbClr val="008000"/>
-                </a:solidFill>
-              </a:rPr>
-              <a:t> </a:t>
-            </a:r>
-            <a:r>
-              <a:rPr lang="nb-NO" dirty="0" err="1">
-                <a:solidFill>
-                  <a:srgbClr val="008000"/>
-                </a:solidFill>
-              </a:rPr>
-              <a:t>value</a:t>
-            </a:r>
-            <a:r>
-              <a:rPr lang="nb-NO" dirty="0">
-                <a:solidFill>
-                  <a:srgbClr val="008000"/>
-                </a:solidFill>
-              </a:rPr>
-              <a:t> </a:t>
-            </a:r>
-            <a:r>
-              <a:rPr lang="nb-NO" dirty="0" err="1">
-                <a:solidFill>
-                  <a:srgbClr val="008000"/>
-                </a:solidFill>
-              </a:rPr>
-              <a:t>of</a:t>
-            </a:r>
-            <a:r>
-              <a:rPr lang="nb-NO" dirty="0">
-                <a:solidFill>
-                  <a:srgbClr val="008000"/>
-                </a:solidFill>
-              </a:rPr>
-              <a:t> </a:t>
-            </a:r>
-            <a:r>
-              <a:rPr lang="nb-NO" dirty="0" err="1">
-                <a:solidFill>
-                  <a:srgbClr val="008000"/>
-                </a:solidFill>
-              </a:rPr>
-              <a:t>the</a:t>
-            </a:r>
-            <a:r>
-              <a:rPr lang="nb-NO" dirty="0">
-                <a:solidFill>
-                  <a:srgbClr val="008000"/>
-                </a:solidFill>
-              </a:rPr>
-              <a:t> </a:t>
-            </a:r>
-            <a:r>
-              <a:rPr lang="nb-NO" dirty="0" err="1">
-                <a:solidFill>
-                  <a:srgbClr val="008000"/>
-                </a:solidFill>
-              </a:rPr>
-              <a:t>switching</a:t>
-            </a:r>
-            <a:r>
-              <a:rPr lang="nb-NO" dirty="0">
-                <a:solidFill>
-                  <a:srgbClr val="008000"/>
-                </a:solidFill>
-              </a:rPr>
-              <a:t> </a:t>
-            </a:r>
-            <a:r>
-              <a:rPr lang="nb-NO" dirty="0" err="1">
-                <a:solidFill>
-                  <a:srgbClr val="008000"/>
-                </a:solidFill>
-              </a:rPr>
-              <a:t>property</a:t>
-            </a:r>
-            <a:r>
-              <a:rPr lang="nb-NO" dirty="0">
-                <a:solidFill>
-                  <a:srgbClr val="008000"/>
-                </a:solidFill>
-              </a:rPr>
-              <a:t> </a:t>
-            </a:r>
-            <a:r>
-              <a:rPr lang="nb-NO" dirty="0" err="1">
-                <a:solidFill>
-                  <a:srgbClr val="008000"/>
-                </a:solidFill>
-              </a:rPr>
-              <a:t>determine</a:t>
-            </a:r>
-            <a:r>
-              <a:rPr lang="nb-NO" dirty="0">
-                <a:solidFill>
-                  <a:srgbClr val="008000"/>
-                </a:solidFill>
-              </a:rPr>
-              <a:t> a </a:t>
-            </a:r>
-            <a:r>
-              <a:rPr lang="nb-NO" dirty="0" err="1">
-                <a:solidFill>
-                  <a:srgbClr val="008000"/>
-                </a:solidFill>
-              </a:rPr>
-              <a:t>new</a:t>
-            </a:r>
-            <a:r>
-              <a:rPr lang="nb-NO" dirty="0">
-                <a:solidFill>
-                  <a:srgbClr val="008000"/>
-                </a:solidFill>
-              </a:rPr>
-              <a:t> </a:t>
-            </a:r>
-            <a:r>
-              <a:rPr lang="nb-NO" dirty="0" err="1">
-                <a:solidFill>
-                  <a:srgbClr val="008000"/>
-                </a:solidFill>
-              </a:rPr>
-              <a:t>subclass</a:t>
-            </a:r>
-            <a:r>
-              <a:rPr lang="nb-NO" dirty="0">
-                <a:solidFill>
-                  <a:srgbClr val="008000"/>
-                </a:solidFill>
-              </a:rPr>
-              <a:t>.</a:t>
+              <a:rPr lang="nb-NO" sz="1900" dirty="0">
+                <a:solidFill>
+                  <a:srgbClr val="FF0000"/>
+                </a:solidFill>
+                <a:latin typeface="Courier"/>
+                <a:cs typeface="Courier"/>
+              </a:rPr>
+              <a:t>        </a:t>
+            </a:r>
+            <a:r>
+              <a:rPr lang="nb-NO" sz="1900" dirty="0" err="1">
+                <a:solidFill>
+                  <a:srgbClr val="FF0000"/>
+                </a:solidFill>
+                <a:latin typeface="Courier"/>
+                <a:cs typeface="Courier"/>
+              </a:rPr>
+              <a:t>public</a:t>
+            </a:r>
+            <a:r>
+              <a:rPr lang="nb-NO" sz="1900" dirty="0">
+                <a:solidFill>
+                  <a:srgbClr val="FF0000"/>
+                </a:solidFill>
+                <a:latin typeface="Courier"/>
+                <a:cs typeface="Courier"/>
+              </a:rPr>
+              <a:t> </a:t>
+            </a:r>
+            <a:r>
+              <a:rPr lang="nb-NO" sz="1900" dirty="0" err="1" smtClean="0">
+                <a:solidFill>
+                  <a:srgbClr val="FF0000"/>
+                </a:solidFill>
+                <a:latin typeface="Courier"/>
+                <a:cs typeface="Courier"/>
+              </a:rPr>
+              <a:t>String</a:t>
+            </a:r>
+            <a:r>
+              <a:rPr lang="nb-NO" sz="1900" dirty="0" smtClean="0">
+                <a:solidFill>
+                  <a:srgbClr val="FF0000"/>
+                </a:solidFill>
+                <a:latin typeface="Courier"/>
+                <a:cs typeface="Courier"/>
+              </a:rPr>
+              <a:t> </a:t>
+            </a:r>
+            <a:r>
+              <a:rPr lang="nb-NO" sz="1900" dirty="0" err="1" smtClean="0">
+                <a:solidFill>
+                  <a:srgbClr val="FF0000"/>
+                </a:solidFill>
+                <a:latin typeface="Courier"/>
+                <a:cs typeface="Courier"/>
+              </a:rPr>
+              <a:t>title</a:t>
+            </a:r>
+            <a:r>
+              <a:rPr lang="nb-NO" sz="1900" dirty="0" smtClean="0">
+                <a:solidFill>
+                  <a:srgbClr val="FF0000"/>
+                </a:solidFill>
+                <a:latin typeface="Courier"/>
+                <a:cs typeface="Courier"/>
+              </a:rPr>
+              <a:t>;</a:t>
+            </a:r>
+            <a:endParaRPr lang="nb-NO" sz="1900" dirty="0">
+              <a:solidFill>
+                <a:srgbClr val="FF0000"/>
+              </a:solidFill>
+              <a:latin typeface="Courier"/>
+              <a:cs typeface="Courier"/>
+            </a:endParaRPr>
+          </a:p>
+          <a:p>
+            <a:pPr marL="0" indent="0">
+              <a:buNone/>
+            </a:pPr>
+            <a:r>
+              <a:rPr lang="nb-NO" sz="1900" dirty="0">
+                <a:solidFill>
+                  <a:srgbClr val="FF0000"/>
+                </a:solidFill>
+                <a:latin typeface="Courier"/>
+                <a:cs typeface="Courier"/>
+              </a:rPr>
+              <a:t>        </a:t>
+            </a:r>
+            <a:r>
+              <a:rPr lang="nb-NO" sz="1900" dirty="0" err="1">
+                <a:solidFill>
+                  <a:srgbClr val="FF0000"/>
+                </a:solidFill>
+                <a:latin typeface="Courier"/>
+                <a:cs typeface="Courier"/>
+              </a:rPr>
+              <a:t>public</a:t>
+            </a:r>
+            <a:r>
+              <a:rPr lang="nb-NO" sz="1900" dirty="0">
+                <a:solidFill>
+                  <a:srgbClr val="FF0000"/>
+                </a:solidFill>
+                <a:latin typeface="Courier"/>
+                <a:cs typeface="Courier"/>
+              </a:rPr>
+              <a:t> </a:t>
+            </a:r>
+            <a:r>
+              <a:rPr lang="nb-NO" sz="1900" dirty="0" err="1" smtClean="0">
+                <a:solidFill>
+                  <a:srgbClr val="FF0000"/>
+                </a:solidFill>
+                <a:latin typeface="Courier"/>
+                <a:cs typeface="Courier"/>
+              </a:rPr>
+              <a:t>String</a:t>
+            </a:r>
+            <a:r>
+              <a:rPr lang="nb-NO" sz="1900" dirty="0" smtClean="0">
+                <a:solidFill>
+                  <a:srgbClr val="FF0000"/>
+                </a:solidFill>
+                <a:latin typeface="Courier"/>
+                <a:cs typeface="Courier"/>
+              </a:rPr>
+              <a:t> </a:t>
+            </a:r>
+            <a:r>
+              <a:rPr lang="nb-NO" sz="1900" dirty="0" err="1" smtClean="0">
+                <a:solidFill>
+                  <a:srgbClr val="FF0000"/>
+                </a:solidFill>
+                <a:latin typeface="Courier"/>
+                <a:cs typeface="Courier"/>
+              </a:rPr>
+              <a:t>description</a:t>
+            </a:r>
+            <a:r>
+              <a:rPr lang="nb-NO" sz="1900" dirty="0">
+                <a:solidFill>
+                  <a:srgbClr val="FF0000"/>
+                </a:solidFill>
+                <a:latin typeface="Courier"/>
+                <a:cs typeface="Courier"/>
+              </a:rPr>
+              <a:t>;</a:t>
+            </a:r>
+          </a:p>
+          <a:p>
+            <a:pPr marL="0" indent="0">
+              <a:buNone/>
+            </a:pPr>
+            <a:r>
+              <a:rPr lang="nb-NO" sz="1900" dirty="0">
+                <a:solidFill>
+                  <a:srgbClr val="FF0000"/>
+                </a:solidFill>
+                <a:latin typeface="Courier"/>
+                <a:cs typeface="Courier"/>
+              </a:rPr>
+              <a:t>        </a:t>
+            </a:r>
+            <a:r>
+              <a:rPr lang="nb-NO" sz="1900" dirty="0" err="1">
+                <a:solidFill>
+                  <a:srgbClr val="FF0000"/>
+                </a:solidFill>
+                <a:latin typeface="Courier"/>
+                <a:cs typeface="Courier"/>
+              </a:rPr>
+              <a:t>public</a:t>
+            </a:r>
+            <a:r>
+              <a:rPr lang="nb-NO" sz="1900" dirty="0">
+                <a:solidFill>
+                  <a:srgbClr val="FF0000"/>
+                </a:solidFill>
+                <a:latin typeface="Courier"/>
+                <a:cs typeface="Courier"/>
+              </a:rPr>
+              <a:t> byte[] </a:t>
+            </a:r>
+            <a:r>
+              <a:rPr lang="nb-NO" sz="1900" dirty="0" err="1" smtClean="0">
+                <a:solidFill>
+                  <a:srgbClr val="FF0000"/>
+                </a:solidFill>
+                <a:latin typeface="Courier"/>
+                <a:cs typeface="Courier"/>
+              </a:rPr>
+              <a:t>attachmentBytes</a:t>
+            </a:r>
+            <a:r>
+              <a:rPr lang="nb-NO" sz="1900" dirty="0" smtClean="0">
+                <a:solidFill>
+                  <a:srgbClr val="FF0000"/>
+                </a:solidFill>
+                <a:latin typeface="Courier"/>
+                <a:cs typeface="Courier"/>
+              </a:rPr>
+              <a:t>;</a:t>
+            </a:r>
+            <a:endParaRPr lang="nb-NO" sz="1900" dirty="0">
+              <a:solidFill>
+                <a:srgbClr val="FF0000"/>
+              </a:solidFill>
+              <a:latin typeface="Courier"/>
+              <a:cs typeface="Courier"/>
+            </a:endParaRPr>
+          </a:p>
+          <a:p>
+            <a:pPr marL="0" indent="0">
+              <a:buNone/>
+            </a:pPr>
+            <a:r>
+              <a:rPr lang="nb-NO" sz="1900" dirty="0">
+                <a:solidFill>
+                  <a:srgbClr val="FF0000"/>
+                </a:solidFill>
+                <a:latin typeface="Courier"/>
+                <a:cs typeface="Courier"/>
+              </a:rPr>
+              <a:t>        </a:t>
+            </a:r>
+            <a:r>
+              <a:rPr lang="nb-NO" sz="1900" dirty="0" err="1">
+                <a:solidFill>
+                  <a:srgbClr val="FF0000"/>
+                </a:solidFill>
+                <a:latin typeface="Courier"/>
+                <a:cs typeface="Courier"/>
+              </a:rPr>
+              <a:t>public</a:t>
+            </a:r>
+            <a:r>
+              <a:rPr lang="nb-NO" sz="1900" dirty="0">
+                <a:solidFill>
+                  <a:srgbClr val="FF0000"/>
+                </a:solidFill>
+                <a:latin typeface="Courier"/>
+                <a:cs typeface="Courier"/>
+              </a:rPr>
+              <a:t> </a:t>
+            </a:r>
+            <a:r>
+              <a:rPr lang="nb-NO" sz="1900" dirty="0" err="1" smtClean="0">
+                <a:solidFill>
+                  <a:srgbClr val="FF0000"/>
+                </a:solidFill>
+                <a:latin typeface="Courier"/>
+                <a:cs typeface="Courier"/>
+              </a:rPr>
+              <a:t>String</a:t>
+            </a:r>
+            <a:r>
+              <a:rPr lang="nb-NO" sz="1900" dirty="0" smtClean="0">
+                <a:solidFill>
+                  <a:srgbClr val="FF0000"/>
+                </a:solidFill>
+                <a:latin typeface="Courier"/>
+                <a:cs typeface="Courier"/>
+              </a:rPr>
+              <a:t> </a:t>
+            </a:r>
+            <a:r>
+              <a:rPr lang="nb-NO" sz="1900" dirty="0" err="1" smtClean="0">
+                <a:solidFill>
+                  <a:srgbClr val="FF0000"/>
+                </a:solidFill>
+                <a:latin typeface="Courier"/>
+                <a:cs typeface="Courier"/>
+              </a:rPr>
+              <a:t>attachmentFileName</a:t>
+            </a:r>
+            <a:r>
+              <a:rPr lang="nb-NO" sz="1900" dirty="0">
+                <a:solidFill>
+                  <a:srgbClr val="FF0000"/>
+                </a:solidFill>
+                <a:latin typeface="Courier"/>
+                <a:cs typeface="Courier"/>
+              </a:rPr>
+              <a:t>;</a:t>
+            </a:r>
+          </a:p>
+          <a:p>
+            <a:pPr marL="0" indent="0">
+              <a:buNone/>
+            </a:pPr>
+            <a:r>
+              <a:rPr lang="nb-NO" sz="1900" dirty="0">
+                <a:solidFill>
+                  <a:srgbClr val="FF0000"/>
+                </a:solidFill>
+                <a:latin typeface="Courier"/>
+                <a:cs typeface="Courier"/>
+              </a:rPr>
+              <a:t>        </a:t>
+            </a:r>
+            <a:r>
+              <a:rPr lang="nb-NO" sz="1900" dirty="0" err="1">
+                <a:solidFill>
+                  <a:srgbClr val="FF0000"/>
+                </a:solidFill>
+                <a:latin typeface="Courier"/>
+                <a:cs typeface="Courier"/>
+              </a:rPr>
+              <a:t>public</a:t>
+            </a:r>
+            <a:r>
+              <a:rPr lang="nb-NO" sz="1900" dirty="0">
+                <a:solidFill>
+                  <a:srgbClr val="FF0000"/>
+                </a:solidFill>
+                <a:latin typeface="Courier"/>
+                <a:cs typeface="Courier"/>
+              </a:rPr>
+              <a:t> </a:t>
+            </a:r>
+            <a:r>
+              <a:rPr lang="nb-NO" sz="1900" dirty="0" err="1" smtClean="0">
+                <a:solidFill>
+                  <a:srgbClr val="FF0000"/>
+                </a:solidFill>
+                <a:latin typeface="Courier"/>
+                <a:cs typeface="Courier"/>
+              </a:rPr>
+              <a:t>String</a:t>
+            </a:r>
+            <a:r>
+              <a:rPr lang="nb-NO" sz="1900" dirty="0" smtClean="0">
+                <a:solidFill>
+                  <a:srgbClr val="FF0000"/>
+                </a:solidFill>
+                <a:latin typeface="Courier"/>
+                <a:cs typeface="Courier"/>
+              </a:rPr>
+              <a:t> </a:t>
+            </a:r>
+            <a:r>
+              <a:rPr lang="nb-NO" sz="1900" dirty="0" err="1" smtClean="0">
+                <a:solidFill>
+                  <a:srgbClr val="FF0000"/>
+                </a:solidFill>
+                <a:latin typeface="Courier"/>
+                <a:cs typeface="Courier"/>
+              </a:rPr>
+              <a:t>attachmentFileExtension</a:t>
+            </a:r>
+            <a:r>
+              <a:rPr lang="nb-NO" sz="1900" dirty="0">
+                <a:solidFill>
+                  <a:srgbClr val="FF0000"/>
+                </a:solidFill>
+                <a:latin typeface="Courier"/>
+                <a:cs typeface="Courier"/>
+              </a:rPr>
+              <a:t>;</a:t>
+            </a:r>
+          </a:p>
+          <a:p>
+            <a:pPr marL="0" indent="0">
+              <a:buNone/>
+            </a:pPr>
+            <a:r>
+              <a:rPr lang="nb-NO" sz="1900" dirty="0">
+                <a:solidFill>
+                  <a:srgbClr val="FF0000"/>
+                </a:solidFill>
+                <a:latin typeface="Courier"/>
+                <a:cs typeface="Courier"/>
+              </a:rPr>
+              <a:t>    }</a:t>
+            </a:r>
+            <a:endParaRPr lang="nb-NO" sz="1900" dirty="0"/>
+          </a:p>
+          <a:p>
+            <a:pPr marL="0" indent="0">
+              <a:buNone/>
+            </a:pPr>
+            <a:r>
+              <a:rPr lang="nb-NO" dirty="0" err="1">
+                <a:solidFill>
+                  <a:srgbClr val="008000"/>
+                </a:solidFill>
+              </a:rPr>
+              <a:t>Actually</a:t>
+            </a:r>
+            <a:r>
+              <a:rPr lang="nb-NO" dirty="0">
+                <a:solidFill>
+                  <a:srgbClr val="008000"/>
+                </a:solidFill>
+              </a:rPr>
+              <a:t>, </a:t>
+            </a:r>
+            <a:r>
+              <a:rPr lang="nb-NO" dirty="0" err="1">
+                <a:solidFill>
+                  <a:srgbClr val="008000"/>
+                </a:solidFill>
+              </a:rPr>
+              <a:t>this</a:t>
+            </a:r>
+            <a:r>
+              <a:rPr lang="nb-NO" dirty="0">
+                <a:solidFill>
+                  <a:srgbClr val="008000"/>
+                </a:solidFill>
+              </a:rPr>
+              <a:t> is </a:t>
+            </a:r>
+            <a:r>
+              <a:rPr lang="nb-NO" dirty="0" err="1">
+                <a:solidFill>
+                  <a:srgbClr val="008000"/>
+                </a:solidFill>
+              </a:rPr>
+              <a:t>what</a:t>
+            </a:r>
+            <a:r>
+              <a:rPr lang="nb-NO" dirty="0">
+                <a:solidFill>
+                  <a:srgbClr val="008000"/>
+                </a:solidFill>
+              </a:rPr>
+              <a:t> OO and </a:t>
+            </a:r>
+            <a:r>
+              <a:rPr lang="nb-NO" dirty="0" err="1">
+                <a:solidFill>
+                  <a:srgbClr val="008000"/>
+                </a:solidFill>
+              </a:rPr>
+              <a:t>compilers</a:t>
+            </a:r>
+            <a:r>
+              <a:rPr lang="nb-NO" dirty="0">
+                <a:solidFill>
+                  <a:srgbClr val="008000"/>
+                </a:solidFill>
+              </a:rPr>
+              <a:t> </a:t>
+            </a:r>
+            <a:r>
+              <a:rPr lang="nb-NO" dirty="0" err="1">
+                <a:solidFill>
+                  <a:srgbClr val="008000"/>
+                </a:solidFill>
+              </a:rPr>
+              <a:t>are</a:t>
+            </a:r>
+            <a:r>
+              <a:rPr lang="nb-NO" dirty="0">
+                <a:solidFill>
+                  <a:srgbClr val="008000"/>
+                </a:solidFill>
+              </a:rPr>
+              <a:t> for. Just do it. </a:t>
             </a:r>
           </a:p>
         </p:txBody>
@@ -6940,7 +7021,7 @@
     </p:spTree>
     <p:extLst>
       <p:ext uri="{BB962C8B-B14F-4D97-AF65-F5344CB8AC3E}">
-        <p14:creationId xmlns:p14="http://schemas.microsoft.com/office/powerpoint/2010/main" val="198965368"/>
+        <p14:creationId xmlns:p14="http://schemas.microsoft.com/office/powerpoint/2010/main" val="67703223"/>
       </p:ext>
     </p:extLst>
   </p:cSld>
@@ -6980,30 +7061,32 @@
         <p:spPr/>
         <p:txBody>
           <a:bodyPr>
+            <a:normAutofit fontScale="90000"/>
+          </a:bodyPr>
+          <a:lstStyle/>
+          <a:p>
+            <a:r>
+              <a:rPr lang="nb-NO"/>
+              <a:t>Switch statements / Multiple if/else</a:t>
+            </a:r>
+          </a:p>
+        </p:txBody>
+      </p:sp>
+      <p:sp>
+        <p:nvSpPr>
+          <p:cNvPr id="3" name="Content Placeholder 2"/>
+          <p:cNvSpPr>
+            <a:spLocks noGrp="1"/>
+          </p:cNvSpPr>
+          <p:nvPr>
+            <p:ph idx="1"/>
+          </p:nvPr>
+        </p:nvSpPr>
+        <p:spPr/>
+        <p:txBody>
+          <a:bodyPr>
             <a:normAutofit/>
           </a:bodyPr>
-          <a:lstStyle/>
-          <a:p>
-            <a:r>
-              <a:rPr lang="nb-NO"/>
-              <a:t>Speculative generality</a:t>
-            </a:r>
-          </a:p>
-        </p:txBody>
-      </p:sp>
-      <p:sp>
-        <p:nvSpPr>
-          <p:cNvPr id="3" name="Content Placeholder 2"/>
-          <p:cNvSpPr>
-            <a:spLocks noGrp="1"/>
-          </p:cNvSpPr>
-          <p:nvPr>
-            <p:ph idx="1"/>
-          </p:nvPr>
-        </p:nvSpPr>
-        <p:spPr/>
-        <p:txBody>
-          <a:bodyPr/>
           <a:lstStyle/>
           <a:p>
             <a:pPr>
@@ -7011,52 +7094,108 @@
               <a:buChar char="-"/>
             </a:pPr>
             <a:r>
-              <a:rPr lang="nb-NO" dirty="0">
-                <a:solidFill>
-                  <a:srgbClr val="FF0000"/>
-                </a:solidFill>
-              </a:rPr>
-              <a:t>The </a:t>
-            </a:r>
-            <a:r>
-              <a:rPr lang="nb-NO" dirty="0" err="1">
-                <a:solidFill>
-                  <a:srgbClr val="FF0000"/>
-                </a:solidFill>
-              </a:rPr>
-              <a:t>creation</a:t>
-            </a:r>
-            <a:r>
-              <a:rPr lang="nb-NO" dirty="0">
-                <a:solidFill>
-                  <a:srgbClr val="FF0000"/>
-                </a:solidFill>
-              </a:rPr>
-              <a:t> </a:t>
-            </a:r>
-            <a:r>
-              <a:rPr lang="nb-NO" dirty="0" err="1">
-                <a:solidFill>
-                  <a:srgbClr val="FF0000"/>
-                </a:solidFill>
-              </a:rPr>
-              <a:t>of</a:t>
-            </a:r>
-            <a:r>
-              <a:rPr lang="nb-NO" dirty="0">
-                <a:solidFill>
-                  <a:srgbClr val="FF0000"/>
-                </a:solidFill>
-              </a:rPr>
-              <a:t> a </a:t>
-            </a:r>
-            <a:r>
-              <a:rPr lang="nb-NO" dirty="0" err="1">
-                <a:solidFill>
-                  <a:srgbClr val="FF0000"/>
-                </a:solidFill>
-              </a:rPr>
-              <a:t>solution</a:t>
+              <a:rPr lang="nb-NO" dirty="0" err="1">
+                <a:solidFill>
+                  <a:srgbClr val="FF0000"/>
+                </a:solidFill>
+              </a:rPr>
+              <a:t>Switching</a:t>
+            </a:r>
+            <a:r>
+              <a:rPr lang="nb-NO" dirty="0">
+                <a:solidFill>
+                  <a:srgbClr val="FF0000"/>
+                </a:solidFill>
+              </a:rPr>
+              <a:t> </a:t>
+            </a:r>
+            <a:r>
+              <a:rPr lang="nb-NO" dirty="0" err="1">
+                <a:solidFill>
+                  <a:srgbClr val="FF0000"/>
+                </a:solidFill>
+              </a:rPr>
+              <a:t>on</a:t>
+            </a:r>
+            <a:r>
+              <a:rPr lang="nb-NO" dirty="0">
+                <a:solidFill>
+                  <a:srgbClr val="FF0000"/>
+                </a:solidFill>
+              </a:rPr>
+              <a:t> an </a:t>
+            </a:r>
+            <a:r>
+              <a:rPr lang="nb-NO" dirty="0" err="1">
+                <a:solidFill>
+                  <a:srgbClr val="FF0000"/>
+                </a:solidFill>
+              </a:rPr>
+              <a:t>object</a:t>
+            </a:r>
+            <a:r>
+              <a:rPr lang="nb-NO" dirty="0">
+                <a:solidFill>
+                  <a:srgbClr val="FF0000"/>
+                </a:solidFill>
+              </a:rPr>
+              <a:t> </a:t>
+            </a:r>
+            <a:r>
+              <a:rPr lang="nb-NO" dirty="0" err="1">
+                <a:solidFill>
+                  <a:srgbClr val="FF0000"/>
+                </a:solidFill>
+              </a:rPr>
+              <a:t>property</a:t>
+            </a:r>
+            <a:r>
+              <a:rPr lang="nb-NO" dirty="0">
+                <a:solidFill>
+                  <a:srgbClr val="FF0000"/>
+                </a:solidFill>
+              </a:rPr>
+              <a:t> to do different </a:t>
+            </a:r>
+            <a:r>
+              <a:rPr lang="nb-NO" dirty="0" err="1">
+                <a:solidFill>
+                  <a:srgbClr val="FF0000"/>
+                </a:solidFill>
+              </a:rPr>
+              <a:t>things</a:t>
+            </a:r>
+            <a:r>
+              <a:rPr lang="nb-NO" dirty="0">
+                <a:solidFill>
+                  <a:srgbClr val="FF0000"/>
+                </a:solidFill>
+              </a:rPr>
+              <a:t> </a:t>
+            </a:r>
+            <a:r>
+              <a:rPr lang="nb-NO" dirty="0" err="1">
+                <a:solidFill>
+                  <a:srgbClr val="FF0000"/>
+                </a:solidFill>
+              </a:rPr>
+              <a:t>often</a:t>
+            </a:r>
+            <a:r>
+              <a:rPr lang="nb-NO" dirty="0">
+                <a:solidFill>
+                  <a:srgbClr val="FF0000"/>
+                </a:solidFill>
+              </a:rPr>
+              <a:t> </a:t>
+            </a:r>
+            <a:r>
+              <a:rPr lang="nb-NO" dirty="0" err="1">
+                <a:solidFill>
+                  <a:srgbClr val="FF0000"/>
+                </a:solidFill>
+              </a:rPr>
+              <a:t>means</a:t>
             </a:r>
             <a:r>
               <a:rPr lang="nb-NO" dirty="0">
@@ -7088,127 +7227,47 @@
                   <a:srgbClr val="FF0000"/>
                 </a:solidFill>
               </a:rPr>
-              <a:t>will</a:t>
-            </a:r>
-            <a:r>
-              <a:rPr lang="nb-NO" dirty="0">
-                <a:solidFill>
-                  <a:srgbClr val="FF0000"/>
-                </a:solidFill>
-              </a:rPr>
-              <a:t> </a:t>
-            </a:r>
-            <a:r>
-              <a:rPr lang="nb-NO" dirty="0" err="1">
-                <a:solidFill>
-                  <a:srgbClr val="FF0000"/>
-                </a:solidFill>
-              </a:rPr>
-              <a:t>solve</a:t>
-            </a:r>
-            <a:r>
-              <a:rPr lang="nb-NO" dirty="0">
-                <a:solidFill>
-                  <a:srgbClr val="FF0000"/>
-                </a:solidFill>
-              </a:rPr>
-              <a:t> </a:t>
-            </a:r>
-            <a:r>
-              <a:rPr lang="nb-NO" dirty="0" err="1">
-                <a:solidFill>
-                  <a:srgbClr val="FF0000"/>
-                </a:solidFill>
-              </a:rPr>
-              <a:t>that</a:t>
-            </a:r>
-            <a:r>
-              <a:rPr lang="nb-NO" dirty="0">
-                <a:solidFill>
-                  <a:srgbClr val="FF0000"/>
-                </a:solidFill>
-              </a:rPr>
-              <a:t> </a:t>
-            </a:r>
-            <a:r>
-              <a:rPr lang="nb-NO" dirty="0" err="1">
-                <a:solidFill>
-                  <a:srgbClr val="FF0000"/>
-                </a:solidFill>
-              </a:rPr>
-              <a:t>whole</a:t>
-            </a:r>
-            <a:r>
-              <a:rPr lang="nb-NO" dirty="0">
-                <a:solidFill>
-                  <a:srgbClr val="FF0000"/>
-                </a:solidFill>
-              </a:rPr>
-              <a:t> </a:t>
-            </a:r>
-            <a:r>
-              <a:rPr lang="nb-NO" dirty="0" err="1">
-                <a:solidFill>
-                  <a:srgbClr val="FF0000"/>
-                </a:solidFill>
-              </a:rPr>
-              <a:t>class</a:t>
-            </a:r>
-            <a:r>
-              <a:rPr lang="nb-NO" dirty="0">
-                <a:solidFill>
-                  <a:srgbClr val="FF0000"/>
-                </a:solidFill>
-              </a:rPr>
-              <a:t> </a:t>
-            </a:r>
-            <a:r>
-              <a:rPr lang="nb-NO" dirty="0" err="1">
-                <a:solidFill>
-                  <a:srgbClr val="FF0000"/>
-                </a:solidFill>
-              </a:rPr>
-              <a:t>of</a:t>
-            </a:r>
-            <a:r>
-              <a:rPr lang="nb-NO" dirty="0">
-                <a:solidFill>
-                  <a:srgbClr val="FF0000"/>
-                </a:solidFill>
-              </a:rPr>
-              <a:t> problems, and all </a:t>
-            </a:r>
-            <a:r>
-              <a:rPr lang="nb-NO" dirty="0" err="1">
-                <a:solidFill>
-                  <a:srgbClr val="FF0000"/>
-                </a:solidFill>
-              </a:rPr>
-              <a:t>their</a:t>
-            </a:r>
-            <a:r>
-              <a:rPr lang="nb-NO" dirty="0">
-                <a:solidFill>
-                  <a:srgbClr val="FF0000"/>
-                </a:solidFill>
-              </a:rPr>
-              <a:t> </a:t>
-            </a:r>
-            <a:r>
-              <a:rPr lang="nb-NO" dirty="0" err="1">
-                <a:solidFill>
-                  <a:srgbClr val="FF0000"/>
-                </a:solidFill>
-              </a:rPr>
-              <a:t>varieties</a:t>
-            </a:r>
-            <a:r>
-              <a:rPr lang="nb-NO" dirty="0">
-                <a:solidFill>
-                  <a:srgbClr val="FF0000"/>
-                </a:solidFill>
-              </a:rPr>
-              <a:t>.</a:t>
+              <a:t>property</a:t>
+            </a:r>
+            <a:r>
+              <a:rPr lang="nb-NO" dirty="0">
+                <a:solidFill>
+                  <a:srgbClr val="FF0000"/>
+                </a:solidFill>
+              </a:rPr>
+              <a:t> has </a:t>
+            </a:r>
+            <a:r>
+              <a:rPr lang="nb-NO" dirty="0" err="1">
+                <a:solidFill>
+                  <a:srgbClr val="FF0000"/>
+                </a:solidFill>
+              </a:rPr>
+              <a:t>meaning</a:t>
+            </a:r>
+            <a:r>
+              <a:rPr lang="nb-NO" dirty="0">
+                <a:solidFill>
+                  <a:srgbClr val="FF0000"/>
+                </a:solidFill>
+              </a:rPr>
+              <a:t>, not just a simple </a:t>
+            </a:r>
+            <a:r>
+              <a:rPr lang="nb-NO" dirty="0" err="1">
+                <a:solidFill>
+                  <a:srgbClr val="FF0000"/>
+                </a:solidFill>
+              </a:rPr>
+              <a:t>value</a:t>
+            </a:r>
+            <a:r>
+              <a:rPr lang="nb-NO" dirty="0">
+                <a:solidFill>
+                  <a:srgbClr val="FF0000"/>
+                </a:solidFill>
+              </a:rPr>
+              <a:t>. </a:t>
             </a:r>
           </a:p>
           <a:p>
@@ -7227,135 +7286,215 @@
                   <a:srgbClr val="008000"/>
                 </a:solidFill>
               </a:rPr>
-              <a:t>You</a:t>
-            </a:r>
-            <a:r>
-              <a:rPr lang="nb-NO" dirty="0">
-                <a:solidFill>
-                  <a:srgbClr val="008000"/>
-                </a:solidFill>
-              </a:rPr>
-              <a:t> </a:t>
-            </a:r>
-            <a:r>
-              <a:rPr lang="nb-NO" dirty="0" err="1">
-                <a:solidFill>
-                  <a:srgbClr val="008000"/>
-                </a:solidFill>
-              </a:rPr>
-              <a:t>Aint</a:t>
-            </a:r>
-            <a:r>
-              <a:rPr lang="nb-NO" dirty="0">
-                <a:solidFill>
-                  <a:srgbClr val="008000"/>
-                </a:solidFill>
-              </a:rPr>
-              <a:t> </a:t>
-            </a:r>
-            <a:r>
-              <a:rPr lang="nb-NO" dirty="0" err="1">
-                <a:solidFill>
-                  <a:srgbClr val="008000"/>
-                </a:solidFill>
-              </a:rPr>
-              <a:t>Gonna</a:t>
-            </a:r>
-            <a:r>
-              <a:rPr lang="nb-NO" dirty="0">
-                <a:solidFill>
-                  <a:srgbClr val="008000"/>
-                </a:solidFill>
-              </a:rPr>
-              <a:t> </a:t>
-            </a:r>
-            <a:r>
-              <a:rPr lang="nb-NO" dirty="0" err="1">
-                <a:solidFill>
-                  <a:srgbClr val="008000"/>
-                </a:solidFill>
-              </a:rPr>
-              <a:t>Need</a:t>
-            </a:r>
-            <a:r>
-              <a:rPr lang="nb-NO" dirty="0">
-                <a:solidFill>
-                  <a:srgbClr val="008000"/>
-                </a:solidFill>
-              </a:rPr>
-              <a:t> It. </a:t>
-            </a:r>
-            <a:r>
-              <a:rPr lang="nb-NO" dirty="0" err="1">
-                <a:solidFill>
-                  <a:srgbClr val="008000"/>
-                </a:solidFill>
-              </a:rPr>
-              <a:t>Take</a:t>
-            </a:r>
-            <a:r>
-              <a:rPr lang="nb-NO" dirty="0">
-                <a:solidFill>
-                  <a:srgbClr val="008000"/>
-                </a:solidFill>
-              </a:rPr>
-              <a:t> it </a:t>
-            </a:r>
-            <a:r>
-              <a:rPr lang="nb-NO" dirty="0" err="1">
-                <a:solidFill>
-                  <a:srgbClr val="008000"/>
-                </a:solidFill>
-              </a:rPr>
-              <a:t>out</a:t>
-            </a:r>
-            <a:r>
-              <a:rPr lang="nb-NO" dirty="0">
-                <a:solidFill>
-                  <a:srgbClr val="008000"/>
-                </a:solidFill>
-              </a:rPr>
-              <a:t>. Simple </a:t>
-            </a:r>
-            <a:r>
-              <a:rPr lang="nb-NO" dirty="0" err="1">
-                <a:solidFill>
-                  <a:srgbClr val="008000"/>
-                </a:solidFill>
-              </a:rPr>
-              <a:t>code</a:t>
-            </a:r>
-            <a:r>
-              <a:rPr lang="nb-NO" dirty="0">
-                <a:solidFill>
-                  <a:srgbClr val="008000"/>
-                </a:solidFill>
-              </a:rPr>
-              <a:t> is </a:t>
-            </a:r>
-            <a:r>
-              <a:rPr lang="nb-NO" dirty="0" err="1">
-                <a:solidFill>
-                  <a:srgbClr val="008000"/>
-                </a:solidFill>
-              </a:rPr>
-              <a:t>always</a:t>
-            </a:r>
-            <a:r>
-              <a:rPr lang="nb-NO" dirty="0">
-                <a:solidFill>
-                  <a:srgbClr val="008000"/>
-                </a:solidFill>
-              </a:rPr>
-              <a:t> </a:t>
-            </a:r>
-            <a:r>
-              <a:rPr lang="nb-NO" dirty="0" err="1">
-                <a:solidFill>
-                  <a:srgbClr val="008000"/>
-                </a:solidFill>
-              </a:rPr>
-              <a:t>better</a:t>
+              <a:t>Consider</a:t>
+            </a:r>
+            <a:r>
+              <a:rPr lang="nb-NO" dirty="0">
+                <a:solidFill>
+                  <a:srgbClr val="008000"/>
+                </a:solidFill>
+              </a:rPr>
+              <a:t> </a:t>
+            </a:r>
+            <a:r>
+              <a:rPr lang="nb-NO" dirty="0" err="1">
+                <a:solidFill>
+                  <a:srgbClr val="008000"/>
+                </a:solidFill>
+              </a:rPr>
+              <a:t>replacing</a:t>
+            </a:r>
+            <a:r>
+              <a:rPr lang="nb-NO" dirty="0">
+                <a:solidFill>
+                  <a:srgbClr val="008000"/>
+                </a:solidFill>
+              </a:rPr>
+              <a:t> </a:t>
+            </a:r>
+            <a:r>
+              <a:rPr lang="nb-NO" dirty="0" err="1">
+                <a:solidFill>
+                  <a:srgbClr val="008000"/>
+                </a:solidFill>
+              </a:rPr>
+              <a:t>switch</a:t>
+            </a:r>
+            <a:r>
+              <a:rPr lang="nb-NO" dirty="0">
+                <a:solidFill>
+                  <a:srgbClr val="008000"/>
+                </a:solidFill>
+              </a:rPr>
+              <a:t> statement </a:t>
+            </a:r>
+            <a:r>
+              <a:rPr lang="nb-NO" dirty="0" err="1">
+                <a:solidFill>
+                  <a:srgbClr val="008000"/>
+                </a:solidFill>
+              </a:rPr>
+              <a:t>with</a:t>
+            </a:r>
+            <a:r>
+              <a:rPr lang="nb-NO" dirty="0">
+                <a:solidFill>
+                  <a:srgbClr val="008000"/>
+                </a:solidFill>
+              </a:rPr>
+              <a:t> </a:t>
+            </a:r>
+            <a:r>
+              <a:rPr lang="nb-NO" dirty="0" err="1">
+                <a:solidFill>
+                  <a:srgbClr val="008000"/>
+                </a:solidFill>
+              </a:rPr>
+              <a:t>polymorphism</a:t>
+            </a:r>
+            <a:r>
+              <a:rPr lang="nb-NO" dirty="0">
+                <a:solidFill>
+                  <a:srgbClr val="008000"/>
+                </a:solidFill>
+              </a:rPr>
+              <a:t> – make </a:t>
+            </a:r>
+            <a:r>
+              <a:rPr lang="nb-NO" dirty="0" err="1">
+                <a:solidFill>
+                  <a:srgbClr val="008000"/>
+                </a:solidFill>
+              </a:rPr>
+              <a:t>each</a:t>
+            </a:r>
+            <a:r>
+              <a:rPr lang="nb-NO" dirty="0">
+                <a:solidFill>
+                  <a:srgbClr val="008000"/>
+                </a:solidFill>
+              </a:rPr>
+              <a:t> </a:t>
+            </a:r>
+            <a:r>
+              <a:rPr lang="nb-NO" dirty="0" err="1">
+                <a:solidFill>
+                  <a:srgbClr val="008000"/>
+                </a:solidFill>
+              </a:rPr>
+              <a:t>value</a:t>
+            </a:r>
+            <a:r>
+              <a:rPr lang="nb-NO" dirty="0">
+                <a:solidFill>
+                  <a:srgbClr val="008000"/>
+                </a:solidFill>
+              </a:rPr>
+              <a:t> </a:t>
+            </a:r>
+            <a:r>
+              <a:rPr lang="nb-NO" dirty="0" err="1">
+                <a:solidFill>
+                  <a:srgbClr val="008000"/>
+                </a:solidFill>
+              </a:rPr>
+              <a:t>of</a:t>
+            </a:r>
+            <a:r>
+              <a:rPr lang="nb-NO" dirty="0">
+                <a:solidFill>
+                  <a:srgbClr val="008000"/>
+                </a:solidFill>
+              </a:rPr>
+              <a:t> </a:t>
+            </a:r>
+            <a:r>
+              <a:rPr lang="nb-NO" dirty="0" err="1">
+                <a:solidFill>
+                  <a:srgbClr val="008000"/>
+                </a:solidFill>
+              </a:rPr>
+              <a:t>the</a:t>
+            </a:r>
+            <a:r>
+              <a:rPr lang="nb-NO" dirty="0">
+                <a:solidFill>
+                  <a:srgbClr val="008000"/>
+                </a:solidFill>
+              </a:rPr>
+              <a:t> </a:t>
+            </a:r>
+            <a:r>
+              <a:rPr lang="nb-NO" dirty="0" err="1">
+                <a:solidFill>
+                  <a:srgbClr val="008000"/>
+                </a:solidFill>
+              </a:rPr>
+              <a:t>switching</a:t>
+            </a:r>
+            <a:r>
+              <a:rPr lang="nb-NO" dirty="0">
+                <a:solidFill>
+                  <a:srgbClr val="008000"/>
+                </a:solidFill>
+              </a:rPr>
+              <a:t> </a:t>
+            </a:r>
+            <a:r>
+              <a:rPr lang="nb-NO" dirty="0" err="1">
+                <a:solidFill>
+                  <a:srgbClr val="008000"/>
+                </a:solidFill>
+              </a:rPr>
+              <a:t>property</a:t>
+            </a:r>
+            <a:r>
+              <a:rPr lang="nb-NO" dirty="0">
+                <a:solidFill>
+                  <a:srgbClr val="008000"/>
+                </a:solidFill>
+              </a:rPr>
+              <a:t> </a:t>
+            </a:r>
+            <a:r>
+              <a:rPr lang="nb-NO" dirty="0" err="1">
+                <a:solidFill>
+                  <a:srgbClr val="008000"/>
+                </a:solidFill>
+              </a:rPr>
+              <a:t>determine</a:t>
+            </a:r>
+            <a:r>
+              <a:rPr lang="nb-NO" dirty="0">
+                <a:solidFill>
+                  <a:srgbClr val="008000"/>
+                </a:solidFill>
+              </a:rPr>
+              <a:t> a </a:t>
+            </a:r>
+            <a:r>
+              <a:rPr lang="nb-NO" dirty="0" err="1">
+                <a:solidFill>
+                  <a:srgbClr val="008000"/>
+                </a:solidFill>
+              </a:rPr>
+              <a:t>new</a:t>
+            </a:r>
+            <a:r>
+              <a:rPr lang="nb-NO" dirty="0">
+                <a:solidFill>
+                  <a:srgbClr val="008000"/>
+                </a:solidFill>
+              </a:rPr>
+              <a:t> </a:t>
+            </a:r>
+            <a:r>
+              <a:rPr lang="nb-NO" dirty="0" err="1">
+                <a:solidFill>
+                  <a:srgbClr val="008000"/>
+                </a:solidFill>
+              </a:rPr>
+              <a:t>subclass</a:t>
             </a:r>
             <a:r>
               <a:rPr lang="nb-NO" dirty="0">
@@ -7371,7 +7510,7 @@
     </p:spTree>
     <p:extLst>
       <p:ext uri="{BB962C8B-B14F-4D97-AF65-F5344CB8AC3E}">
-        <p14:creationId xmlns:p14="http://schemas.microsoft.com/office/powerpoint/2010/main" val="2376076922"/>
+        <p14:creationId xmlns:p14="http://schemas.microsoft.com/office/powerpoint/2010/main" val="198965368"/>
       </p:ext>
     </p:extLst>
   </p:cSld>
@@ -7417,7 +7556,7 @@
           <a:p>
             <a:r>
               <a:rPr lang="nb-NO"/>
-              <a:t>Comments</a:t>
+              <a:t>Speculative generality</a:t>
             </a:r>
           </a:p>
         </p:txBody>
@@ -7436,138 +7575,317 @@
         <p:txBody>
           <a:bodyPr/>
           <a:lstStyle/>
+          <a:p>
+            <a:pPr>
+              <a:buFontTx/>
+              <a:buChar char="-"/>
+            </a:pPr>
+            <a:r>
+              <a:rPr lang="nb-NO" dirty="0">
+                <a:solidFill>
+                  <a:srgbClr val="FF0000"/>
+                </a:solidFill>
+              </a:rPr>
+              <a:t>The </a:t>
+            </a:r>
+            <a:r>
+              <a:rPr lang="nb-NO" dirty="0" err="1">
+                <a:solidFill>
+                  <a:srgbClr val="FF0000"/>
+                </a:solidFill>
+              </a:rPr>
+              <a:t>creation</a:t>
+            </a:r>
+            <a:r>
+              <a:rPr lang="nb-NO" dirty="0">
+                <a:solidFill>
+                  <a:srgbClr val="FF0000"/>
+                </a:solidFill>
+              </a:rPr>
+              <a:t> </a:t>
+            </a:r>
+            <a:r>
+              <a:rPr lang="nb-NO" dirty="0" err="1">
+                <a:solidFill>
+                  <a:srgbClr val="FF0000"/>
+                </a:solidFill>
+              </a:rPr>
+              <a:t>of</a:t>
+            </a:r>
+            <a:r>
+              <a:rPr lang="nb-NO" dirty="0">
+                <a:solidFill>
+                  <a:srgbClr val="FF0000"/>
+                </a:solidFill>
+              </a:rPr>
+              <a:t> a </a:t>
+            </a:r>
+            <a:r>
+              <a:rPr lang="nb-NO" dirty="0" err="1">
+                <a:solidFill>
+                  <a:srgbClr val="FF0000"/>
+                </a:solidFill>
+              </a:rPr>
+              <a:t>solution</a:t>
+            </a:r>
+            <a:r>
+              <a:rPr lang="nb-NO" dirty="0">
+                <a:solidFill>
+                  <a:srgbClr val="FF0000"/>
+                </a:solidFill>
+              </a:rPr>
+              <a:t> </a:t>
+            </a:r>
+            <a:r>
+              <a:rPr lang="nb-NO" dirty="0" err="1">
+                <a:solidFill>
+                  <a:srgbClr val="FF0000"/>
+                </a:solidFill>
+              </a:rPr>
+              <a:t>that</a:t>
+            </a:r>
+            <a:r>
+              <a:rPr lang="nb-NO" dirty="0">
+                <a:solidFill>
+                  <a:srgbClr val="FF0000"/>
+                </a:solidFill>
+              </a:rPr>
+              <a:t> </a:t>
+            </a:r>
+            <a:r>
+              <a:rPr lang="nb-NO" dirty="0" err="1">
+                <a:solidFill>
+                  <a:srgbClr val="FF0000"/>
+                </a:solidFill>
+              </a:rPr>
+              <a:t>will</a:t>
+            </a:r>
+            <a:r>
+              <a:rPr lang="nb-NO" dirty="0">
+                <a:solidFill>
+                  <a:srgbClr val="FF0000"/>
+                </a:solidFill>
+              </a:rPr>
+              <a:t> </a:t>
+            </a:r>
+            <a:r>
+              <a:rPr lang="nb-NO" dirty="0" err="1">
+                <a:solidFill>
+                  <a:srgbClr val="FF0000"/>
+                </a:solidFill>
+              </a:rPr>
+              <a:t>solve</a:t>
+            </a:r>
+            <a:r>
+              <a:rPr lang="nb-NO" dirty="0">
+                <a:solidFill>
+                  <a:srgbClr val="FF0000"/>
+                </a:solidFill>
+              </a:rPr>
+              <a:t> </a:t>
+            </a:r>
+            <a:r>
+              <a:rPr lang="nb-NO" dirty="0" err="1">
+                <a:solidFill>
+                  <a:srgbClr val="FF0000"/>
+                </a:solidFill>
+              </a:rPr>
+              <a:t>that</a:t>
+            </a:r>
+            <a:r>
+              <a:rPr lang="nb-NO" dirty="0">
+                <a:solidFill>
+                  <a:srgbClr val="FF0000"/>
+                </a:solidFill>
+              </a:rPr>
+              <a:t> </a:t>
+            </a:r>
+            <a:r>
+              <a:rPr lang="nb-NO" dirty="0" err="1">
+                <a:solidFill>
+                  <a:srgbClr val="FF0000"/>
+                </a:solidFill>
+              </a:rPr>
+              <a:t>whole</a:t>
+            </a:r>
+            <a:r>
+              <a:rPr lang="nb-NO" dirty="0">
+                <a:solidFill>
+                  <a:srgbClr val="FF0000"/>
+                </a:solidFill>
+              </a:rPr>
+              <a:t> </a:t>
+            </a:r>
+            <a:r>
+              <a:rPr lang="nb-NO" dirty="0" err="1">
+                <a:solidFill>
+                  <a:srgbClr val="FF0000"/>
+                </a:solidFill>
+              </a:rPr>
+              <a:t>class</a:t>
+            </a:r>
+            <a:r>
+              <a:rPr lang="nb-NO" dirty="0">
+                <a:solidFill>
+                  <a:srgbClr val="FF0000"/>
+                </a:solidFill>
+              </a:rPr>
+              <a:t> </a:t>
+            </a:r>
+            <a:r>
+              <a:rPr lang="nb-NO" dirty="0" err="1">
+                <a:solidFill>
+                  <a:srgbClr val="FF0000"/>
+                </a:solidFill>
+              </a:rPr>
+              <a:t>of</a:t>
+            </a:r>
+            <a:r>
+              <a:rPr lang="nb-NO" dirty="0">
+                <a:solidFill>
+                  <a:srgbClr val="FF0000"/>
+                </a:solidFill>
+              </a:rPr>
+              <a:t> problems, and all </a:t>
+            </a:r>
+            <a:r>
+              <a:rPr lang="nb-NO" dirty="0" err="1">
+                <a:solidFill>
+                  <a:srgbClr val="FF0000"/>
+                </a:solidFill>
+              </a:rPr>
+              <a:t>their</a:t>
+            </a:r>
+            <a:r>
+              <a:rPr lang="nb-NO" dirty="0">
+                <a:solidFill>
+                  <a:srgbClr val="FF0000"/>
+                </a:solidFill>
+              </a:rPr>
+              <a:t> </a:t>
+            </a:r>
+            <a:r>
+              <a:rPr lang="nb-NO" dirty="0" err="1">
+                <a:solidFill>
+                  <a:srgbClr val="FF0000"/>
+                </a:solidFill>
+              </a:rPr>
+              <a:t>varieties</a:t>
+            </a:r>
+            <a:r>
+              <a:rPr lang="nb-NO" dirty="0">
+                <a:solidFill>
+                  <a:srgbClr val="FF0000"/>
+                </a:solidFill>
+              </a:rPr>
+              <a:t>.</a:t>
+            </a:r>
+          </a:p>
           <a:p>
             <a:pPr marL="0" indent="0">
               <a:buNone/>
             </a:pPr>
-            <a:r>
-              <a:rPr lang="nb-NO" dirty="0">
-                <a:solidFill>
-                  <a:srgbClr val="FF0000"/>
-                </a:solidFill>
-              </a:rPr>
-              <a:t>//</a:t>
-            </a:r>
-            <a:r>
-              <a:rPr lang="nb-NO" dirty="0" err="1">
-                <a:solidFill>
-                  <a:srgbClr val="FF0000"/>
-                </a:solidFill>
-              </a:rPr>
-              <a:t>add</a:t>
-            </a:r>
-            <a:r>
-              <a:rPr lang="nb-NO" dirty="0">
-                <a:solidFill>
-                  <a:srgbClr val="FF0000"/>
-                </a:solidFill>
-              </a:rPr>
-              <a:t> </a:t>
-            </a:r>
-            <a:r>
-              <a:rPr lang="nb-NO" dirty="0" err="1">
-                <a:solidFill>
-                  <a:srgbClr val="FF0000"/>
-                </a:solidFill>
-              </a:rPr>
-              <a:t>two</a:t>
-            </a:r>
-            <a:r>
-              <a:rPr lang="nb-NO" dirty="0">
-                <a:solidFill>
-                  <a:srgbClr val="FF0000"/>
-                </a:solidFill>
-              </a:rPr>
-              <a:t> </a:t>
-            </a:r>
-            <a:r>
-              <a:rPr lang="nb-NO" dirty="0" err="1">
-                <a:solidFill>
-                  <a:srgbClr val="FF0000"/>
-                </a:solidFill>
-              </a:rPr>
-              <a:t>numbers</a:t>
-            </a:r>
-            <a:endParaRPr lang="nb-NO" dirty="0">
-              <a:solidFill>
-                <a:srgbClr val="FF0000"/>
-              </a:solidFill>
-            </a:endParaRPr>
+            <a:endParaRPr lang="nb-NO" dirty="0"/>
           </a:p>
           <a:p>
             <a:pPr marL="0" indent="0">
               <a:buNone/>
             </a:pPr>
             <a:r>
-              <a:rPr lang="nb-NO" dirty="0">
-                <a:solidFill>
-                  <a:srgbClr val="FF0000"/>
-                </a:solidFill>
-              </a:rPr>
-              <a:t>var sum = a * b</a:t>
-            </a:r>
-          </a:p>
-          <a:p>
-            <a:pPr marL="0" indent="0">
-              <a:buNone/>
-            </a:pPr>
-            <a:endParaRPr lang="nb-NO" dirty="0">
-              <a:solidFill>
-                <a:srgbClr val="008000"/>
-              </a:solidFill>
-            </a:endParaRPr>
-          </a:p>
-          <a:p>
-            <a:pPr marL="0" indent="0">
-              <a:buNone/>
-            </a:pPr>
-            <a:r>
-              <a:rPr lang="nb-NO" dirty="0" err="1">
-                <a:solidFill>
-                  <a:srgbClr val="008000"/>
-                </a:solidFill>
-              </a:rPr>
-              <a:t>Comments</a:t>
-            </a:r>
-            <a:r>
-              <a:rPr lang="nb-NO" dirty="0">
-                <a:solidFill>
-                  <a:srgbClr val="008000"/>
-                </a:solidFill>
-              </a:rPr>
-              <a:t> </a:t>
-            </a:r>
-            <a:r>
-              <a:rPr lang="nb-NO" dirty="0" err="1">
-                <a:solidFill>
-                  <a:srgbClr val="008000"/>
-                </a:solidFill>
-              </a:rPr>
-              <a:t>lie</a:t>
-            </a:r>
-            <a:r>
-              <a:rPr lang="nb-NO" dirty="0">
-                <a:solidFill>
-                  <a:srgbClr val="008000"/>
-                </a:solidFill>
-              </a:rPr>
-              <a:t>. Make </a:t>
-            </a:r>
-            <a:r>
-              <a:rPr lang="nb-NO" dirty="0" err="1">
-                <a:solidFill>
-                  <a:srgbClr val="008000"/>
-                </a:solidFill>
-              </a:rPr>
-              <a:t>your</a:t>
-            </a:r>
-            <a:r>
-              <a:rPr lang="nb-NO" dirty="0">
-                <a:solidFill>
-                  <a:srgbClr val="008000"/>
-                </a:solidFill>
-              </a:rPr>
-              <a:t> </a:t>
+              <a:rPr lang="nb-NO" dirty="0" err="1">
+                <a:solidFill>
+                  <a:srgbClr val="008000"/>
+                </a:solidFill>
+              </a:rPr>
+              <a:t>You</a:t>
+            </a:r>
+            <a:r>
+              <a:rPr lang="nb-NO" dirty="0">
+                <a:solidFill>
+                  <a:srgbClr val="008000"/>
+                </a:solidFill>
+              </a:rPr>
+              <a:t> </a:t>
+            </a:r>
+            <a:r>
+              <a:rPr lang="nb-NO" dirty="0" err="1">
+                <a:solidFill>
+                  <a:srgbClr val="008000"/>
+                </a:solidFill>
+              </a:rPr>
+              <a:t>Aint</a:t>
+            </a:r>
+            <a:r>
+              <a:rPr lang="nb-NO" dirty="0">
+                <a:solidFill>
+                  <a:srgbClr val="008000"/>
+                </a:solidFill>
+              </a:rPr>
+              <a:t> </a:t>
+            </a:r>
+            <a:r>
+              <a:rPr lang="nb-NO" dirty="0" err="1">
+                <a:solidFill>
+                  <a:srgbClr val="008000"/>
+                </a:solidFill>
+              </a:rPr>
+              <a:t>Gonna</a:t>
+            </a:r>
+            <a:r>
+              <a:rPr lang="nb-NO" dirty="0">
+                <a:solidFill>
+                  <a:srgbClr val="008000"/>
+                </a:solidFill>
+              </a:rPr>
+              <a:t> </a:t>
+            </a:r>
+            <a:r>
+              <a:rPr lang="nb-NO" dirty="0" err="1">
+                <a:solidFill>
+                  <a:srgbClr val="008000"/>
+                </a:solidFill>
+              </a:rPr>
+              <a:t>Need</a:t>
+            </a:r>
+            <a:r>
+              <a:rPr lang="nb-NO" dirty="0">
+                <a:solidFill>
+                  <a:srgbClr val="008000"/>
+                </a:solidFill>
+              </a:rPr>
+              <a:t> It. </a:t>
+            </a:r>
+            <a:r>
+              <a:rPr lang="nb-NO" dirty="0" err="1">
+                <a:solidFill>
+                  <a:srgbClr val="008000"/>
+                </a:solidFill>
+              </a:rPr>
+              <a:t>Take</a:t>
+            </a:r>
+            <a:r>
+              <a:rPr lang="nb-NO" dirty="0">
+                <a:solidFill>
+                  <a:srgbClr val="008000"/>
+                </a:solidFill>
+              </a:rPr>
+              <a:t> it </a:t>
+            </a:r>
+            <a:r>
+              <a:rPr lang="nb-NO" dirty="0" err="1">
+                <a:solidFill>
+                  <a:srgbClr val="008000"/>
+                </a:solidFill>
+              </a:rPr>
+              <a:t>out</a:t>
+            </a:r>
+            <a:r>
+              <a:rPr lang="nb-NO" dirty="0">
+                <a:solidFill>
+                  <a:srgbClr val="008000"/>
+                </a:solidFill>
+              </a:rPr>
+              <a:t>. Simple </a:t>
             </a:r>
             <a:r>
               <a:rPr lang="nb-NO" dirty="0" err="1">
@@ -7583,151 +7901,31 @@
                   <a:srgbClr val="008000"/>
                 </a:solidFill>
               </a:rPr>
-              <a:t> </a:t>
-            </a:r>
-            <a:r>
-              <a:rPr lang="nb-NO" dirty="0" err="1">
-                <a:solidFill>
-                  <a:srgbClr val="008000"/>
-                </a:solidFill>
-              </a:rPr>
-              <a:t>expressive</a:t>
-            </a:r>
-            <a:r>
-              <a:rPr lang="nb-NO" dirty="0">
-                <a:solidFill>
-                  <a:srgbClr val="008000"/>
-                </a:solidFill>
-              </a:rPr>
-              <a:t> </a:t>
-            </a:r>
-            <a:r>
-              <a:rPr lang="nb-NO" dirty="0" err="1" smtClean="0">
-                <a:solidFill>
-                  <a:srgbClr val="008000"/>
-                </a:solidFill>
-              </a:rPr>
-              <a:t>enough</a:t>
-            </a:r>
-            <a:r>
-              <a:rPr lang="nb-NO" dirty="0" smtClean="0">
-                <a:solidFill>
-                  <a:srgbClr val="008000"/>
-                </a:solidFill>
-              </a:rPr>
-              <a:t> </a:t>
-            </a:r>
-            <a:r>
-              <a:rPr lang="nb-NO" dirty="0">
-                <a:solidFill>
-                  <a:srgbClr val="008000"/>
-                </a:solidFill>
-              </a:rPr>
-              <a:t>to tell </a:t>
-            </a:r>
-            <a:r>
-              <a:rPr lang="nb-NO" dirty="0" err="1">
-                <a:solidFill>
-                  <a:srgbClr val="008000"/>
-                </a:solidFill>
-              </a:rPr>
-              <a:t>the</a:t>
-            </a:r>
-            <a:r>
-              <a:rPr lang="nb-NO" dirty="0">
-                <a:solidFill>
-                  <a:srgbClr val="008000"/>
-                </a:solidFill>
-              </a:rPr>
-              <a:t> </a:t>
-            </a:r>
-            <a:r>
-              <a:rPr lang="nb-NO" dirty="0" err="1">
-                <a:solidFill>
-                  <a:srgbClr val="008000"/>
-                </a:solidFill>
-              </a:rPr>
-              <a:t>truth</a:t>
-            </a:r>
-            <a:r>
-              <a:rPr lang="nb-NO" dirty="0">
-                <a:solidFill>
-                  <a:srgbClr val="008000"/>
-                </a:solidFill>
-              </a:rPr>
-              <a:t> </a:t>
-            </a:r>
-            <a:r>
-              <a:rPr lang="nb-NO" dirty="0" err="1">
-                <a:solidFill>
-                  <a:srgbClr val="008000"/>
-                </a:solidFill>
-              </a:rPr>
-              <a:t>instead</a:t>
-            </a:r>
-            <a:r>
-              <a:rPr lang="nb-NO" dirty="0">
-                <a:solidFill>
-                  <a:srgbClr val="008000"/>
-                </a:solidFill>
-              </a:rPr>
-              <a:t>, by </a:t>
-            </a:r>
-            <a:r>
-              <a:rPr lang="nb-NO" dirty="0" err="1">
-                <a:solidFill>
-                  <a:srgbClr val="008000"/>
-                </a:solidFill>
-              </a:rPr>
-              <a:t>paying</a:t>
-            </a:r>
-            <a:r>
-              <a:rPr lang="nb-NO" dirty="0">
-                <a:solidFill>
-                  <a:srgbClr val="008000"/>
-                </a:solidFill>
-              </a:rPr>
-              <a:t> </a:t>
-            </a:r>
-            <a:r>
-              <a:rPr lang="nb-NO" dirty="0" err="1">
-                <a:solidFill>
-                  <a:srgbClr val="008000"/>
-                </a:solidFill>
-              </a:rPr>
-              <a:t>attention</a:t>
-            </a:r>
-            <a:r>
-              <a:rPr lang="nb-NO" dirty="0">
-                <a:solidFill>
-                  <a:srgbClr val="008000"/>
-                </a:solidFill>
-              </a:rPr>
-              <a:t> to </a:t>
-            </a:r>
-            <a:r>
-              <a:rPr lang="nb-NO" dirty="0" err="1">
-                <a:solidFill>
-                  <a:srgbClr val="008000"/>
-                </a:solidFill>
-              </a:rPr>
-              <a:t>good</a:t>
-            </a:r>
-            <a:r>
-              <a:rPr lang="nb-NO" dirty="0">
-                <a:solidFill>
-                  <a:srgbClr val="008000"/>
-                </a:solidFill>
-              </a:rPr>
-              <a:t> </a:t>
-            </a:r>
-            <a:r>
-              <a:rPr lang="nb-NO" dirty="0" err="1">
-                <a:solidFill>
-                  <a:srgbClr val="008000"/>
-                </a:solidFill>
-              </a:rPr>
-              <a:t>naming</a:t>
+              <a:t> is </a:t>
+            </a:r>
+            <a:r>
+              <a:rPr lang="nb-NO" dirty="0" err="1">
+                <a:solidFill>
+                  <a:srgbClr val="008000"/>
+                </a:solidFill>
+              </a:rPr>
+              <a:t>always</a:t>
+            </a:r>
+            <a:r>
+              <a:rPr lang="nb-NO" dirty="0">
+                <a:solidFill>
+                  <a:srgbClr val="008000"/>
+                </a:solidFill>
+              </a:rPr>
+              <a:t> </a:t>
+            </a:r>
+            <a:r>
+              <a:rPr lang="nb-NO" dirty="0" err="1">
+                <a:solidFill>
+                  <a:srgbClr val="008000"/>
+                </a:solidFill>
+              </a:rPr>
+              <a:t>better</a:t>
             </a:r>
             <a:r>
               <a:rPr lang="nb-NO" dirty="0">
@@ -7743,7 +7941,7 @@
     </p:spTree>
     <p:extLst>
       <p:ext uri="{BB962C8B-B14F-4D97-AF65-F5344CB8AC3E}">
-        <p14:creationId xmlns:p14="http://schemas.microsoft.com/office/powerpoint/2010/main" val="2091654884"/>
+        <p14:creationId xmlns:p14="http://schemas.microsoft.com/office/powerpoint/2010/main" val="2376076922"/>
       </p:ext>
     </p:extLst>
   </p:cSld>
@@ -7782,6 +7980,437 @@
         </p:nvSpPr>
         <p:spPr/>
         <p:txBody>
+          <a:bodyPr>
+            <a:normAutofit/>
+          </a:bodyPr>
+          <a:lstStyle/>
+          <a:p>
+            <a:r>
+              <a:rPr lang="nb-NO"/>
+              <a:t>Comments</a:t>
+            </a:r>
+          </a:p>
+        </p:txBody>
+      </p:sp>
+      <p:sp>
+        <p:nvSpPr>
+          <p:cNvPr id="3" name="Content Placeholder 2"/>
+          <p:cNvSpPr>
+            <a:spLocks noGrp="1"/>
+          </p:cNvSpPr>
+          <p:nvPr>
+            <p:ph idx="1"/>
+          </p:nvPr>
+        </p:nvSpPr>
+        <p:spPr/>
+        <p:txBody>
+          <a:bodyPr/>
+          <a:lstStyle/>
+          <a:p>
+            <a:pPr marL="0" indent="0">
+              <a:buNone/>
+            </a:pPr>
+            <a:r>
+              <a:rPr lang="nb-NO" dirty="0">
+                <a:solidFill>
+                  <a:srgbClr val="FF0000"/>
+                </a:solidFill>
+              </a:rPr>
+              <a:t>//</a:t>
+            </a:r>
+            <a:r>
+              <a:rPr lang="nb-NO" dirty="0" err="1">
+                <a:solidFill>
+                  <a:srgbClr val="FF0000"/>
+                </a:solidFill>
+              </a:rPr>
+              <a:t>add</a:t>
+            </a:r>
+            <a:r>
+              <a:rPr lang="nb-NO" dirty="0">
+                <a:solidFill>
+                  <a:srgbClr val="FF0000"/>
+                </a:solidFill>
+              </a:rPr>
+              <a:t> </a:t>
+            </a:r>
+            <a:r>
+              <a:rPr lang="nb-NO" dirty="0" err="1">
+                <a:solidFill>
+                  <a:srgbClr val="FF0000"/>
+                </a:solidFill>
+              </a:rPr>
+              <a:t>two</a:t>
+            </a:r>
+            <a:r>
+              <a:rPr lang="nb-NO" dirty="0">
+                <a:solidFill>
+                  <a:srgbClr val="FF0000"/>
+                </a:solidFill>
+              </a:rPr>
+              <a:t> </a:t>
+            </a:r>
+            <a:r>
+              <a:rPr lang="nb-NO" dirty="0" err="1">
+                <a:solidFill>
+                  <a:srgbClr val="FF0000"/>
+                </a:solidFill>
+              </a:rPr>
+              <a:t>numbers</a:t>
+            </a:r>
+            <a:endParaRPr lang="nb-NO" dirty="0">
+              <a:solidFill>
+                <a:srgbClr val="FF0000"/>
+              </a:solidFill>
+            </a:endParaRPr>
+          </a:p>
+          <a:p>
+            <a:pPr marL="0" indent="0">
+              <a:buNone/>
+            </a:pPr>
+            <a:r>
+              <a:rPr lang="nb-NO" dirty="0">
+                <a:solidFill>
+                  <a:srgbClr val="FF0000"/>
+                </a:solidFill>
+              </a:rPr>
+              <a:t>var sum = a * b</a:t>
+            </a:r>
+          </a:p>
+          <a:p>
+            <a:pPr marL="0" indent="0">
+              <a:buNone/>
+            </a:pPr>
+            <a:endParaRPr lang="nb-NO" dirty="0">
+              <a:solidFill>
+                <a:srgbClr val="008000"/>
+              </a:solidFill>
+            </a:endParaRPr>
+          </a:p>
+          <a:p>
+            <a:pPr marL="0" indent="0">
+              <a:buNone/>
+            </a:pPr>
+            <a:r>
+              <a:rPr lang="nb-NO" dirty="0" err="1">
+                <a:solidFill>
+                  <a:srgbClr val="008000"/>
+                </a:solidFill>
+              </a:rPr>
+              <a:t>Comments</a:t>
+            </a:r>
+            <a:r>
+              <a:rPr lang="nb-NO" dirty="0">
+                <a:solidFill>
+                  <a:srgbClr val="008000"/>
+                </a:solidFill>
+              </a:rPr>
+              <a:t> </a:t>
+            </a:r>
+            <a:r>
+              <a:rPr lang="nb-NO" dirty="0" err="1">
+                <a:solidFill>
+                  <a:srgbClr val="008000"/>
+                </a:solidFill>
+              </a:rPr>
+              <a:t>lie</a:t>
+            </a:r>
+            <a:r>
+              <a:rPr lang="nb-NO" dirty="0">
+                <a:solidFill>
+                  <a:srgbClr val="008000"/>
+                </a:solidFill>
+              </a:rPr>
+              <a:t>. Make </a:t>
+            </a:r>
+            <a:r>
+              <a:rPr lang="nb-NO" dirty="0" err="1">
+                <a:solidFill>
+                  <a:srgbClr val="008000"/>
+                </a:solidFill>
+              </a:rPr>
+              <a:t>your</a:t>
+            </a:r>
+            <a:r>
+              <a:rPr lang="nb-NO" dirty="0">
+                <a:solidFill>
+                  <a:srgbClr val="008000"/>
+                </a:solidFill>
+              </a:rPr>
+              <a:t> </a:t>
+            </a:r>
+            <a:r>
+              <a:rPr lang="nb-NO" dirty="0" err="1">
+                <a:solidFill>
+                  <a:srgbClr val="008000"/>
+                </a:solidFill>
+              </a:rPr>
+              <a:t>code</a:t>
+            </a:r>
+            <a:r>
+              <a:rPr lang="nb-NO" dirty="0">
+                <a:solidFill>
+                  <a:srgbClr val="008000"/>
+                </a:solidFill>
+              </a:rPr>
+              <a:t> </a:t>
+            </a:r>
+            <a:r>
+              <a:rPr lang="nb-NO" dirty="0" err="1">
+                <a:solidFill>
+                  <a:srgbClr val="008000"/>
+                </a:solidFill>
+              </a:rPr>
+              <a:t>expressive</a:t>
+            </a:r>
+            <a:r>
+              <a:rPr lang="nb-NO" dirty="0">
+                <a:solidFill>
+                  <a:srgbClr val="008000"/>
+                </a:solidFill>
+              </a:rPr>
+              <a:t> </a:t>
+            </a:r>
+            <a:r>
+              <a:rPr lang="nb-NO" dirty="0" err="1" smtClean="0">
+                <a:solidFill>
+                  <a:srgbClr val="008000"/>
+                </a:solidFill>
+              </a:rPr>
+              <a:t>enough</a:t>
+            </a:r>
+            <a:r>
+              <a:rPr lang="nb-NO" dirty="0" smtClean="0">
+                <a:solidFill>
+                  <a:srgbClr val="008000"/>
+                </a:solidFill>
+              </a:rPr>
+              <a:t> </a:t>
+            </a:r>
+            <a:r>
+              <a:rPr lang="nb-NO" dirty="0">
+                <a:solidFill>
+                  <a:srgbClr val="008000"/>
+                </a:solidFill>
+              </a:rPr>
+              <a:t>to tell </a:t>
+            </a:r>
+            <a:r>
+              <a:rPr lang="nb-NO" dirty="0" err="1">
+                <a:solidFill>
+                  <a:srgbClr val="008000"/>
+                </a:solidFill>
+              </a:rPr>
+              <a:t>the</a:t>
+            </a:r>
+            <a:r>
+              <a:rPr lang="nb-NO" dirty="0">
+                <a:solidFill>
+                  <a:srgbClr val="008000"/>
+                </a:solidFill>
+              </a:rPr>
+              <a:t> </a:t>
+            </a:r>
+            <a:r>
+              <a:rPr lang="nb-NO" dirty="0" err="1">
+                <a:solidFill>
+                  <a:srgbClr val="008000"/>
+                </a:solidFill>
+              </a:rPr>
+              <a:t>truth</a:t>
+            </a:r>
+            <a:r>
+              <a:rPr lang="nb-NO" dirty="0">
+                <a:solidFill>
+                  <a:srgbClr val="008000"/>
+                </a:solidFill>
+              </a:rPr>
+              <a:t> </a:t>
+            </a:r>
+            <a:r>
+              <a:rPr lang="nb-NO" dirty="0" err="1">
+                <a:solidFill>
+                  <a:srgbClr val="008000"/>
+                </a:solidFill>
+              </a:rPr>
+              <a:t>instead</a:t>
+            </a:r>
+            <a:r>
+              <a:rPr lang="nb-NO" dirty="0">
+                <a:solidFill>
+                  <a:srgbClr val="008000"/>
+                </a:solidFill>
+              </a:rPr>
+              <a:t>, by </a:t>
+            </a:r>
+            <a:r>
+              <a:rPr lang="nb-NO" dirty="0" err="1">
+                <a:solidFill>
+                  <a:srgbClr val="008000"/>
+                </a:solidFill>
+              </a:rPr>
+              <a:t>paying</a:t>
+            </a:r>
+            <a:r>
+              <a:rPr lang="nb-NO" dirty="0">
+                <a:solidFill>
+                  <a:srgbClr val="008000"/>
+                </a:solidFill>
+              </a:rPr>
+              <a:t> </a:t>
+            </a:r>
+            <a:r>
+              <a:rPr lang="nb-NO" dirty="0" err="1">
+                <a:solidFill>
+                  <a:srgbClr val="008000"/>
+                </a:solidFill>
+              </a:rPr>
+              <a:t>attention</a:t>
+            </a:r>
+            <a:r>
+              <a:rPr lang="nb-NO" dirty="0">
+                <a:solidFill>
+                  <a:srgbClr val="008000"/>
+                </a:solidFill>
+              </a:rPr>
+              <a:t> to </a:t>
+            </a:r>
+            <a:r>
+              <a:rPr lang="nb-NO" dirty="0" err="1">
+                <a:solidFill>
+                  <a:srgbClr val="008000"/>
+                </a:solidFill>
+              </a:rPr>
+              <a:t>good</a:t>
+            </a:r>
+            <a:r>
+              <a:rPr lang="nb-NO" dirty="0">
+                <a:solidFill>
+                  <a:srgbClr val="008000"/>
+                </a:solidFill>
+              </a:rPr>
+              <a:t> </a:t>
+            </a:r>
+            <a:r>
+              <a:rPr lang="nb-NO" dirty="0" err="1">
+                <a:solidFill>
+                  <a:srgbClr val="008000"/>
+                </a:solidFill>
+              </a:rPr>
+              <a:t>naming</a:t>
+            </a:r>
+            <a:r>
+              <a:rPr lang="nb-NO" dirty="0">
+                <a:solidFill>
+                  <a:srgbClr val="008000"/>
+                </a:solidFill>
+              </a:rPr>
+              <a:t>.</a:t>
+            </a:r>
+          </a:p>
+        </p:txBody>
+      </p:sp>
+    </p:spTree>
+    <p:extLst>
+      <p:ext uri="{BB962C8B-B14F-4D97-AF65-F5344CB8AC3E}">
+        <p14:creationId xmlns:p14="http://schemas.microsoft.com/office/powerpoint/2010/main" val="2091654884"/>
+      </p:ext>
+    </p:extLst>
+  </p:cSld>
+  <p:clrMapOvr>
+    <a:masterClrMapping/>
+  </p:clrMapOvr>
+</p:sld>
+</file>
+
+<file path=ppt/slides/slide17.xml><?xml version="1.0" encoding="utf-8"?>
+<p:sld xmlns:a="http://schemas.openxmlformats.org/drawingml/2006/main" xmlns:r="http://schemas.openxmlformats.org/officeDocument/2006/relationships" xmlns:p="http://schemas.openxmlformats.org/presentationml/2006/main">
+  <p:cSld>
+    <p:spTree>
+      <p:nvGrpSpPr>
+        <p:cNvPr id="1" name=""/>
+        <p:cNvGrpSpPr/>
+        <p:nvPr/>
+      </p:nvGrpSpPr>
+      <p:grpSpPr>
+        <a:xfrm>
+          <a:off x="0" y="0"/>
+          <a:ext cx="0" cy="0"/>
+          <a:chOff x="0" y="0"/>
+          <a:chExt cx="0" cy="0"/>
+        </a:xfrm>
+      </p:grpSpPr>
+      <p:pic>
+        <p:nvPicPr>
+          <p:cNvPr id="5" name="Content Placeholder 4"/>
+          <p:cNvPicPr>
+            <a:picLocks noGrp="1" noChangeAspect="1"/>
+          </p:cNvPicPr>
+          <p:nvPr>
+            <p:ph idx="1"/>
+          </p:nvPr>
+        </p:nvPicPr>
+        <p:blipFill>
+          <a:blip r:embed="rId3">
+            <a:extLst>
+              <a:ext uri="{28A0092B-C50C-407E-A947-70E740481C1C}">
+                <a14:useLocalDpi xmlns:a14="http://schemas.microsoft.com/office/drawing/2010/main" val="0"/>
+              </a:ext>
+            </a:extLst>
+          </a:blip>
+          <a:stretch>
+            <a:fillRect/>
+          </a:stretch>
+        </p:blipFill>
+        <p:spPr>
+          <a:xfrm>
+            <a:off x="3086100" y="63974"/>
+            <a:ext cx="2562726" cy="6552481"/>
+          </a:xfrm>
+        </p:spPr>
+      </p:pic>
+    </p:spTree>
+    <p:extLst>
+      <p:ext uri="{BB962C8B-B14F-4D97-AF65-F5344CB8AC3E}">
+        <p14:creationId xmlns:p14="http://schemas.microsoft.com/office/powerpoint/2010/main" val="237858226"/>
+      </p:ext>
+    </p:extLst>
+  </p:cSld>
+  <p:clrMapOvr>
+    <a:masterClrMapping/>
+  </p:clrMapOvr>
+</p:sld>
+</file>
+
+<file path=ppt/slides/slide18.xml><?xml version="1.0" encoding="utf-8"?>
+<p:sld xmlns:a="http://schemas.openxmlformats.org/drawingml/2006/main" xmlns:r="http://schemas.openxmlformats.org/officeDocument/2006/relationships" xmlns:p="http://schemas.openxmlformats.org/presentationml/2006/main">
+  <p:cSld>
+    <p:spTree>
+      <p:nvGrpSpPr>
+        <p:cNvPr id="1" name=""/>
+        <p:cNvGrpSpPr/>
+        <p:nvPr/>
+      </p:nvGrpSpPr>
+      <p:grpSpPr>
+        <a:xfrm>
+          <a:off x="0" y="0"/>
+          <a:ext cx="0" cy="0"/>
+          <a:chOff x="0" y="0"/>
+          <a:chExt cx="0" cy="0"/>
+        </a:xfrm>
+      </p:grpSpPr>
+      <p:sp>
+        <p:nvSpPr>
+          <p:cNvPr id="2" name="Title 1"/>
+          <p:cNvSpPr>
+            <a:spLocks noGrp="1"/>
+          </p:cNvSpPr>
+          <p:nvPr>
+            <p:ph type="title"/>
+          </p:nvPr>
+        </p:nvSpPr>
+        <p:spPr/>
+        <p:txBody>
           <a:bodyPr/>
           <a:lstStyle/>
           <a:p>
@@ -7851,7 +8480,7 @@
 </p:sld>
 </file>
 
-<file path=ppt/slides/slide17.xml><?xml version="1.0" encoding="utf-8"?>
+<file path=ppt/slides/slide19.xml><?xml version="1.0" encoding="utf-8"?>
 <p:sld xmlns:a="http://schemas.openxmlformats.org/drawingml/2006/main" xmlns:r="http://schemas.openxmlformats.org/officeDocument/2006/relationships" xmlns:p="http://schemas.openxmlformats.org/presentationml/2006/main">
   <p:cSld>
     <p:spTree>
@@ -9531,439 +10160,39 @@
           <a:chExt cx="0" cy="0"/>
         </a:xfrm>
       </p:grpSpPr>
-      <p:sp>
-        <p:nvSpPr>
-          <p:cNvPr id="2" name="Title 1"/>
-          <p:cNvSpPr>
-            <a:spLocks noGrp="1"/>
-          </p:cNvSpPr>
-          <p:nvPr>
-            <p:ph type="title"/>
-          </p:nvPr>
-        </p:nvSpPr>
-        <p:spPr/>
-        <p:txBody>
-          <a:bodyPr>
-            <a:normAutofit/>
-          </a:bodyPr>
-          <a:lstStyle/>
-          <a:p>
-            <a:r>
-              <a:rPr lang="nb-NO"/>
-              <a:t>Data clumps</a:t>
-            </a:r>
-          </a:p>
-        </p:txBody>
-      </p:sp>
-      <p:sp>
-        <p:nvSpPr>
-          <p:cNvPr id="3" name="Content Placeholder 2"/>
-          <p:cNvSpPr>
-            <a:spLocks noGrp="1"/>
-          </p:cNvSpPr>
+      <p:pic>
+        <p:nvPicPr>
+          <p:cNvPr id="6" name="Content Placeholder 5"/>
+          <p:cNvPicPr>
+            <a:picLocks noGrp="1" noChangeAspect="1"/>
+          </p:cNvPicPr>
           <p:nvPr>
             <p:ph idx="1"/>
           </p:nvPr>
-        </p:nvSpPr>
-        <p:spPr/>
-        <p:txBody>
-          <a:bodyPr/>
-          <a:lstStyle/>
-          <a:p>
-            <a:pPr>
-              <a:buFontTx/>
-              <a:buChar char="-"/>
-            </a:pPr>
-            <a:r>
-              <a:rPr lang="nb-NO" dirty="0">
-                <a:solidFill>
-                  <a:srgbClr val="FF0000"/>
-                </a:solidFill>
-              </a:rPr>
-              <a:t>A </a:t>
-            </a:r>
-            <a:r>
-              <a:rPr lang="nb-NO" dirty="0" err="1">
-                <a:solidFill>
-                  <a:srgbClr val="FF0000"/>
-                </a:solidFill>
-              </a:rPr>
-              <a:t>specific</a:t>
-            </a:r>
-            <a:r>
-              <a:rPr lang="nb-NO" dirty="0">
-                <a:solidFill>
-                  <a:srgbClr val="FF0000"/>
-                </a:solidFill>
-              </a:rPr>
-              <a:t> type </a:t>
-            </a:r>
-            <a:r>
-              <a:rPr lang="nb-NO" dirty="0" err="1">
-                <a:solidFill>
-                  <a:srgbClr val="FF0000"/>
-                </a:solidFill>
-              </a:rPr>
-              <a:t>of</a:t>
-            </a:r>
-            <a:r>
-              <a:rPr lang="nb-NO" dirty="0">
-                <a:solidFill>
-                  <a:srgbClr val="FF0000"/>
-                </a:solidFill>
-              </a:rPr>
-              <a:t> </a:t>
-            </a:r>
-            <a:r>
-              <a:rPr lang="nb-NO" dirty="0" err="1">
-                <a:solidFill>
-                  <a:srgbClr val="FF0000"/>
-                </a:solidFill>
-              </a:rPr>
-              <a:t>duplication</a:t>
-            </a:r>
-            <a:endParaRPr lang="nb-NO" dirty="0">
-              <a:solidFill>
-                <a:srgbClr val="FF0000"/>
-              </a:solidFill>
-            </a:endParaRPr>
-          </a:p>
-          <a:p>
-            <a:pPr>
-              <a:buFontTx/>
-              <a:buChar char="-"/>
-            </a:pPr>
-            <a:r>
-              <a:rPr lang="nb-NO" dirty="0">
-                <a:solidFill>
-                  <a:srgbClr val="FF0000"/>
-                </a:solidFill>
-              </a:rPr>
-              <a:t>The same or </a:t>
-            </a:r>
-            <a:r>
-              <a:rPr lang="nb-NO" dirty="0" err="1">
-                <a:solidFill>
-                  <a:srgbClr val="FF0000"/>
-                </a:solidFill>
-              </a:rPr>
-              <a:t>similar</a:t>
-            </a:r>
-            <a:r>
-              <a:rPr lang="nb-NO" dirty="0">
-                <a:solidFill>
-                  <a:srgbClr val="FF0000"/>
-                </a:solidFill>
-              </a:rPr>
-              <a:t> </a:t>
-            </a:r>
-            <a:r>
-              <a:rPr lang="nb-NO" dirty="0" err="1">
-                <a:solidFill>
-                  <a:srgbClr val="FF0000"/>
-                </a:solidFill>
-              </a:rPr>
-              <a:t>group</a:t>
-            </a:r>
-            <a:r>
-              <a:rPr lang="nb-NO" dirty="0">
-                <a:solidFill>
-                  <a:srgbClr val="FF0000"/>
-                </a:solidFill>
-              </a:rPr>
-              <a:t> </a:t>
-            </a:r>
-            <a:r>
-              <a:rPr lang="nb-NO" dirty="0" err="1">
-                <a:solidFill>
-                  <a:srgbClr val="FF0000"/>
-                </a:solidFill>
-              </a:rPr>
-              <a:t>of</a:t>
-            </a:r>
-            <a:r>
-              <a:rPr lang="nb-NO" dirty="0">
-                <a:solidFill>
-                  <a:srgbClr val="FF0000"/>
-                </a:solidFill>
-              </a:rPr>
-              <a:t> </a:t>
-            </a:r>
-            <a:r>
-              <a:rPr lang="nb-NO" dirty="0" err="1">
-                <a:solidFill>
-                  <a:srgbClr val="FF0000"/>
-                </a:solidFill>
-              </a:rPr>
-              <a:t>fields</a:t>
-            </a:r>
-            <a:r>
-              <a:rPr lang="nb-NO" dirty="0">
-                <a:solidFill>
-                  <a:srgbClr val="FF0000"/>
-                </a:solidFill>
-              </a:rPr>
-              <a:t> </a:t>
-            </a:r>
-            <a:r>
-              <a:rPr lang="nb-NO" dirty="0" err="1">
-                <a:solidFill>
-                  <a:srgbClr val="FF0000"/>
-                </a:solidFill>
-              </a:rPr>
-              <a:t>can</a:t>
-            </a:r>
-            <a:r>
-              <a:rPr lang="nb-NO" dirty="0">
-                <a:solidFill>
-                  <a:srgbClr val="FF0000"/>
-                </a:solidFill>
-              </a:rPr>
-              <a:t> be </a:t>
-            </a:r>
-            <a:r>
-              <a:rPr lang="nb-NO" dirty="0" err="1">
-                <a:solidFill>
-                  <a:srgbClr val="FF0000"/>
-                </a:solidFill>
-              </a:rPr>
-              <a:t>spotted</a:t>
-            </a:r>
-            <a:r>
-              <a:rPr lang="nb-NO" dirty="0">
-                <a:solidFill>
-                  <a:srgbClr val="FF0000"/>
-                </a:solidFill>
-              </a:rPr>
-              <a:t> in different </a:t>
-            </a:r>
-            <a:r>
-              <a:rPr lang="nb-NO" dirty="0" err="1">
-                <a:solidFill>
-                  <a:srgbClr val="FF0000"/>
-                </a:solidFill>
-              </a:rPr>
-              <a:t>classes</a:t>
-            </a:r>
-            <a:r>
-              <a:rPr lang="nb-NO" dirty="0">
-                <a:solidFill>
-                  <a:srgbClr val="FF0000"/>
-                </a:solidFill>
-              </a:rPr>
-              <a:t>. </a:t>
-            </a:r>
-          </a:p>
-          <a:p>
-            <a:pPr marL="0" indent="0">
-              <a:buNone/>
-            </a:pPr>
-            <a:endParaRPr lang="nb-NO" dirty="0">
-              <a:solidFill>
-                <a:srgbClr val="008000"/>
-              </a:solidFill>
-            </a:endParaRPr>
-          </a:p>
-          <a:p>
-            <a:pPr marL="0" indent="0">
-              <a:buNone/>
-            </a:pPr>
-            <a:r>
-              <a:rPr lang="nb-NO" dirty="0" err="1" smtClean="0">
-                <a:solidFill>
-                  <a:srgbClr val="008000"/>
-                </a:solidFill>
-              </a:rPr>
-              <a:t>Extract</a:t>
-            </a:r>
-            <a:r>
-              <a:rPr lang="nb-NO" dirty="0" smtClean="0">
-                <a:solidFill>
-                  <a:srgbClr val="008000"/>
-                </a:solidFill>
-              </a:rPr>
-              <a:t> </a:t>
-            </a:r>
-            <a:r>
-              <a:rPr lang="nb-NO" dirty="0" err="1" smtClean="0">
-                <a:solidFill>
-                  <a:srgbClr val="008000"/>
-                </a:solidFill>
-              </a:rPr>
-              <a:t>the</a:t>
-            </a:r>
-            <a:r>
-              <a:rPr lang="nb-NO" dirty="0" smtClean="0">
-                <a:solidFill>
-                  <a:srgbClr val="008000"/>
-                </a:solidFill>
-              </a:rPr>
-              <a:t> </a:t>
-            </a:r>
-            <a:r>
-              <a:rPr lang="nb-NO" dirty="0" err="1">
-                <a:solidFill>
-                  <a:srgbClr val="008000"/>
-                </a:solidFill>
-              </a:rPr>
-              <a:t>clump</a:t>
-            </a:r>
-            <a:r>
-              <a:rPr lang="nb-NO" dirty="0">
-                <a:solidFill>
-                  <a:srgbClr val="008000"/>
-                </a:solidFill>
-              </a:rPr>
-              <a:t> </a:t>
-            </a:r>
-            <a:r>
-              <a:rPr lang="nb-NO" dirty="0" err="1">
-                <a:solidFill>
-                  <a:srgbClr val="008000"/>
-                </a:solidFill>
-              </a:rPr>
-              <a:t>into</a:t>
-            </a:r>
-            <a:r>
-              <a:rPr lang="nb-NO" dirty="0">
-                <a:solidFill>
-                  <a:srgbClr val="008000"/>
-                </a:solidFill>
-              </a:rPr>
-              <a:t> </a:t>
-            </a:r>
-            <a:r>
-              <a:rPr lang="nb-NO" dirty="0" smtClean="0">
-                <a:solidFill>
-                  <a:srgbClr val="008000"/>
-                </a:solidFill>
-              </a:rPr>
-              <a:t>a </a:t>
-            </a:r>
-            <a:r>
-              <a:rPr lang="nb-NO" dirty="0" err="1" smtClean="0">
-                <a:solidFill>
-                  <a:srgbClr val="008000"/>
-                </a:solidFill>
-              </a:rPr>
-              <a:t>class</a:t>
-            </a:r>
-            <a:r>
-              <a:rPr lang="nb-NO" dirty="0" smtClean="0">
-                <a:solidFill>
-                  <a:srgbClr val="008000"/>
-                </a:solidFill>
-              </a:rPr>
-              <a:t> </a:t>
-            </a:r>
-            <a:r>
-              <a:rPr lang="nb-NO" dirty="0" err="1" smtClean="0">
-                <a:solidFill>
-                  <a:srgbClr val="008000"/>
-                </a:solidFill>
-              </a:rPr>
-              <a:t>with</a:t>
-            </a:r>
-            <a:r>
-              <a:rPr lang="nb-NO" dirty="0" smtClean="0">
-                <a:solidFill>
-                  <a:srgbClr val="008000"/>
-                </a:solidFill>
-              </a:rPr>
-              <a:t> </a:t>
-            </a:r>
-            <a:r>
-              <a:rPr lang="nb-NO" dirty="0" err="1" smtClean="0">
-                <a:solidFill>
-                  <a:srgbClr val="008000"/>
-                </a:solidFill>
-              </a:rPr>
-              <a:t>the</a:t>
-            </a:r>
-            <a:r>
-              <a:rPr lang="nb-NO" dirty="0" smtClean="0">
-                <a:solidFill>
-                  <a:srgbClr val="008000"/>
-                </a:solidFill>
-              </a:rPr>
-              <a:t> </a:t>
-            </a:r>
-            <a:r>
-              <a:rPr lang="nb-NO" dirty="0" err="1" smtClean="0">
-                <a:solidFill>
-                  <a:srgbClr val="008000"/>
-                </a:solidFill>
-              </a:rPr>
-              <a:t>methods</a:t>
-            </a:r>
-            <a:r>
-              <a:rPr lang="nb-NO" dirty="0" smtClean="0">
-                <a:solidFill>
-                  <a:srgbClr val="008000"/>
-                </a:solidFill>
-              </a:rPr>
-              <a:t> from </a:t>
-            </a:r>
-            <a:r>
-              <a:rPr lang="nb-NO" dirty="0" err="1" smtClean="0">
-                <a:solidFill>
-                  <a:srgbClr val="008000"/>
-                </a:solidFill>
-              </a:rPr>
-              <a:t>the</a:t>
-            </a:r>
-            <a:r>
-              <a:rPr lang="nb-NO" dirty="0" smtClean="0">
-                <a:solidFill>
-                  <a:srgbClr val="008000"/>
-                </a:solidFill>
-              </a:rPr>
-              <a:t> different </a:t>
-            </a:r>
-            <a:r>
-              <a:rPr lang="nb-NO" dirty="0" err="1" smtClean="0">
-                <a:solidFill>
-                  <a:srgbClr val="008000"/>
-                </a:solidFill>
-              </a:rPr>
-              <a:t>classes</a:t>
-            </a:r>
-            <a:r>
-              <a:rPr lang="nb-NO" dirty="0" smtClean="0">
-                <a:solidFill>
-                  <a:srgbClr val="008000"/>
-                </a:solidFill>
-              </a:rPr>
-              <a:t>. </a:t>
-            </a:r>
-            <a:endParaRPr lang="nb-NO" dirty="0" smtClean="0">
-              <a:solidFill>
-                <a:srgbClr val="008000"/>
-              </a:solidFill>
-            </a:endParaRPr>
-          </a:p>
-          <a:p>
-            <a:pPr marL="0" indent="0">
-              <a:buNone/>
-            </a:pPr>
-            <a:endParaRPr lang="nb-NO" dirty="0">
-              <a:solidFill>
-                <a:srgbClr val="008000"/>
-              </a:solidFill>
-            </a:endParaRPr>
-          </a:p>
-          <a:p>
-            <a:pPr marL="0" indent="0">
-              <a:buNone/>
-            </a:pPr>
-            <a:endParaRPr lang="nb-NO" dirty="0"/>
-          </a:p>
-        </p:txBody>
-      </p:sp>
+        </p:nvPicPr>
+        <p:blipFill>
+          <a:blip r:embed="rId2">
+            <a:extLst>
+              <a:ext uri="{28A0092B-C50C-407E-A947-70E740481C1C}">
+                <a14:useLocalDpi xmlns:a14="http://schemas.microsoft.com/office/drawing/2010/main" val="0"/>
+              </a:ext>
+            </a:extLst>
+          </a:blip>
+          <a:stretch>
+            <a:fillRect/>
+          </a:stretch>
+        </p:blipFill>
+        <p:spPr>
+          <a:xfrm>
+            <a:off x="200503" y="535406"/>
+            <a:ext cx="8774440" cy="5811252"/>
+          </a:xfrm>
+        </p:spPr>
+      </p:pic>
     </p:spTree>
     <p:extLst>
       <p:ext uri="{BB962C8B-B14F-4D97-AF65-F5344CB8AC3E}">
-        <p14:creationId xmlns:p14="http://schemas.microsoft.com/office/powerpoint/2010/main" val="2643873138"/>
+        <p14:creationId xmlns:p14="http://schemas.microsoft.com/office/powerpoint/2010/main" val="3335598495"/>
       </p:ext>
     </p:extLst>
   </p:cSld>
@@ -10008,46 +10237,9 @@
           <a:lstStyle/>
           <a:p>
             <a:r>
-              <a:rPr lang="nb-NO" dirty="0"/>
-              <a:t>Data </a:t>
-            </a:r>
-            <a:r>
-              <a:rPr lang="nb-NO" dirty="0" err="1"/>
-              <a:t>class</a:t>
-            </a:r>
-            <a:r>
-              <a:rPr lang="nb-NO" dirty="0"/>
-              <a:t> </a:t>
-            </a:r>
-            <a:r>
-              <a:rPr lang="nb-NO" dirty="0"/>
-              <a:t> </a:t>
-            </a:r>
-            <a:r>
-              <a:rPr lang="nb-NO" dirty="0" smtClean="0"/>
-              <a:t>(</a:t>
-            </a:r>
-            <a:r>
-              <a:rPr lang="nb-NO" dirty="0" err="1"/>
-              <a:t>a</a:t>
-            </a:r>
-            <a:r>
-              <a:rPr lang="nb-NO" dirty="0" err="1" smtClean="0"/>
-              <a:t>nemic</a:t>
-            </a:r>
-            <a:r>
-              <a:rPr lang="nb-NO" dirty="0" smtClean="0"/>
-              <a:t> </a:t>
-            </a:r>
-            <a:r>
-              <a:rPr lang="nb-NO" dirty="0" err="1" smtClean="0"/>
-              <a:t>object</a:t>
-            </a:r>
-            <a:r>
-              <a:rPr lang="nb-NO" dirty="0" smtClean="0"/>
-              <a:t>)</a:t>
-            </a:r>
-            <a:endParaRPr lang="nb-NO" dirty="0"/>
+              <a:rPr lang="nb-NO"/>
+              <a:t>Data clumps</a:t>
+            </a:r>
           </a:p>
         </p:txBody>
       </p:sp>
@@ -10076,7 +10268,114 @@
                   <a:srgbClr val="FF0000"/>
                 </a:solidFill>
               </a:rPr>
-              <a:t>All </a:t>
+              <a:t>A </a:t>
+            </a:r>
+            <a:r>
+              <a:rPr lang="nb-NO" dirty="0" err="1">
+                <a:solidFill>
+                  <a:srgbClr val="FF0000"/>
+                </a:solidFill>
+              </a:rPr>
+              <a:t>specific</a:t>
+            </a:r>
+            <a:r>
+              <a:rPr lang="nb-NO" dirty="0">
+                <a:solidFill>
+                  <a:srgbClr val="FF0000"/>
+                </a:solidFill>
+              </a:rPr>
+              <a:t> type </a:t>
+            </a:r>
+            <a:r>
+              <a:rPr lang="nb-NO" dirty="0" err="1">
+                <a:solidFill>
+                  <a:srgbClr val="FF0000"/>
+                </a:solidFill>
+              </a:rPr>
+              <a:t>of</a:t>
+            </a:r>
+            <a:r>
+              <a:rPr lang="nb-NO" dirty="0">
+                <a:solidFill>
+                  <a:srgbClr val="FF0000"/>
+                </a:solidFill>
+              </a:rPr>
+              <a:t> </a:t>
+            </a:r>
+            <a:r>
+              <a:rPr lang="nb-NO" dirty="0" err="1">
+                <a:solidFill>
+                  <a:srgbClr val="FF0000"/>
+                </a:solidFill>
+              </a:rPr>
+              <a:t>duplication</a:t>
+            </a:r>
+            <a:endParaRPr lang="nb-NO" dirty="0">
+              <a:solidFill>
+                <a:srgbClr val="FF0000"/>
+              </a:solidFill>
+            </a:endParaRPr>
+          </a:p>
+          <a:p>
+            <a:pPr>
+              <a:buFontTx/>
+              <a:buChar char="-"/>
+            </a:pPr>
+            <a:r>
+              <a:rPr lang="nb-NO" dirty="0">
+                <a:solidFill>
+                  <a:srgbClr val="FF0000"/>
+                </a:solidFill>
+              </a:rPr>
+              <a:t>The same or </a:t>
+            </a:r>
+            <a:r>
+              <a:rPr lang="nb-NO" dirty="0" err="1">
+                <a:solidFill>
+                  <a:srgbClr val="FF0000"/>
+                </a:solidFill>
+              </a:rPr>
+              <a:t>similar</a:t>
+            </a:r>
+            <a:r>
+              <a:rPr lang="nb-NO" dirty="0">
+                <a:solidFill>
+                  <a:srgbClr val="FF0000"/>
+                </a:solidFill>
+              </a:rPr>
+              <a:t> </a:t>
+            </a:r>
+            <a:r>
+              <a:rPr lang="nb-NO" dirty="0" err="1">
+                <a:solidFill>
+                  <a:srgbClr val="FF0000"/>
+                </a:solidFill>
+              </a:rPr>
+              <a:t>group</a:t>
+            </a:r>
+            <a:r>
+              <a:rPr lang="nb-NO" dirty="0">
+                <a:solidFill>
+                  <a:srgbClr val="FF0000"/>
+                </a:solidFill>
+              </a:rPr>
+              <a:t> </a:t>
+            </a:r>
+            <a:r>
+              <a:rPr lang="nb-NO" dirty="0" err="1">
+                <a:solidFill>
+                  <a:srgbClr val="FF0000"/>
+                </a:solidFill>
+              </a:rPr>
+              <a:t>of</a:t>
+            </a:r>
+            <a:r>
+              <a:rPr lang="nb-NO" dirty="0">
+                <a:solidFill>
+                  <a:srgbClr val="FF0000"/>
+                </a:solidFill>
+              </a:rPr>
+              <a:t> </a:t>
             </a:r>
             <a:r>
               <a:rPr lang="nb-NO" dirty="0" err="1">
@@ -10092,104 +10391,249 @@
                   <a:srgbClr val="FF0000"/>
                 </a:solidFill>
               </a:rPr>
-              <a:t> and </a:t>
-            </a:r>
-            <a:r>
-              <a:rPr lang="nb-NO" dirty="0" err="1">
-                <a:solidFill>
-                  <a:srgbClr val="FF0000"/>
-                </a:solidFill>
-              </a:rPr>
-              <a:t>no</a:t>
-            </a:r>
-            <a:r>
-              <a:rPr lang="nb-NO" dirty="0">
-                <a:solidFill>
-                  <a:srgbClr val="FF0000"/>
-                </a:solidFill>
-              </a:rPr>
-              <a:t> </a:t>
-            </a:r>
-            <a:r>
-              <a:rPr lang="nb-NO" dirty="0" err="1">
-                <a:solidFill>
-                  <a:srgbClr val="FF0000"/>
-                </a:solidFill>
-              </a:rPr>
-              <a:t>functionality</a:t>
-            </a:r>
-            <a:r>
-              <a:rPr lang="nb-NO" dirty="0">
-                <a:solidFill>
-                  <a:srgbClr val="FF0000"/>
-                </a:solidFill>
-              </a:rPr>
-              <a:t> makes </a:t>
-            </a:r>
-            <a:r>
-              <a:rPr lang="nb-NO" dirty="0" err="1">
-                <a:solidFill>
-                  <a:srgbClr val="FF0000"/>
+              <a:t> </a:t>
+            </a:r>
+            <a:r>
+              <a:rPr lang="nb-NO" dirty="0" err="1">
+                <a:solidFill>
+                  <a:srgbClr val="FF0000"/>
+                </a:solidFill>
+              </a:rPr>
+              <a:t>can</a:t>
+            </a:r>
+            <a:r>
+              <a:rPr lang="nb-NO" dirty="0">
+                <a:solidFill>
+                  <a:srgbClr val="FF0000"/>
+                </a:solidFill>
+              </a:rPr>
+              <a:t> be </a:t>
+            </a:r>
+            <a:r>
+              <a:rPr lang="nb-NO" dirty="0" err="1">
+                <a:solidFill>
+                  <a:srgbClr val="FF0000"/>
+                </a:solidFill>
+              </a:rPr>
+              <a:t>spotted</a:t>
+            </a:r>
+            <a:r>
+              <a:rPr lang="nb-NO" dirty="0">
+                <a:solidFill>
+                  <a:srgbClr val="FF0000"/>
+                </a:solidFill>
+              </a:rPr>
+              <a:t> in different </a:t>
+            </a:r>
+            <a:r>
+              <a:rPr lang="nb-NO" dirty="0" err="1">
+                <a:solidFill>
+                  <a:srgbClr val="FF0000"/>
+                </a:solidFill>
+              </a:rPr>
+              <a:t>classes</a:t>
+            </a:r>
+            <a:r>
+              <a:rPr lang="nb-NO" dirty="0">
+                <a:solidFill>
+                  <a:srgbClr val="FF0000"/>
+                </a:solidFill>
+              </a:rPr>
+              <a:t>. </a:t>
+            </a:r>
+          </a:p>
+          <a:p>
+            <a:pPr marL="0" indent="0">
+              <a:buNone/>
+            </a:pPr>
+            <a:endParaRPr lang="nb-NO" dirty="0">
+              <a:solidFill>
+                <a:srgbClr val="008000"/>
+              </a:solidFill>
+            </a:endParaRPr>
+          </a:p>
+          <a:p>
+            <a:pPr marL="0" indent="0">
+              <a:buNone/>
+            </a:pPr>
+            <a:r>
+              <a:rPr lang="nb-NO" dirty="0" err="1" smtClean="0">
+                <a:solidFill>
+                  <a:srgbClr val="008000"/>
+                </a:solidFill>
+              </a:rPr>
+              <a:t>Extract</a:t>
+            </a:r>
+            <a:r>
+              <a:rPr lang="nb-NO" dirty="0" smtClean="0">
+                <a:solidFill>
+                  <a:srgbClr val="008000"/>
+                </a:solidFill>
+              </a:rPr>
+              <a:t> </a:t>
+            </a:r>
+            <a:r>
+              <a:rPr lang="nb-NO" dirty="0" err="1" smtClean="0">
+                <a:solidFill>
+                  <a:srgbClr val="008000"/>
                 </a:solidFill>
               </a:rPr>
               <a:t>the</a:t>
             </a:r>
             <a:r>
-              <a:rPr lang="nb-NO" dirty="0">
-                <a:solidFill>
-                  <a:srgbClr val="FF0000"/>
-                </a:solidFill>
-              </a:rPr>
-              <a:t> </a:t>
-            </a:r>
-            <a:r>
-              <a:rPr lang="nb-NO" dirty="0" err="1">
-                <a:solidFill>
-                  <a:srgbClr val="FF0000"/>
-                </a:solidFill>
-              </a:rPr>
-              <a:t>object</a:t>
-            </a:r>
-            <a:r>
-              <a:rPr lang="nb-NO" dirty="0">
-                <a:solidFill>
-                  <a:srgbClr val="FF0000"/>
-                </a:solidFill>
-              </a:rPr>
-              <a:t> a dull </a:t>
-            </a:r>
-            <a:r>
-              <a:rPr lang="nb-NO" dirty="0" err="1">
-                <a:solidFill>
-                  <a:srgbClr val="FF0000"/>
-                </a:solidFill>
-              </a:rPr>
-              <a:t>quiet</a:t>
-            </a:r>
-            <a:r>
-              <a:rPr lang="nb-NO" dirty="0">
-                <a:solidFill>
-                  <a:srgbClr val="FF0000"/>
-                </a:solidFill>
-              </a:rPr>
-              <a:t> </a:t>
-            </a:r>
-            <a:r>
-              <a:rPr lang="nb-NO" dirty="0" err="1">
-                <a:solidFill>
-                  <a:srgbClr val="FF0000"/>
-                </a:solidFill>
-              </a:rPr>
-              <a:t>thing</a:t>
-            </a:r>
-            <a:r>
-              <a:rPr lang="nb-NO" dirty="0">
-                <a:solidFill>
-                  <a:srgbClr val="FF0000"/>
-                </a:solidFill>
-              </a:rPr>
-              <a:t>.</a:t>
-            </a:r>
+              <a:rPr lang="nb-NO" dirty="0" smtClean="0">
+                <a:solidFill>
+                  <a:srgbClr val="008000"/>
+                </a:solidFill>
+              </a:rPr>
+              <a:t> </a:t>
+            </a:r>
+            <a:r>
+              <a:rPr lang="nb-NO" dirty="0" err="1">
+                <a:solidFill>
+                  <a:srgbClr val="008000"/>
+                </a:solidFill>
+              </a:rPr>
+              <a:t>clump</a:t>
+            </a:r>
+            <a:r>
+              <a:rPr lang="nb-NO" dirty="0">
+                <a:solidFill>
+                  <a:srgbClr val="008000"/>
+                </a:solidFill>
+              </a:rPr>
+              <a:t> </a:t>
+            </a:r>
+            <a:r>
+              <a:rPr lang="nb-NO" dirty="0" err="1">
+                <a:solidFill>
+                  <a:srgbClr val="008000"/>
+                </a:solidFill>
+              </a:rPr>
+              <a:t>into</a:t>
+            </a:r>
+            <a:r>
+              <a:rPr lang="nb-NO" dirty="0">
+                <a:solidFill>
+                  <a:srgbClr val="008000"/>
+                </a:solidFill>
+              </a:rPr>
+              <a:t> </a:t>
+            </a:r>
+            <a:r>
+              <a:rPr lang="nb-NO" dirty="0" smtClean="0">
+                <a:solidFill>
+                  <a:srgbClr val="008000"/>
+                </a:solidFill>
+              </a:rPr>
+              <a:t>a </a:t>
+            </a:r>
+            <a:r>
+              <a:rPr lang="nb-NO" dirty="0" err="1" smtClean="0">
+                <a:solidFill>
+                  <a:srgbClr val="008000"/>
+                </a:solidFill>
+              </a:rPr>
+              <a:t>class</a:t>
+            </a:r>
+            <a:r>
+              <a:rPr lang="nb-NO" dirty="0" smtClean="0">
+                <a:solidFill>
+                  <a:srgbClr val="008000"/>
+                </a:solidFill>
+              </a:rPr>
+              <a:t> </a:t>
+            </a:r>
+            <a:r>
+              <a:rPr lang="nb-NO" dirty="0" err="1" smtClean="0">
+                <a:solidFill>
+                  <a:srgbClr val="008000"/>
+                </a:solidFill>
+              </a:rPr>
+              <a:t>with</a:t>
+            </a:r>
+            <a:r>
+              <a:rPr lang="nb-NO" dirty="0" smtClean="0">
+                <a:solidFill>
+                  <a:srgbClr val="008000"/>
+                </a:solidFill>
+              </a:rPr>
+              <a:t> </a:t>
+            </a:r>
+            <a:r>
+              <a:rPr lang="nb-NO" dirty="0" err="1" smtClean="0">
+                <a:solidFill>
+                  <a:srgbClr val="008000"/>
+                </a:solidFill>
+              </a:rPr>
+              <a:t>the</a:t>
+            </a:r>
+            <a:r>
+              <a:rPr lang="nb-NO" dirty="0" smtClean="0">
+                <a:solidFill>
+                  <a:srgbClr val="008000"/>
+                </a:solidFill>
+              </a:rPr>
+              <a:t> </a:t>
+            </a:r>
+            <a:r>
+              <a:rPr lang="nb-NO" dirty="0" err="1" smtClean="0">
+                <a:solidFill>
+                  <a:srgbClr val="008000"/>
+                </a:solidFill>
+              </a:rPr>
+              <a:t>methods</a:t>
+            </a:r>
+            <a:r>
+              <a:rPr lang="nb-NO" dirty="0" smtClean="0">
+                <a:solidFill>
+                  <a:srgbClr val="008000"/>
+                </a:solidFill>
+              </a:rPr>
+              <a:t> from </a:t>
+            </a:r>
+            <a:r>
+              <a:rPr lang="nb-NO" dirty="0" err="1" smtClean="0">
+                <a:solidFill>
+                  <a:srgbClr val="008000"/>
+                </a:solidFill>
+              </a:rPr>
+              <a:t>the</a:t>
+            </a:r>
+            <a:r>
+              <a:rPr lang="nb-NO" dirty="0" smtClean="0">
+                <a:solidFill>
+                  <a:srgbClr val="008000"/>
+                </a:solidFill>
+              </a:rPr>
+              <a:t> different </a:t>
+            </a:r>
+            <a:r>
+              <a:rPr lang="nb-NO" dirty="0" err="1" smtClean="0">
+                <a:solidFill>
+                  <a:srgbClr val="008000"/>
+                </a:solidFill>
+              </a:rPr>
+              <a:t>classes</a:t>
+            </a:r>
+            <a:r>
+              <a:rPr lang="nb-NO" dirty="0" smtClean="0">
+                <a:solidFill>
+                  <a:srgbClr val="008000"/>
+                </a:solidFill>
+              </a:rPr>
+              <a:t>. </a:t>
+            </a:r>
+          </a:p>
+          <a:p>
+            <a:pPr marL="0" indent="0">
+              <a:buNone/>
+            </a:pPr>
+            <a:endParaRPr lang="nb-NO" dirty="0">
+              <a:solidFill>
+                <a:srgbClr val="008000"/>
+              </a:solidFill>
+            </a:endParaRPr>
           </a:p>
           <a:p>
             <a:pPr marL="0" indent="0">
@@ -10197,257 +10641,12 @@
             </a:pPr>
             <a:endParaRPr lang="nb-NO" dirty="0"/>
           </a:p>
-          <a:p>
-            <a:pPr marL="0" indent="0">
-              <a:buNone/>
-            </a:pPr>
-            <a:r>
-              <a:rPr lang="nb-NO" dirty="0" err="1">
-                <a:solidFill>
-                  <a:srgbClr val="008000"/>
-                </a:solidFill>
-              </a:rPr>
-              <a:t>Look</a:t>
-            </a:r>
-            <a:r>
-              <a:rPr lang="nb-NO" dirty="0">
-                <a:solidFill>
-                  <a:srgbClr val="008000"/>
-                </a:solidFill>
-              </a:rPr>
-              <a:t> </a:t>
-            </a:r>
-            <a:r>
-              <a:rPr lang="nb-NO" dirty="0" err="1">
-                <a:solidFill>
-                  <a:srgbClr val="008000"/>
-                </a:solidFill>
-              </a:rPr>
-              <a:t>around</a:t>
-            </a:r>
-            <a:r>
-              <a:rPr lang="nb-NO" dirty="0">
-                <a:solidFill>
-                  <a:srgbClr val="008000"/>
-                </a:solidFill>
-              </a:rPr>
-              <a:t> </a:t>
-            </a:r>
-            <a:r>
-              <a:rPr lang="nb-NO" dirty="0" err="1">
-                <a:solidFill>
-                  <a:srgbClr val="008000"/>
-                </a:solidFill>
-              </a:rPr>
-              <a:t>the</a:t>
-            </a:r>
-            <a:r>
-              <a:rPr lang="nb-NO" dirty="0">
-                <a:solidFill>
-                  <a:srgbClr val="008000"/>
-                </a:solidFill>
-              </a:rPr>
-              <a:t> </a:t>
-            </a:r>
-            <a:r>
-              <a:rPr lang="nb-NO" dirty="0" err="1">
-                <a:solidFill>
-                  <a:srgbClr val="008000"/>
-                </a:solidFill>
-              </a:rPr>
-              <a:t>code</a:t>
-            </a:r>
-            <a:r>
-              <a:rPr lang="nb-NO" dirty="0">
-                <a:solidFill>
-                  <a:srgbClr val="008000"/>
-                </a:solidFill>
-              </a:rPr>
-              <a:t> for </a:t>
-            </a:r>
-            <a:r>
-              <a:rPr lang="nb-NO" dirty="0" err="1">
-                <a:solidFill>
-                  <a:srgbClr val="008000"/>
-                </a:solidFill>
-              </a:rPr>
-              <a:t>functionality</a:t>
-            </a:r>
-            <a:r>
-              <a:rPr lang="nb-NO" dirty="0">
-                <a:solidFill>
-                  <a:srgbClr val="008000"/>
-                </a:solidFill>
-              </a:rPr>
-              <a:t> </a:t>
-            </a:r>
-            <a:r>
-              <a:rPr lang="nb-NO" dirty="0" err="1">
-                <a:solidFill>
-                  <a:srgbClr val="008000"/>
-                </a:solidFill>
-              </a:rPr>
-              <a:t>that</a:t>
-            </a:r>
-            <a:r>
-              <a:rPr lang="nb-NO" dirty="0">
-                <a:solidFill>
-                  <a:srgbClr val="008000"/>
-                </a:solidFill>
-              </a:rPr>
-              <a:t> </a:t>
-            </a:r>
-            <a:r>
-              <a:rPr lang="nb-NO" dirty="0" err="1">
-                <a:solidFill>
-                  <a:srgbClr val="008000"/>
-                </a:solidFill>
-              </a:rPr>
-              <a:t>naturally</a:t>
-            </a:r>
-            <a:r>
-              <a:rPr lang="nb-NO" dirty="0">
-                <a:solidFill>
-                  <a:srgbClr val="008000"/>
-                </a:solidFill>
-              </a:rPr>
-              <a:t> </a:t>
-            </a:r>
-            <a:r>
-              <a:rPr lang="nb-NO" dirty="0" err="1">
-                <a:solidFill>
-                  <a:srgbClr val="008000"/>
-                </a:solidFill>
-              </a:rPr>
-              <a:t>belongs</a:t>
-            </a:r>
-            <a:r>
-              <a:rPr lang="nb-NO" dirty="0">
-                <a:solidFill>
-                  <a:srgbClr val="008000"/>
-                </a:solidFill>
-              </a:rPr>
-              <a:t> </a:t>
-            </a:r>
-            <a:r>
-              <a:rPr lang="nb-NO" dirty="0" err="1">
-                <a:solidFill>
-                  <a:srgbClr val="008000"/>
-                </a:solidFill>
-              </a:rPr>
-              <a:t>with</a:t>
-            </a:r>
-            <a:r>
-              <a:rPr lang="nb-NO" dirty="0">
-                <a:solidFill>
-                  <a:srgbClr val="008000"/>
-                </a:solidFill>
-              </a:rPr>
-              <a:t> </a:t>
-            </a:r>
-            <a:r>
-              <a:rPr lang="nb-NO" dirty="0" err="1">
-                <a:solidFill>
-                  <a:srgbClr val="008000"/>
-                </a:solidFill>
-              </a:rPr>
-              <a:t>the</a:t>
-            </a:r>
-            <a:r>
-              <a:rPr lang="nb-NO" dirty="0">
-                <a:solidFill>
-                  <a:srgbClr val="008000"/>
-                </a:solidFill>
-              </a:rPr>
-              <a:t> </a:t>
-            </a:r>
-            <a:r>
-              <a:rPr lang="nb-NO" dirty="0" err="1">
-                <a:solidFill>
-                  <a:srgbClr val="008000"/>
-                </a:solidFill>
-              </a:rPr>
-              <a:t>fields</a:t>
-            </a:r>
-            <a:r>
-              <a:rPr lang="nb-NO" dirty="0">
-                <a:solidFill>
-                  <a:srgbClr val="008000"/>
-                </a:solidFill>
-              </a:rPr>
-              <a:t> and </a:t>
-            </a:r>
-            <a:r>
-              <a:rPr lang="nb-NO" dirty="0" err="1">
-                <a:solidFill>
-                  <a:srgbClr val="008000"/>
-                </a:solidFill>
-              </a:rPr>
-              <a:t>move</a:t>
-            </a:r>
-            <a:r>
-              <a:rPr lang="nb-NO" dirty="0">
-                <a:solidFill>
-                  <a:srgbClr val="008000"/>
-                </a:solidFill>
-              </a:rPr>
-              <a:t> it </a:t>
-            </a:r>
-            <a:r>
-              <a:rPr lang="nb-NO" dirty="0" err="1">
-                <a:solidFill>
-                  <a:srgbClr val="008000"/>
-                </a:solidFill>
-              </a:rPr>
-              <a:t>into</a:t>
-            </a:r>
-            <a:r>
-              <a:rPr lang="nb-NO" dirty="0">
-                <a:solidFill>
-                  <a:srgbClr val="008000"/>
-                </a:solidFill>
-              </a:rPr>
-              <a:t> </a:t>
-            </a:r>
-            <a:r>
-              <a:rPr lang="nb-NO" dirty="0" err="1">
-                <a:solidFill>
-                  <a:srgbClr val="008000"/>
-                </a:solidFill>
-              </a:rPr>
-              <a:t>the</a:t>
-            </a:r>
-            <a:r>
-              <a:rPr lang="nb-NO" dirty="0">
-                <a:solidFill>
-                  <a:srgbClr val="008000"/>
-                </a:solidFill>
-              </a:rPr>
-              <a:t> </a:t>
-            </a:r>
-            <a:r>
-              <a:rPr lang="nb-NO" dirty="0" err="1">
-                <a:solidFill>
-                  <a:srgbClr val="008000"/>
-                </a:solidFill>
-              </a:rPr>
-              <a:t>class</a:t>
-            </a:r>
-            <a:r>
-              <a:rPr lang="nb-NO" dirty="0">
-                <a:solidFill>
-                  <a:srgbClr val="008000"/>
-                </a:solidFill>
-              </a:rPr>
-              <a:t>. </a:t>
-            </a:r>
-          </a:p>
         </p:txBody>
       </p:sp>
     </p:spTree>
     <p:extLst>
       <p:ext uri="{BB962C8B-B14F-4D97-AF65-F5344CB8AC3E}">
-        <p14:creationId xmlns:p14="http://schemas.microsoft.com/office/powerpoint/2010/main" val="1395905311"/>
+        <p14:creationId xmlns:p14="http://schemas.microsoft.com/office/powerpoint/2010/main" val="2643873138"/>
       </p:ext>
     </p:extLst>
   </p:cSld>
